--- a/참고문서/뱀_UML_20170626.pptx
+++ b/참고문서/뱀_UML_20170626.pptx
@@ -6,6 +6,7 @@
   </p:sldMasterIdLst>
   <p:sldIdLst>
     <p:sldId id="256" r:id="rId2"/>
+    <p:sldId id="257" r:id="rId3"/>
   </p:sldIdLst>
   <p:sldSz cx="12192000" cy="6858000"/>
   <p:notesSz cx="6858000" cy="9144000"/>
@@ -243,7 +244,7 @@
           <a:p>
             <a:fld id="{F521F576-3884-49B5-B31D-3C26BE7923B3}" type="datetimeFigureOut">
               <a:rPr lang="ko-KR" altLang="en-US" smtClean="0"/>
-              <a:t>2017-06-26</a:t>
+              <a:t>2017-06-29</a:t>
             </a:fld>
             <a:endParaRPr lang="ko-KR" altLang="en-US"/>
           </a:p>
@@ -413,7 +414,7 @@
           <a:p>
             <a:fld id="{F521F576-3884-49B5-B31D-3C26BE7923B3}" type="datetimeFigureOut">
               <a:rPr lang="ko-KR" altLang="en-US" smtClean="0"/>
-              <a:t>2017-06-26</a:t>
+              <a:t>2017-06-29</a:t>
             </a:fld>
             <a:endParaRPr lang="ko-KR" altLang="en-US"/>
           </a:p>
@@ -593,7 +594,7 @@
           <a:p>
             <a:fld id="{F521F576-3884-49B5-B31D-3C26BE7923B3}" type="datetimeFigureOut">
               <a:rPr lang="ko-KR" altLang="en-US" smtClean="0"/>
-              <a:t>2017-06-26</a:t>
+              <a:t>2017-06-29</a:t>
             </a:fld>
             <a:endParaRPr lang="ko-KR" altLang="en-US"/>
           </a:p>
@@ -763,7 +764,7 @@
           <a:p>
             <a:fld id="{F521F576-3884-49B5-B31D-3C26BE7923B3}" type="datetimeFigureOut">
               <a:rPr lang="ko-KR" altLang="en-US" smtClean="0"/>
-              <a:t>2017-06-26</a:t>
+              <a:t>2017-06-29</a:t>
             </a:fld>
             <a:endParaRPr lang="ko-KR" altLang="en-US"/>
           </a:p>
@@ -1009,7 +1010,7 @@
           <a:p>
             <a:fld id="{F521F576-3884-49B5-B31D-3C26BE7923B3}" type="datetimeFigureOut">
               <a:rPr lang="ko-KR" altLang="en-US" smtClean="0"/>
-              <a:t>2017-06-26</a:t>
+              <a:t>2017-06-29</a:t>
             </a:fld>
             <a:endParaRPr lang="ko-KR" altLang="en-US"/>
           </a:p>
@@ -1241,7 +1242,7 @@
           <a:p>
             <a:fld id="{F521F576-3884-49B5-B31D-3C26BE7923B3}" type="datetimeFigureOut">
               <a:rPr lang="ko-KR" altLang="en-US" smtClean="0"/>
-              <a:t>2017-06-26</a:t>
+              <a:t>2017-06-29</a:t>
             </a:fld>
             <a:endParaRPr lang="ko-KR" altLang="en-US"/>
           </a:p>
@@ -1608,7 +1609,7 @@
           <a:p>
             <a:fld id="{F521F576-3884-49B5-B31D-3C26BE7923B3}" type="datetimeFigureOut">
               <a:rPr lang="ko-KR" altLang="en-US" smtClean="0"/>
-              <a:t>2017-06-26</a:t>
+              <a:t>2017-06-29</a:t>
             </a:fld>
             <a:endParaRPr lang="ko-KR" altLang="en-US"/>
           </a:p>
@@ -1726,7 +1727,7 @@
           <a:p>
             <a:fld id="{F521F576-3884-49B5-B31D-3C26BE7923B3}" type="datetimeFigureOut">
               <a:rPr lang="ko-KR" altLang="en-US" smtClean="0"/>
-              <a:t>2017-06-26</a:t>
+              <a:t>2017-06-29</a:t>
             </a:fld>
             <a:endParaRPr lang="ko-KR" altLang="en-US"/>
           </a:p>
@@ -1821,7 +1822,7 @@
           <a:p>
             <a:fld id="{F521F576-3884-49B5-B31D-3C26BE7923B3}" type="datetimeFigureOut">
               <a:rPr lang="ko-KR" altLang="en-US" smtClean="0"/>
-              <a:t>2017-06-26</a:t>
+              <a:t>2017-06-29</a:t>
             </a:fld>
             <a:endParaRPr lang="ko-KR" altLang="en-US"/>
           </a:p>
@@ -2098,7 +2099,7 @@
           <a:p>
             <a:fld id="{F521F576-3884-49B5-B31D-3C26BE7923B3}" type="datetimeFigureOut">
               <a:rPr lang="ko-KR" altLang="en-US" smtClean="0"/>
-              <a:t>2017-06-26</a:t>
+              <a:t>2017-06-29</a:t>
             </a:fld>
             <a:endParaRPr lang="ko-KR" altLang="en-US"/>
           </a:p>
@@ -2351,7 +2352,7 @@
           <a:p>
             <a:fld id="{F521F576-3884-49B5-B31D-3C26BE7923B3}" type="datetimeFigureOut">
               <a:rPr lang="ko-KR" altLang="en-US" smtClean="0"/>
-              <a:t>2017-06-26</a:t>
+              <a:t>2017-06-29</a:t>
             </a:fld>
             <a:endParaRPr lang="ko-KR" altLang="en-US"/>
           </a:p>
@@ -2564,7 +2565,7 @@
           <a:p>
             <a:fld id="{F521F576-3884-49B5-B31D-3C26BE7923B3}" type="datetimeFigureOut">
               <a:rPr lang="ko-KR" altLang="en-US" smtClean="0"/>
-              <a:t>2017-06-26</a:t>
+              <a:t>2017-06-29</a:t>
             </a:fld>
             <a:endParaRPr lang="ko-KR" altLang="en-US"/>
           </a:p>
@@ -3676,11 +3677,7 @@
                       <a:pPr latinLnBrk="1"/>
                       <a:r>
                         <a:rPr lang="en-US" altLang="ko-KR" sz="1200" baseline="0" dirty="0" smtClean="0"/>
-                        <a:t>MAP</a:t>
-                      </a:r>
-                      <a:r>
-                        <a:rPr lang="en-US" altLang="ko-KR" sz="1200" baseline="0" dirty="0" smtClean="0"/>
-                        <a:t>();</a:t>
+                        <a:t>MAP();</a:t>
                       </a:r>
                     </a:p>
                     <a:p>
@@ -3697,17 +3694,12 @@
                         <a:rPr lang="en-US" altLang="ko-KR" sz="1200" baseline="0" dirty="0" smtClean="0"/>
                         <a:t>);</a:t>
                       </a:r>
-                      <a:endParaRPr lang="en-US" altLang="ko-KR" sz="1200" baseline="0" dirty="0" smtClean="0"/>
-                    </a:p>
-                    <a:p>
-                      <a:pPr latinLnBrk="1"/>
-                      <a:r>
-                        <a:rPr lang="en-US" altLang="ko-KR" sz="1200" baseline="0" dirty="0" smtClean="0"/>
-                        <a:t>~MAP</a:t>
-                      </a:r>
-                      <a:r>
-                        <a:rPr lang="en-US" altLang="ko-KR" sz="1200" baseline="0" dirty="0" smtClean="0"/>
-                        <a:t>();</a:t>
+                    </a:p>
+                    <a:p>
+                      <a:pPr latinLnBrk="1"/>
+                      <a:r>
+                        <a:rPr lang="en-US" altLang="ko-KR" sz="1200" baseline="0" dirty="0" smtClean="0"/>
+                        <a:t>~MAP();</a:t>
                       </a:r>
                     </a:p>
                     <a:p>
@@ -3821,7 +3813,6 @@
                         <a:rPr lang="en-US" altLang="ko-KR" sz="1200" baseline="0" dirty="0" smtClean="0"/>
                         <a:t>);</a:t>
                       </a:r>
-                      <a:endParaRPr lang="en-US" altLang="ko-KR" sz="1200" baseline="0" dirty="0" smtClean="0"/>
                     </a:p>
                   </a:txBody>
                   <a:tcPr/>
@@ -4054,14 +4045,14 @@
           <p:nvPr>
             <p:extLst>
               <p:ext uri="{D42A27DB-BD31-4B8C-83A1-F6EECF244321}">
-                <p14:modId xmlns:p14="http://schemas.microsoft.com/office/powerpoint/2010/main" val="717405594"/>
+                <p14:modId xmlns:p14="http://schemas.microsoft.com/office/powerpoint/2010/main" val="3074277812"/>
               </p:ext>
             </p:extLst>
           </p:nvPr>
         </p:nvGraphicFramePr>
         <p:xfrm>
           <a:off x="3223559" y="2517940"/>
-          <a:ext cx="2032000" cy="1737360"/>
+          <a:ext cx="2032000" cy="1920240"/>
         </p:xfrm>
         <a:graphic>
           <a:graphicData uri="http://schemas.openxmlformats.org/drawingml/2006/table">
@@ -4188,6 +4179,10 @@
                         <a:rPr lang="en-US" altLang="ko-KR" sz="1200" baseline="0" dirty="0" smtClean="0"/>
                         <a:t>();</a:t>
                       </a:r>
+                    </a:p>
+                    <a:p>
+                      <a:pPr latinLnBrk="1"/>
+                      <a:endParaRPr lang="en-US" altLang="ko-KR" sz="1200" baseline="0" dirty="0" smtClean="0"/>
                     </a:p>
                   </a:txBody>
                   <a:tcPr/>
@@ -4409,6 +4404,1319 @@
     <p:extLst>
       <p:ext uri="{BB962C8B-B14F-4D97-AF65-F5344CB8AC3E}">
         <p14:creationId xmlns:p14="http://schemas.microsoft.com/office/powerpoint/2010/main" val="503217227"/>
+      </p:ext>
+    </p:extLst>
+  </p:cSld>
+  <p:clrMapOvr>
+    <a:masterClrMapping/>
+  </p:clrMapOvr>
+</p:sld>
+</file>
+
+<file path=ppt/slides/slide2.xml><?xml version="1.0" encoding="utf-8"?>
+<p:sld xmlns:a="http://schemas.openxmlformats.org/drawingml/2006/main" xmlns:r="http://schemas.openxmlformats.org/officeDocument/2006/relationships" xmlns:p="http://schemas.openxmlformats.org/presentationml/2006/main">
+  <p:cSld>
+    <p:spTree>
+      <p:nvGrpSpPr>
+        <p:cNvPr id="1" name=""/>
+        <p:cNvGrpSpPr/>
+        <p:nvPr/>
+      </p:nvGrpSpPr>
+      <p:grpSpPr>
+        <a:xfrm>
+          <a:off x="0" y="0"/>
+          <a:ext cx="0" cy="0"/>
+          <a:chOff x="0" y="0"/>
+          <a:chExt cx="0" cy="0"/>
+        </a:xfrm>
+      </p:grpSpPr>
+      <p:graphicFrame>
+        <p:nvGraphicFramePr>
+          <p:cNvPr id="8" name="표 7"/>
+          <p:cNvGraphicFramePr>
+            <a:graphicFrameLocks noGrp="1"/>
+          </p:cNvGraphicFramePr>
+          <p:nvPr>
+            <p:extLst>
+              <p:ext uri="{D42A27DB-BD31-4B8C-83A1-F6EECF244321}">
+                <p14:modId xmlns:p14="http://schemas.microsoft.com/office/powerpoint/2010/main" val="2561564744"/>
+              </p:ext>
+            </p:extLst>
+          </p:nvPr>
+        </p:nvGraphicFramePr>
+        <p:xfrm>
+          <a:off x="2882601" y="3424370"/>
+          <a:ext cx="2603500" cy="2286000"/>
+        </p:xfrm>
+        <a:graphic>
+          <a:graphicData uri="http://schemas.openxmlformats.org/drawingml/2006/table">
+            <a:tbl>
+              <a:tblPr firstRow="1" bandRow="1">
+                <a:tableStyleId>{5C22544A-7EE6-4342-B048-85BDC9FD1C3A}</a:tableStyleId>
+              </a:tblPr>
+              <a:tblGrid>
+                <a:gridCol w="2603500"/>
+              </a:tblGrid>
+              <a:tr h="255247">
+                <a:tc>
+                  <a:txBody>
+                    <a:bodyPr/>
+                    <a:lstStyle/>
+                    <a:p>
+                      <a:pPr latinLnBrk="1"/>
+                      <a:r>
+                        <a:rPr lang="en-US" altLang="ko-KR" sz="1200" dirty="0" smtClean="0"/>
+                        <a:t>Snake </a:t>
+                      </a:r>
+                      <a:r>
+                        <a:rPr lang="en-US" altLang="ko-KR" sz="1200" dirty="0" smtClean="0">
+                          <a:solidFill>
+                            <a:srgbClr val="FF0000"/>
+                          </a:solidFill>
+                        </a:rPr>
+                        <a:t>– 1</a:t>
+                      </a:r>
+                      <a:r>
+                        <a:rPr lang="ko-KR" altLang="en-US" sz="1200" dirty="0" err="1" smtClean="0">
+                          <a:solidFill>
+                            <a:srgbClr val="FF0000"/>
+                          </a:solidFill>
+                        </a:rPr>
+                        <a:t>차구현완료</a:t>
+                      </a:r>
+                      <a:endParaRPr lang="ko-KR" altLang="en-US" sz="1200" dirty="0">
+                        <a:solidFill>
+                          <a:srgbClr val="FF0000"/>
+                        </a:solidFill>
+                      </a:endParaRPr>
+                    </a:p>
+                  </a:txBody>
+                  <a:tcPr/>
+                </a:tc>
+              </a:tr>
+              <a:tr h="425412">
+                <a:tc>
+                  <a:txBody>
+                    <a:bodyPr/>
+                    <a:lstStyle/>
+                    <a:p>
+                      <a:pPr latinLnBrk="1"/>
+                      <a:r>
+                        <a:rPr lang="en-US" altLang="ko-KR" sz="1200" dirty="0" smtClean="0"/>
+                        <a:t>Vector&lt;pair&lt;</a:t>
+                      </a:r>
+                      <a:r>
+                        <a:rPr lang="en-US" altLang="ko-KR" sz="1200" dirty="0" err="1" smtClean="0"/>
+                        <a:t>int,int</a:t>
+                      </a:r>
+                      <a:r>
+                        <a:rPr lang="en-US" altLang="ko-KR" sz="1200" dirty="0" smtClean="0"/>
+                        <a:t>&gt;&gt; </a:t>
+                      </a:r>
+                      <a:r>
+                        <a:rPr lang="en-US" altLang="ko-KR" sz="1200" dirty="0" err="1" smtClean="0"/>
+                        <a:t>vSnake</a:t>
+                      </a:r>
+                      <a:r>
+                        <a:rPr lang="en-US" altLang="ko-KR" sz="1200" dirty="0" smtClean="0"/>
+                        <a:t>;</a:t>
+                      </a:r>
+                    </a:p>
+                    <a:p>
+                      <a:pPr latinLnBrk="1"/>
+                      <a:r>
+                        <a:rPr lang="en-US" altLang="ko-KR" sz="1200" b="0" dirty="0" smtClean="0"/>
+                        <a:t>Direction</a:t>
+                      </a:r>
+                      <a:r>
+                        <a:rPr lang="en-US" altLang="ko-KR" sz="1200" dirty="0" smtClean="0"/>
+                        <a:t> </a:t>
+                      </a:r>
+                      <a:r>
+                        <a:rPr lang="en-US" altLang="ko-KR" sz="1200" dirty="0" err="1" smtClean="0"/>
+                        <a:t>Dir</a:t>
+                      </a:r>
+                      <a:r>
+                        <a:rPr lang="en-US" altLang="ko-KR" sz="1200" dirty="0" smtClean="0"/>
+                        <a:t>;</a:t>
+                      </a:r>
+                      <a:endParaRPr lang="ko-KR" altLang="en-US" sz="1200" dirty="0"/>
+                    </a:p>
+                  </a:txBody>
+                  <a:tcPr/>
+                </a:tc>
+              </a:tr>
+              <a:tr h="1465640">
+                <a:tc>
+                  <a:txBody>
+                    <a:bodyPr/>
+                    <a:lstStyle/>
+                    <a:p>
+                      <a:pPr latinLnBrk="1"/>
+                      <a:r>
+                        <a:rPr lang="en-US" altLang="ko-KR" sz="1200" dirty="0" smtClean="0"/>
+                        <a:t>Snake();</a:t>
+                      </a:r>
+                    </a:p>
+                    <a:p>
+                      <a:pPr latinLnBrk="1"/>
+                      <a:r>
+                        <a:rPr lang="en-US" altLang="ko-KR" sz="1200" dirty="0" smtClean="0"/>
+                        <a:t>~Snake();</a:t>
+                      </a:r>
+                    </a:p>
+                    <a:p>
+                      <a:pPr latinLnBrk="1"/>
+                      <a:r>
+                        <a:rPr lang="en-US" altLang="ko-KR" sz="1200" dirty="0" err="1" smtClean="0"/>
+                        <a:t>Int</a:t>
+                      </a:r>
+                      <a:r>
+                        <a:rPr lang="en-US" altLang="ko-KR" sz="1200" baseline="0" dirty="0" smtClean="0"/>
+                        <a:t> </a:t>
+                      </a:r>
+                      <a:r>
+                        <a:rPr lang="en-US" altLang="ko-KR" sz="1200" baseline="0" dirty="0" err="1" smtClean="0"/>
+                        <a:t>GetSize</a:t>
+                      </a:r>
+                      <a:r>
+                        <a:rPr lang="en-US" altLang="ko-KR" sz="1200" baseline="0" dirty="0" smtClean="0"/>
+                        <a:t>();</a:t>
+                      </a:r>
+                    </a:p>
+                    <a:p>
+                      <a:pPr latinLnBrk="1"/>
+                      <a:r>
+                        <a:rPr lang="en-US" altLang="ko-KR" sz="1200" baseline="0" dirty="0" smtClean="0"/>
+                        <a:t>Direction </a:t>
+                      </a:r>
+                      <a:r>
+                        <a:rPr lang="en-US" altLang="ko-KR" sz="1200" baseline="0" dirty="0" err="1" smtClean="0"/>
+                        <a:t>GetDir</a:t>
+                      </a:r>
+                      <a:r>
+                        <a:rPr lang="en-US" altLang="ko-KR" sz="1200" baseline="0" dirty="0" smtClean="0"/>
+                        <a:t>();</a:t>
+                      </a:r>
+                    </a:p>
+                    <a:p>
+                      <a:pPr latinLnBrk="1"/>
+                      <a:r>
+                        <a:rPr lang="en-US" altLang="ko-KR" sz="1200" baseline="0" dirty="0" smtClean="0"/>
+                        <a:t>Direction </a:t>
+                      </a:r>
+                      <a:r>
+                        <a:rPr lang="en-US" altLang="ko-KR" sz="1200" baseline="0" dirty="0" err="1" smtClean="0"/>
+                        <a:t>SetDir</a:t>
+                      </a:r>
+                      <a:r>
+                        <a:rPr lang="en-US" altLang="ko-KR" sz="1200" baseline="0" dirty="0" smtClean="0"/>
+                        <a:t>(Direction </a:t>
+                      </a:r>
+                      <a:r>
+                        <a:rPr lang="en-US" altLang="ko-KR" sz="1200" baseline="0" dirty="0" err="1" smtClean="0"/>
+                        <a:t>NextDir</a:t>
+                      </a:r>
+                      <a:r>
+                        <a:rPr lang="en-US" altLang="ko-KR" sz="1200" baseline="0" dirty="0" smtClean="0"/>
+                        <a:t>);</a:t>
+                      </a:r>
+                    </a:p>
+                    <a:p>
+                      <a:pPr latinLnBrk="1"/>
+                      <a:r>
+                        <a:rPr lang="en-US" altLang="ko-KR" sz="1200" baseline="0" dirty="0" smtClean="0"/>
+                        <a:t>+ </a:t>
+                      </a:r>
+                      <a:r>
+                        <a:rPr lang="en-US" altLang="ko-KR" sz="1200" baseline="0" dirty="0" err="1" smtClean="0"/>
+                        <a:t>bool</a:t>
+                      </a:r>
+                      <a:r>
+                        <a:rPr lang="en-US" altLang="ko-KR" sz="1200" baseline="0" dirty="0" smtClean="0"/>
+                        <a:t> </a:t>
+                      </a:r>
+                      <a:r>
+                        <a:rPr lang="en-US" altLang="ko-KR" sz="1200" baseline="0" dirty="0" err="1" smtClean="0"/>
+                        <a:t>MoveSnake</a:t>
+                      </a:r>
+                      <a:r>
+                        <a:rPr lang="en-US" altLang="ko-KR" sz="1200" baseline="0" dirty="0" smtClean="0"/>
+                        <a:t>(APPLE_CLR); </a:t>
+                      </a:r>
+                    </a:p>
+                    <a:p>
+                      <a:pPr latinLnBrk="1"/>
+                      <a:r>
+                        <a:rPr lang="en-US" altLang="ko-KR" sz="1200" baseline="0" dirty="0" smtClean="0"/>
+                        <a:t>//snake kill </a:t>
+                      </a:r>
+                      <a:r>
+                        <a:rPr lang="ko-KR" altLang="en-US" sz="1200" baseline="0" dirty="0" smtClean="0"/>
+                        <a:t>결과</a:t>
+                      </a:r>
+                      <a:r>
+                        <a:rPr lang="en-US" altLang="ko-KR" sz="1200" baseline="0" dirty="0" smtClean="0"/>
+                        <a:t>, </a:t>
+                      </a:r>
+                      <a:r>
+                        <a:rPr lang="ko-KR" altLang="en-US" sz="1200" baseline="0" dirty="0" smtClean="0"/>
+                        <a:t>몸길이</a:t>
+                      </a:r>
+                      <a:r>
+                        <a:rPr lang="en-US" altLang="ko-KR" sz="1200" baseline="0" dirty="0" smtClean="0"/>
+                        <a:t>0</a:t>
+                      </a:r>
+                      <a:r>
+                        <a:rPr lang="ko-KR" altLang="en-US" sz="1200" baseline="0" dirty="0" smtClean="0"/>
+                        <a:t>인지</a:t>
+                      </a:r>
+                      <a:endParaRPr lang="en-US" altLang="ko-KR" sz="1200" baseline="0" dirty="0" smtClean="0"/>
+                    </a:p>
+                    <a:p>
+                      <a:pPr latinLnBrk="1"/>
+                      <a:r>
+                        <a:rPr lang="en-US" altLang="ko-KR" sz="1200" kern="1200" baseline="0" dirty="0" smtClean="0">
+                          <a:solidFill>
+                            <a:schemeClr val="dk1"/>
+                          </a:solidFill>
+                          <a:latin typeface="+mn-lt"/>
+                          <a:ea typeface="+mn-ea"/>
+                          <a:cs typeface="+mn-cs"/>
+                        </a:rPr>
+                        <a:t>- </a:t>
+                      </a:r>
+                      <a:r>
+                        <a:rPr lang="en-US" altLang="ko-KR" sz="1200" kern="1200" dirty="0" err="1" smtClean="0">
+                          <a:solidFill>
+                            <a:schemeClr val="dk1"/>
+                          </a:solidFill>
+                          <a:latin typeface="+mn-lt"/>
+                          <a:ea typeface="+mn-ea"/>
+                          <a:cs typeface="+mn-cs"/>
+                        </a:rPr>
+                        <a:t>bool</a:t>
+                      </a:r>
+                      <a:r>
+                        <a:rPr lang="en-US" altLang="ko-KR" sz="1200" kern="1200" dirty="0" smtClean="0">
+                          <a:solidFill>
+                            <a:schemeClr val="dk1"/>
+                          </a:solidFill>
+                          <a:latin typeface="+mn-lt"/>
+                          <a:ea typeface="+mn-ea"/>
+                          <a:cs typeface="+mn-cs"/>
+                        </a:rPr>
+                        <a:t> </a:t>
+                      </a:r>
+                      <a:r>
+                        <a:rPr lang="en-US" altLang="ko-KR" sz="1200" kern="1200" dirty="0" err="1" smtClean="0">
+                          <a:solidFill>
+                            <a:schemeClr val="dk1"/>
+                          </a:solidFill>
+                          <a:latin typeface="+mn-lt"/>
+                          <a:ea typeface="+mn-ea"/>
+                          <a:cs typeface="+mn-cs"/>
+                        </a:rPr>
+                        <a:t>SnakeSelfKill</a:t>
+                      </a:r>
+                      <a:r>
+                        <a:rPr lang="en-US" altLang="ko-KR" sz="1200" kern="1200" dirty="0" smtClean="0">
+                          <a:solidFill>
+                            <a:schemeClr val="dk1"/>
+                          </a:solidFill>
+                          <a:latin typeface="+mn-lt"/>
+                          <a:ea typeface="+mn-ea"/>
+                          <a:cs typeface="+mn-cs"/>
+                        </a:rPr>
+                        <a:t>(); // </a:t>
+                      </a:r>
+                      <a:r>
+                        <a:rPr lang="ko-KR" altLang="en-US" sz="1200" kern="1200" dirty="0" smtClean="0">
+                          <a:solidFill>
+                            <a:schemeClr val="dk1"/>
+                          </a:solidFill>
+                          <a:latin typeface="+mn-lt"/>
+                          <a:ea typeface="+mn-ea"/>
+                          <a:cs typeface="+mn-cs"/>
+                        </a:rPr>
+                        <a:t>상태유지</a:t>
+                      </a:r>
+                      <a:endParaRPr lang="ko-KR" altLang="en-US" sz="1200" dirty="0"/>
+                    </a:p>
+                  </a:txBody>
+                  <a:tcPr/>
+                </a:tc>
+              </a:tr>
+            </a:tbl>
+          </a:graphicData>
+        </a:graphic>
+      </p:graphicFrame>
+      <p:graphicFrame>
+        <p:nvGraphicFramePr>
+          <p:cNvPr id="9" name="표 8"/>
+          <p:cNvGraphicFramePr>
+            <a:graphicFrameLocks noGrp="1"/>
+          </p:cNvGraphicFramePr>
+          <p:nvPr>
+            <p:extLst>
+              <p:ext uri="{D42A27DB-BD31-4B8C-83A1-F6EECF244321}">
+                <p14:modId xmlns:p14="http://schemas.microsoft.com/office/powerpoint/2010/main" val="3525911925"/>
+              </p:ext>
+            </p:extLst>
+          </p:nvPr>
+        </p:nvGraphicFramePr>
+        <p:xfrm>
+          <a:off x="5965526" y="933761"/>
+          <a:ext cx="2667000" cy="2288815"/>
+        </p:xfrm>
+        <a:graphic>
+          <a:graphicData uri="http://schemas.openxmlformats.org/drawingml/2006/table">
+            <a:tbl>
+              <a:tblPr firstRow="1" bandRow="1">
+                <a:tableStyleId>{5C22544A-7EE6-4342-B048-85BDC9FD1C3A}</a:tableStyleId>
+              </a:tblPr>
+              <a:tblGrid>
+                <a:gridCol w="2667000"/>
+              </a:tblGrid>
+              <a:tr h="203200">
+                <a:tc>
+                  <a:txBody>
+                    <a:bodyPr/>
+                    <a:lstStyle/>
+                    <a:p>
+                      <a:pPr latinLnBrk="1"/>
+                      <a:r>
+                        <a:rPr lang="en-US" altLang="ko-KR" sz="1200" dirty="0" smtClean="0"/>
+                        <a:t>Apple </a:t>
+                      </a:r>
+                      <a:r>
+                        <a:rPr lang="en-US" altLang="ko-KR" sz="1200" dirty="0" smtClean="0">
+                          <a:solidFill>
+                            <a:srgbClr val="FF0000"/>
+                          </a:solidFill>
+                        </a:rPr>
+                        <a:t>– 1</a:t>
+                      </a:r>
+                      <a:r>
+                        <a:rPr lang="ko-KR" altLang="en-US" sz="1200" dirty="0" err="1" smtClean="0">
+                          <a:solidFill>
+                            <a:srgbClr val="FF0000"/>
+                          </a:solidFill>
+                        </a:rPr>
+                        <a:t>차구현완료</a:t>
+                      </a:r>
+                      <a:endParaRPr lang="ko-KR" altLang="en-US" sz="1200" dirty="0">
+                        <a:solidFill>
+                          <a:srgbClr val="FF0000"/>
+                        </a:solidFill>
+                      </a:endParaRPr>
+                    </a:p>
+                  </a:txBody>
+                  <a:tcPr/>
+                </a:tc>
+              </a:tr>
+              <a:tr h="297180">
+                <a:tc>
+                  <a:txBody>
+                    <a:bodyPr/>
+                    <a:lstStyle/>
+                    <a:p>
+                      <a:pPr latinLnBrk="1"/>
+                      <a:r>
+                        <a:rPr lang="en-US" altLang="ko-KR" sz="1200" dirty="0" smtClean="0"/>
+                        <a:t>APPLE_COLOR </a:t>
+                      </a:r>
+                      <a:r>
+                        <a:rPr lang="en-US" altLang="ko-KR" sz="1200" dirty="0" err="1" smtClean="0"/>
+                        <a:t>eColor</a:t>
+                      </a:r>
+                      <a:r>
+                        <a:rPr lang="en-US" altLang="ko-KR" sz="1200" dirty="0" smtClean="0"/>
+                        <a:t>;</a:t>
+                      </a:r>
+                    </a:p>
+                    <a:p>
+                      <a:pPr latinLnBrk="1"/>
+                      <a:r>
+                        <a:rPr lang="en-US" altLang="ko-KR" sz="1200" dirty="0" err="1" smtClean="0"/>
+                        <a:t>Int</a:t>
+                      </a:r>
+                      <a:r>
+                        <a:rPr lang="en-US" altLang="ko-KR" sz="1200" baseline="0" dirty="0" smtClean="0"/>
+                        <a:t> x, y;</a:t>
+                      </a:r>
+                      <a:endParaRPr lang="ko-KR" altLang="en-US" sz="1200" dirty="0"/>
+                    </a:p>
+                  </a:txBody>
+                  <a:tcPr/>
+                </a:tc>
+              </a:tr>
+              <a:tr h="1557295">
+                <a:tc>
+                  <a:txBody>
+                    <a:bodyPr/>
+                    <a:lstStyle/>
+                    <a:p>
+                      <a:pPr latinLnBrk="1"/>
+                      <a:r>
+                        <a:rPr lang="en-US" altLang="ko-KR" sz="1200" dirty="0" smtClean="0"/>
+                        <a:t>- Apple</a:t>
+                      </a:r>
+                      <a:r>
+                        <a:rPr lang="en-US" altLang="ko-KR" sz="1200" dirty="0" smtClean="0"/>
+                        <a:t>();</a:t>
+                      </a:r>
+                    </a:p>
+                    <a:p>
+                      <a:pPr latinLnBrk="1"/>
+                      <a:r>
+                        <a:rPr lang="en-US" altLang="ko-KR" sz="1200" dirty="0" smtClean="0"/>
+                        <a:t>~Apple</a:t>
+                      </a:r>
+                      <a:r>
+                        <a:rPr lang="en-US" altLang="ko-KR" sz="1200" dirty="0" smtClean="0"/>
+                        <a:t>();</a:t>
+                      </a:r>
+                    </a:p>
+                    <a:p>
+                      <a:pPr latinLnBrk="1"/>
+                      <a:r>
+                        <a:rPr lang="en-US" altLang="ko-KR" sz="1200" dirty="0" smtClean="0"/>
+                        <a:t>+Apple* </a:t>
+                      </a:r>
+                      <a:r>
+                        <a:rPr lang="en-US" altLang="ko-KR" sz="1200" baseline="0" dirty="0" err="1" smtClean="0"/>
+                        <a:t>createApple</a:t>
+                      </a:r>
+                      <a:r>
+                        <a:rPr lang="en-US" altLang="ko-KR" sz="1200" baseline="0" dirty="0" smtClean="0"/>
+                        <a:t>(</a:t>
+                      </a:r>
+                      <a:r>
+                        <a:rPr lang="en-US" altLang="ko-KR" sz="1200" baseline="0" dirty="0" err="1" smtClean="0"/>
+                        <a:t>int</a:t>
+                      </a:r>
+                      <a:r>
+                        <a:rPr lang="en-US" altLang="ko-KR" sz="1200" baseline="0" dirty="0" smtClean="0"/>
+                        <a:t> </a:t>
+                      </a:r>
+                      <a:r>
+                        <a:rPr lang="en-US" altLang="ko-KR" sz="1200" baseline="0" dirty="0" err="1" smtClean="0"/>
+                        <a:t>nMapSizex</a:t>
+                      </a:r>
+                      <a:r>
+                        <a:rPr lang="en-US" altLang="ko-KR" sz="1200" baseline="0" dirty="0" smtClean="0"/>
+                        <a:t>, y, color);</a:t>
+                      </a:r>
+                    </a:p>
+                    <a:p>
+                      <a:pPr latinLnBrk="1"/>
+                      <a:r>
+                        <a:rPr lang="en-US" altLang="ko-KR" sz="1200" baseline="0" dirty="0" smtClean="0"/>
+                        <a:t>+</a:t>
+                      </a:r>
+                    </a:p>
+                    <a:p>
+                      <a:pPr marL="171450" indent="-171450" latinLnBrk="1">
+                        <a:buFontTx/>
+                        <a:buChar char="-"/>
+                      </a:pPr>
+                      <a:r>
+                        <a:rPr lang="en-US" altLang="ko-KR" sz="1200" baseline="0" dirty="0" err="1" smtClean="0"/>
+                        <a:t>Randomxy</a:t>
+                      </a:r>
+                      <a:endParaRPr lang="en-US" altLang="ko-KR" sz="1200" baseline="0" dirty="0" smtClean="0"/>
+                    </a:p>
+                    <a:p>
+                      <a:pPr marL="171450" indent="-171450" latinLnBrk="1">
+                        <a:buFontTx/>
+                        <a:buChar char="-"/>
+                      </a:pPr>
+                      <a:r>
+                        <a:rPr lang="en-US" altLang="ko-KR" sz="1200" baseline="0" dirty="0" err="1" smtClean="0"/>
+                        <a:t>Randomcolor</a:t>
+                      </a:r>
+                      <a:endParaRPr lang="en-US" altLang="ko-KR" sz="1200" baseline="0" dirty="0" smtClean="0"/>
+                    </a:p>
+                    <a:p>
+                      <a:pPr marL="171450" indent="-171450" latinLnBrk="1">
+                        <a:buFontTx/>
+                        <a:buChar char="-"/>
+                      </a:pPr>
+                      <a:endParaRPr lang="en-US" altLang="ko-KR" sz="1200" dirty="0" smtClean="0"/>
+                    </a:p>
+                  </a:txBody>
+                  <a:tcPr/>
+                </a:tc>
+              </a:tr>
+            </a:tbl>
+          </a:graphicData>
+        </a:graphic>
+      </p:graphicFrame>
+      <p:graphicFrame>
+        <p:nvGraphicFramePr>
+          <p:cNvPr id="10" name="표 9"/>
+          <p:cNvGraphicFramePr>
+            <a:graphicFrameLocks noGrp="1"/>
+          </p:cNvGraphicFramePr>
+          <p:nvPr>
+            <p:extLst>
+              <p:ext uri="{D42A27DB-BD31-4B8C-83A1-F6EECF244321}">
+                <p14:modId xmlns:p14="http://schemas.microsoft.com/office/powerpoint/2010/main" val="3767401810"/>
+              </p:ext>
+            </p:extLst>
+          </p:nvPr>
+        </p:nvGraphicFramePr>
+        <p:xfrm>
+          <a:off x="2866726" y="454279"/>
+          <a:ext cx="2667000" cy="2651760"/>
+        </p:xfrm>
+        <a:graphic>
+          <a:graphicData uri="http://schemas.openxmlformats.org/drawingml/2006/table">
+            <a:tbl>
+              <a:tblPr firstRow="1" bandRow="1">
+                <a:tableStyleId>{5C22544A-7EE6-4342-B048-85BDC9FD1C3A}</a:tableStyleId>
+              </a:tblPr>
+              <a:tblGrid>
+                <a:gridCol w="2667000"/>
+              </a:tblGrid>
+              <a:tr h="0">
+                <a:tc>
+                  <a:txBody>
+                    <a:bodyPr/>
+                    <a:lstStyle/>
+                    <a:p>
+                      <a:pPr latinLnBrk="1"/>
+                      <a:r>
+                        <a:rPr lang="en-US" altLang="ko-KR" sz="1200" dirty="0" smtClean="0"/>
+                        <a:t>MAP </a:t>
+                      </a:r>
+                      <a:r>
+                        <a:rPr lang="en-US" altLang="ko-KR" sz="1200" dirty="0" smtClean="0">
+                          <a:solidFill>
+                            <a:srgbClr val="FF0000"/>
+                          </a:solidFill>
+                        </a:rPr>
+                        <a:t>– 1</a:t>
+                      </a:r>
+                      <a:r>
+                        <a:rPr lang="ko-KR" altLang="en-US" sz="1200" dirty="0" err="1" smtClean="0">
+                          <a:solidFill>
+                            <a:srgbClr val="FF0000"/>
+                          </a:solidFill>
+                        </a:rPr>
+                        <a:t>차구현완료</a:t>
+                      </a:r>
+                      <a:endParaRPr lang="ko-KR" altLang="en-US" sz="1200" dirty="0">
+                        <a:solidFill>
+                          <a:srgbClr val="FF0000"/>
+                        </a:solidFill>
+                      </a:endParaRPr>
+                    </a:p>
+                  </a:txBody>
+                  <a:tcPr/>
+                </a:tc>
+              </a:tr>
+              <a:tr h="492150">
+                <a:tc>
+                  <a:txBody>
+                    <a:bodyPr/>
+                    <a:lstStyle/>
+                    <a:p>
+                      <a:pPr latinLnBrk="1"/>
+                      <a:r>
+                        <a:rPr lang="en-US" altLang="ko-KR" sz="1200" dirty="0" err="1" smtClean="0"/>
+                        <a:t>Int</a:t>
+                      </a:r>
+                      <a:r>
+                        <a:rPr lang="en-US" altLang="ko-KR" sz="1200" baseline="0" dirty="0" smtClean="0"/>
+                        <a:t> X, Y</a:t>
+                      </a:r>
+                      <a:r>
+                        <a:rPr lang="en-US" altLang="ko-KR" sz="1200" baseline="0" dirty="0" smtClean="0"/>
+                        <a:t>; -</a:t>
+                      </a:r>
+                      <a:r>
+                        <a:rPr lang="en-US" altLang="ko-KR" sz="1200" baseline="0" dirty="0" err="1" smtClean="0"/>
+                        <a:t>mapsize</a:t>
+                      </a:r>
+                      <a:endParaRPr lang="en-US" altLang="ko-KR" sz="1200" baseline="0" dirty="0" smtClean="0"/>
+                    </a:p>
+                    <a:p>
+                      <a:pPr latinLnBrk="1"/>
+                      <a:r>
+                        <a:rPr lang="en-US" altLang="ko-KR" sz="1200" baseline="0" dirty="0" smtClean="0"/>
+                        <a:t>Vector&lt;Apple&gt; </a:t>
+                      </a:r>
+                      <a:r>
+                        <a:rPr lang="en-US" altLang="ko-KR" sz="1200" baseline="0" dirty="0" err="1" smtClean="0"/>
+                        <a:t>vApple</a:t>
+                      </a:r>
+                      <a:endParaRPr lang="en-US" altLang="ko-KR" sz="1200" baseline="0" dirty="0" smtClean="0"/>
+                    </a:p>
+                    <a:p>
+                      <a:pPr latinLnBrk="1"/>
+                      <a:r>
+                        <a:rPr lang="en-US" altLang="ko-KR" sz="1200" baseline="0" dirty="0" smtClean="0"/>
+                        <a:t>Vector&lt;vector&lt;</a:t>
+                      </a:r>
+                      <a:r>
+                        <a:rPr lang="en-US" altLang="ko-KR" sz="1200" baseline="0" dirty="0" err="1" smtClean="0"/>
+                        <a:t>int</a:t>
+                      </a:r>
+                      <a:r>
+                        <a:rPr lang="en-US" altLang="ko-KR" sz="1200" baseline="0" dirty="0" smtClean="0"/>
+                        <a:t>&gt;&gt; </a:t>
+                      </a:r>
+                      <a:r>
+                        <a:rPr lang="en-US" altLang="ko-KR" sz="1200" baseline="0" dirty="0" err="1" smtClean="0"/>
+                        <a:t>vMap</a:t>
+                      </a:r>
+                      <a:r>
+                        <a:rPr lang="en-US" altLang="ko-KR" sz="1200" baseline="0" dirty="0" smtClean="0"/>
+                        <a:t>;</a:t>
+                      </a:r>
+                      <a:endParaRPr lang="ko-KR" altLang="en-US" sz="1200" dirty="0"/>
+                    </a:p>
+                  </a:txBody>
+                  <a:tcPr/>
+                </a:tc>
+              </a:tr>
+              <a:tr h="931300">
+                <a:tc>
+                  <a:txBody>
+                    <a:bodyPr/>
+                    <a:lstStyle/>
+                    <a:p>
+                      <a:pPr latinLnBrk="1"/>
+                      <a:r>
+                        <a:rPr lang="en-US" altLang="ko-KR" sz="1200" baseline="0" dirty="0" smtClean="0"/>
+                        <a:t>MAP();</a:t>
+                      </a:r>
+                    </a:p>
+                    <a:p>
+                      <a:pPr latinLnBrk="1"/>
+                      <a:r>
+                        <a:rPr lang="en-US" altLang="ko-KR" sz="1200" baseline="0" dirty="0" smtClean="0"/>
+                        <a:t>Map(</a:t>
+                      </a:r>
+                      <a:r>
+                        <a:rPr lang="en-US" altLang="ko-KR" sz="1200" baseline="0" dirty="0" err="1" smtClean="0"/>
+                        <a:t>x,y</a:t>
+                      </a:r>
+                      <a:r>
+                        <a:rPr lang="en-US" altLang="ko-KR" sz="1200" baseline="0" dirty="0" smtClean="0"/>
+                        <a:t>);</a:t>
+                      </a:r>
+                    </a:p>
+                    <a:p>
+                      <a:pPr latinLnBrk="1"/>
+                      <a:r>
+                        <a:rPr lang="en-US" altLang="ko-KR" sz="1200" baseline="0" dirty="0" smtClean="0"/>
+                        <a:t>~MAP</a:t>
+                      </a:r>
+                      <a:r>
+                        <a:rPr lang="en-US" altLang="ko-KR" sz="1200" baseline="0" dirty="0" smtClean="0"/>
+                        <a:t>();</a:t>
+                      </a:r>
+                    </a:p>
+                    <a:p>
+                      <a:pPr latinLnBrk="1"/>
+                      <a:r>
+                        <a:rPr lang="en-US" altLang="ko-KR" sz="1200" baseline="0" dirty="0" smtClean="0"/>
+                        <a:t>+SIZE </a:t>
+                      </a:r>
+                      <a:r>
+                        <a:rPr lang="en-US" altLang="ko-KR" sz="1200" baseline="0" dirty="0" err="1" smtClean="0"/>
+                        <a:t>getMapSize</a:t>
+                      </a:r>
+                      <a:r>
+                        <a:rPr lang="en-US" altLang="ko-KR" sz="1200" baseline="0" dirty="0" smtClean="0"/>
+                        <a:t>();</a:t>
+                      </a:r>
+                      <a:endParaRPr lang="en-US" altLang="ko-KR" sz="1200" baseline="0" dirty="0" smtClean="0"/>
+                    </a:p>
+                    <a:p>
+                      <a:pPr latinLnBrk="1"/>
+                      <a:r>
+                        <a:rPr lang="en-US" altLang="ko-KR" sz="1200" baseline="0" dirty="0" smtClean="0"/>
+                        <a:t>+ APPLE* </a:t>
+                      </a:r>
+                      <a:r>
+                        <a:rPr lang="en-US" altLang="ko-KR" sz="1200" baseline="0" dirty="0" err="1" smtClean="0"/>
+                        <a:t>ExistApple</a:t>
+                      </a:r>
+                      <a:r>
+                        <a:rPr lang="en-US" altLang="ko-KR" sz="1200" baseline="0" dirty="0" smtClean="0"/>
+                        <a:t>(</a:t>
+                      </a:r>
+                      <a:r>
+                        <a:rPr lang="en-US" altLang="ko-KR" sz="1200" baseline="0" dirty="0" err="1" smtClean="0"/>
+                        <a:t>int</a:t>
+                      </a:r>
+                      <a:r>
+                        <a:rPr lang="en-US" altLang="ko-KR" sz="1200" baseline="0" dirty="0" smtClean="0"/>
+                        <a:t> </a:t>
+                      </a:r>
+                      <a:r>
+                        <a:rPr lang="en-US" altLang="ko-KR" sz="1200" baseline="0" dirty="0" smtClean="0"/>
+                        <a:t>x, </a:t>
+                      </a:r>
+                      <a:r>
+                        <a:rPr lang="en-US" altLang="ko-KR" sz="1200" baseline="0" dirty="0" err="1" smtClean="0"/>
+                        <a:t>int</a:t>
+                      </a:r>
+                      <a:r>
+                        <a:rPr lang="en-US" altLang="ko-KR" sz="1200" baseline="0" dirty="0" smtClean="0"/>
+                        <a:t> y);</a:t>
+                      </a:r>
+                    </a:p>
+                    <a:p>
+                      <a:pPr latinLnBrk="1"/>
+                      <a:r>
+                        <a:rPr lang="en-US" altLang="ko-KR" sz="1200" baseline="0" dirty="0" smtClean="0"/>
+                        <a:t>-Void </a:t>
+                      </a:r>
+                      <a:r>
+                        <a:rPr lang="en-US" altLang="ko-KR" sz="1200" baseline="0" dirty="0" err="1" smtClean="0"/>
+                        <a:t>MakeApple</a:t>
+                      </a:r>
+                      <a:r>
+                        <a:rPr lang="en-US" altLang="ko-KR" sz="1200" baseline="0" dirty="0" smtClean="0"/>
+                        <a:t>(); -&gt; apple-&gt;</a:t>
+                      </a:r>
+                      <a:r>
+                        <a:rPr lang="en-US" altLang="ko-KR" sz="1200" baseline="0" dirty="0" err="1" smtClean="0"/>
+                        <a:t>createapple</a:t>
+                      </a:r>
+                      <a:r>
+                        <a:rPr lang="en-US" altLang="ko-KR" sz="1200" baseline="0" dirty="0" smtClean="0"/>
+                        <a:t> </a:t>
+                      </a:r>
+                      <a:r>
+                        <a:rPr lang="ko-KR" altLang="en-US" sz="1200" baseline="0" dirty="0" smtClean="0"/>
+                        <a:t>호출 후 </a:t>
+                      </a:r>
+                      <a:r>
+                        <a:rPr lang="en-US" altLang="ko-KR" sz="1200" baseline="0" dirty="0" err="1" smtClean="0"/>
+                        <a:t>existApple</a:t>
+                      </a:r>
+                      <a:r>
+                        <a:rPr lang="en-US" altLang="ko-KR" sz="1200" baseline="0" dirty="0" smtClean="0"/>
+                        <a:t>()</a:t>
+                      </a:r>
+                      <a:endParaRPr lang="en-US" altLang="ko-KR" sz="1200" baseline="0" dirty="0" smtClean="0"/>
+                    </a:p>
+                    <a:p>
+                      <a:pPr latinLnBrk="1"/>
+                      <a:r>
+                        <a:rPr lang="en-US" altLang="ko-KR" sz="1200" baseline="0" dirty="0" smtClean="0"/>
+                        <a:t>Void </a:t>
+                      </a:r>
+                      <a:r>
+                        <a:rPr lang="en-US" altLang="ko-KR" sz="1200" baseline="0" dirty="0" err="1" smtClean="0"/>
+                        <a:t>DeleteApple</a:t>
+                      </a:r>
+                      <a:r>
+                        <a:rPr lang="en-US" altLang="ko-KR" sz="1200" baseline="0" dirty="0" smtClean="0"/>
+                        <a:t>(</a:t>
+                      </a:r>
+                      <a:r>
+                        <a:rPr lang="en-US" altLang="ko-KR" sz="1200" baseline="0" dirty="0" err="1" smtClean="0"/>
+                        <a:t>int</a:t>
+                      </a:r>
+                      <a:r>
+                        <a:rPr lang="en-US" altLang="ko-KR" sz="1200" baseline="0" dirty="0" smtClean="0"/>
+                        <a:t> x, </a:t>
+                      </a:r>
+                      <a:r>
+                        <a:rPr lang="en-US" altLang="ko-KR" sz="1200" baseline="0" dirty="0" err="1" smtClean="0"/>
+                        <a:t>int</a:t>
+                      </a:r>
+                      <a:r>
+                        <a:rPr lang="en-US" altLang="ko-KR" sz="1200" baseline="0" dirty="0" smtClean="0"/>
+                        <a:t> y</a:t>
+                      </a:r>
+                      <a:r>
+                        <a:rPr lang="en-US" altLang="ko-KR" sz="1200" baseline="0" dirty="0" smtClean="0"/>
+                        <a:t>);</a:t>
+                      </a:r>
+                    </a:p>
+                    <a:p>
+                      <a:pPr latinLnBrk="1"/>
+                      <a:r>
+                        <a:rPr lang="en-US" altLang="ko-KR" sz="1200" baseline="0" dirty="0" smtClean="0"/>
+                        <a:t>+ </a:t>
+                      </a:r>
+                      <a:r>
+                        <a:rPr lang="en-US" altLang="ko-KR" sz="1200" baseline="0" dirty="0" err="1" smtClean="0"/>
+                        <a:t>bool</a:t>
+                      </a:r>
+                      <a:r>
+                        <a:rPr lang="en-US" altLang="ko-KR" sz="1200" baseline="0" dirty="0" smtClean="0"/>
+                        <a:t> </a:t>
+                      </a:r>
+                      <a:r>
+                        <a:rPr lang="en-US" altLang="ko-KR" sz="1200" baseline="0" dirty="0" err="1" smtClean="0"/>
+                        <a:t>destroyWall</a:t>
+                      </a:r>
+                      <a:r>
+                        <a:rPr lang="en-US" altLang="ko-KR" sz="1200" baseline="0" dirty="0" smtClean="0"/>
+                        <a:t>(</a:t>
+                      </a:r>
+                      <a:r>
+                        <a:rPr lang="en-US" altLang="ko-KR" sz="1200" baseline="0" dirty="0" err="1" smtClean="0"/>
+                        <a:t>int</a:t>
+                      </a:r>
+                      <a:r>
+                        <a:rPr lang="en-US" altLang="ko-KR" sz="1200" baseline="0" dirty="0" smtClean="0"/>
+                        <a:t> x, </a:t>
+                      </a:r>
+                      <a:r>
+                        <a:rPr lang="en-US" altLang="ko-KR" sz="1200" baseline="0" dirty="0" err="1" smtClean="0"/>
+                        <a:t>int</a:t>
+                      </a:r>
+                      <a:r>
+                        <a:rPr lang="en-US" altLang="ko-KR" sz="1200" baseline="0" dirty="0" smtClean="0"/>
+                        <a:t> y);</a:t>
+                      </a:r>
+                      <a:endParaRPr lang="en-US" altLang="ko-KR" sz="1200" baseline="0" dirty="0" smtClean="0"/>
+                    </a:p>
+                  </a:txBody>
+                  <a:tcPr/>
+                </a:tc>
+              </a:tr>
+            </a:tbl>
+          </a:graphicData>
+        </a:graphic>
+      </p:graphicFrame>
+      <p:graphicFrame>
+        <p:nvGraphicFramePr>
+          <p:cNvPr id="13" name="표 12"/>
+          <p:cNvGraphicFramePr>
+            <a:graphicFrameLocks noGrp="1"/>
+          </p:cNvGraphicFramePr>
+          <p:nvPr>
+            <p:extLst>
+              <p:ext uri="{D42A27DB-BD31-4B8C-83A1-F6EECF244321}">
+                <p14:modId xmlns:p14="http://schemas.microsoft.com/office/powerpoint/2010/main" val="998099712"/>
+              </p:ext>
+            </p:extLst>
+          </p:nvPr>
+        </p:nvGraphicFramePr>
+        <p:xfrm>
+          <a:off x="469601" y="1947785"/>
+          <a:ext cx="2032000" cy="3017520"/>
+        </p:xfrm>
+        <a:graphic>
+          <a:graphicData uri="http://schemas.openxmlformats.org/drawingml/2006/table">
+            <a:tbl>
+              <a:tblPr firstRow="1" bandRow="1">
+                <a:tableStyleId>{5C22544A-7EE6-4342-B048-85BDC9FD1C3A}</a:tableStyleId>
+              </a:tblPr>
+              <a:tblGrid>
+                <a:gridCol w="2032000"/>
+              </a:tblGrid>
+              <a:tr h="210821">
+                <a:tc>
+                  <a:txBody>
+                    <a:bodyPr/>
+                    <a:lstStyle/>
+                    <a:p>
+                      <a:pPr latinLnBrk="1"/>
+                      <a:r>
+                        <a:rPr lang="en-US" altLang="ko-KR" sz="1200" dirty="0" err="1" smtClean="0"/>
+                        <a:t>SnakeGame</a:t>
+                      </a:r>
+                      <a:r>
+                        <a:rPr lang="en-US" altLang="ko-KR" sz="1200" dirty="0" smtClean="0"/>
+                        <a:t> - </a:t>
+                      </a:r>
+                      <a:r>
+                        <a:rPr lang="ko-KR" altLang="en-US" sz="1200" dirty="0" err="1" smtClean="0"/>
+                        <a:t>미구현</a:t>
+                      </a:r>
+                      <a:endParaRPr lang="ko-KR" altLang="en-US" sz="1200" dirty="0"/>
+                    </a:p>
+                  </a:txBody>
+                  <a:tcPr/>
+                </a:tc>
+              </a:tr>
+              <a:tr h="326814">
+                <a:tc>
+                  <a:txBody>
+                    <a:bodyPr/>
+                    <a:lstStyle/>
+                    <a:p>
+                      <a:pPr latinLnBrk="1"/>
+                      <a:r>
+                        <a:rPr lang="en-US" altLang="ko-KR" sz="1200" dirty="0" smtClean="0"/>
+                        <a:t>MAP</a:t>
+                      </a:r>
+                      <a:r>
+                        <a:rPr lang="en-US" altLang="ko-KR" sz="1200" baseline="0" dirty="0" smtClean="0"/>
+                        <a:t> </a:t>
+                      </a:r>
+                      <a:r>
+                        <a:rPr lang="en-US" altLang="ko-KR" sz="1200" baseline="0" dirty="0" err="1" smtClean="0"/>
+                        <a:t>cMAP</a:t>
+                      </a:r>
+                      <a:r>
+                        <a:rPr lang="en-US" altLang="ko-KR" sz="1200" baseline="0" dirty="0" smtClean="0"/>
+                        <a:t>;</a:t>
+                      </a:r>
+                    </a:p>
+                    <a:p>
+                      <a:pPr latinLnBrk="1"/>
+                      <a:r>
+                        <a:rPr lang="en-US" altLang="ko-KR" sz="1200" baseline="0" dirty="0" smtClean="0"/>
+                        <a:t>Snake </a:t>
+                      </a:r>
+                      <a:r>
+                        <a:rPr lang="en-US" altLang="ko-KR" sz="1200" baseline="0" dirty="0" err="1" smtClean="0"/>
+                        <a:t>cSnake</a:t>
+                      </a:r>
+                      <a:r>
+                        <a:rPr lang="en-US" altLang="ko-KR" sz="1200" baseline="0" dirty="0" smtClean="0"/>
+                        <a:t>;</a:t>
+                      </a:r>
+                      <a:endParaRPr lang="en-US" altLang="ko-KR" sz="1200" baseline="0" dirty="0" smtClean="0"/>
+                    </a:p>
+                    <a:p>
+                      <a:pPr latinLnBrk="1"/>
+                      <a:r>
+                        <a:rPr lang="en-US" altLang="ko-KR" sz="1200" baseline="0" dirty="0" err="1" smtClean="0"/>
+                        <a:t>SCore</a:t>
+                      </a:r>
+                      <a:endParaRPr lang="ko-KR" altLang="en-US" sz="1200" dirty="0"/>
+                    </a:p>
+                  </a:txBody>
+                  <a:tcPr/>
+                </a:tc>
+              </a:tr>
+              <a:tr h="618433">
+                <a:tc>
+                  <a:txBody>
+                    <a:bodyPr/>
+                    <a:lstStyle/>
+                    <a:p>
+                      <a:pPr marL="0" marR="0" indent="0" algn="l" defTabSz="914400" rtl="0" eaLnBrk="1" fontAlgn="auto" latinLnBrk="1" hangingPunct="1">
+                        <a:lnSpc>
+                          <a:spcPct val="100000"/>
+                        </a:lnSpc>
+                        <a:spcBef>
+                          <a:spcPts val="0"/>
+                        </a:spcBef>
+                        <a:spcAft>
+                          <a:spcPts val="0"/>
+                        </a:spcAft>
+                        <a:buClrTx/>
+                        <a:buSzTx/>
+                        <a:buFontTx/>
+                        <a:buNone/>
+                        <a:tabLst/>
+                        <a:defRPr/>
+                      </a:pPr>
+                      <a:r>
+                        <a:rPr lang="en-US" altLang="ko-KR" sz="1200" baseline="0" dirty="0" smtClean="0"/>
+                        <a:t>+ </a:t>
+                      </a:r>
+                      <a:r>
+                        <a:rPr lang="en-US" altLang="ko-KR" sz="1200" baseline="0" dirty="0" err="1" smtClean="0"/>
+                        <a:t>ChangeDirection</a:t>
+                      </a:r>
+                      <a:r>
+                        <a:rPr lang="en-US" altLang="ko-KR" sz="1200" baseline="0" dirty="0" smtClean="0"/>
+                        <a:t>(); </a:t>
+                      </a:r>
+                    </a:p>
+                    <a:p>
+                      <a:pPr marL="0" marR="0" indent="0" algn="l" defTabSz="914400" rtl="0" eaLnBrk="1" fontAlgn="auto" latinLnBrk="1" hangingPunct="1">
+                        <a:lnSpc>
+                          <a:spcPct val="100000"/>
+                        </a:lnSpc>
+                        <a:spcBef>
+                          <a:spcPts val="0"/>
+                        </a:spcBef>
+                        <a:spcAft>
+                          <a:spcPts val="0"/>
+                        </a:spcAft>
+                        <a:buClrTx/>
+                        <a:buSzTx/>
+                        <a:buFontTx/>
+                        <a:buNone/>
+                        <a:tabLst/>
+                        <a:defRPr/>
+                      </a:pPr>
+                      <a:r>
+                        <a:rPr lang="en-US" altLang="ko-KR" sz="1200" baseline="0" dirty="0" smtClean="0"/>
+                        <a:t>+ </a:t>
+                      </a:r>
+                      <a:r>
+                        <a:rPr lang="en-US" altLang="ko-KR" sz="1200" baseline="0" dirty="0" err="1" smtClean="0"/>
+                        <a:t>bool</a:t>
+                      </a:r>
+                      <a:r>
+                        <a:rPr lang="en-US" altLang="ko-KR" sz="1200" baseline="0" dirty="0" smtClean="0"/>
+                        <a:t> Move();</a:t>
+                      </a:r>
+                    </a:p>
+                    <a:p>
+                      <a:pPr marL="0" marR="0" indent="0" algn="l" defTabSz="914400" rtl="0" eaLnBrk="1" fontAlgn="auto" latinLnBrk="1" hangingPunct="1">
+                        <a:lnSpc>
+                          <a:spcPct val="100000"/>
+                        </a:lnSpc>
+                        <a:spcBef>
+                          <a:spcPts val="0"/>
+                        </a:spcBef>
+                        <a:spcAft>
+                          <a:spcPts val="0"/>
+                        </a:spcAft>
+                        <a:buClrTx/>
+                        <a:buSzTx/>
+                        <a:buFontTx/>
+                        <a:buNone/>
+                        <a:tabLst/>
+                        <a:defRPr/>
+                      </a:pPr>
+                      <a:r>
+                        <a:rPr lang="en-US" altLang="ko-KR" sz="1200" baseline="0" dirty="0" smtClean="0"/>
+                        <a:t>-&gt; </a:t>
+                      </a:r>
+                      <a:r>
+                        <a:rPr lang="en-US" altLang="ko-KR" sz="1200" baseline="0" dirty="0" err="1" smtClean="0"/>
+                        <a:t>existapple</a:t>
+                      </a:r>
+                      <a:r>
+                        <a:rPr lang="en-US" altLang="ko-KR" sz="1200" baseline="0" dirty="0" smtClean="0"/>
+                        <a:t>()</a:t>
+                      </a:r>
+                    </a:p>
+                    <a:p>
+                      <a:pPr latinLnBrk="1"/>
+                      <a:r>
+                        <a:rPr lang="en-US" altLang="ko-KR" sz="1200" baseline="0" dirty="0" smtClean="0"/>
+                        <a:t>-&gt; </a:t>
+                      </a:r>
+                      <a:r>
+                        <a:rPr lang="en-US" altLang="ko-KR" sz="1200" baseline="0" dirty="0" err="1" smtClean="0"/>
+                        <a:t>bool</a:t>
+                      </a:r>
+                      <a:r>
+                        <a:rPr lang="en-US" altLang="ko-KR" sz="1200" baseline="0" dirty="0" smtClean="0"/>
+                        <a:t> ret1 = </a:t>
+                      </a:r>
+                      <a:r>
+                        <a:rPr lang="en-US" altLang="ko-KR" sz="1200" baseline="0" dirty="0" err="1" smtClean="0"/>
+                        <a:t>moveSnake</a:t>
+                      </a:r>
+                      <a:r>
+                        <a:rPr lang="en-US" altLang="ko-KR" sz="1200" baseline="0" dirty="0" smtClean="0"/>
+                        <a:t>()</a:t>
+                      </a:r>
+                    </a:p>
+                    <a:p>
+                      <a:pPr latinLnBrk="1"/>
+                      <a:r>
+                        <a:rPr lang="en-US" altLang="ko-KR" sz="1200" baseline="0" dirty="0" smtClean="0"/>
+                        <a:t>-&gt; </a:t>
+                      </a:r>
+                      <a:r>
+                        <a:rPr lang="en-US" altLang="ko-KR" sz="1200" baseline="0" dirty="0" err="1" smtClean="0"/>
+                        <a:t>bool</a:t>
+                      </a:r>
+                      <a:r>
+                        <a:rPr lang="en-US" altLang="ko-KR" sz="1200" baseline="0" dirty="0" smtClean="0"/>
+                        <a:t> ret2 = </a:t>
+                      </a:r>
+                      <a:r>
+                        <a:rPr lang="en-US" altLang="ko-KR" sz="1200" baseline="0" dirty="0" err="1" smtClean="0"/>
+                        <a:t>destroyWall</a:t>
+                      </a:r>
+                      <a:r>
+                        <a:rPr lang="en-US" altLang="ko-KR" sz="1200" baseline="0" dirty="0" smtClean="0"/>
+                        <a:t>(Snake’s </a:t>
+                      </a:r>
+                      <a:r>
+                        <a:rPr lang="en-US" altLang="ko-KR" sz="1200" baseline="0" dirty="0" err="1" smtClean="0"/>
+                        <a:t>head.x</a:t>
+                      </a:r>
+                      <a:r>
+                        <a:rPr lang="en-US" altLang="ko-KR" sz="1200" baseline="0" dirty="0" smtClean="0"/>
+                        <a:t>, y);</a:t>
+                      </a:r>
+                    </a:p>
+                    <a:p>
+                      <a:pPr latinLnBrk="1"/>
+                      <a:endParaRPr lang="en-US" altLang="ko-KR" sz="1200" baseline="0" dirty="0" smtClean="0"/>
+                    </a:p>
+                    <a:p>
+                      <a:pPr latinLnBrk="1"/>
+                      <a:r>
+                        <a:rPr lang="en-US" altLang="ko-KR" sz="1200" baseline="0" dirty="0" smtClean="0"/>
+                        <a:t>-&gt; !ret1 ||!</a:t>
+                      </a:r>
+                      <a:r>
+                        <a:rPr lang="en-US" altLang="ko-KR" sz="1200" baseline="0" smtClean="0"/>
+                        <a:t>ret2 return false </a:t>
+                      </a:r>
+                      <a:endParaRPr lang="en-US" altLang="ko-KR" sz="1200" baseline="0" dirty="0" smtClean="0"/>
+                    </a:p>
+                    <a:p>
+                      <a:pPr latinLnBrk="1"/>
+                      <a:endParaRPr lang="en-US" altLang="ko-KR" sz="1200" baseline="0" dirty="0" smtClean="0"/>
+                    </a:p>
+                  </a:txBody>
+                  <a:tcPr/>
+                </a:tc>
+              </a:tr>
+            </a:tbl>
+          </a:graphicData>
+        </a:graphic>
+      </p:graphicFrame>
+      <p:cxnSp>
+        <p:nvCxnSpPr>
+          <p:cNvPr id="20" name="꺾인 연결선 19"/>
+          <p:cNvCxnSpPr/>
+          <p:nvPr/>
+        </p:nvCxnSpPr>
+        <p:spPr>
+          <a:xfrm flipV="1">
+            <a:off x="1472901" y="1449145"/>
+            <a:ext cx="1308100" cy="895724"/>
+          </a:xfrm>
+          <a:prstGeom prst="bentConnector3">
+            <a:avLst>
+              <a:gd name="adj1" fmla="val 50000"/>
+            </a:avLst>
+          </a:prstGeom>
+          <a:ln>
+            <a:tailEnd type="arrow" w="lg" len="lg"/>
+          </a:ln>
+        </p:spPr>
+        <p:style>
+          <a:lnRef idx="1">
+            <a:schemeClr val="accent1"/>
+          </a:lnRef>
+          <a:fillRef idx="0">
+            <a:schemeClr val="accent1"/>
+          </a:fillRef>
+          <a:effectRef idx="0">
+            <a:schemeClr val="accent1"/>
+          </a:effectRef>
+          <a:fontRef idx="minor">
+            <a:schemeClr val="tx1"/>
+          </a:fontRef>
+        </p:style>
+      </p:cxnSp>
+      <p:cxnSp>
+        <p:nvCxnSpPr>
+          <p:cNvPr id="22" name="꺾인 연결선 21"/>
+          <p:cNvCxnSpPr/>
+          <p:nvPr/>
+        </p:nvCxnSpPr>
+        <p:spPr>
+          <a:xfrm>
+            <a:off x="1472901" y="2390291"/>
+            <a:ext cx="1193800" cy="939800"/>
+          </a:xfrm>
+          <a:prstGeom prst="bentConnector3">
+            <a:avLst/>
+          </a:prstGeom>
+          <a:ln>
+            <a:tailEnd type="arrow" w="lg" len="lg"/>
+          </a:ln>
+        </p:spPr>
+        <p:style>
+          <a:lnRef idx="1">
+            <a:schemeClr val="accent1"/>
+          </a:lnRef>
+          <a:fillRef idx="0">
+            <a:schemeClr val="accent1"/>
+          </a:fillRef>
+          <a:effectRef idx="0">
+            <a:schemeClr val="accent1"/>
+          </a:effectRef>
+          <a:fontRef idx="minor">
+            <a:schemeClr val="tx1"/>
+          </a:fontRef>
+        </p:style>
+      </p:cxnSp>
+      <p:cxnSp>
+        <p:nvCxnSpPr>
+          <p:cNvPr id="23" name="직선 화살표 연결선 22"/>
+          <p:cNvCxnSpPr/>
+          <p:nvPr/>
+        </p:nvCxnSpPr>
+        <p:spPr>
+          <a:xfrm>
+            <a:off x="4263726" y="1068519"/>
+            <a:ext cx="1600200" cy="0"/>
+          </a:xfrm>
+          <a:prstGeom prst="straightConnector1">
+            <a:avLst/>
+          </a:prstGeom>
+          <a:ln>
+            <a:tailEnd type="arrow" w="lg" len="lg"/>
+          </a:ln>
+        </p:spPr>
+        <p:style>
+          <a:lnRef idx="1">
+            <a:schemeClr val="accent1"/>
+          </a:lnRef>
+          <a:fillRef idx="0">
+            <a:schemeClr val="accent1"/>
+          </a:fillRef>
+          <a:effectRef idx="0">
+            <a:schemeClr val="accent1"/>
+          </a:effectRef>
+          <a:fontRef idx="minor">
+            <a:schemeClr val="tx1"/>
+          </a:fontRef>
+        </p:style>
+      </p:cxnSp>
+      <p:sp>
+        <p:nvSpPr>
+          <p:cNvPr id="25" name="TextBox 24"/>
+          <p:cNvSpPr txBox="1"/>
+          <p:nvPr/>
+        </p:nvSpPr>
+        <p:spPr>
+          <a:xfrm>
+            <a:off x="10674275" y="6228679"/>
+            <a:ext cx="1305165" cy="369332"/>
+          </a:xfrm>
+          <a:prstGeom prst="rect">
+            <a:avLst/>
+          </a:prstGeom>
+          <a:noFill/>
+        </p:spPr>
+        <p:txBody>
+          <a:bodyPr wrap="none" rtlCol="0">
+            <a:spAutoFit/>
+          </a:bodyPr>
+          <a:lstStyle/>
+          <a:p>
+            <a:r>
+              <a:rPr lang="en-US" altLang="ko-KR" dirty="0" smtClean="0"/>
+              <a:t>&lt;</a:t>
+            </a:r>
+            <a:r>
+              <a:rPr lang="ko-KR" altLang="en-US" dirty="0" smtClean="0"/>
+              <a:t>뱀 </a:t>
+            </a:r>
+            <a:r>
+              <a:rPr lang="en-US" altLang="ko-KR" dirty="0" smtClean="0"/>
+              <a:t>UML&gt;</a:t>
+            </a:r>
+            <a:endParaRPr lang="ko-KR" altLang="en-US" dirty="0"/>
+          </a:p>
+        </p:txBody>
+      </p:sp>
+    </p:spTree>
+    <p:extLst>
+      <p:ext uri="{BB962C8B-B14F-4D97-AF65-F5344CB8AC3E}">
+        <p14:creationId xmlns:p14="http://schemas.microsoft.com/office/powerpoint/2010/main" val="1013365450"/>
       </p:ext>
     </p:extLst>
   </p:cSld>

--- a/참고문서/뱀_UML_20170626.pptx
+++ b/참고문서/뱀_UML_20170626.pptx
@@ -6,7 +6,8 @@
   </p:sldMasterIdLst>
   <p:sldIdLst>
     <p:sldId id="256" r:id="rId2"/>
-    <p:sldId id="257" r:id="rId3"/>
+    <p:sldId id="258" r:id="rId3"/>
+    <p:sldId id="259" r:id="rId4"/>
   </p:sldIdLst>
   <p:sldSz cx="12192000" cy="6858000"/>
   <p:notesSz cx="6858000" cy="9144000"/>
@@ -244,7 +245,7 @@
           <a:p>
             <a:fld id="{F521F576-3884-49B5-B31D-3C26BE7923B3}" type="datetimeFigureOut">
               <a:rPr lang="ko-KR" altLang="en-US" smtClean="0"/>
-              <a:t>2017-06-29</a:t>
+              <a:t>2017-06-30</a:t>
             </a:fld>
             <a:endParaRPr lang="ko-KR" altLang="en-US"/>
           </a:p>
@@ -414,7 +415,7 @@
           <a:p>
             <a:fld id="{F521F576-3884-49B5-B31D-3C26BE7923B3}" type="datetimeFigureOut">
               <a:rPr lang="ko-KR" altLang="en-US" smtClean="0"/>
-              <a:t>2017-06-29</a:t>
+              <a:t>2017-06-30</a:t>
             </a:fld>
             <a:endParaRPr lang="ko-KR" altLang="en-US"/>
           </a:p>
@@ -594,7 +595,7 @@
           <a:p>
             <a:fld id="{F521F576-3884-49B5-B31D-3C26BE7923B3}" type="datetimeFigureOut">
               <a:rPr lang="ko-KR" altLang="en-US" smtClean="0"/>
-              <a:t>2017-06-29</a:t>
+              <a:t>2017-06-30</a:t>
             </a:fld>
             <a:endParaRPr lang="ko-KR" altLang="en-US"/>
           </a:p>
@@ -764,7 +765,7 @@
           <a:p>
             <a:fld id="{F521F576-3884-49B5-B31D-3C26BE7923B3}" type="datetimeFigureOut">
               <a:rPr lang="ko-KR" altLang="en-US" smtClean="0"/>
-              <a:t>2017-06-29</a:t>
+              <a:t>2017-06-30</a:t>
             </a:fld>
             <a:endParaRPr lang="ko-KR" altLang="en-US"/>
           </a:p>
@@ -1010,7 +1011,7 @@
           <a:p>
             <a:fld id="{F521F576-3884-49B5-B31D-3C26BE7923B3}" type="datetimeFigureOut">
               <a:rPr lang="ko-KR" altLang="en-US" smtClean="0"/>
-              <a:t>2017-06-29</a:t>
+              <a:t>2017-06-30</a:t>
             </a:fld>
             <a:endParaRPr lang="ko-KR" altLang="en-US"/>
           </a:p>
@@ -1242,7 +1243,7 @@
           <a:p>
             <a:fld id="{F521F576-3884-49B5-B31D-3C26BE7923B3}" type="datetimeFigureOut">
               <a:rPr lang="ko-KR" altLang="en-US" smtClean="0"/>
-              <a:t>2017-06-29</a:t>
+              <a:t>2017-06-30</a:t>
             </a:fld>
             <a:endParaRPr lang="ko-KR" altLang="en-US"/>
           </a:p>
@@ -1609,7 +1610,7 @@
           <a:p>
             <a:fld id="{F521F576-3884-49B5-B31D-3C26BE7923B3}" type="datetimeFigureOut">
               <a:rPr lang="ko-KR" altLang="en-US" smtClean="0"/>
-              <a:t>2017-06-29</a:t>
+              <a:t>2017-06-30</a:t>
             </a:fld>
             <a:endParaRPr lang="ko-KR" altLang="en-US"/>
           </a:p>
@@ -1727,7 +1728,7 @@
           <a:p>
             <a:fld id="{F521F576-3884-49B5-B31D-3C26BE7923B3}" type="datetimeFigureOut">
               <a:rPr lang="ko-KR" altLang="en-US" smtClean="0"/>
-              <a:t>2017-06-29</a:t>
+              <a:t>2017-06-30</a:t>
             </a:fld>
             <a:endParaRPr lang="ko-KR" altLang="en-US"/>
           </a:p>
@@ -1822,7 +1823,7 @@
           <a:p>
             <a:fld id="{F521F576-3884-49B5-B31D-3C26BE7923B3}" type="datetimeFigureOut">
               <a:rPr lang="ko-KR" altLang="en-US" smtClean="0"/>
-              <a:t>2017-06-29</a:t>
+              <a:t>2017-06-30</a:t>
             </a:fld>
             <a:endParaRPr lang="ko-KR" altLang="en-US"/>
           </a:p>
@@ -2099,7 +2100,7 @@
           <a:p>
             <a:fld id="{F521F576-3884-49B5-B31D-3C26BE7923B3}" type="datetimeFigureOut">
               <a:rPr lang="ko-KR" altLang="en-US" smtClean="0"/>
-              <a:t>2017-06-29</a:t>
+              <a:t>2017-06-30</a:t>
             </a:fld>
             <a:endParaRPr lang="ko-KR" altLang="en-US"/>
           </a:p>
@@ -2352,7 +2353,7 @@
           <a:p>
             <a:fld id="{F521F576-3884-49B5-B31D-3C26BE7923B3}" type="datetimeFigureOut">
               <a:rPr lang="ko-KR" altLang="en-US" smtClean="0"/>
-              <a:t>2017-06-29</a:t>
+              <a:t>2017-06-30</a:t>
             </a:fld>
             <a:endParaRPr lang="ko-KR" altLang="en-US"/>
           </a:p>
@@ -2565,7 +2566,7 @@
           <a:p>
             <a:fld id="{F521F576-3884-49B5-B31D-3C26BE7923B3}" type="datetimeFigureOut">
               <a:rPr lang="ko-KR" altLang="en-US" smtClean="0"/>
-              <a:t>2017-06-29</a:t>
+              <a:t>2017-06-30</a:t>
             </a:fld>
             <a:endParaRPr lang="ko-KR" altLang="en-US"/>
           </a:p>
@@ -4437,11 +4438,7 @@
             <a:graphicFrameLocks noGrp="1"/>
           </p:cNvGraphicFramePr>
           <p:nvPr>
-            <p:extLst>
-              <p:ext uri="{D42A27DB-BD31-4B8C-83A1-F6EECF244321}">
-                <p14:modId xmlns:p14="http://schemas.microsoft.com/office/powerpoint/2010/main" val="2561564744"/>
-              </p:ext>
-            </p:extLst>
+            <p:extLst/>
           </p:nvPr>
         </p:nvGraphicFramePr>
         <p:xfrm>
@@ -4758,11 +4755,7 @@
             <a:graphicFrameLocks noGrp="1"/>
           </p:cNvGraphicFramePr>
           <p:nvPr>
-            <p:extLst>
-              <p:ext uri="{D42A27DB-BD31-4B8C-83A1-F6EECF244321}">
-                <p14:modId xmlns:p14="http://schemas.microsoft.com/office/powerpoint/2010/main" val="3525911925"/>
-              </p:ext>
-            </p:extLst>
+            <p:extLst/>
           </p:nvPr>
         </p:nvGraphicFramePr>
         <p:xfrm>
@@ -4860,22 +4853,14 @@
                       <a:pPr latinLnBrk="1"/>
                       <a:r>
                         <a:rPr lang="en-US" altLang="ko-KR" sz="1200" dirty="0" smtClean="0"/>
-                        <a:t>- Apple</a:t>
-                      </a:r>
+                        <a:t>- Apple();</a:t>
+                      </a:r>
+                    </a:p>
+                    <a:p>
+                      <a:pPr latinLnBrk="1"/>
                       <a:r>
                         <a:rPr lang="en-US" altLang="ko-KR" sz="1200" dirty="0" smtClean="0"/>
-                        <a:t>();</a:t>
-                      </a:r>
-                    </a:p>
-                    <a:p>
-                      <a:pPr latinLnBrk="1"/>
-                      <a:r>
-                        <a:rPr lang="en-US" altLang="ko-KR" sz="1200" dirty="0" smtClean="0"/>
-                        <a:t>~Apple</a:t>
-                      </a:r>
-                      <a:r>
-                        <a:rPr lang="en-US" altLang="ko-KR" sz="1200" dirty="0" smtClean="0"/>
-                        <a:t>();</a:t>
+                        <a:t>~Apple();</a:t>
                       </a:r>
                     </a:p>
                     <a:p>
@@ -4960,11 +4945,7 @@
             <a:graphicFrameLocks noGrp="1"/>
           </p:cNvGraphicFramePr>
           <p:nvPr>
-            <p:extLst>
-              <p:ext uri="{D42A27DB-BD31-4B8C-83A1-F6EECF244321}">
-                <p14:modId xmlns:p14="http://schemas.microsoft.com/office/powerpoint/2010/main" val="3767401810"/>
-              </p:ext>
-            </p:extLst>
+            <p:extLst/>
           </p:nvPr>
         </p:nvGraphicFramePr>
         <p:xfrm>
@@ -5030,11 +5011,7 @@
                       </a:r>
                       <a:r>
                         <a:rPr lang="en-US" altLang="ko-KR" sz="1200" baseline="0" dirty="0" smtClean="0"/>
-                        <a:t> X, Y</a:t>
-                      </a:r>
-                      <a:r>
-                        <a:rPr lang="en-US" altLang="ko-KR" sz="1200" baseline="0" dirty="0" smtClean="0"/>
-                        <a:t>; -</a:t>
+                        <a:t> X, Y; -</a:t>
                       </a:r>
                       <a:r>
                         <a:rPr lang="en-US" altLang="ko-KR" sz="1200" baseline="0" dirty="0" err="1" smtClean="0"/>
@@ -5113,7 +5090,18 @@
                       <a:pPr latinLnBrk="1"/>
                       <a:r>
                         <a:rPr lang="en-US" altLang="ko-KR" sz="1200" baseline="0" dirty="0" smtClean="0"/>
-                        <a:t>~MAP</a:t>
+                        <a:t>~MAP();</a:t>
+                      </a:r>
+                    </a:p>
+                    <a:p>
+                      <a:pPr latinLnBrk="1"/>
+                      <a:r>
+                        <a:rPr lang="en-US" altLang="ko-KR" sz="1200" baseline="0" dirty="0" smtClean="0"/>
+                        <a:t>+SIZE </a:t>
+                      </a:r>
+                      <a:r>
+                        <a:rPr lang="en-US" altLang="ko-KR" sz="1200" baseline="0" dirty="0" err="1" smtClean="0"/>
+                        <a:t>getMapSize</a:t>
                       </a:r>
                       <a:r>
                         <a:rPr lang="en-US" altLang="ko-KR" sz="1200" baseline="0" dirty="0" smtClean="0"/>
@@ -5124,22 +5112,6 @@
                       <a:pPr latinLnBrk="1"/>
                       <a:r>
                         <a:rPr lang="en-US" altLang="ko-KR" sz="1200" baseline="0" dirty="0" smtClean="0"/>
-                        <a:t>+SIZE </a:t>
-                      </a:r>
-                      <a:r>
-                        <a:rPr lang="en-US" altLang="ko-KR" sz="1200" baseline="0" dirty="0" err="1" smtClean="0"/>
-                        <a:t>getMapSize</a:t>
-                      </a:r>
-                      <a:r>
-                        <a:rPr lang="en-US" altLang="ko-KR" sz="1200" baseline="0" dirty="0" smtClean="0"/>
-                        <a:t>();</a:t>
-                      </a:r>
-                      <a:endParaRPr lang="en-US" altLang="ko-KR" sz="1200" baseline="0" dirty="0" smtClean="0"/>
-                    </a:p>
-                    <a:p>
-                      <a:pPr latinLnBrk="1"/>
-                      <a:r>
-                        <a:rPr lang="en-US" altLang="ko-KR" sz="1200" baseline="0" dirty="0" smtClean="0"/>
                         <a:t>+ APPLE* </a:t>
                       </a:r>
                       <a:r>
@@ -5156,11 +5128,7 @@
                       </a:r>
                       <a:r>
                         <a:rPr lang="en-US" altLang="ko-KR" sz="1200" baseline="0" dirty="0" smtClean="0"/>
-                        <a:t> </a:t>
-                      </a:r>
-                      <a:r>
-                        <a:rPr lang="en-US" altLang="ko-KR" sz="1200" baseline="0" dirty="0" smtClean="0"/>
-                        <a:t>x, </a:t>
+                        <a:t> x, </a:t>
                       </a:r>
                       <a:r>
                         <a:rPr lang="en-US" altLang="ko-KR" sz="1200" baseline="0" dirty="0" err="1" smtClean="0"/>
@@ -5205,7 +5173,6 @@
                         <a:rPr lang="en-US" altLang="ko-KR" sz="1200" baseline="0" dirty="0" smtClean="0"/>
                         <a:t>()</a:t>
                       </a:r>
-                      <a:endParaRPr lang="en-US" altLang="ko-KR" sz="1200" baseline="0" dirty="0" smtClean="0"/>
                     </a:p>
                     <a:p>
                       <a:pPr latinLnBrk="1"/>
@@ -5235,11 +5202,7 @@
                       </a:r>
                       <a:r>
                         <a:rPr lang="en-US" altLang="ko-KR" sz="1200" baseline="0" dirty="0" smtClean="0"/>
-                        <a:t> y</a:t>
-                      </a:r>
-                      <a:r>
-                        <a:rPr lang="en-US" altLang="ko-KR" sz="1200" baseline="0" dirty="0" smtClean="0"/>
-                        <a:t>);</a:t>
+                        <a:t> y);</a:t>
                       </a:r>
                     </a:p>
                     <a:p>
@@ -5280,7 +5243,6 @@
                         <a:rPr lang="en-US" altLang="ko-KR" sz="1200" baseline="0" dirty="0" smtClean="0"/>
                         <a:t> y);</a:t>
                       </a:r>
-                      <a:endParaRPr lang="en-US" altLang="ko-KR" sz="1200" baseline="0" dirty="0" smtClean="0"/>
                     </a:p>
                   </a:txBody>
                   <a:tcPr/>
@@ -5297,11 +5259,7 @@
             <a:graphicFrameLocks noGrp="1"/>
           </p:cNvGraphicFramePr>
           <p:nvPr>
-            <p:extLst>
-              <p:ext uri="{D42A27DB-BD31-4B8C-83A1-F6EECF244321}">
-                <p14:modId xmlns:p14="http://schemas.microsoft.com/office/powerpoint/2010/main" val="998099712"/>
-              </p:ext>
-            </p:extLst>
+            <p:extLst/>
           </p:nvPr>
         </p:nvGraphicFramePr>
         <p:xfrm>
@@ -5380,7 +5338,6 @@
                         <a:rPr lang="en-US" altLang="ko-KR" sz="1200" baseline="0" dirty="0" smtClean="0"/>
                         <a:t>;</a:t>
                       </a:r>
-                      <a:endParaRPr lang="en-US" altLang="ko-KR" sz="1200" baseline="0" dirty="0" smtClean="0"/>
                     </a:p>
                     <a:p>
                       <a:pPr latinLnBrk="1"/>
@@ -5683,8 +5640,8 @@
         </p:nvSpPr>
         <p:spPr>
           <a:xfrm>
-            <a:off x="10674275" y="6228679"/>
-            <a:ext cx="1305165" cy="369332"/>
+            <a:off x="6917822" y="5104215"/>
+            <a:ext cx="4600940" cy="369332"/>
           </a:xfrm>
           <a:prstGeom prst="rect">
             <a:avLst/>
@@ -5707,7 +5664,15 @@
             </a:r>
             <a:r>
               <a:rPr lang="en-US" altLang="ko-KR" dirty="0" smtClean="0"/>
-              <a:t>UML&gt;</a:t>
+              <a:t>UML – 2017. 6. 29 </a:t>
+            </a:r>
+            <a:r>
+              <a:rPr lang="ko-KR" altLang="en-US" dirty="0" smtClean="0"/>
+              <a:t>회의 후 수정사항</a:t>
+            </a:r>
+            <a:r>
+              <a:rPr lang="en-US" altLang="ko-KR" dirty="0" smtClean="0"/>
+              <a:t>&gt;</a:t>
             </a:r>
             <a:endParaRPr lang="ko-KR" altLang="en-US" dirty="0"/>
           </a:p>
@@ -5716,7 +5681,1426 @@
     </p:spTree>
     <p:extLst>
       <p:ext uri="{BB962C8B-B14F-4D97-AF65-F5344CB8AC3E}">
-        <p14:creationId xmlns:p14="http://schemas.microsoft.com/office/powerpoint/2010/main" val="1013365450"/>
+        <p14:creationId xmlns:p14="http://schemas.microsoft.com/office/powerpoint/2010/main" val="1536522004"/>
+      </p:ext>
+    </p:extLst>
+  </p:cSld>
+  <p:clrMapOvr>
+    <a:masterClrMapping/>
+  </p:clrMapOvr>
+</p:sld>
+</file>
+
+<file path=ppt/slides/slide3.xml><?xml version="1.0" encoding="utf-8"?>
+<p:sld xmlns:a="http://schemas.openxmlformats.org/drawingml/2006/main" xmlns:r="http://schemas.openxmlformats.org/officeDocument/2006/relationships" xmlns:p="http://schemas.openxmlformats.org/presentationml/2006/main">
+  <p:cSld>
+    <p:spTree>
+      <p:nvGrpSpPr>
+        <p:cNvPr id="1" name=""/>
+        <p:cNvGrpSpPr/>
+        <p:nvPr/>
+      </p:nvGrpSpPr>
+      <p:grpSpPr>
+        <a:xfrm>
+          <a:off x="0" y="0"/>
+          <a:ext cx="0" cy="0"/>
+          <a:chOff x="0" y="0"/>
+          <a:chExt cx="0" cy="0"/>
+        </a:xfrm>
+      </p:grpSpPr>
+      <p:graphicFrame>
+        <p:nvGraphicFramePr>
+          <p:cNvPr id="8" name="표 7"/>
+          <p:cNvGraphicFramePr>
+            <a:graphicFrameLocks noGrp="1"/>
+          </p:cNvGraphicFramePr>
+          <p:nvPr>
+            <p:extLst>
+              <p:ext uri="{D42A27DB-BD31-4B8C-83A1-F6EECF244321}">
+                <p14:modId xmlns:p14="http://schemas.microsoft.com/office/powerpoint/2010/main" val="3516034298"/>
+              </p:ext>
+            </p:extLst>
+          </p:nvPr>
+        </p:nvGraphicFramePr>
+        <p:xfrm>
+          <a:off x="2874980" y="3698690"/>
+          <a:ext cx="3419140" cy="2468880"/>
+        </p:xfrm>
+        <a:graphic>
+          <a:graphicData uri="http://schemas.openxmlformats.org/drawingml/2006/table">
+            <a:tbl>
+              <a:tblPr firstRow="1" bandRow="1">
+                <a:tableStyleId>{5C22544A-7EE6-4342-B048-85BDC9FD1C3A}</a:tableStyleId>
+              </a:tblPr>
+              <a:tblGrid>
+                <a:gridCol w="3419140"/>
+              </a:tblGrid>
+              <a:tr h="255247">
+                <a:tc>
+                  <a:txBody>
+                    <a:bodyPr/>
+                    <a:lstStyle/>
+                    <a:p>
+                      <a:pPr latinLnBrk="1"/>
+                      <a:r>
+                        <a:rPr lang="en-US" altLang="ko-KR" sz="1200" dirty="0" smtClean="0"/>
+                        <a:t>Snake </a:t>
+                      </a:r>
+                      <a:r>
+                        <a:rPr lang="en-US" altLang="ko-KR" sz="1200" dirty="0" smtClean="0">
+                          <a:solidFill>
+                            <a:srgbClr val="FF0000"/>
+                          </a:solidFill>
+                        </a:rPr>
+                        <a:t>– </a:t>
+                      </a:r>
+                      <a:r>
+                        <a:rPr lang="en-US" altLang="ko-KR" sz="1200" dirty="0" smtClean="0">
+                          <a:solidFill>
+                            <a:srgbClr val="FF0000"/>
+                          </a:solidFill>
+                        </a:rPr>
+                        <a:t>2</a:t>
+                      </a:r>
+                      <a:r>
+                        <a:rPr lang="ko-KR" altLang="en-US" sz="1200" dirty="0" err="1" smtClean="0">
+                          <a:solidFill>
+                            <a:srgbClr val="FF0000"/>
+                          </a:solidFill>
+                        </a:rPr>
+                        <a:t>차구현완료</a:t>
+                      </a:r>
+                      <a:endParaRPr lang="ko-KR" altLang="en-US" sz="1200" dirty="0">
+                        <a:solidFill>
+                          <a:srgbClr val="FF0000"/>
+                        </a:solidFill>
+                      </a:endParaRPr>
+                    </a:p>
+                  </a:txBody>
+                  <a:tcPr/>
+                </a:tc>
+              </a:tr>
+              <a:tr h="425412">
+                <a:tc>
+                  <a:txBody>
+                    <a:bodyPr/>
+                    <a:lstStyle/>
+                    <a:p>
+                      <a:pPr latinLnBrk="1"/>
+                      <a:r>
+                        <a:rPr lang="en-US" altLang="ko-KR" sz="1200" dirty="0" smtClean="0"/>
+                        <a:t>Vector&lt;pair&lt;</a:t>
+                      </a:r>
+                      <a:r>
+                        <a:rPr lang="en-US" altLang="ko-KR" sz="1200" dirty="0" err="1" smtClean="0"/>
+                        <a:t>int,int</a:t>
+                      </a:r>
+                      <a:r>
+                        <a:rPr lang="en-US" altLang="ko-KR" sz="1200" dirty="0" smtClean="0"/>
+                        <a:t>&gt;&gt; </a:t>
+                      </a:r>
+                      <a:r>
+                        <a:rPr lang="en-US" altLang="ko-KR" sz="1200" dirty="0" err="1" smtClean="0"/>
+                        <a:t>vSnake</a:t>
+                      </a:r>
+                      <a:r>
+                        <a:rPr lang="en-US" altLang="ko-KR" sz="1200" dirty="0" smtClean="0"/>
+                        <a:t>;</a:t>
+                      </a:r>
+                    </a:p>
+                    <a:p>
+                      <a:pPr latinLnBrk="1"/>
+                      <a:r>
+                        <a:rPr lang="en-US" altLang="ko-KR" sz="1200" b="0" dirty="0" smtClean="0"/>
+                        <a:t>Direction</a:t>
+                      </a:r>
+                      <a:r>
+                        <a:rPr lang="en-US" altLang="ko-KR" sz="1200" dirty="0" smtClean="0"/>
+                        <a:t> </a:t>
+                      </a:r>
+                      <a:r>
+                        <a:rPr lang="en-US" altLang="ko-KR" sz="1200" dirty="0" err="1" smtClean="0"/>
+                        <a:t>Dir</a:t>
+                      </a:r>
+                      <a:r>
+                        <a:rPr lang="en-US" altLang="ko-KR" sz="1200" dirty="0" smtClean="0"/>
+                        <a:t>;</a:t>
+                      </a:r>
+                      <a:endParaRPr lang="ko-KR" altLang="en-US" sz="1200" dirty="0"/>
+                    </a:p>
+                  </a:txBody>
+                  <a:tcPr/>
+                </a:tc>
+              </a:tr>
+              <a:tr h="1465640">
+                <a:tc>
+                  <a:txBody>
+                    <a:bodyPr/>
+                    <a:lstStyle/>
+                    <a:p>
+                      <a:pPr latinLnBrk="1"/>
+                      <a:r>
+                        <a:rPr lang="en-US" altLang="ko-KR" sz="1200" dirty="0" smtClean="0"/>
+                        <a:t>Snake();</a:t>
+                      </a:r>
+                    </a:p>
+                    <a:p>
+                      <a:pPr latinLnBrk="1"/>
+                      <a:r>
+                        <a:rPr lang="en-US" altLang="ko-KR" sz="1200" dirty="0" smtClean="0"/>
+                        <a:t>~Snake</a:t>
+                      </a:r>
+                      <a:r>
+                        <a:rPr lang="en-US" altLang="ko-KR" sz="1200" dirty="0" smtClean="0"/>
+                        <a:t>();</a:t>
+                      </a:r>
+                    </a:p>
+                    <a:p>
+                      <a:pPr latinLnBrk="1"/>
+                      <a:endParaRPr lang="en-US" altLang="ko-KR" sz="1200" dirty="0" smtClean="0"/>
+                    </a:p>
+                    <a:p>
+                      <a:pPr latinLnBrk="1"/>
+                      <a:r>
+                        <a:rPr lang="en-US" altLang="ko-KR" sz="1200" dirty="0" smtClean="0"/>
+                        <a:t>+ </a:t>
+                      </a:r>
+                      <a:r>
+                        <a:rPr lang="en-US" altLang="ko-KR" sz="1200" dirty="0" err="1" smtClean="0"/>
+                        <a:t>int</a:t>
+                      </a:r>
+                      <a:r>
+                        <a:rPr lang="en-US" altLang="ko-KR" sz="1200" baseline="0" dirty="0" smtClean="0"/>
+                        <a:t> </a:t>
+                      </a:r>
+                      <a:r>
+                        <a:rPr lang="en-US" altLang="ko-KR" sz="1200" baseline="0" dirty="0" err="1" smtClean="0"/>
+                        <a:t>GetSize</a:t>
+                      </a:r>
+                      <a:r>
+                        <a:rPr lang="en-US" altLang="ko-KR" sz="1200" baseline="0" dirty="0" smtClean="0"/>
+                        <a:t>();</a:t>
+                      </a:r>
+                    </a:p>
+                    <a:p>
+                      <a:pPr latinLnBrk="1"/>
+                      <a:r>
+                        <a:rPr lang="en-US" altLang="ko-KR" sz="1200" baseline="0" dirty="0" smtClean="0"/>
+                        <a:t>+ Direction </a:t>
+                      </a:r>
+                      <a:r>
+                        <a:rPr lang="en-US" altLang="ko-KR" sz="1200" baseline="0" dirty="0" err="1" smtClean="0"/>
+                        <a:t>GetDir</a:t>
+                      </a:r>
+                      <a:r>
+                        <a:rPr lang="en-US" altLang="ko-KR" sz="1200" baseline="0" dirty="0" smtClean="0"/>
+                        <a:t>();</a:t>
+                      </a:r>
+                    </a:p>
+                    <a:p>
+                      <a:pPr latinLnBrk="1"/>
+                      <a:r>
+                        <a:rPr lang="en-US" altLang="ko-KR" sz="1200" baseline="0" dirty="0" smtClean="0"/>
+                        <a:t>+ Direction </a:t>
+                      </a:r>
+                      <a:r>
+                        <a:rPr lang="en-US" altLang="ko-KR" sz="1200" baseline="0" dirty="0" err="1" smtClean="0"/>
+                        <a:t>SetDir</a:t>
+                      </a:r>
+                      <a:r>
+                        <a:rPr lang="en-US" altLang="ko-KR" sz="1200" baseline="0" dirty="0" smtClean="0"/>
+                        <a:t>(Direction </a:t>
+                      </a:r>
+                      <a:r>
+                        <a:rPr lang="en-US" altLang="ko-KR" sz="1200" baseline="0" dirty="0" err="1" smtClean="0"/>
+                        <a:t>NextDir</a:t>
+                      </a:r>
+                      <a:r>
+                        <a:rPr lang="en-US" altLang="ko-KR" sz="1200" baseline="0" dirty="0" smtClean="0"/>
+                        <a:t>);</a:t>
+                      </a:r>
+                    </a:p>
+                    <a:p>
+                      <a:pPr latinLnBrk="1"/>
+                      <a:r>
+                        <a:rPr lang="en-US" altLang="ko-KR" sz="1200" baseline="0" dirty="0" smtClean="0"/>
+                        <a:t>+ </a:t>
+                      </a:r>
+                      <a:r>
+                        <a:rPr lang="en-US" altLang="ko-KR" sz="1200" baseline="0" dirty="0" err="1" smtClean="0"/>
+                        <a:t>bool</a:t>
+                      </a:r>
+                      <a:r>
+                        <a:rPr lang="en-US" altLang="ko-KR" sz="1200" baseline="0" dirty="0" smtClean="0"/>
+                        <a:t> </a:t>
+                      </a:r>
+                      <a:r>
+                        <a:rPr lang="en-US" altLang="ko-KR" sz="1200" baseline="0" dirty="0" err="1" smtClean="0"/>
+                        <a:t>MoveSnake</a:t>
+                      </a:r>
+                      <a:r>
+                        <a:rPr lang="en-US" altLang="ko-KR" sz="1200" baseline="0" dirty="0" smtClean="0"/>
+                        <a:t>(APPLE_CLR, </a:t>
+                      </a:r>
+                      <a:r>
+                        <a:rPr lang="en-US" altLang="ko-KR" sz="1200" baseline="0" dirty="0" err="1" smtClean="0"/>
+                        <a:t>int</a:t>
+                      </a:r>
+                      <a:r>
+                        <a:rPr lang="en-US" altLang="ko-KR" sz="1200" baseline="0" dirty="0" smtClean="0"/>
+                        <a:t> X, </a:t>
+                      </a:r>
+                      <a:r>
+                        <a:rPr lang="en-US" altLang="ko-KR" sz="1200" baseline="0" dirty="0" err="1" smtClean="0"/>
+                        <a:t>int</a:t>
+                      </a:r>
+                      <a:r>
+                        <a:rPr lang="en-US" altLang="ko-KR" sz="1200" baseline="0" dirty="0" smtClean="0"/>
+                        <a:t> Y); </a:t>
+                      </a:r>
+                    </a:p>
+                    <a:p>
+                      <a:pPr latinLnBrk="1"/>
+                      <a:endParaRPr lang="en-US" altLang="ko-KR" sz="1200" kern="1200" baseline="0" dirty="0" smtClean="0">
+                        <a:solidFill>
+                          <a:schemeClr val="dk1"/>
+                        </a:solidFill>
+                        <a:latin typeface="+mn-lt"/>
+                        <a:ea typeface="+mn-ea"/>
+                        <a:cs typeface="+mn-cs"/>
+                      </a:endParaRPr>
+                    </a:p>
+                    <a:p>
+                      <a:pPr latinLnBrk="1"/>
+                      <a:r>
+                        <a:rPr lang="en-US" altLang="ko-KR" sz="1200" kern="1200" baseline="0" dirty="0" smtClean="0">
+                          <a:solidFill>
+                            <a:schemeClr val="dk1"/>
+                          </a:solidFill>
+                          <a:latin typeface="+mn-lt"/>
+                          <a:ea typeface="+mn-ea"/>
+                          <a:cs typeface="+mn-cs"/>
+                        </a:rPr>
+                        <a:t>- </a:t>
+                      </a:r>
+                      <a:r>
+                        <a:rPr lang="en-US" altLang="ko-KR" sz="1200" kern="1200" dirty="0" err="1" smtClean="0">
+                          <a:solidFill>
+                            <a:schemeClr val="dk1"/>
+                          </a:solidFill>
+                          <a:latin typeface="+mn-lt"/>
+                          <a:ea typeface="+mn-ea"/>
+                          <a:cs typeface="+mn-cs"/>
+                        </a:rPr>
+                        <a:t>bool</a:t>
+                      </a:r>
+                      <a:r>
+                        <a:rPr lang="en-US" altLang="ko-KR" sz="1200" kern="1200" dirty="0" smtClean="0">
+                          <a:solidFill>
+                            <a:schemeClr val="dk1"/>
+                          </a:solidFill>
+                          <a:latin typeface="+mn-lt"/>
+                          <a:ea typeface="+mn-ea"/>
+                          <a:cs typeface="+mn-cs"/>
+                        </a:rPr>
+                        <a:t> </a:t>
+                      </a:r>
+                      <a:r>
+                        <a:rPr lang="en-US" altLang="ko-KR" sz="1200" kern="1200" dirty="0" err="1" smtClean="0">
+                          <a:solidFill>
+                            <a:schemeClr val="dk1"/>
+                          </a:solidFill>
+                          <a:latin typeface="+mn-lt"/>
+                          <a:ea typeface="+mn-ea"/>
+                          <a:cs typeface="+mn-cs"/>
+                        </a:rPr>
+                        <a:t>SnakeSelfKill</a:t>
+                      </a:r>
+                      <a:r>
+                        <a:rPr lang="en-US" altLang="ko-KR" sz="1200" kern="1200" dirty="0" smtClean="0">
+                          <a:solidFill>
+                            <a:schemeClr val="dk1"/>
+                          </a:solidFill>
+                          <a:latin typeface="+mn-lt"/>
+                          <a:ea typeface="+mn-ea"/>
+                          <a:cs typeface="+mn-cs"/>
+                        </a:rPr>
+                        <a:t>();</a:t>
+                      </a:r>
+                      <a:endParaRPr lang="ko-KR" altLang="en-US" sz="1200" dirty="0"/>
+                    </a:p>
+                  </a:txBody>
+                  <a:tcPr/>
+                </a:tc>
+              </a:tr>
+            </a:tbl>
+          </a:graphicData>
+        </a:graphic>
+      </p:graphicFrame>
+      <p:graphicFrame>
+        <p:nvGraphicFramePr>
+          <p:cNvPr id="9" name="표 8"/>
+          <p:cNvGraphicFramePr>
+            <a:graphicFrameLocks noGrp="1"/>
+          </p:cNvGraphicFramePr>
+          <p:nvPr>
+            <p:extLst>
+              <p:ext uri="{D42A27DB-BD31-4B8C-83A1-F6EECF244321}">
+                <p14:modId xmlns:p14="http://schemas.microsoft.com/office/powerpoint/2010/main" val="1195046741"/>
+              </p:ext>
+            </p:extLst>
+          </p:nvPr>
+        </p:nvGraphicFramePr>
+        <p:xfrm>
+          <a:off x="6417347" y="890730"/>
+          <a:ext cx="3368182" cy="2468880"/>
+        </p:xfrm>
+        <a:graphic>
+          <a:graphicData uri="http://schemas.openxmlformats.org/drawingml/2006/table">
+            <a:tbl>
+              <a:tblPr firstRow="1" bandRow="1">
+                <a:tableStyleId>{5C22544A-7EE6-4342-B048-85BDC9FD1C3A}</a:tableStyleId>
+              </a:tblPr>
+              <a:tblGrid>
+                <a:gridCol w="3368182"/>
+              </a:tblGrid>
+              <a:tr h="203200">
+                <a:tc>
+                  <a:txBody>
+                    <a:bodyPr/>
+                    <a:lstStyle/>
+                    <a:p>
+                      <a:pPr latinLnBrk="1"/>
+                      <a:r>
+                        <a:rPr lang="en-US" altLang="ko-KR" sz="1200" dirty="0" smtClean="0"/>
+                        <a:t>Apple </a:t>
+                      </a:r>
+                      <a:r>
+                        <a:rPr lang="en-US" altLang="ko-KR" sz="1200" dirty="0" smtClean="0">
+                          <a:solidFill>
+                            <a:srgbClr val="FF0000"/>
+                          </a:solidFill>
+                        </a:rPr>
+                        <a:t>– </a:t>
+                      </a:r>
+                      <a:r>
+                        <a:rPr lang="en-US" altLang="ko-KR" sz="1200" dirty="0" smtClean="0">
+                          <a:solidFill>
+                            <a:srgbClr val="FF0000"/>
+                          </a:solidFill>
+                        </a:rPr>
+                        <a:t>2</a:t>
+                      </a:r>
+                      <a:r>
+                        <a:rPr lang="ko-KR" altLang="en-US" sz="1200" dirty="0" err="1" smtClean="0">
+                          <a:solidFill>
+                            <a:srgbClr val="FF0000"/>
+                          </a:solidFill>
+                        </a:rPr>
+                        <a:t>차구현완료</a:t>
+                      </a:r>
+                      <a:endParaRPr lang="ko-KR" altLang="en-US" sz="1200" dirty="0">
+                        <a:solidFill>
+                          <a:srgbClr val="FF0000"/>
+                        </a:solidFill>
+                      </a:endParaRPr>
+                    </a:p>
+                  </a:txBody>
+                  <a:tcPr/>
+                </a:tc>
+              </a:tr>
+              <a:tr h="297180">
+                <a:tc>
+                  <a:txBody>
+                    <a:bodyPr/>
+                    <a:lstStyle/>
+                    <a:p>
+                      <a:pPr latinLnBrk="1"/>
+                      <a:r>
+                        <a:rPr lang="en-US" altLang="ko-KR" sz="1200" dirty="0" smtClean="0"/>
+                        <a:t>APPLE_COLOR </a:t>
+                      </a:r>
+                      <a:r>
+                        <a:rPr lang="en-US" altLang="ko-KR" sz="1200" dirty="0" err="1" smtClean="0"/>
+                        <a:t>eColor</a:t>
+                      </a:r>
+                      <a:r>
+                        <a:rPr lang="en-US" altLang="ko-KR" sz="1200" dirty="0" smtClean="0"/>
+                        <a:t>;</a:t>
+                      </a:r>
+                    </a:p>
+                    <a:p>
+                      <a:pPr latinLnBrk="1"/>
+                      <a:r>
+                        <a:rPr lang="en-US" altLang="ko-KR" sz="1200" dirty="0" smtClean="0"/>
+                        <a:t>Point</a:t>
+                      </a:r>
+                      <a:r>
+                        <a:rPr lang="en-US" altLang="ko-KR" sz="1200" baseline="0" dirty="0" smtClean="0"/>
+                        <a:t> </a:t>
+                      </a:r>
+                      <a:r>
+                        <a:rPr lang="en-US" altLang="ko-KR" sz="1200" baseline="0" dirty="0" err="1" smtClean="0"/>
+                        <a:t>sApplePosition</a:t>
+                      </a:r>
+                      <a:r>
+                        <a:rPr lang="en-US" altLang="ko-KR" sz="1200" baseline="0" dirty="0" smtClean="0"/>
+                        <a:t>;</a:t>
+                      </a:r>
+                      <a:endParaRPr lang="en-US" altLang="ko-KR" sz="1200" dirty="0" smtClean="0"/>
+                    </a:p>
+                  </a:txBody>
+                  <a:tcPr/>
+                </a:tc>
+              </a:tr>
+              <a:tr h="1557295">
+                <a:tc>
+                  <a:txBody>
+                    <a:bodyPr/>
+                    <a:lstStyle/>
+                    <a:p>
+                      <a:pPr latinLnBrk="1"/>
+                      <a:r>
+                        <a:rPr lang="en-US" altLang="ko-KR" sz="1200" dirty="0" smtClean="0"/>
+                        <a:t>Apple</a:t>
+                      </a:r>
+                      <a:r>
+                        <a:rPr lang="en-US" altLang="ko-KR" sz="1200" dirty="0" smtClean="0"/>
+                        <a:t>();</a:t>
+                      </a:r>
+                    </a:p>
+                    <a:p>
+                      <a:pPr latinLnBrk="1"/>
+                      <a:r>
+                        <a:rPr lang="en-US" altLang="ko-KR" sz="1200" dirty="0" smtClean="0"/>
+                        <a:t>~Apple</a:t>
+                      </a:r>
+                      <a:r>
+                        <a:rPr lang="en-US" altLang="ko-KR" sz="1200" dirty="0" smtClean="0"/>
+                        <a:t>();</a:t>
+                      </a:r>
+                    </a:p>
+                    <a:p>
+                      <a:pPr latinLnBrk="1"/>
+                      <a:endParaRPr lang="en-US" altLang="ko-KR" sz="1200" dirty="0" smtClean="0"/>
+                    </a:p>
+                    <a:p>
+                      <a:pPr latinLnBrk="1"/>
+                      <a:r>
+                        <a:rPr lang="en-US" altLang="ko-KR" sz="1200" dirty="0" smtClean="0"/>
+                        <a:t>+ Apple</a:t>
+                      </a:r>
+                      <a:r>
+                        <a:rPr lang="en-US" altLang="ko-KR" sz="1200" dirty="0" smtClean="0"/>
+                        <a:t>* </a:t>
+                      </a:r>
+                      <a:r>
+                        <a:rPr lang="en-US" altLang="ko-KR" sz="1200" baseline="0" dirty="0" err="1" smtClean="0"/>
+                        <a:t>createApple</a:t>
+                      </a:r>
+                      <a:r>
+                        <a:rPr lang="en-US" altLang="ko-KR" sz="1200" baseline="0" dirty="0" smtClean="0"/>
+                        <a:t>(</a:t>
+                      </a:r>
+                      <a:r>
+                        <a:rPr lang="en-US" altLang="ko-KR" sz="1200" baseline="0" dirty="0" err="1" smtClean="0"/>
+                        <a:t>int</a:t>
+                      </a:r>
+                      <a:r>
+                        <a:rPr lang="en-US" altLang="ko-KR" sz="1200" baseline="0" dirty="0" smtClean="0"/>
+                        <a:t> </a:t>
+                      </a:r>
+                      <a:r>
+                        <a:rPr lang="en-US" altLang="ko-KR" sz="1200" baseline="0" dirty="0" err="1" smtClean="0"/>
+                        <a:t>nMapSizex</a:t>
+                      </a:r>
+                      <a:r>
+                        <a:rPr lang="en-US" altLang="ko-KR" sz="1200" baseline="0" dirty="0" smtClean="0"/>
+                        <a:t>, y, color);</a:t>
+                      </a:r>
+                    </a:p>
+                    <a:p>
+                      <a:pPr latinLnBrk="1"/>
+                      <a:r>
+                        <a:rPr lang="en-US" altLang="ko-KR" sz="1200" baseline="0" dirty="0" smtClean="0"/>
+                        <a:t>+ </a:t>
+                      </a:r>
+                      <a:r>
+                        <a:rPr lang="en-US" altLang="ko-KR" sz="1200" baseline="0" dirty="0" err="1" smtClean="0"/>
+                        <a:t>int</a:t>
+                      </a:r>
+                      <a:r>
+                        <a:rPr lang="en-US" altLang="ko-KR" sz="1200" baseline="0" dirty="0" smtClean="0"/>
+                        <a:t> </a:t>
+                      </a:r>
+                      <a:r>
+                        <a:rPr lang="en-US" altLang="ko-KR" sz="1200" baseline="0" dirty="0" err="1" smtClean="0"/>
+                        <a:t>GetAppleX</a:t>
+                      </a:r>
+                      <a:r>
+                        <a:rPr lang="en-US" altLang="ko-KR" sz="1200" baseline="0" dirty="0" smtClean="0"/>
+                        <a:t>();</a:t>
+                      </a:r>
+                    </a:p>
+                    <a:p>
+                      <a:pPr latinLnBrk="1"/>
+                      <a:r>
+                        <a:rPr lang="en-US" altLang="ko-KR" sz="1200" baseline="0" dirty="0" smtClean="0"/>
+                        <a:t>+ </a:t>
+                      </a:r>
+                      <a:r>
+                        <a:rPr lang="en-US" altLang="ko-KR" sz="1200" baseline="0" dirty="0" err="1" smtClean="0"/>
+                        <a:t>int</a:t>
+                      </a:r>
+                      <a:r>
+                        <a:rPr lang="en-US" altLang="ko-KR" sz="1200" baseline="0" dirty="0" smtClean="0"/>
+                        <a:t> </a:t>
+                      </a:r>
+                      <a:r>
+                        <a:rPr lang="en-US" altLang="ko-KR" sz="1200" baseline="0" dirty="0" err="1" smtClean="0"/>
+                        <a:t>GetAppleY</a:t>
+                      </a:r>
+                      <a:r>
+                        <a:rPr lang="en-US" altLang="ko-KR" sz="1200" baseline="0" dirty="0" smtClean="0"/>
+                        <a:t>();</a:t>
+                      </a:r>
+                    </a:p>
+                    <a:p>
+                      <a:pPr latinLnBrk="1"/>
+                      <a:endParaRPr lang="en-US" altLang="ko-KR" sz="1200" baseline="0" dirty="0" smtClean="0"/>
+                    </a:p>
+                    <a:p>
+                      <a:pPr marL="171450" indent="-171450" latinLnBrk="1">
+                        <a:buFontTx/>
+                        <a:buChar char="-"/>
+                      </a:pPr>
+                      <a:r>
+                        <a:rPr lang="en-US" altLang="ko-KR" sz="1200" baseline="0" dirty="0" smtClean="0"/>
+                        <a:t>Point </a:t>
+                      </a:r>
+                      <a:r>
+                        <a:rPr lang="en-US" altLang="ko-KR" sz="1200" baseline="0" dirty="0" err="1" smtClean="0"/>
+                        <a:t>RandomXY</a:t>
+                      </a:r>
+                      <a:r>
+                        <a:rPr lang="en-US" altLang="ko-KR" sz="1200" baseline="0" dirty="0" smtClean="0"/>
+                        <a:t>(</a:t>
+                      </a:r>
+                      <a:r>
+                        <a:rPr lang="en-US" altLang="ko-KR" sz="1200" baseline="0" dirty="0" err="1" smtClean="0"/>
+                        <a:t>int</a:t>
+                      </a:r>
+                      <a:r>
+                        <a:rPr lang="en-US" altLang="ko-KR" sz="1200" baseline="0" dirty="0" smtClean="0"/>
+                        <a:t> </a:t>
+                      </a:r>
+                      <a:r>
+                        <a:rPr lang="en-US" altLang="ko-KR" sz="1200" baseline="0" dirty="0" err="1" smtClean="0"/>
+                        <a:t>nMax_X</a:t>
+                      </a:r>
+                      <a:r>
+                        <a:rPr lang="en-US" altLang="ko-KR" sz="1200" baseline="0" dirty="0" smtClean="0"/>
+                        <a:t>, </a:t>
+                      </a:r>
+                      <a:r>
+                        <a:rPr lang="en-US" altLang="ko-KR" sz="1200" baseline="0" dirty="0" err="1" smtClean="0"/>
+                        <a:t>int</a:t>
+                      </a:r>
+                      <a:r>
+                        <a:rPr lang="en-US" altLang="ko-KR" sz="1200" baseline="0" dirty="0" smtClean="0"/>
+                        <a:t> </a:t>
+                      </a:r>
+                      <a:r>
+                        <a:rPr lang="en-US" altLang="ko-KR" sz="1200" baseline="0" dirty="0" err="1" smtClean="0"/>
+                        <a:t>nMax_Y</a:t>
+                      </a:r>
+                      <a:r>
+                        <a:rPr lang="en-US" altLang="ko-KR" sz="1200" baseline="0" dirty="0" smtClean="0"/>
+                        <a:t>);</a:t>
+                      </a:r>
+                      <a:endParaRPr lang="en-US" altLang="ko-KR" sz="1200" baseline="0" dirty="0" smtClean="0"/>
+                    </a:p>
+                    <a:p>
+                      <a:pPr marL="171450" indent="-171450" latinLnBrk="1">
+                        <a:buFontTx/>
+                        <a:buChar char="-"/>
+                      </a:pPr>
+                      <a:r>
+                        <a:rPr lang="en-US" altLang="ko-KR" sz="1200" baseline="0" dirty="0" smtClean="0"/>
+                        <a:t>APPLE_CLR </a:t>
+                      </a:r>
+                      <a:r>
+                        <a:rPr lang="en-US" altLang="ko-KR" sz="1200" baseline="0" dirty="0" err="1" smtClean="0"/>
+                        <a:t>RandomColor</a:t>
+                      </a:r>
+                      <a:r>
+                        <a:rPr lang="en-US" altLang="ko-KR" sz="1200" baseline="0" dirty="0" smtClean="0"/>
+                        <a:t>();</a:t>
+                      </a:r>
+                      <a:endParaRPr lang="en-US" altLang="ko-KR" sz="1200" baseline="0" dirty="0" smtClean="0"/>
+                    </a:p>
+                  </a:txBody>
+                  <a:tcPr/>
+                </a:tc>
+              </a:tr>
+            </a:tbl>
+          </a:graphicData>
+        </a:graphic>
+      </p:graphicFrame>
+      <p:graphicFrame>
+        <p:nvGraphicFramePr>
+          <p:cNvPr id="10" name="표 9"/>
+          <p:cNvGraphicFramePr>
+            <a:graphicFrameLocks noGrp="1"/>
+          </p:cNvGraphicFramePr>
+          <p:nvPr>
+            <p:extLst>
+              <p:ext uri="{D42A27DB-BD31-4B8C-83A1-F6EECF244321}">
+                <p14:modId xmlns:p14="http://schemas.microsoft.com/office/powerpoint/2010/main" val="2374198651"/>
+              </p:ext>
+            </p:extLst>
+          </p:nvPr>
+        </p:nvGraphicFramePr>
+        <p:xfrm>
+          <a:off x="2866726" y="454279"/>
+          <a:ext cx="2667000" cy="2651760"/>
+        </p:xfrm>
+        <a:graphic>
+          <a:graphicData uri="http://schemas.openxmlformats.org/drawingml/2006/table">
+            <a:tbl>
+              <a:tblPr firstRow="1" bandRow="1">
+                <a:tableStyleId>{5C22544A-7EE6-4342-B048-85BDC9FD1C3A}</a:tableStyleId>
+              </a:tblPr>
+              <a:tblGrid>
+                <a:gridCol w="2667000"/>
+              </a:tblGrid>
+              <a:tr h="0">
+                <a:tc>
+                  <a:txBody>
+                    <a:bodyPr/>
+                    <a:lstStyle/>
+                    <a:p>
+                      <a:pPr latinLnBrk="1"/>
+                      <a:r>
+                        <a:rPr lang="en-US" altLang="ko-KR" sz="1200" dirty="0" smtClean="0"/>
+                        <a:t>MAP </a:t>
+                      </a:r>
+                      <a:r>
+                        <a:rPr lang="en-US" altLang="ko-KR" sz="1200" dirty="0" smtClean="0">
+                          <a:solidFill>
+                            <a:srgbClr val="FF0000"/>
+                          </a:solidFill>
+                        </a:rPr>
+                        <a:t>– </a:t>
+                      </a:r>
+                      <a:r>
+                        <a:rPr lang="en-US" altLang="ko-KR" sz="1200" dirty="0" smtClean="0">
+                          <a:solidFill>
+                            <a:srgbClr val="FF0000"/>
+                          </a:solidFill>
+                        </a:rPr>
+                        <a:t>2</a:t>
+                      </a:r>
+                      <a:r>
+                        <a:rPr lang="ko-KR" altLang="en-US" sz="1200" dirty="0" err="1" smtClean="0">
+                          <a:solidFill>
+                            <a:srgbClr val="FF0000"/>
+                          </a:solidFill>
+                        </a:rPr>
+                        <a:t>차구현완료</a:t>
+                      </a:r>
+                      <a:endParaRPr lang="ko-KR" altLang="en-US" sz="1200" dirty="0">
+                        <a:solidFill>
+                          <a:srgbClr val="FF0000"/>
+                        </a:solidFill>
+                      </a:endParaRPr>
+                    </a:p>
+                  </a:txBody>
+                  <a:tcPr/>
+                </a:tc>
+              </a:tr>
+              <a:tr h="492150">
+                <a:tc>
+                  <a:txBody>
+                    <a:bodyPr/>
+                    <a:lstStyle/>
+                    <a:p>
+                      <a:pPr latinLnBrk="1"/>
+                      <a:r>
+                        <a:rPr lang="en-US" altLang="ko-KR" sz="1200" dirty="0" smtClean="0"/>
+                        <a:t>Size </a:t>
+                      </a:r>
+                      <a:r>
+                        <a:rPr lang="en-US" altLang="ko-KR" sz="1200" dirty="0" err="1" smtClean="0"/>
+                        <a:t>sMapSize</a:t>
+                      </a:r>
+                      <a:r>
+                        <a:rPr lang="en-US" altLang="ko-KR" sz="1200" dirty="0" smtClean="0"/>
+                        <a:t>;</a:t>
+                      </a:r>
+                      <a:endParaRPr lang="en-US" altLang="ko-KR" sz="1200" baseline="0" dirty="0" smtClean="0"/>
+                    </a:p>
+                    <a:p>
+                      <a:pPr latinLnBrk="1"/>
+                      <a:r>
+                        <a:rPr lang="en-US" altLang="ko-KR" sz="1200" baseline="0" dirty="0" smtClean="0"/>
+                        <a:t>Vector&lt;Apple&gt; </a:t>
+                      </a:r>
+                      <a:r>
+                        <a:rPr lang="en-US" altLang="ko-KR" sz="1200" baseline="0" dirty="0" err="1" smtClean="0"/>
+                        <a:t>vApple</a:t>
+                      </a:r>
+                      <a:endParaRPr lang="en-US" altLang="ko-KR" sz="1200" baseline="0" dirty="0" smtClean="0"/>
+                    </a:p>
+                    <a:p>
+                      <a:pPr latinLnBrk="1"/>
+                      <a:r>
+                        <a:rPr lang="en-US" altLang="ko-KR" sz="1200" baseline="0" dirty="0" smtClean="0"/>
+                        <a:t>Vector&lt;vector&lt;</a:t>
+                      </a:r>
+                      <a:r>
+                        <a:rPr lang="en-US" altLang="ko-KR" sz="1200" baseline="0" dirty="0" err="1" smtClean="0"/>
+                        <a:t>int</a:t>
+                      </a:r>
+                      <a:r>
+                        <a:rPr lang="en-US" altLang="ko-KR" sz="1200" baseline="0" dirty="0" smtClean="0"/>
+                        <a:t>&gt;&gt; </a:t>
+                      </a:r>
+                      <a:r>
+                        <a:rPr lang="en-US" altLang="ko-KR" sz="1200" baseline="0" dirty="0" err="1" smtClean="0"/>
+                        <a:t>vMap</a:t>
+                      </a:r>
+                      <a:r>
+                        <a:rPr lang="en-US" altLang="ko-KR" sz="1200" baseline="0" dirty="0" smtClean="0"/>
+                        <a:t>;</a:t>
+                      </a:r>
+                      <a:endParaRPr lang="ko-KR" altLang="en-US" sz="1200" dirty="0"/>
+                    </a:p>
+                  </a:txBody>
+                  <a:tcPr/>
+                </a:tc>
+              </a:tr>
+              <a:tr h="931300">
+                <a:tc>
+                  <a:txBody>
+                    <a:bodyPr/>
+                    <a:lstStyle/>
+                    <a:p>
+                      <a:pPr latinLnBrk="1"/>
+                      <a:r>
+                        <a:rPr lang="en-US" altLang="ko-KR" sz="1200" baseline="0" dirty="0" smtClean="0"/>
+                        <a:t>MAP();</a:t>
+                      </a:r>
+                    </a:p>
+                    <a:p>
+                      <a:pPr latinLnBrk="1"/>
+                      <a:r>
+                        <a:rPr lang="en-US" altLang="ko-KR" sz="1200" baseline="0" dirty="0" smtClean="0"/>
+                        <a:t>Map(</a:t>
+                      </a:r>
+                      <a:r>
+                        <a:rPr lang="en-US" altLang="ko-KR" sz="1200" baseline="0" dirty="0" err="1" smtClean="0"/>
+                        <a:t>x,y</a:t>
+                      </a:r>
+                      <a:r>
+                        <a:rPr lang="en-US" altLang="ko-KR" sz="1200" baseline="0" dirty="0" smtClean="0"/>
+                        <a:t>);</a:t>
+                      </a:r>
+                    </a:p>
+                    <a:p>
+                      <a:pPr latinLnBrk="1"/>
+                      <a:r>
+                        <a:rPr lang="en-US" altLang="ko-KR" sz="1200" baseline="0" dirty="0" smtClean="0"/>
+                        <a:t>~MAP</a:t>
+                      </a:r>
+                      <a:r>
+                        <a:rPr lang="en-US" altLang="ko-KR" sz="1200" baseline="0" dirty="0" smtClean="0"/>
+                        <a:t>();</a:t>
+                      </a:r>
+                    </a:p>
+                    <a:p>
+                      <a:pPr latinLnBrk="1"/>
+                      <a:endParaRPr lang="en-US" altLang="ko-KR" sz="1200" baseline="0" dirty="0" smtClean="0"/>
+                    </a:p>
+                    <a:p>
+                      <a:pPr latinLnBrk="1"/>
+                      <a:r>
+                        <a:rPr lang="en-US" altLang="ko-KR" sz="1200" baseline="0" dirty="0" smtClean="0"/>
+                        <a:t>+ SIZE </a:t>
+                      </a:r>
+                      <a:r>
+                        <a:rPr lang="en-US" altLang="ko-KR" sz="1200" baseline="0" dirty="0" err="1" smtClean="0"/>
+                        <a:t>GetMapSize</a:t>
+                      </a:r>
+                      <a:r>
+                        <a:rPr lang="en-US" altLang="ko-KR" sz="1200" baseline="0" dirty="0" smtClean="0"/>
+                        <a:t>();</a:t>
+                      </a:r>
+                    </a:p>
+                    <a:p>
+                      <a:pPr latinLnBrk="1"/>
+                      <a:r>
+                        <a:rPr lang="en-US" altLang="ko-KR" sz="1200" baseline="0" dirty="0" smtClean="0"/>
+                        <a:t>+ Void </a:t>
+                      </a:r>
+                      <a:r>
+                        <a:rPr lang="en-US" altLang="ko-KR" sz="1200" baseline="0" dirty="0" err="1" smtClean="0"/>
+                        <a:t>MakeApple</a:t>
+                      </a:r>
+                      <a:r>
+                        <a:rPr lang="en-US" altLang="ko-KR" sz="1200" baseline="0" dirty="0" smtClean="0"/>
+                        <a:t>();</a:t>
+                      </a:r>
+                      <a:endParaRPr lang="en-US" altLang="ko-KR" sz="1200" baseline="0" dirty="0" smtClean="0"/>
+                    </a:p>
+                    <a:p>
+                      <a:pPr latinLnBrk="1"/>
+                      <a:r>
+                        <a:rPr lang="en-US" altLang="ko-KR" sz="1200" baseline="0" dirty="0" smtClean="0"/>
+                        <a:t>+ APPLE* </a:t>
+                      </a:r>
+                      <a:r>
+                        <a:rPr lang="en-US" altLang="ko-KR" sz="1200" baseline="0" dirty="0" err="1" smtClean="0"/>
+                        <a:t>ExistApple</a:t>
+                      </a:r>
+                      <a:r>
+                        <a:rPr lang="en-US" altLang="ko-KR" sz="1200" baseline="0" dirty="0" smtClean="0"/>
+                        <a:t>(</a:t>
+                      </a:r>
+                      <a:r>
+                        <a:rPr lang="en-US" altLang="ko-KR" sz="1200" baseline="0" dirty="0" err="1" smtClean="0"/>
+                        <a:t>int</a:t>
+                      </a:r>
+                      <a:r>
+                        <a:rPr lang="en-US" altLang="ko-KR" sz="1200" baseline="0" dirty="0" smtClean="0"/>
+                        <a:t> x, </a:t>
+                      </a:r>
+                      <a:r>
+                        <a:rPr lang="en-US" altLang="ko-KR" sz="1200" baseline="0" dirty="0" err="1" smtClean="0"/>
+                        <a:t>int</a:t>
+                      </a:r>
+                      <a:r>
+                        <a:rPr lang="en-US" altLang="ko-KR" sz="1200" baseline="0" dirty="0" smtClean="0"/>
+                        <a:t> y</a:t>
+                      </a:r>
+                      <a:r>
+                        <a:rPr lang="en-US" altLang="ko-KR" sz="1200" baseline="0" dirty="0" smtClean="0"/>
+                        <a:t>);</a:t>
+                      </a:r>
+                      <a:endParaRPr lang="en-US" altLang="ko-KR" sz="1200" baseline="0" dirty="0" smtClean="0"/>
+                    </a:p>
+                    <a:p>
+                      <a:pPr latinLnBrk="1"/>
+                      <a:r>
+                        <a:rPr lang="en-US" altLang="ko-KR" sz="1200" baseline="0" dirty="0" smtClean="0"/>
+                        <a:t>+ Void </a:t>
+                      </a:r>
+                      <a:r>
+                        <a:rPr lang="en-US" altLang="ko-KR" sz="1200" baseline="0" dirty="0" err="1" smtClean="0"/>
+                        <a:t>DeleteApple</a:t>
+                      </a:r>
+                      <a:r>
+                        <a:rPr lang="en-US" altLang="ko-KR" sz="1200" baseline="0" dirty="0" smtClean="0"/>
+                        <a:t>(</a:t>
+                      </a:r>
+                      <a:r>
+                        <a:rPr lang="en-US" altLang="ko-KR" sz="1200" baseline="0" dirty="0" err="1" smtClean="0"/>
+                        <a:t>int</a:t>
+                      </a:r>
+                      <a:r>
+                        <a:rPr lang="en-US" altLang="ko-KR" sz="1200" baseline="0" dirty="0" smtClean="0"/>
+                        <a:t> x, </a:t>
+                      </a:r>
+                      <a:r>
+                        <a:rPr lang="en-US" altLang="ko-KR" sz="1200" baseline="0" dirty="0" err="1" smtClean="0"/>
+                        <a:t>int</a:t>
+                      </a:r>
+                      <a:r>
+                        <a:rPr lang="en-US" altLang="ko-KR" sz="1200" baseline="0" dirty="0" smtClean="0"/>
+                        <a:t> y);</a:t>
+                      </a:r>
+                    </a:p>
+                    <a:p>
+                      <a:pPr latinLnBrk="1"/>
+                      <a:r>
+                        <a:rPr lang="en-US" altLang="ko-KR" sz="1200" baseline="0" dirty="0" smtClean="0"/>
+                        <a:t>+ </a:t>
+                      </a:r>
+                      <a:r>
+                        <a:rPr lang="en-US" altLang="ko-KR" sz="1200" baseline="0" dirty="0" err="1" smtClean="0"/>
+                        <a:t>bool</a:t>
+                      </a:r>
+                      <a:r>
+                        <a:rPr lang="en-US" altLang="ko-KR" sz="1200" baseline="0" dirty="0" smtClean="0"/>
+                        <a:t> </a:t>
+                      </a:r>
+                      <a:r>
+                        <a:rPr lang="en-US" altLang="ko-KR" sz="1200" baseline="0" dirty="0" err="1" smtClean="0"/>
+                        <a:t>DestroyWall</a:t>
+                      </a:r>
+                      <a:r>
+                        <a:rPr lang="en-US" altLang="ko-KR" sz="1200" baseline="0" dirty="0" smtClean="0"/>
+                        <a:t>(</a:t>
+                      </a:r>
+                      <a:r>
+                        <a:rPr lang="en-US" altLang="ko-KR" sz="1200" baseline="0" dirty="0" err="1" smtClean="0"/>
+                        <a:t>int</a:t>
+                      </a:r>
+                      <a:r>
+                        <a:rPr lang="en-US" altLang="ko-KR" sz="1200" baseline="0" dirty="0" smtClean="0"/>
+                        <a:t> </a:t>
+                      </a:r>
+                      <a:r>
+                        <a:rPr lang="en-US" altLang="ko-KR" sz="1200" baseline="0" dirty="0" smtClean="0"/>
+                        <a:t>x, </a:t>
+                      </a:r>
+                      <a:r>
+                        <a:rPr lang="en-US" altLang="ko-KR" sz="1200" baseline="0" dirty="0" err="1" smtClean="0"/>
+                        <a:t>int</a:t>
+                      </a:r>
+                      <a:r>
+                        <a:rPr lang="en-US" altLang="ko-KR" sz="1200" baseline="0" dirty="0" smtClean="0"/>
+                        <a:t> y);</a:t>
+                      </a:r>
+                    </a:p>
+                  </a:txBody>
+                  <a:tcPr/>
+                </a:tc>
+              </a:tr>
+            </a:tbl>
+          </a:graphicData>
+        </a:graphic>
+      </p:graphicFrame>
+      <p:graphicFrame>
+        <p:nvGraphicFramePr>
+          <p:cNvPr id="13" name="표 12"/>
+          <p:cNvGraphicFramePr>
+            <a:graphicFrameLocks noGrp="1"/>
+          </p:cNvGraphicFramePr>
+          <p:nvPr>
+            <p:extLst/>
+          </p:nvPr>
+        </p:nvGraphicFramePr>
+        <p:xfrm>
+          <a:off x="469601" y="1947785"/>
+          <a:ext cx="2032000" cy="3017520"/>
+        </p:xfrm>
+        <a:graphic>
+          <a:graphicData uri="http://schemas.openxmlformats.org/drawingml/2006/table">
+            <a:tbl>
+              <a:tblPr firstRow="1" bandRow="1">
+                <a:tableStyleId>{5C22544A-7EE6-4342-B048-85BDC9FD1C3A}</a:tableStyleId>
+              </a:tblPr>
+              <a:tblGrid>
+                <a:gridCol w="2032000"/>
+              </a:tblGrid>
+              <a:tr h="210821">
+                <a:tc>
+                  <a:txBody>
+                    <a:bodyPr/>
+                    <a:lstStyle/>
+                    <a:p>
+                      <a:pPr latinLnBrk="1"/>
+                      <a:r>
+                        <a:rPr lang="en-US" altLang="ko-KR" sz="1200" dirty="0" err="1" smtClean="0"/>
+                        <a:t>SnakeGame</a:t>
+                      </a:r>
+                      <a:r>
+                        <a:rPr lang="en-US" altLang="ko-KR" sz="1200" dirty="0" smtClean="0"/>
+                        <a:t> - </a:t>
+                      </a:r>
+                      <a:r>
+                        <a:rPr lang="ko-KR" altLang="en-US" sz="1200" dirty="0" err="1" smtClean="0"/>
+                        <a:t>미구현</a:t>
+                      </a:r>
+                      <a:endParaRPr lang="ko-KR" altLang="en-US" sz="1200" dirty="0"/>
+                    </a:p>
+                  </a:txBody>
+                  <a:tcPr/>
+                </a:tc>
+              </a:tr>
+              <a:tr h="326814">
+                <a:tc>
+                  <a:txBody>
+                    <a:bodyPr/>
+                    <a:lstStyle/>
+                    <a:p>
+                      <a:pPr latinLnBrk="1"/>
+                      <a:r>
+                        <a:rPr lang="en-US" altLang="ko-KR" sz="1200" dirty="0" smtClean="0"/>
+                        <a:t>MAP</a:t>
+                      </a:r>
+                      <a:r>
+                        <a:rPr lang="en-US" altLang="ko-KR" sz="1200" baseline="0" dirty="0" smtClean="0"/>
+                        <a:t> </a:t>
+                      </a:r>
+                      <a:r>
+                        <a:rPr lang="en-US" altLang="ko-KR" sz="1200" baseline="0" dirty="0" err="1" smtClean="0"/>
+                        <a:t>cMAP</a:t>
+                      </a:r>
+                      <a:r>
+                        <a:rPr lang="en-US" altLang="ko-KR" sz="1200" baseline="0" dirty="0" smtClean="0"/>
+                        <a:t>;</a:t>
+                      </a:r>
+                    </a:p>
+                    <a:p>
+                      <a:pPr latinLnBrk="1"/>
+                      <a:r>
+                        <a:rPr lang="en-US" altLang="ko-KR" sz="1200" baseline="0" dirty="0" smtClean="0"/>
+                        <a:t>Snake </a:t>
+                      </a:r>
+                      <a:r>
+                        <a:rPr lang="en-US" altLang="ko-KR" sz="1200" baseline="0" dirty="0" err="1" smtClean="0"/>
+                        <a:t>cSnake</a:t>
+                      </a:r>
+                      <a:r>
+                        <a:rPr lang="en-US" altLang="ko-KR" sz="1200" baseline="0" dirty="0" smtClean="0"/>
+                        <a:t>;</a:t>
+                      </a:r>
+                    </a:p>
+                    <a:p>
+                      <a:pPr latinLnBrk="1"/>
+                      <a:r>
+                        <a:rPr lang="en-US" altLang="ko-KR" sz="1200" baseline="0" dirty="0" err="1" smtClean="0"/>
+                        <a:t>SCore</a:t>
+                      </a:r>
+                      <a:endParaRPr lang="ko-KR" altLang="en-US" sz="1200" dirty="0"/>
+                    </a:p>
+                  </a:txBody>
+                  <a:tcPr/>
+                </a:tc>
+              </a:tr>
+              <a:tr h="618433">
+                <a:tc>
+                  <a:txBody>
+                    <a:bodyPr/>
+                    <a:lstStyle/>
+                    <a:p>
+                      <a:pPr marL="0" marR="0" indent="0" algn="l" defTabSz="914400" rtl="0" eaLnBrk="1" fontAlgn="auto" latinLnBrk="1" hangingPunct="1">
+                        <a:lnSpc>
+                          <a:spcPct val="100000"/>
+                        </a:lnSpc>
+                        <a:spcBef>
+                          <a:spcPts val="0"/>
+                        </a:spcBef>
+                        <a:spcAft>
+                          <a:spcPts val="0"/>
+                        </a:spcAft>
+                        <a:buClrTx/>
+                        <a:buSzTx/>
+                        <a:buFontTx/>
+                        <a:buNone/>
+                        <a:tabLst/>
+                        <a:defRPr/>
+                      </a:pPr>
+                      <a:r>
+                        <a:rPr lang="en-US" altLang="ko-KR" sz="1200" baseline="0" dirty="0" smtClean="0"/>
+                        <a:t>+ </a:t>
+                      </a:r>
+                      <a:r>
+                        <a:rPr lang="en-US" altLang="ko-KR" sz="1200" baseline="0" dirty="0" err="1" smtClean="0"/>
+                        <a:t>ChangeDirection</a:t>
+                      </a:r>
+                      <a:r>
+                        <a:rPr lang="en-US" altLang="ko-KR" sz="1200" baseline="0" dirty="0" smtClean="0"/>
+                        <a:t>(); </a:t>
+                      </a:r>
+                    </a:p>
+                    <a:p>
+                      <a:pPr marL="0" marR="0" indent="0" algn="l" defTabSz="914400" rtl="0" eaLnBrk="1" fontAlgn="auto" latinLnBrk="1" hangingPunct="1">
+                        <a:lnSpc>
+                          <a:spcPct val="100000"/>
+                        </a:lnSpc>
+                        <a:spcBef>
+                          <a:spcPts val="0"/>
+                        </a:spcBef>
+                        <a:spcAft>
+                          <a:spcPts val="0"/>
+                        </a:spcAft>
+                        <a:buClrTx/>
+                        <a:buSzTx/>
+                        <a:buFontTx/>
+                        <a:buNone/>
+                        <a:tabLst/>
+                        <a:defRPr/>
+                      </a:pPr>
+                      <a:r>
+                        <a:rPr lang="en-US" altLang="ko-KR" sz="1200" baseline="0" dirty="0" smtClean="0"/>
+                        <a:t>+ </a:t>
+                      </a:r>
+                      <a:r>
+                        <a:rPr lang="en-US" altLang="ko-KR" sz="1200" baseline="0" dirty="0" err="1" smtClean="0"/>
+                        <a:t>bool</a:t>
+                      </a:r>
+                      <a:r>
+                        <a:rPr lang="en-US" altLang="ko-KR" sz="1200" baseline="0" dirty="0" smtClean="0"/>
+                        <a:t> Move();</a:t>
+                      </a:r>
+                    </a:p>
+                    <a:p>
+                      <a:pPr marL="0" marR="0" indent="0" algn="l" defTabSz="914400" rtl="0" eaLnBrk="1" fontAlgn="auto" latinLnBrk="1" hangingPunct="1">
+                        <a:lnSpc>
+                          <a:spcPct val="100000"/>
+                        </a:lnSpc>
+                        <a:spcBef>
+                          <a:spcPts val="0"/>
+                        </a:spcBef>
+                        <a:spcAft>
+                          <a:spcPts val="0"/>
+                        </a:spcAft>
+                        <a:buClrTx/>
+                        <a:buSzTx/>
+                        <a:buFontTx/>
+                        <a:buNone/>
+                        <a:tabLst/>
+                        <a:defRPr/>
+                      </a:pPr>
+                      <a:r>
+                        <a:rPr lang="en-US" altLang="ko-KR" sz="1200" baseline="0" dirty="0" smtClean="0"/>
+                        <a:t>-&gt; </a:t>
+                      </a:r>
+                      <a:r>
+                        <a:rPr lang="en-US" altLang="ko-KR" sz="1200" baseline="0" dirty="0" err="1" smtClean="0"/>
+                        <a:t>existapple</a:t>
+                      </a:r>
+                      <a:r>
+                        <a:rPr lang="en-US" altLang="ko-KR" sz="1200" baseline="0" dirty="0" smtClean="0"/>
+                        <a:t>()</a:t>
+                      </a:r>
+                    </a:p>
+                    <a:p>
+                      <a:pPr latinLnBrk="1"/>
+                      <a:r>
+                        <a:rPr lang="en-US" altLang="ko-KR" sz="1200" baseline="0" dirty="0" smtClean="0"/>
+                        <a:t>-&gt; </a:t>
+                      </a:r>
+                      <a:r>
+                        <a:rPr lang="en-US" altLang="ko-KR" sz="1200" baseline="0" dirty="0" err="1" smtClean="0"/>
+                        <a:t>bool</a:t>
+                      </a:r>
+                      <a:r>
+                        <a:rPr lang="en-US" altLang="ko-KR" sz="1200" baseline="0" dirty="0" smtClean="0"/>
+                        <a:t> ret1 = </a:t>
+                      </a:r>
+                      <a:r>
+                        <a:rPr lang="en-US" altLang="ko-KR" sz="1200" baseline="0" dirty="0" err="1" smtClean="0"/>
+                        <a:t>moveSnake</a:t>
+                      </a:r>
+                      <a:r>
+                        <a:rPr lang="en-US" altLang="ko-KR" sz="1200" baseline="0" dirty="0" smtClean="0"/>
+                        <a:t>()</a:t>
+                      </a:r>
+                    </a:p>
+                    <a:p>
+                      <a:pPr latinLnBrk="1"/>
+                      <a:r>
+                        <a:rPr lang="en-US" altLang="ko-KR" sz="1200" baseline="0" dirty="0" smtClean="0"/>
+                        <a:t>-&gt; </a:t>
+                      </a:r>
+                      <a:r>
+                        <a:rPr lang="en-US" altLang="ko-KR" sz="1200" baseline="0" dirty="0" err="1" smtClean="0"/>
+                        <a:t>bool</a:t>
+                      </a:r>
+                      <a:r>
+                        <a:rPr lang="en-US" altLang="ko-KR" sz="1200" baseline="0" dirty="0" smtClean="0"/>
+                        <a:t> ret2 = </a:t>
+                      </a:r>
+                      <a:r>
+                        <a:rPr lang="en-US" altLang="ko-KR" sz="1200" baseline="0" dirty="0" err="1" smtClean="0"/>
+                        <a:t>destroyWall</a:t>
+                      </a:r>
+                      <a:r>
+                        <a:rPr lang="en-US" altLang="ko-KR" sz="1200" baseline="0" dirty="0" smtClean="0"/>
+                        <a:t>(Snake’s </a:t>
+                      </a:r>
+                      <a:r>
+                        <a:rPr lang="en-US" altLang="ko-KR" sz="1200" baseline="0" dirty="0" err="1" smtClean="0"/>
+                        <a:t>head.x</a:t>
+                      </a:r>
+                      <a:r>
+                        <a:rPr lang="en-US" altLang="ko-KR" sz="1200" baseline="0" dirty="0" smtClean="0"/>
+                        <a:t>, y);</a:t>
+                      </a:r>
+                    </a:p>
+                    <a:p>
+                      <a:pPr latinLnBrk="1"/>
+                      <a:endParaRPr lang="en-US" altLang="ko-KR" sz="1200" baseline="0" dirty="0" smtClean="0"/>
+                    </a:p>
+                    <a:p>
+                      <a:pPr latinLnBrk="1"/>
+                      <a:r>
+                        <a:rPr lang="en-US" altLang="ko-KR" sz="1200" baseline="0" dirty="0" smtClean="0"/>
+                        <a:t>-&gt; !ret1 ||!</a:t>
+                      </a:r>
+                      <a:r>
+                        <a:rPr lang="en-US" altLang="ko-KR" sz="1200" baseline="0" smtClean="0"/>
+                        <a:t>ret2 return false </a:t>
+                      </a:r>
+                      <a:endParaRPr lang="en-US" altLang="ko-KR" sz="1200" baseline="0" dirty="0" smtClean="0"/>
+                    </a:p>
+                    <a:p>
+                      <a:pPr latinLnBrk="1"/>
+                      <a:endParaRPr lang="en-US" altLang="ko-KR" sz="1200" baseline="0" dirty="0" smtClean="0"/>
+                    </a:p>
+                  </a:txBody>
+                  <a:tcPr/>
+                </a:tc>
+              </a:tr>
+            </a:tbl>
+          </a:graphicData>
+        </a:graphic>
+      </p:graphicFrame>
+      <p:cxnSp>
+        <p:nvCxnSpPr>
+          <p:cNvPr id="20" name="꺾인 연결선 19"/>
+          <p:cNvCxnSpPr/>
+          <p:nvPr/>
+        </p:nvCxnSpPr>
+        <p:spPr>
+          <a:xfrm flipV="1">
+            <a:off x="1472901" y="1449145"/>
+            <a:ext cx="1308100" cy="895724"/>
+          </a:xfrm>
+          <a:prstGeom prst="bentConnector3">
+            <a:avLst>
+              <a:gd name="adj1" fmla="val 50000"/>
+            </a:avLst>
+          </a:prstGeom>
+          <a:ln>
+            <a:tailEnd type="arrow" w="lg" len="lg"/>
+          </a:ln>
+        </p:spPr>
+        <p:style>
+          <a:lnRef idx="1">
+            <a:schemeClr val="accent1"/>
+          </a:lnRef>
+          <a:fillRef idx="0">
+            <a:schemeClr val="accent1"/>
+          </a:fillRef>
+          <a:effectRef idx="0">
+            <a:schemeClr val="accent1"/>
+          </a:effectRef>
+          <a:fontRef idx="minor">
+            <a:schemeClr val="tx1"/>
+          </a:fontRef>
+        </p:style>
+      </p:cxnSp>
+      <p:cxnSp>
+        <p:nvCxnSpPr>
+          <p:cNvPr id="22" name="꺾인 연결선 21"/>
+          <p:cNvCxnSpPr/>
+          <p:nvPr/>
+        </p:nvCxnSpPr>
+        <p:spPr>
+          <a:xfrm>
+            <a:off x="1587201" y="2557931"/>
+            <a:ext cx="1277919" cy="1274929"/>
+          </a:xfrm>
+          <a:prstGeom prst="bentConnector3">
+            <a:avLst/>
+          </a:prstGeom>
+          <a:ln>
+            <a:tailEnd type="arrow" w="lg" len="lg"/>
+          </a:ln>
+        </p:spPr>
+        <p:style>
+          <a:lnRef idx="1">
+            <a:schemeClr val="accent1"/>
+          </a:lnRef>
+          <a:fillRef idx="0">
+            <a:schemeClr val="accent1"/>
+          </a:fillRef>
+          <a:effectRef idx="0">
+            <a:schemeClr val="accent1"/>
+          </a:effectRef>
+          <a:fontRef idx="minor">
+            <a:schemeClr val="tx1"/>
+          </a:fontRef>
+        </p:style>
+      </p:cxnSp>
+      <p:cxnSp>
+        <p:nvCxnSpPr>
+          <p:cNvPr id="23" name="직선 화살표 연결선 22"/>
+          <p:cNvCxnSpPr/>
+          <p:nvPr/>
+        </p:nvCxnSpPr>
+        <p:spPr>
+          <a:xfrm>
+            <a:off x="4672516" y="1057761"/>
+            <a:ext cx="1600200" cy="0"/>
+          </a:xfrm>
+          <a:prstGeom prst="straightConnector1">
+            <a:avLst/>
+          </a:prstGeom>
+          <a:ln>
+            <a:tailEnd type="arrow" w="lg" len="lg"/>
+          </a:ln>
+        </p:spPr>
+        <p:style>
+          <a:lnRef idx="1">
+            <a:schemeClr val="accent1"/>
+          </a:lnRef>
+          <a:fillRef idx="0">
+            <a:schemeClr val="accent1"/>
+          </a:fillRef>
+          <a:effectRef idx="0">
+            <a:schemeClr val="accent1"/>
+          </a:effectRef>
+          <a:fontRef idx="minor">
+            <a:schemeClr val="tx1"/>
+          </a:fontRef>
+        </p:style>
+      </p:cxnSp>
+      <p:sp>
+        <p:nvSpPr>
+          <p:cNvPr id="25" name="TextBox 24"/>
+          <p:cNvSpPr txBox="1"/>
+          <p:nvPr/>
+        </p:nvSpPr>
+        <p:spPr>
+          <a:xfrm>
+            <a:off x="6917822" y="5104215"/>
+            <a:ext cx="4831772" cy="369332"/>
+          </a:xfrm>
+          <a:prstGeom prst="rect">
+            <a:avLst/>
+          </a:prstGeom>
+          <a:noFill/>
+        </p:spPr>
+        <p:txBody>
+          <a:bodyPr wrap="none" rtlCol="0">
+            <a:spAutoFit/>
+          </a:bodyPr>
+          <a:lstStyle/>
+          <a:p>
+            <a:r>
+              <a:rPr lang="en-US" altLang="ko-KR" dirty="0" smtClean="0"/>
+              <a:t>&lt;</a:t>
+            </a:r>
+            <a:r>
+              <a:rPr lang="ko-KR" altLang="en-US" dirty="0" smtClean="0"/>
+              <a:t>뱀 </a:t>
+            </a:r>
+            <a:r>
+              <a:rPr lang="en-US" altLang="ko-KR" dirty="0" smtClean="0"/>
+              <a:t>UML – 2017. 6. 30 </a:t>
+            </a:r>
+            <a:r>
+              <a:rPr lang="ko-KR" altLang="en-US" dirty="0" smtClean="0"/>
+              <a:t>짜면서 수정된 사항</a:t>
+            </a:r>
+            <a:r>
+              <a:rPr lang="en-US" altLang="ko-KR" dirty="0" smtClean="0"/>
+              <a:t>&gt;</a:t>
+            </a:r>
+            <a:endParaRPr lang="ko-KR" altLang="en-US" dirty="0"/>
+          </a:p>
+        </p:txBody>
+      </p:sp>
+    </p:spTree>
+    <p:extLst>
+      <p:ext uri="{BB962C8B-B14F-4D97-AF65-F5344CB8AC3E}">
+        <p14:creationId xmlns:p14="http://schemas.microsoft.com/office/powerpoint/2010/main" val="1414904393"/>
       </p:ext>
     </p:extLst>
   </p:cSld>

--- a/참고문서/뱀_UML_20170626.pptx
+++ b/참고문서/뱀_UML_20170626.pptx
@@ -8,6 +8,7 @@
     <p:sldId id="256" r:id="rId2"/>
     <p:sldId id="258" r:id="rId3"/>
     <p:sldId id="259" r:id="rId4"/>
+    <p:sldId id="260" r:id="rId5"/>
   </p:sldIdLst>
   <p:sldSz cx="12192000" cy="6858000"/>
   <p:notesSz cx="6858000" cy="9144000"/>
@@ -2996,7 +2997,13 @@
                 <a:tableStyleId>{5C22544A-7EE6-4342-B048-85BDC9FD1C3A}</a:tableStyleId>
               </a:tblPr>
               <a:tblGrid>
-                <a:gridCol w="2603500"/>
+                <a:gridCol w="2603500">
+                  <a:extLst>
+                    <a:ext uri="{9D8B030D-6E8A-4147-A177-3AD203B41FA5}">
+                      <a16:colId xmlns:a16="http://schemas.microsoft.com/office/drawing/2014/main" val="20000"/>
+                    </a:ext>
+                  </a:extLst>
+                </a:gridCol>
               </a:tblGrid>
               <a:tr h="255247">
                 <a:tc>
@@ -3034,6 +3041,11 @@
                   </a:txBody>
                   <a:tcPr/>
                 </a:tc>
+                <a:extLst>
+                  <a:ext uri="{0D108BD9-81ED-4DB2-BD59-A6C34878D82A}">
+                    <a16:rowId xmlns:a16="http://schemas.microsoft.com/office/drawing/2014/main" val="10000"/>
+                  </a:ext>
+                </a:extLst>
               </a:tr>
               <a:tr h="425412">
                 <a:tc>
@@ -3086,6 +3098,11 @@
                   </a:txBody>
                   <a:tcPr/>
                 </a:tc>
+                <a:extLst>
+                  <a:ext uri="{0D108BD9-81ED-4DB2-BD59-A6C34878D82A}">
+                    <a16:rowId xmlns:a16="http://schemas.microsoft.com/office/drawing/2014/main" val="10001"/>
+                  </a:ext>
+                </a:extLst>
               </a:tr>
               <a:tr h="1465640">
                 <a:tc>
@@ -3229,6 +3246,11 @@
                   </a:txBody>
                   <a:tcPr/>
                 </a:tc>
+                <a:extLst>
+                  <a:ext uri="{0D108BD9-81ED-4DB2-BD59-A6C34878D82A}">
+                    <a16:rowId xmlns:a16="http://schemas.microsoft.com/office/drawing/2014/main" val="10002"/>
+                  </a:ext>
+                </a:extLst>
               </a:tr>
             </a:tbl>
           </a:graphicData>
@@ -3259,7 +3281,13 @@
                 <a:tableStyleId>{5C22544A-7EE6-4342-B048-85BDC9FD1C3A}</a:tableStyleId>
               </a:tblPr>
               <a:tblGrid>
-                <a:gridCol w="2667000"/>
+                <a:gridCol w="2667000">
+                  <a:extLst>
+                    <a:ext uri="{9D8B030D-6E8A-4147-A177-3AD203B41FA5}">
+                      <a16:colId xmlns:a16="http://schemas.microsoft.com/office/drawing/2014/main" val="20000"/>
+                    </a:ext>
+                  </a:extLst>
+                </a:gridCol>
               </a:tblGrid>
               <a:tr h="203200">
                 <a:tc>
@@ -3297,6 +3325,11 @@
                   </a:txBody>
                   <a:tcPr/>
                 </a:tc>
+                <a:extLst>
+                  <a:ext uri="{0D108BD9-81ED-4DB2-BD59-A6C34878D82A}">
+                    <a16:rowId xmlns:a16="http://schemas.microsoft.com/office/drawing/2014/main" val="10000"/>
+                  </a:ext>
+                </a:extLst>
               </a:tr>
               <a:tr h="297180">
                 <a:tc>
@@ -3345,6 +3378,11 @@
                   </a:txBody>
                   <a:tcPr/>
                 </a:tc>
+                <a:extLst>
+                  <a:ext uri="{0D108BD9-81ED-4DB2-BD59-A6C34878D82A}">
+                    <a16:rowId xmlns:a16="http://schemas.microsoft.com/office/drawing/2014/main" val="10001"/>
+                  </a:ext>
+                </a:extLst>
               </a:tr>
               <a:tr h="1557295">
                 <a:tc>
@@ -3526,6 +3564,11 @@
                   </a:txBody>
                   <a:tcPr/>
                 </a:tc>
+                <a:extLst>
+                  <a:ext uri="{0D108BD9-81ED-4DB2-BD59-A6C34878D82A}">
+                    <a16:rowId xmlns:a16="http://schemas.microsoft.com/office/drawing/2014/main" val="10002"/>
+                  </a:ext>
+                </a:extLst>
               </a:tr>
             </a:tbl>
           </a:graphicData>
@@ -3556,7 +3599,13 @@
                 <a:tableStyleId>{5C22544A-7EE6-4342-B048-85BDC9FD1C3A}</a:tableStyleId>
               </a:tblPr>
               <a:tblGrid>
-                <a:gridCol w="2667000"/>
+                <a:gridCol w="2667000">
+                  <a:extLst>
+                    <a:ext uri="{9D8B030D-6E8A-4147-A177-3AD203B41FA5}">
+                      <a16:colId xmlns:a16="http://schemas.microsoft.com/office/drawing/2014/main" val="20000"/>
+                    </a:ext>
+                  </a:extLst>
+                </a:gridCol>
               </a:tblGrid>
               <a:tr h="0">
                 <a:tc>
@@ -3594,6 +3643,11 @@
                   </a:txBody>
                   <a:tcPr/>
                 </a:tc>
+                <a:extLst>
+                  <a:ext uri="{0D108BD9-81ED-4DB2-BD59-A6C34878D82A}">
+                    <a16:rowId xmlns:a16="http://schemas.microsoft.com/office/drawing/2014/main" val="10000"/>
+                  </a:ext>
+                </a:extLst>
               </a:tr>
               <a:tr h="492150">
                 <a:tc>
@@ -3668,6 +3722,11 @@
                   </a:txBody>
                   <a:tcPr/>
                 </a:tc>
+                <a:extLst>
+                  <a:ext uri="{0D108BD9-81ED-4DB2-BD59-A6C34878D82A}">
+                    <a16:rowId xmlns:a16="http://schemas.microsoft.com/office/drawing/2014/main" val="10001"/>
+                  </a:ext>
+                </a:extLst>
               </a:tr>
               <a:tr h="931300">
                 <a:tc>
@@ -3818,6 +3877,11 @@
                   </a:txBody>
                   <a:tcPr/>
                 </a:tc>
+                <a:extLst>
+                  <a:ext uri="{0D108BD9-81ED-4DB2-BD59-A6C34878D82A}">
+                    <a16:rowId xmlns:a16="http://schemas.microsoft.com/office/drawing/2014/main" val="10002"/>
+                  </a:ext>
+                </a:extLst>
               </a:tr>
             </a:tbl>
           </a:graphicData>
@@ -3848,7 +3912,13 @@
                 <a:tableStyleId>{5C22544A-7EE6-4342-B048-85BDC9FD1C3A}</a:tableStyleId>
               </a:tblPr>
               <a:tblGrid>
-                <a:gridCol w="2032000"/>
+                <a:gridCol w="2032000">
+                  <a:extLst>
+                    <a:ext uri="{9D8B030D-6E8A-4147-A177-3AD203B41FA5}">
+                      <a16:colId xmlns:a16="http://schemas.microsoft.com/office/drawing/2014/main" val="20000"/>
+                    </a:ext>
+                  </a:extLst>
+                </a:gridCol>
               </a:tblGrid>
               <a:tr h="235852">
                 <a:tc>
@@ -3874,6 +3944,11 @@
                   </a:txBody>
                   <a:tcPr/>
                 </a:tc>
+                <a:extLst>
+                  <a:ext uri="{0D108BD9-81ED-4DB2-BD59-A6C34878D82A}">
+                    <a16:rowId xmlns:a16="http://schemas.microsoft.com/office/drawing/2014/main" val="10000"/>
+                  </a:ext>
+                </a:extLst>
               </a:tr>
               <a:tr h="326814">
                 <a:tc>
@@ -3887,6 +3962,11 @@
                   </a:txBody>
                   <a:tcPr/>
                 </a:tc>
+                <a:extLst>
+                  <a:ext uri="{0D108BD9-81ED-4DB2-BD59-A6C34878D82A}">
+                    <a16:rowId xmlns:a16="http://schemas.microsoft.com/office/drawing/2014/main" val="10001"/>
+                  </a:ext>
+                </a:extLst>
               </a:tr>
               <a:tr h="618433">
                 <a:tc>
@@ -3917,6 +3997,11 @@
                   </a:txBody>
                   <a:tcPr/>
                 </a:tc>
+                <a:extLst>
+                  <a:ext uri="{0D108BD9-81ED-4DB2-BD59-A6C34878D82A}">
+                    <a16:rowId xmlns:a16="http://schemas.microsoft.com/office/drawing/2014/main" val="10002"/>
+                  </a:ext>
+                </a:extLst>
               </a:tr>
             </a:tbl>
           </a:graphicData>
@@ -3947,7 +4032,13 @@
                 <a:tableStyleId>{5C22544A-7EE6-4342-B048-85BDC9FD1C3A}</a:tableStyleId>
               </a:tblPr>
               <a:tblGrid>
-                <a:gridCol w="2032000"/>
+                <a:gridCol w="2032000">
+                  <a:extLst>
+                    <a:ext uri="{9D8B030D-6E8A-4147-A177-3AD203B41FA5}">
+                      <a16:colId xmlns:a16="http://schemas.microsoft.com/office/drawing/2014/main" val="20000"/>
+                    </a:ext>
+                  </a:extLst>
+                </a:gridCol>
               </a:tblGrid>
               <a:tr h="235852">
                 <a:tc>
@@ -3973,6 +4064,11 @@
                   </a:txBody>
                   <a:tcPr/>
                 </a:tc>
+                <a:extLst>
+                  <a:ext uri="{0D108BD9-81ED-4DB2-BD59-A6C34878D82A}">
+                    <a16:rowId xmlns:a16="http://schemas.microsoft.com/office/drawing/2014/main" val="10000"/>
+                  </a:ext>
+                </a:extLst>
               </a:tr>
               <a:tr h="326814">
                 <a:tc>
@@ -4002,6 +4098,11 @@
                   </a:txBody>
                   <a:tcPr/>
                 </a:tc>
+                <a:extLst>
+                  <a:ext uri="{0D108BD9-81ED-4DB2-BD59-A6C34878D82A}">
+                    <a16:rowId xmlns:a16="http://schemas.microsoft.com/office/drawing/2014/main" val="10001"/>
+                  </a:ext>
+                </a:extLst>
               </a:tr>
               <a:tr h="618433">
                 <a:tc>
@@ -4032,6 +4133,11 @@
                   </a:txBody>
                   <a:tcPr/>
                 </a:tc>
+                <a:extLst>
+                  <a:ext uri="{0D108BD9-81ED-4DB2-BD59-A6C34878D82A}">
+                    <a16:rowId xmlns:a16="http://schemas.microsoft.com/office/drawing/2014/main" val="10002"/>
+                  </a:ext>
+                </a:extLst>
               </a:tr>
             </a:tbl>
           </a:graphicData>
@@ -4062,7 +4168,13 @@
                 <a:tableStyleId>{5C22544A-7EE6-4342-B048-85BDC9FD1C3A}</a:tableStyleId>
               </a:tblPr>
               <a:tblGrid>
-                <a:gridCol w="2032000"/>
+                <a:gridCol w="2032000">
+                  <a:extLst>
+                    <a:ext uri="{9D8B030D-6E8A-4147-A177-3AD203B41FA5}">
+                      <a16:colId xmlns:a16="http://schemas.microsoft.com/office/drawing/2014/main" val="20000"/>
+                    </a:ext>
+                  </a:extLst>
+                </a:gridCol>
               </a:tblGrid>
               <a:tr h="210821">
                 <a:tc>
@@ -4088,6 +4200,11 @@
                   </a:txBody>
                   <a:tcPr/>
                 </a:tc>
+                <a:extLst>
+                  <a:ext uri="{0D108BD9-81ED-4DB2-BD59-A6C34878D82A}">
+                    <a16:rowId xmlns:a16="http://schemas.microsoft.com/office/drawing/2014/main" val="10000"/>
+                  </a:ext>
+                </a:extLst>
               </a:tr>
               <a:tr h="326814">
                 <a:tc>
@@ -4146,6 +4263,11 @@
                   </a:txBody>
                   <a:tcPr/>
                 </a:tc>
+                <a:extLst>
+                  <a:ext uri="{0D108BD9-81ED-4DB2-BD59-A6C34878D82A}">
+                    <a16:rowId xmlns:a16="http://schemas.microsoft.com/office/drawing/2014/main" val="10001"/>
+                  </a:ext>
+                </a:extLst>
               </a:tr>
               <a:tr h="618433">
                 <a:tc>
@@ -4188,6 +4310,11 @@
                   </a:txBody>
                   <a:tcPr/>
                 </a:tc>
+                <a:extLst>
+                  <a:ext uri="{0D108BD9-81ED-4DB2-BD59-A6C34878D82A}">
+                    <a16:rowId xmlns:a16="http://schemas.microsoft.com/office/drawing/2014/main" val="10002"/>
+                  </a:ext>
+                </a:extLst>
               </a:tr>
             </a:tbl>
           </a:graphicData>
@@ -4452,7 +4579,13 @@
                 <a:tableStyleId>{5C22544A-7EE6-4342-B048-85BDC9FD1C3A}</a:tableStyleId>
               </a:tblPr>
               <a:tblGrid>
-                <a:gridCol w="2603500"/>
+                <a:gridCol w="2603500">
+                  <a:extLst>
+                    <a:ext uri="{9D8B030D-6E8A-4147-A177-3AD203B41FA5}">
+                      <a16:colId xmlns:a16="http://schemas.microsoft.com/office/drawing/2014/main" val="20000"/>
+                    </a:ext>
+                  </a:extLst>
+                </a:gridCol>
               </a:tblGrid>
               <a:tr h="255247">
                 <a:tc>
@@ -4490,6 +4623,11 @@
                   </a:txBody>
                   <a:tcPr/>
                 </a:tc>
+                <a:extLst>
+                  <a:ext uri="{0D108BD9-81ED-4DB2-BD59-A6C34878D82A}">
+                    <a16:rowId xmlns:a16="http://schemas.microsoft.com/office/drawing/2014/main" val="10000"/>
+                  </a:ext>
+                </a:extLst>
               </a:tr>
               <a:tr h="425412">
                 <a:tc>
@@ -4542,6 +4680,11 @@
                   </a:txBody>
                   <a:tcPr/>
                 </a:tc>
+                <a:extLst>
+                  <a:ext uri="{0D108BD9-81ED-4DB2-BD59-A6C34878D82A}">
+                    <a16:rowId xmlns:a16="http://schemas.microsoft.com/office/drawing/2014/main" val="10001"/>
+                  </a:ext>
+                </a:extLst>
               </a:tr>
               <a:tr h="1465640">
                 <a:tc>
@@ -4743,6 +4886,11 @@
                   </a:txBody>
                   <a:tcPr/>
                 </a:tc>
+                <a:extLst>
+                  <a:ext uri="{0D108BD9-81ED-4DB2-BD59-A6C34878D82A}">
+                    <a16:rowId xmlns:a16="http://schemas.microsoft.com/office/drawing/2014/main" val="10002"/>
+                  </a:ext>
+                </a:extLst>
               </a:tr>
             </a:tbl>
           </a:graphicData>
@@ -4769,7 +4917,13 @@
                 <a:tableStyleId>{5C22544A-7EE6-4342-B048-85BDC9FD1C3A}</a:tableStyleId>
               </a:tblPr>
               <a:tblGrid>
-                <a:gridCol w="2667000"/>
+                <a:gridCol w="2667000">
+                  <a:extLst>
+                    <a:ext uri="{9D8B030D-6E8A-4147-A177-3AD203B41FA5}">
+                      <a16:colId xmlns:a16="http://schemas.microsoft.com/office/drawing/2014/main" val="20000"/>
+                    </a:ext>
+                  </a:extLst>
+                </a:gridCol>
               </a:tblGrid>
               <a:tr h="203200">
                 <a:tc>
@@ -4807,6 +4961,11 @@
                   </a:txBody>
                   <a:tcPr/>
                 </a:tc>
+                <a:extLst>
+                  <a:ext uri="{0D108BD9-81ED-4DB2-BD59-A6C34878D82A}">
+                    <a16:rowId xmlns:a16="http://schemas.microsoft.com/office/drawing/2014/main" val="10000"/>
+                  </a:ext>
+                </a:extLst>
               </a:tr>
               <a:tr h="297180">
                 <a:tc>
@@ -4843,6 +5002,11 @@
                   </a:txBody>
                   <a:tcPr/>
                 </a:tc>
+                <a:extLst>
+                  <a:ext uri="{0D108BD9-81ED-4DB2-BD59-A6C34878D82A}">
+                    <a16:rowId xmlns:a16="http://schemas.microsoft.com/office/drawing/2014/main" val="10001"/>
+                  </a:ext>
+                </a:extLst>
               </a:tr>
               <a:tr h="1557295">
                 <a:tc>
@@ -4933,6 +5097,11 @@
                   </a:txBody>
                   <a:tcPr/>
                 </a:tc>
+                <a:extLst>
+                  <a:ext uri="{0D108BD9-81ED-4DB2-BD59-A6C34878D82A}">
+                    <a16:rowId xmlns:a16="http://schemas.microsoft.com/office/drawing/2014/main" val="10002"/>
+                  </a:ext>
+                </a:extLst>
               </a:tr>
             </a:tbl>
           </a:graphicData>
@@ -4959,7 +5128,13 @@
                 <a:tableStyleId>{5C22544A-7EE6-4342-B048-85BDC9FD1C3A}</a:tableStyleId>
               </a:tblPr>
               <a:tblGrid>
-                <a:gridCol w="2667000"/>
+                <a:gridCol w="2667000">
+                  <a:extLst>
+                    <a:ext uri="{9D8B030D-6E8A-4147-A177-3AD203B41FA5}">
+                      <a16:colId xmlns:a16="http://schemas.microsoft.com/office/drawing/2014/main" val="20000"/>
+                    </a:ext>
+                  </a:extLst>
+                </a:gridCol>
               </a:tblGrid>
               <a:tr h="0">
                 <a:tc>
@@ -4997,6 +5172,11 @@
                   </a:txBody>
                   <a:tcPr/>
                 </a:tc>
+                <a:extLst>
+                  <a:ext uri="{0D108BD9-81ED-4DB2-BD59-A6C34878D82A}">
+                    <a16:rowId xmlns:a16="http://schemas.microsoft.com/office/drawing/2014/main" val="10000"/>
+                  </a:ext>
+                </a:extLst>
               </a:tr>
               <a:tr h="492150">
                 <a:tc>
@@ -5058,6 +5238,11 @@
                   </a:txBody>
                   <a:tcPr/>
                 </a:tc>
+                <a:extLst>
+                  <a:ext uri="{0D108BD9-81ED-4DB2-BD59-A6C34878D82A}">
+                    <a16:rowId xmlns:a16="http://schemas.microsoft.com/office/drawing/2014/main" val="10001"/>
+                  </a:ext>
+                </a:extLst>
               </a:tr>
               <a:tr h="931300">
                 <a:tc>
@@ -5247,6 +5432,11 @@
                   </a:txBody>
                   <a:tcPr/>
                 </a:tc>
+                <a:extLst>
+                  <a:ext uri="{0D108BD9-81ED-4DB2-BD59-A6C34878D82A}">
+                    <a16:rowId xmlns:a16="http://schemas.microsoft.com/office/drawing/2014/main" val="10002"/>
+                  </a:ext>
+                </a:extLst>
               </a:tr>
             </a:tbl>
           </a:graphicData>
@@ -5273,7 +5463,13 @@
                 <a:tableStyleId>{5C22544A-7EE6-4342-B048-85BDC9FD1C3A}</a:tableStyleId>
               </a:tblPr>
               <a:tblGrid>
-                <a:gridCol w="2032000"/>
+                <a:gridCol w="2032000">
+                  <a:extLst>
+                    <a:ext uri="{9D8B030D-6E8A-4147-A177-3AD203B41FA5}">
+                      <a16:colId xmlns:a16="http://schemas.microsoft.com/office/drawing/2014/main" val="20000"/>
+                    </a:ext>
+                  </a:extLst>
+                </a:gridCol>
               </a:tblGrid>
               <a:tr h="210821">
                 <a:tc>
@@ -5299,6 +5495,11 @@
                   </a:txBody>
                   <a:tcPr/>
                 </a:tc>
+                <a:extLst>
+                  <a:ext uri="{0D108BD9-81ED-4DB2-BD59-A6C34878D82A}">
+                    <a16:rowId xmlns:a16="http://schemas.microsoft.com/office/drawing/2014/main" val="10000"/>
+                  </a:ext>
+                </a:extLst>
               </a:tr>
               <a:tr h="326814">
                 <a:tc>
@@ -5350,6 +5551,11 @@
                   </a:txBody>
                   <a:tcPr/>
                 </a:tc>
+                <a:extLst>
+                  <a:ext uri="{0D108BD9-81ED-4DB2-BD59-A6C34878D82A}">
+                    <a16:rowId xmlns:a16="http://schemas.microsoft.com/office/drawing/2014/main" val="10001"/>
+                  </a:ext>
+                </a:extLst>
               </a:tr>
               <a:tr h="618433">
                 <a:tc>
@@ -5526,6 +5732,11 @@
                   </a:txBody>
                   <a:tcPr/>
                 </a:tc>
+                <a:extLst>
+                  <a:ext uri="{0D108BD9-81ED-4DB2-BD59-A6C34878D82A}">
+                    <a16:rowId xmlns:a16="http://schemas.microsoft.com/office/drawing/2014/main" val="10002"/>
+                  </a:ext>
+                </a:extLst>
               </a:tr>
             </a:tbl>
           </a:graphicData>
@@ -5733,7 +5944,13 @@
                 <a:tableStyleId>{5C22544A-7EE6-4342-B048-85BDC9FD1C3A}</a:tableStyleId>
               </a:tblPr>
               <a:tblGrid>
-                <a:gridCol w="3419140"/>
+                <a:gridCol w="3419140">
+                  <a:extLst>
+                    <a:ext uri="{9D8B030D-6E8A-4147-A177-3AD203B41FA5}">
+                      <a16:colId xmlns:a16="http://schemas.microsoft.com/office/drawing/2014/main" val="20000"/>
+                    </a:ext>
+                  </a:extLst>
+                </a:gridCol>
               </a:tblGrid>
               <a:tr h="255247">
                 <a:tc>
@@ -5752,15 +5969,7 @@
                             <a:srgbClr val="FF0000"/>
                           </a:solidFill>
                         </a:rPr>
-                        <a:t>– </a:t>
-                      </a:r>
-                      <a:r>
-                        <a:rPr lang="en-US" altLang="ko-KR" sz="1200" dirty="0" smtClean="0">
-                          <a:solidFill>
-                            <a:srgbClr val="FF0000"/>
-                          </a:solidFill>
-                        </a:rPr>
-                        <a:t>2</a:t>
+                        <a:t>– 2</a:t>
                       </a:r>
                       <a:r>
                         <a:rPr lang="ko-KR" altLang="en-US" sz="1200" dirty="0" err="1" smtClean="0">
@@ -5779,6 +5988,11 @@
                   </a:txBody>
                   <a:tcPr/>
                 </a:tc>
+                <a:extLst>
+                  <a:ext uri="{0D108BD9-81ED-4DB2-BD59-A6C34878D82A}">
+                    <a16:rowId xmlns:a16="http://schemas.microsoft.com/office/drawing/2014/main" val="10000"/>
+                  </a:ext>
+                </a:extLst>
               </a:tr>
               <a:tr h="425412">
                 <a:tc>
@@ -5831,6 +6045,11 @@
                   </a:txBody>
                   <a:tcPr/>
                 </a:tc>
+                <a:extLst>
+                  <a:ext uri="{0D108BD9-81ED-4DB2-BD59-A6C34878D82A}">
+                    <a16:rowId xmlns:a16="http://schemas.microsoft.com/office/drawing/2014/main" val="10001"/>
+                  </a:ext>
+                </a:extLst>
               </a:tr>
               <a:tr h="1465640">
                 <a:tc>
@@ -5848,11 +6067,7 @@
                       <a:pPr latinLnBrk="1"/>
                       <a:r>
                         <a:rPr lang="en-US" altLang="ko-KR" sz="1200" dirty="0" smtClean="0"/>
-                        <a:t>~Snake</a:t>
-                      </a:r>
-                      <a:r>
-                        <a:rPr lang="en-US" altLang="ko-KR" sz="1200" dirty="0" smtClean="0"/>
-                        <a:t>();</a:t>
+                        <a:t>~Snake();</a:t>
                       </a:r>
                     </a:p>
                     <a:p>
@@ -6032,6 +6247,11 @@
                   </a:txBody>
                   <a:tcPr/>
                 </a:tc>
+                <a:extLst>
+                  <a:ext uri="{0D108BD9-81ED-4DB2-BD59-A6C34878D82A}">
+                    <a16:rowId xmlns:a16="http://schemas.microsoft.com/office/drawing/2014/main" val="10002"/>
+                  </a:ext>
+                </a:extLst>
               </a:tr>
             </a:tbl>
           </a:graphicData>
@@ -6062,7 +6282,13 @@
                 <a:tableStyleId>{5C22544A-7EE6-4342-B048-85BDC9FD1C3A}</a:tableStyleId>
               </a:tblPr>
               <a:tblGrid>
-                <a:gridCol w="3368182"/>
+                <a:gridCol w="3368182">
+                  <a:extLst>
+                    <a:ext uri="{9D8B030D-6E8A-4147-A177-3AD203B41FA5}">
+                      <a16:colId xmlns:a16="http://schemas.microsoft.com/office/drawing/2014/main" val="20000"/>
+                    </a:ext>
+                  </a:extLst>
+                </a:gridCol>
               </a:tblGrid>
               <a:tr h="203200">
                 <a:tc>
@@ -6081,15 +6307,7 @@
                             <a:srgbClr val="FF0000"/>
                           </a:solidFill>
                         </a:rPr>
-                        <a:t>– </a:t>
-                      </a:r>
-                      <a:r>
-                        <a:rPr lang="en-US" altLang="ko-KR" sz="1200" dirty="0" smtClean="0">
-                          <a:solidFill>
-                            <a:srgbClr val="FF0000"/>
-                          </a:solidFill>
-                        </a:rPr>
-                        <a:t>2</a:t>
+                        <a:t>– 2</a:t>
                       </a:r>
                       <a:r>
                         <a:rPr lang="ko-KR" altLang="en-US" sz="1200" dirty="0" err="1" smtClean="0">
@@ -6108,6 +6326,11 @@
                   </a:txBody>
                   <a:tcPr/>
                 </a:tc>
+                <a:extLst>
+                  <a:ext uri="{0D108BD9-81ED-4DB2-BD59-A6C34878D82A}">
+                    <a16:rowId xmlns:a16="http://schemas.microsoft.com/office/drawing/2014/main" val="10000"/>
+                  </a:ext>
+                </a:extLst>
               </a:tr>
               <a:tr h="297180">
                 <a:tc>
@@ -6152,6 +6375,11 @@
                   </a:txBody>
                   <a:tcPr/>
                 </a:tc>
+                <a:extLst>
+                  <a:ext uri="{0D108BD9-81ED-4DB2-BD59-A6C34878D82A}">
+                    <a16:rowId xmlns:a16="http://schemas.microsoft.com/office/drawing/2014/main" val="10001"/>
+                  </a:ext>
+                </a:extLst>
               </a:tr>
               <a:tr h="1557295">
                 <a:tc>
@@ -6162,37 +6390,25 @@
                       <a:pPr latinLnBrk="1"/>
                       <a:r>
                         <a:rPr lang="en-US" altLang="ko-KR" sz="1200" dirty="0" smtClean="0"/>
-                        <a:t>Apple</a:t>
-                      </a:r>
+                        <a:t>Apple();</a:t>
+                      </a:r>
+                    </a:p>
+                    <a:p>
+                      <a:pPr latinLnBrk="1"/>
                       <a:r>
                         <a:rPr lang="en-US" altLang="ko-KR" sz="1200" dirty="0" smtClean="0"/>
-                        <a:t>();</a:t>
-                      </a:r>
+                        <a:t>~Apple();</a:t>
+                      </a:r>
+                    </a:p>
+                    <a:p>
+                      <a:pPr latinLnBrk="1"/>
+                      <a:endParaRPr lang="en-US" altLang="ko-KR" sz="1200" dirty="0" smtClean="0"/>
                     </a:p>
                     <a:p>
                       <a:pPr latinLnBrk="1"/>
                       <a:r>
                         <a:rPr lang="en-US" altLang="ko-KR" sz="1200" dirty="0" smtClean="0"/>
-                        <a:t>~Apple</a:t>
-                      </a:r>
-                      <a:r>
-                        <a:rPr lang="en-US" altLang="ko-KR" sz="1200" dirty="0" smtClean="0"/>
-                        <a:t>();</a:t>
-                      </a:r>
-                    </a:p>
-                    <a:p>
-                      <a:pPr latinLnBrk="1"/>
-                      <a:endParaRPr lang="en-US" altLang="ko-KR" sz="1200" dirty="0" smtClean="0"/>
-                    </a:p>
-                    <a:p>
-                      <a:pPr latinLnBrk="1"/>
-                      <a:r>
-                        <a:rPr lang="en-US" altLang="ko-KR" sz="1200" dirty="0" smtClean="0"/>
-                        <a:t>+ Apple</a:t>
-                      </a:r>
-                      <a:r>
-                        <a:rPr lang="en-US" altLang="ko-KR" sz="1200" dirty="0" smtClean="0"/>
-                        <a:t>* </a:t>
+                        <a:t>+ Apple* </a:t>
                       </a:r>
                       <a:r>
                         <a:rPr lang="en-US" altLang="ko-KR" sz="1200" baseline="0" dirty="0" err="1" smtClean="0"/>
@@ -6318,7 +6534,6 @@
                         <a:rPr lang="en-US" altLang="ko-KR" sz="1200" baseline="0" dirty="0" smtClean="0"/>
                         <a:t>);</a:t>
                       </a:r>
-                      <a:endParaRPr lang="en-US" altLang="ko-KR" sz="1200" baseline="0" dirty="0" smtClean="0"/>
                     </a:p>
                     <a:p>
                       <a:pPr marL="171450" indent="-171450" latinLnBrk="1">
@@ -6337,11 +6552,15 @@
                         <a:rPr lang="en-US" altLang="ko-KR" sz="1200" baseline="0" dirty="0" smtClean="0"/>
                         <a:t>();</a:t>
                       </a:r>
-                      <a:endParaRPr lang="en-US" altLang="ko-KR" sz="1200" baseline="0" dirty="0" smtClean="0"/>
                     </a:p>
                   </a:txBody>
                   <a:tcPr/>
                 </a:tc>
+                <a:extLst>
+                  <a:ext uri="{0D108BD9-81ED-4DB2-BD59-A6C34878D82A}">
+                    <a16:rowId xmlns:a16="http://schemas.microsoft.com/office/drawing/2014/main" val="10002"/>
+                  </a:ext>
+                </a:extLst>
               </a:tr>
             </a:tbl>
           </a:graphicData>
@@ -6372,7 +6591,13 @@
                 <a:tableStyleId>{5C22544A-7EE6-4342-B048-85BDC9FD1C3A}</a:tableStyleId>
               </a:tblPr>
               <a:tblGrid>
-                <a:gridCol w="2667000"/>
+                <a:gridCol w="2667000">
+                  <a:extLst>
+                    <a:ext uri="{9D8B030D-6E8A-4147-A177-3AD203B41FA5}">
+                      <a16:colId xmlns:a16="http://schemas.microsoft.com/office/drawing/2014/main" val="20000"/>
+                    </a:ext>
+                  </a:extLst>
+                </a:gridCol>
               </a:tblGrid>
               <a:tr h="0">
                 <a:tc>
@@ -6391,15 +6616,7 @@
                             <a:srgbClr val="FF0000"/>
                           </a:solidFill>
                         </a:rPr>
-                        <a:t>– </a:t>
-                      </a:r>
-                      <a:r>
-                        <a:rPr lang="en-US" altLang="ko-KR" sz="1200" dirty="0" smtClean="0">
-                          <a:solidFill>
-                            <a:srgbClr val="FF0000"/>
-                          </a:solidFill>
-                        </a:rPr>
-                        <a:t>2</a:t>
+                        <a:t>– 2</a:t>
                       </a:r>
                       <a:r>
                         <a:rPr lang="ko-KR" altLang="en-US" sz="1200" dirty="0" err="1" smtClean="0">
@@ -6418,6 +6635,11 @@
                   </a:txBody>
                   <a:tcPr/>
                 </a:tc>
+                <a:extLst>
+                  <a:ext uri="{0D108BD9-81ED-4DB2-BD59-A6C34878D82A}">
+                    <a16:rowId xmlns:a16="http://schemas.microsoft.com/office/drawing/2014/main" val="10000"/>
+                  </a:ext>
+                </a:extLst>
               </a:tr>
               <a:tr h="492150">
                 <a:tc>
@@ -6479,6 +6701,11 @@
                   </a:txBody>
                   <a:tcPr/>
                 </a:tc>
+                <a:extLst>
+                  <a:ext uri="{0D108BD9-81ED-4DB2-BD59-A6C34878D82A}">
+                    <a16:rowId xmlns:a16="http://schemas.microsoft.com/office/drawing/2014/main" val="10001"/>
+                  </a:ext>
+                </a:extLst>
               </a:tr>
               <a:tr h="931300">
                 <a:tc>
@@ -6511,7 +6738,22 @@
                       <a:pPr latinLnBrk="1"/>
                       <a:r>
                         <a:rPr lang="en-US" altLang="ko-KR" sz="1200" baseline="0" dirty="0" smtClean="0"/>
-                        <a:t>~MAP</a:t>
+                        <a:t>~MAP();</a:t>
+                      </a:r>
+                    </a:p>
+                    <a:p>
+                      <a:pPr latinLnBrk="1"/>
+                      <a:endParaRPr lang="en-US" altLang="ko-KR" sz="1200" baseline="0" dirty="0" smtClean="0"/>
+                    </a:p>
+                    <a:p>
+                      <a:pPr latinLnBrk="1"/>
+                      <a:r>
+                        <a:rPr lang="en-US" altLang="ko-KR" sz="1200" baseline="0" dirty="0" smtClean="0"/>
+                        <a:t>+ SIZE </a:t>
+                      </a:r>
+                      <a:r>
+                        <a:rPr lang="en-US" altLang="ko-KR" sz="1200" baseline="0" dirty="0" err="1" smtClean="0"/>
+                        <a:t>GetMapSize</a:t>
                       </a:r>
                       <a:r>
                         <a:rPr lang="en-US" altLang="ko-KR" sz="1200" baseline="0" dirty="0" smtClean="0"/>
@@ -6520,17 +6762,13 @@
                     </a:p>
                     <a:p>
                       <a:pPr latinLnBrk="1"/>
-                      <a:endParaRPr lang="en-US" altLang="ko-KR" sz="1200" baseline="0" dirty="0" smtClean="0"/>
-                    </a:p>
-                    <a:p>
-                      <a:pPr latinLnBrk="1"/>
-                      <a:r>
-                        <a:rPr lang="en-US" altLang="ko-KR" sz="1200" baseline="0" dirty="0" smtClean="0"/>
-                        <a:t>+ SIZE </a:t>
-                      </a:r>
-                      <a:r>
-                        <a:rPr lang="en-US" altLang="ko-KR" sz="1200" baseline="0" dirty="0" err="1" smtClean="0"/>
-                        <a:t>GetMapSize</a:t>
+                      <a:r>
+                        <a:rPr lang="en-US" altLang="ko-KR" sz="1200" baseline="0" dirty="0" smtClean="0"/>
+                        <a:t>+ Void </a:t>
+                      </a:r>
+                      <a:r>
+                        <a:rPr lang="en-US" altLang="ko-KR" sz="1200" baseline="0" dirty="0" err="1" smtClean="0"/>
+                        <a:t>MakeApple</a:t>
                       </a:r>
                       <a:r>
                         <a:rPr lang="en-US" altLang="ko-KR" sz="1200" baseline="0" dirty="0" smtClean="0"/>
@@ -6541,27 +6779,42 @@
                       <a:pPr latinLnBrk="1"/>
                       <a:r>
                         <a:rPr lang="en-US" altLang="ko-KR" sz="1200" baseline="0" dirty="0" smtClean="0"/>
+                        <a:t>+ APPLE* </a:t>
+                      </a:r>
+                      <a:r>
+                        <a:rPr lang="en-US" altLang="ko-KR" sz="1200" baseline="0" dirty="0" err="1" smtClean="0"/>
+                        <a:t>ExistApple</a:t>
+                      </a:r>
+                      <a:r>
+                        <a:rPr lang="en-US" altLang="ko-KR" sz="1200" baseline="0" dirty="0" smtClean="0"/>
+                        <a:t>(</a:t>
+                      </a:r>
+                      <a:r>
+                        <a:rPr lang="en-US" altLang="ko-KR" sz="1200" baseline="0" dirty="0" err="1" smtClean="0"/>
+                        <a:t>int</a:t>
+                      </a:r>
+                      <a:r>
+                        <a:rPr lang="en-US" altLang="ko-KR" sz="1200" baseline="0" dirty="0" smtClean="0"/>
+                        <a:t> x, </a:t>
+                      </a:r>
+                      <a:r>
+                        <a:rPr lang="en-US" altLang="ko-KR" sz="1200" baseline="0" dirty="0" err="1" smtClean="0"/>
+                        <a:t>int</a:t>
+                      </a:r>
+                      <a:r>
+                        <a:rPr lang="en-US" altLang="ko-KR" sz="1200" baseline="0" dirty="0" smtClean="0"/>
+                        <a:t> y);</a:t>
+                      </a:r>
+                    </a:p>
+                    <a:p>
+                      <a:pPr latinLnBrk="1"/>
+                      <a:r>
+                        <a:rPr lang="en-US" altLang="ko-KR" sz="1200" baseline="0" dirty="0" smtClean="0"/>
                         <a:t>+ Void </a:t>
                       </a:r>
                       <a:r>
                         <a:rPr lang="en-US" altLang="ko-KR" sz="1200" baseline="0" dirty="0" err="1" smtClean="0"/>
-                        <a:t>MakeApple</a:t>
-                      </a:r>
-                      <a:r>
-                        <a:rPr lang="en-US" altLang="ko-KR" sz="1200" baseline="0" dirty="0" smtClean="0"/>
-                        <a:t>();</a:t>
-                      </a:r>
-                      <a:endParaRPr lang="en-US" altLang="ko-KR" sz="1200" baseline="0" dirty="0" smtClean="0"/>
-                    </a:p>
-                    <a:p>
-                      <a:pPr latinLnBrk="1"/>
-                      <a:r>
-                        <a:rPr lang="en-US" altLang="ko-KR" sz="1200" baseline="0" dirty="0" smtClean="0"/>
-                        <a:t>+ APPLE* </a:t>
-                      </a:r>
-                      <a:r>
-                        <a:rPr lang="en-US" altLang="ko-KR" sz="1200" baseline="0" dirty="0" err="1" smtClean="0"/>
-                        <a:t>ExistApple</a:t>
+                        <a:t>DeleteApple</a:t>
                       </a:r>
                       <a:r>
                         <a:rPr lang="en-US" altLang="ko-KR" sz="1200" baseline="0" dirty="0" smtClean="0"/>
@@ -6581,23 +6834,26 @@
                       </a:r>
                       <a:r>
                         <a:rPr lang="en-US" altLang="ko-KR" sz="1200" baseline="0" dirty="0" smtClean="0"/>
-                        <a:t> y</a:t>
-                      </a:r>
-                      <a:r>
-                        <a:rPr lang="en-US" altLang="ko-KR" sz="1200" baseline="0" dirty="0" smtClean="0"/>
-                        <a:t>);</a:t>
-                      </a:r>
-                      <a:endParaRPr lang="en-US" altLang="ko-KR" sz="1200" baseline="0" dirty="0" smtClean="0"/>
-                    </a:p>
-                    <a:p>
-                      <a:pPr latinLnBrk="1"/>
-                      <a:r>
-                        <a:rPr lang="en-US" altLang="ko-KR" sz="1200" baseline="0" dirty="0" smtClean="0"/>
-                        <a:t>+ Void </a:t>
-                      </a:r>
-                      <a:r>
-                        <a:rPr lang="en-US" altLang="ko-KR" sz="1200" baseline="0" dirty="0" err="1" smtClean="0"/>
-                        <a:t>DeleteApple</a:t>
+                        <a:t> y);</a:t>
+                      </a:r>
+                    </a:p>
+                    <a:p>
+                      <a:pPr latinLnBrk="1"/>
+                      <a:r>
+                        <a:rPr lang="en-US" altLang="ko-KR" sz="1200" baseline="0" dirty="0" smtClean="0"/>
+                        <a:t>+ </a:t>
+                      </a:r>
+                      <a:r>
+                        <a:rPr lang="en-US" altLang="ko-KR" sz="1200" baseline="0" dirty="0" err="1" smtClean="0"/>
+                        <a:t>bool</a:t>
+                      </a:r>
+                      <a:r>
+                        <a:rPr lang="en-US" altLang="ko-KR" sz="1200" baseline="0" dirty="0" smtClean="0"/>
+                        <a:t> </a:t>
+                      </a:r>
+                      <a:r>
+                        <a:rPr lang="en-US" altLang="ko-KR" sz="1200" baseline="0" dirty="0" err="1" smtClean="0"/>
+                        <a:t>DestroyWall</a:t>
                       </a:r>
                       <a:r>
                         <a:rPr lang="en-US" altLang="ko-KR" sz="1200" baseline="0" dirty="0" smtClean="0"/>
@@ -6610,49 +6866,6 @@
                       <a:r>
                         <a:rPr lang="en-US" altLang="ko-KR" sz="1200" baseline="0" dirty="0" smtClean="0"/>
                         <a:t> x, </a:t>
-                      </a:r>
-                      <a:r>
-                        <a:rPr lang="en-US" altLang="ko-KR" sz="1200" baseline="0" dirty="0" err="1" smtClean="0"/>
-                        <a:t>int</a:t>
-                      </a:r>
-                      <a:r>
-                        <a:rPr lang="en-US" altLang="ko-KR" sz="1200" baseline="0" dirty="0" smtClean="0"/>
-                        <a:t> y);</a:t>
-                      </a:r>
-                    </a:p>
-                    <a:p>
-                      <a:pPr latinLnBrk="1"/>
-                      <a:r>
-                        <a:rPr lang="en-US" altLang="ko-KR" sz="1200" baseline="0" dirty="0" smtClean="0"/>
-                        <a:t>+ </a:t>
-                      </a:r>
-                      <a:r>
-                        <a:rPr lang="en-US" altLang="ko-KR" sz="1200" baseline="0" dirty="0" err="1" smtClean="0"/>
-                        <a:t>bool</a:t>
-                      </a:r>
-                      <a:r>
-                        <a:rPr lang="en-US" altLang="ko-KR" sz="1200" baseline="0" dirty="0" smtClean="0"/>
-                        <a:t> </a:t>
-                      </a:r>
-                      <a:r>
-                        <a:rPr lang="en-US" altLang="ko-KR" sz="1200" baseline="0" dirty="0" err="1" smtClean="0"/>
-                        <a:t>DestroyWall</a:t>
-                      </a:r>
-                      <a:r>
-                        <a:rPr lang="en-US" altLang="ko-KR" sz="1200" baseline="0" dirty="0" smtClean="0"/>
-                        <a:t>(</a:t>
-                      </a:r>
-                      <a:r>
-                        <a:rPr lang="en-US" altLang="ko-KR" sz="1200" baseline="0" dirty="0" err="1" smtClean="0"/>
-                        <a:t>int</a:t>
-                      </a:r>
-                      <a:r>
-                        <a:rPr lang="en-US" altLang="ko-KR" sz="1200" baseline="0" dirty="0" smtClean="0"/>
-                        <a:t> </a:t>
-                      </a:r>
-                      <a:r>
-                        <a:rPr lang="en-US" altLang="ko-KR" sz="1200" baseline="0" dirty="0" smtClean="0"/>
-                        <a:t>x, </a:t>
                       </a:r>
                       <a:r>
                         <a:rPr lang="en-US" altLang="ko-KR" sz="1200" baseline="0" dirty="0" err="1" smtClean="0"/>
@@ -6666,6 +6879,11 @@
                   </a:txBody>
                   <a:tcPr/>
                 </a:tc>
+                <a:extLst>
+                  <a:ext uri="{0D108BD9-81ED-4DB2-BD59-A6C34878D82A}">
+                    <a16:rowId xmlns:a16="http://schemas.microsoft.com/office/drawing/2014/main" val="10002"/>
+                  </a:ext>
+                </a:extLst>
               </a:tr>
             </a:tbl>
           </a:graphicData>
@@ -6692,7 +6910,13 @@
                 <a:tableStyleId>{5C22544A-7EE6-4342-B048-85BDC9FD1C3A}</a:tableStyleId>
               </a:tblPr>
               <a:tblGrid>
-                <a:gridCol w="2032000"/>
+                <a:gridCol w="2032000">
+                  <a:extLst>
+                    <a:ext uri="{9D8B030D-6E8A-4147-A177-3AD203B41FA5}">
+                      <a16:colId xmlns:a16="http://schemas.microsoft.com/office/drawing/2014/main" val="20000"/>
+                    </a:ext>
+                  </a:extLst>
+                </a:gridCol>
               </a:tblGrid>
               <a:tr h="210821">
                 <a:tc>
@@ -6718,6 +6942,11 @@
                   </a:txBody>
                   <a:tcPr/>
                 </a:tc>
+                <a:extLst>
+                  <a:ext uri="{0D108BD9-81ED-4DB2-BD59-A6C34878D82A}">
+                    <a16:rowId xmlns:a16="http://schemas.microsoft.com/office/drawing/2014/main" val="10000"/>
+                  </a:ext>
+                </a:extLst>
               </a:tr>
               <a:tr h="326814">
                 <a:tc>
@@ -6769,6 +6998,11 @@
                   </a:txBody>
                   <a:tcPr/>
                 </a:tc>
+                <a:extLst>
+                  <a:ext uri="{0D108BD9-81ED-4DB2-BD59-A6C34878D82A}">
+                    <a16:rowId xmlns:a16="http://schemas.microsoft.com/office/drawing/2014/main" val="10001"/>
+                  </a:ext>
+                </a:extLst>
               </a:tr>
               <a:tr h="618433">
                 <a:tc>
@@ -6945,6 +7179,11 @@
                   </a:txBody>
                   <a:tcPr/>
                 </a:tc>
+                <a:extLst>
+                  <a:ext uri="{0D108BD9-81ED-4DB2-BD59-A6C34878D82A}">
+                    <a16:rowId xmlns:a16="http://schemas.microsoft.com/office/drawing/2014/main" val="10002"/>
+                  </a:ext>
+                </a:extLst>
               </a:tr>
             </a:tbl>
           </a:graphicData>
@@ -7101,6 +7340,1718 @@
     <p:extLst>
       <p:ext uri="{BB962C8B-B14F-4D97-AF65-F5344CB8AC3E}">
         <p14:creationId xmlns:p14="http://schemas.microsoft.com/office/powerpoint/2010/main" val="1414904393"/>
+      </p:ext>
+    </p:extLst>
+  </p:cSld>
+  <p:clrMapOvr>
+    <a:masterClrMapping/>
+  </p:clrMapOvr>
+</p:sld>
+</file>
+
+<file path=ppt/slides/slide4.xml><?xml version="1.0" encoding="utf-8"?>
+<p:sld xmlns:a="http://schemas.openxmlformats.org/drawingml/2006/main" xmlns:r="http://schemas.openxmlformats.org/officeDocument/2006/relationships" xmlns:p="http://schemas.openxmlformats.org/presentationml/2006/main">
+  <p:cSld>
+    <p:spTree>
+      <p:nvGrpSpPr>
+        <p:cNvPr id="1" name=""/>
+        <p:cNvGrpSpPr/>
+        <p:nvPr/>
+      </p:nvGrpSpPr>
+      <p:grpSpPr>
+        <a:xfrm>
+          <a:off x="0" y="0"/>
+          <a:ext cx="0" cy="0"/>
+          <a:chOff x="0" y="0"/>
+          <a:chExt cx="0" cy="0"/>
+        </a:xfrm>
+      </p:grpSpPr>
+      <p:graphicFrame>
+        <p:nvGraphicFramePr>
+          <p:cNvPr id="8" name="표 7"/>
+          <p:cNvGraphicFramePr>
+            <a:graphicFrameLocks noGrp="1"/>
+          </p:cNvGraphicFramePr>
+          <p:nvPr>
+            <p:extLst>
+              <p:ext uri="{D42A27DB-BD31-4B8C-83A1-F6EECF244321}">
+                <p14:modId xmlns:p14="http://schemas.microsoft.com/office/powerpoint/2010/main" val="3477165016"/>
+              </p:ext>
+            </p:extLst>
+          </p:nvPr>
+        </p:nvGraphicFramePr>
+        <p:xfrm>
+          <a:off x="3251372" y="3665439"/>
+          <a:ext cx="3419140" cy="2331720"/>
+        </p:xfrm>
+        <a:graphic>
+          <a:graphicData uri="http://schemas.openxmlformats.org/drawingml/2006/table">
+            <a:tbl>
+              <a:tblPr firstRow="1" bandRow="1">
+                <a:tableStyleId>{5C22544A-7EE6-4342-B048-85BDC9FD1C3A}</a:tableStyleId>
+              </a:tblPr>
+              <a:tblGrid>
+                <a:gridCol w="3419140">
+                  <a:extLst>
+                    <a:ext uri="{9D8B030D-6E8A-4147-A177-3AD203B41FA5}">
+                      <a16:colId xmlns:a16="http://schemas.microsoft.com/office/drawing/2014/main" val="20000"/>
+                    </a:ext>
+                  </a:extLst>
+                </a:gridCol>
+              </a:tblGrid>
+              <a:tr h="255247">
+                <a:tc>
+                  <a:txBody>
+                    <a:bodyPr/>
+                    <a:lstStyle/>
+                    <a:p>
+                      <a:pPr latinLnBrk="1"/>
+                      <a:r>
+                        <a:rPr lang="en-US" altLang="ko-KR" sz="1200" dirty="0" smtClean="0"/>
+                        <a:t>Snake </a:t>
+                      </a:r>
+                      <a:r>
+                        <a:rPr lang="en-US" altLang="ko-KR" sz="1200" dirty="0" smtClean="0">
+                          <a:solidFill>
+                            <a:srgbClr val="FF0000"/>
+                          </a:solidFill>
+                        </a:rPr>
+                        <a:t>– 2</a:t>
+                      </a:r>
+                      <a:r>
+                        <a:rPr lang="ko-KR" altLang="en-US" sz="1200" dirty="0" err="1" smtClean="0">
+                          <a:solidFill>
+                            <a:srgbClr val="FF0000"/>
+                          </a:solidFill>
+                        </a:rPr>
+                        <a:t>차구현완료</a:t>
+                      </a:r>
+                      <a:endParaRPr lang="ko-KR" altLang="en-US" sz="1200" dirty="0">
+                        <a:solidFill>
+                          <a:srgbClr val="FF0000"/>
+                        </a:solidFill>
+                      </a:endParaRPr>
+                    </a:p>
+                  </a:txBody>
+                  <a:tcPr/>
+                </a:tc>
+                <a:extLst>
+                  <a:ext uri="{0D108BD9-81ED-4DB2-BD59-A6C34878D82A}">
+                    <a16:rowId xmlns:a16="http://schemas.microsoft.com/office/drawing/2014/main" val="10000"/>
+                  </a:ext>
+                </a:extLst>
+              </a:tr>
+              <a:tr h="425412">
+                <a:tc>
+                  <a:txBody>
+                    <a:bodyPr/>
+                    <a:lstStyle/>
+                    <a:p>
+                      <a:pPr latinLnBrk="1"/>
+                      <a:r>
+                        <a:rPr lang="en-US" altLang="ko-KR" sz="1200" dirty="0" smtClean="0"/>
+                        <a:t>Vector&lt;pair&lt;</a:t>
+                      </a:r>
+                      <a:r>
+                        <a:rPr lang="en-US" altLang="ko-KR" sz="1200" dirty="0" err="1" smtClean="0"/>
+                        <a:t>int,int</a:t>
+                      </a:r>
+                      <a:r>
+                        <a:rPr lang="en-US" altLang="ko-KR" sz="1200" dirty="0" smtClean="0"/>
+                        <a:t>&gt;&gt; </a:t>
+                      </a:r>
+                      <a:r>
+                        <a:rPr lang="en-US" altLang="ko-KR" sz="1200" dirty="0" err="1" smtClean="0"/>
+                        <a:t>vSnake</a:t>
+                      </a:r>
+                      <a:r>
+                        <a:rPr lang="en-US" altLang="ko-KR" sz="1200" dirty="0" smtClean="0"/>
+                        <a:t>;</a:t>
+                      </a:r>
+                    </a:p>
+                    <a:p>
+                      <a:pPr latinLnBrk="1"/>
+                      <a:r>
+                        <a:rPr lang="en-US" altLang="ko-KR" sz="1200" b="0" dirty="0" smtClean="0"/>
+                        <a:t>Direction</a:t>
+                      </a:r>
+                      <a:r>
+                        <a:rPr lang="en-US" altLang="ko-KR" sz="1200" dirty="0" smtClean="0"/>
+                        <a:t> </a:t>
+                      </a:r>
+                      <a:r>
+                        <a:rPr lang="en-US" altLang="ko-KR" sz="1200" dirty="0" err="1" smtClean="0"/>
+                        <a:t>Dir</a:t>
+                      </a:r>
+                      <a:r>
+                        <a:rPr lang="en-US" altLang="ko-KR" sz="1200" dirty="0" smtClean="0"/>
+                        <a:t>;</a:t>
+                      </a:r>
+                      <a:endParaRPr lang="ko-KR" altLang="en-US" sz="1200" dirty="0"/>
+                    </a:p>
+                  </a:txBody>
+                  <a:tcPr/>
+                </a:tc>
+                <a:extLst>
+                  <a:ext uri="{0D108BD9-81ED-4DB2-BD59-A6C34878D82A}">
+                    <a16:rowId xmlns:a16="http://schemas.microsoft.com/office/drawing/2014/main" val="10001"/>
+                  </a:ext>
+                </a:extLst>
+              </a:tr>
+              <a:tr h="1465640">
+                <a:tc>
+                  <a:txBody>
+                    <a:bodyPr/>
+                    <a:lstStyle/>
+                    <a:p>
+                      <a:pPr latinLnBrk="1"/>
+                      <a:r>
+                        <a:rPr lang="en-US" altLang="ko-KR" sz="1100" dirty="0" smtClean="0"/>
+                        <a:t>Snake();</a:t>
+                      </a:r>
+                    </a:p>
+                    <a:p>
+                      <a:pPr latinLnBrk="1"/>
+                      <a:r>
+                        <a:rPr lang="en-US" altLang="ko-KR" sz="1100" dirty="0" smtClean="0"/>
+                        <a:t>~Snake();</a:t>
+                      </a:r>
+                    </a:p>
+                    <a:p>
+                      <a:pPr latinLnBrk="1"/>
+                      <a:endParaRPr lang="en-US" altLang="ko-KR" sz="1100" dirty="0" smtClean="0"/>
+                    </a:p>
+                    <a:p>
+                      <a:pPr latinLnBrk="1"/>
+                      <a:r>
+                        <a:rPr lang="en-US" altLang="ko-KR" sz="1100" dirty="0" smtClean="0"/>
+                        <a:t>+ </a:t>
+                      </a:r>
+                      <a:r>
+                        <a:rPr lang="en-US" altLang="ko-KR" sz="1100" dirty="0" err="1" smtClean="0"/>
+                        <a:t>int</a:t>
+                      </a:r>
+                      <a:r>
+                        <a:rPr lang="en-US" altLang="ko-KR" sz="1100" baseline="0" dirty="0" smtClean="0"/>
+                        <a:t> </a:t>
+                      </a:r>
+                      <a:r>
+                        <a:rPr lang="en-US" altLang="ko-KR" sz="1100" baseline="0" dirty="0" err="1" smtClean="0"/>
+                        <a:t>GetSize</a:t>
+                      </a:r>
+                      <a:r>
+                        <a:rPr lang="en-US" altLang="ko-KR" sz="1100" baseline="0" dirty="0" smtClean="0"/>
+                        <a:t>();</a:t>
+                      </a:r>
+                    </a:p>
+                    <a:p>
+                      <a:pPr latinLnBrk="1"/>
+                      <a:r>
+                        <a:rPr lang="en-US" altLang="ko-KR" sz="1100" baseline="0" dirty="0" smtClean="0"/>
+                        <a:t>+ Direction </a:t>
+                      </a:r>
+                      <a:r>
+                        <a:rPr lang="en-US" altLang="ko-KR" sz="1100" baseline="0" dirty="0" err="1" smtClean="0"/>
+                        <a:t>GetDir</a:t>
+                      </a:r>
+                      <a:r>
+                        <a:rPr lang="en-US" altLang="ko-KR" sz="1100" baseline="0" dirty="0" smtClean="0"/>
+                        <a:t>();</a:t>
+                      </a:r>
+                    </a:p>
+                    <a:p>
+                      <a:pPr latinLnBrk="1"/>
+                      <a:r>
+                        <a:rPr lang="en-US" altLang="ko-KR" sz="1100" baseline="0" dirty="0" smtClean="0"/>
+                        <a:t>+ Direction </a:t>
+                      </a:r>
+                      <a:r>
+                        <a:rPr lang="en-US" altLang="ko-KR" sz="1100" baseline="0" dirty="0" err="1" smtClean="0"/>
+                        <a:t>SetDir</a:t>
+                      </a:r>
+                      <a:r>
+                        <a:rPr lang="en-US" altLang="ko-KR" sz="1100" baseline="0" dirty="0" smtClean="0"/>
+                        <a:t>(Direction </a:t>
+                      </a:r>
+                      <a:r>
+                        <a:rPr lang="en-US" altLang="ko-KR" sz="1100" baseline="0" dirty="0" err="1" smtClean="0"/>
+                        <a:t>NextDir</a:t>
+                      </a:r>
+                      <a:r>
+                        <a:rPr lang="en-US" altLang="ko-KR" sz="1100" baseline="0" dirty="0" smtClean="0"/>
+                        <a:t>);</a:t>
+                      </a:r>
+                    </a:p>
+                    <a:p>
+                      <a:pPr latinLnBrk="1"/>
+                      <a:r>
+                        <a:rPr lang="en-US" altLang="ko-KR" sz="1100" baseline="0" dirty="0" smtClean="0"/>
+                        <a:t>+ </a:t>
+                      </a:r>
+                      <a:r>
+                        <a:rPr lang="en-US" altLang="ko-KR" sz="1100" baseline="0" dirty="0" err="1" smtClean="0"/>
+                        <a:t>bool</a:t>
+                      </a:r>
+                      <a:r>
+                        <a:rPr lang="en-US" altLang="ko-KR" sz="1100" baseline="0" dirty="0" smtClean="0"/>
+                        <a:t> </a:t>
+                      </a:r>
+                      <a:r>
+                        <a:rPr lang="en-US" altLang="ko-KR" sz="1100" baseline="0" dirty="0" err="1" smtClean="0"/>
+                        <a:t>MoveSnake</a:t>
+                      </a:r>
+                      <a:r>
+                        <a:rPr lang="en-US" altLang="ko-KR" sz="1100" baseline="0" dirty="0" smtClean="0"/>
+                        <a:t>(APPLE_CLR, </a:t>
+                      </a:r>
+                      <a:r>
+                        <a:rPr lang="en-US" altLang="ko-KR" sz="1100" baseline="0" dirty="0" err="1" smtClean="0"/>
+                        <a:t>int</a:t>
+                      </a:r>
+                      <a:r>
+                        <a:rPr lang="en-US" altLang="ko-KR" sz="1100" baseline="0" dirty="0" smtClean="0"/>
+                        <a:t> X, </a:t>
+                      </a:r>
+                      <a:r>
+                        <a:rPr lang="en-US" altLang="ko-KR" sz="1100" baseline="0" dirty="0" err="1" smtClean="0"/>
+                        <a:t>int</a:t>
+                      </a:r>
+                      <a:r>
+                        <a:rPr lang="en-US" altLang="ko-KR" sz="1100" baseline="0" dirty="0" smtClean="0"/>
+                        <a:t> Y); </a:t>
+                      </a:r>
+                    </a:p>
+                    <a:p>
+                      <a:pPr latinLnBrk="1"/>
+                      <a:endParaRPr lang="en-US" altLang="ko-KR" sz="1100" kern="1200" baseline="0" dirty="0" smtClean="0">
+                        <a:solidFill>
+                          <a:schemeClr val="dk1"/>
+                        </a:solidFill>
+                        <a:latin typeface="+mn-lt"/>
+                        <a:ea typeface="+mn-ea"/>
+                        <a:cs typeface="+mn-cs"/>
+                      </a:endParaRPr>
+                    </a:p>
+                    <a:p>
+                      <a:pPr latinLnBrk="1"/>
+                      <a:r>
+                        <a:rPr lang="en-US" altLang="ko-KR" sz="1100" kern="1200" baseline="0" dirty="0" smtClean="0">
+                          <a:solidFill>
+                            <a:schemeClr val="dk1"/>
+                          </a:solidFill>
+                          <a:latin typeface="+mn-lt"/>
+                          <a:ea typeface="+mn-ea"/>
+                          <a:cs typeface="+mn-cs"/>
+                        </a:rPr>
+                        <a:t>- </a:t>
+                      </a:r>
+                      <a:r>
+                        <a:rPr lang="en-US" altLang="ko-KR" sz="1100" kern="1200" dirty="0" err="1" smtClean="0">
+                          <a:solidFill>
+                            <a:schemeClr val="dk1"/>
+                          </a:solidFill>
+                          <a:latin typeface="+mn-lt"/>
+                          <a:ea typeface="+mn-ea"/>
+                          <a:cs typeface="+mn-cs"/>
+                        </a:rPr>
+                        <a:t>bool</a:t>
+                      </a:r>
+                      <a:r>
+                        <a:rPr lang="en-US" altLang="ko-KR" sz="1100" kern="1200" dirty="0" smtClean="0">
+                          <a:solidFill>
+                            <a:schemeClr val="dk1"/>
+                          </a:solidFill>
+                          <a:latin typeface="+mn-lt"/>
+                          <a:ea typeface="+mn-ea"/>
+                          <a:cs typeface="+mn-cs"/>
+                        </a:rPr>
+                        <a:t> </a:t>
+                      </a:r>
+                      <a:r>
+                        <a:rPr lang="en-US" altLang="ko-KR" sz="1100" kern="1200" dirty="0" err="1" smtClean="0">
+                          <a:solidFill>
+                            <a:schemeClr val="dk1"/>
+                          </a:solidFill>
+                          <a:latin typeface="+mn-lt"/>
+                          <a:ea typeface="+mn-ea"/>
+                          <a:cs typeface="+mn-cs"/>
+                        </a:rPr>
+                        <a:t>SnakeSelfKill</a:t>
+                      </a:r>
+                      <a:r>
+                        <a:rPr lang="en-US" altLang="ko-KR" sz="1100" kern="1200" dirty="0" smtClean="0">
+                          <a:solidFill>
+                            <a:schemeClr val="dk1"/>
+                          </a:solidFill>
+                          <a:latin typeface="+mn-lt"/>
+                          <a:ea typeface="+mn-ea"/>
+                          <a:cs typeface="+mn-cs"/>
+                        </a:rPr>
+                        <a:t>();</a:t>
+                      </a:r>
+                      <a:endParaRPr lang="ko-KR" altLang="en-US" sz="1100" dirty="0"/>
+                    </a:p>
+                  </a:txBody>
+                  <a:tcPr/>
+                </a:tc>
+                <a:extLst>
+                  <a:ext uri="{0D108BD9-81ED-4DB2-BD59-A6C34878D82A}">
+                    <a16:rowId xmlns:a16="http://schemas.microsoft.com/office/drawing/2014/main" val="10002"/>
+                  </a:ext>
+                </a:extLst>
+              </a:tr>
+            </a:tbl>
+          </a:graphicData>
+        </a:graphic>
+      </p:graphicFrame>
+      <p:graphicFrame>
+        <p:nvGraphicFramePr>
+          <p:cNvPr id="9" name="표 8"/>
+          <p:cNvGraphicFramePr>
+            <a:graphicFrameLocks noGrp="1"/>
+          </p:cNvGraphicFramePr>
+          <p:nvPr>
+            <p:extLst>
+              <p:ext uri="{D42A27DB-BD31-4B8C-83A1-F6EECF244321}">
+                <p14:modId xmlns:p14="http://schemas.microsoft.com/office/powerpoint/2010/main" val="2187107600"/>
+              </p:ext>
+            </p:extLst>
+          </p:nvPr>
+        </p:nvGraphicFramePr>
+        <p:xfrm>
+          <a:off x="8381412" y="890731"/>
+          <a:ext cx="3368182" cy="2499360"/>
+        </p:xfrm>
+        <a:graphic>
+          <a:graphicData uri="http://schemas.openxmlformats.org/drawingml/2006/table">
+            <a:tbl>
+              <a:tblPr firstRow="1" bandRow="1">
+                <a:tableStyleId>{5C22544A-7EE6-4342-B048-85BDC9FD1C3A}</a:tableStyleId>
+              </a:tblPr>
+              <a:tblGrid>
+                <a:gridCol w="3368182">
+                  <a:extLst>
+                    <a:ext uri="{9D8B030D-6E8A-4147-A177-3AD203B41FA5}">
+                      <a16:colId xmlns:a16="http://schemas.microsoft.com/office/drawing/2014/main" val="20000"/>
+                    </a:ext>
+                  </a:extLst>
+                </a:gridCol>
+              </a:tblGrid>
+              <a:tr h="203200">
+                <a:tc>
+                  <a:txBody>
+                    <a:bodyPr/>
+                    <a:lstStyle/>
+                    <a:p>
+                      <a:pPr latinLnBrk="1"/>
+                      <a:r>
+                        <a:rPr lang="en-US" altLang="ko-KR" sz="1200" dirty="0" smtClean="0"/>
+                        <a:t>Apple </a:t>
+                      </a:r>
+                      <a:r>
+                        <a:rPr lang="en-US" altLang="ko-KR" sz="1200" dirty="0" smtClean="0">
+                          <a:solidFill>
+                            <a:srgbClr val="FF0000"/>
+                          </a:solidFill>
+                        </a:rPr>
+                        <a:t>– 2</a:t>
+                      </a:r>
+                      <a:r>
+                        <a:rPr lang="ko-KR" altLang="en-US" sz="1200" dirty="0" err="1" smtClean="0">
+                          <a:solidFill>
+                            <a:srgbClr val="FF0000"/>
+                          </a:solidFill>
+                        </a:rPr>
+                        <a:t>차구현완료</a:t>
+                      </a:r>
+                      <a:endParaRPr lang="ko-KR" altLang="en-US" sz="1200" dirty="0">
+                        <a:solidFill>
+                          <a:srgbClr val="FF0000"/>
+                        </a:solidFill>
+                      </a:endParaRPr>
+                    </a:p>
+                  </a:txBody>
+                  <a:tcPr/>
+                </a:tc>
+                <a:extLst>
+                  <a:ext uri="{0D108BD9-81ED-4DB2-BD59-A6C34878D82A}">
+                    <a16:rowId xmlns:a16="http://schemas.microsoft.com/office/drawing/2014/main" val="10000"/>
+                  </a:ext>
+                </a:extLst>
+              </a:tr>
+              <a:tr h="297180">
+                <a:tc>
+                  <a:txBody>
+                    <a:bodyPr/>
+                    <a:lstStyle/>
+                    <a:p>
+                      <a:pPr latinLnBrk="1"/>
+                      <a:r>
+                        <a:rPr lang="en-US" altLang="ko-KR" sz="1200" dirty="0" smtClean="0"/>
+                        <a:t>APPLE_COLOR </a:t>
+                      </a:r>
+                      <a:r>
+                        <a:rPr lang="en-US" altLang="ko-KR" sz="1200" dirty="0" err="1" smtClean="0"/>
+                        <a:t>eColor</a:t>
+                      </a:r>
+                      <a:r>
+                        <a:rPr lang="en-US" altLang="ko-KR" sz="1200" dirty="0" smtClean="0"/>
+                        <a:t>;</a:t>
+                      </a:r>
+                    </a:p>
+                    <a:p>
+                      <a:pPr latinLnBrk="1"/>
+                      <a:r>
+                        <a:rPr lang="en-US" altLang="ko-KR" sz="1200" dirty="0" smtClean="0"/>
+                        <a:t>Point</a:t>
+                      </a:r>
+                      <a:r>
+                        <a:rPr lang="en-US" altLang="ko-KR" sz="1200" baseline="0" dirty="0" smtClean="0"/>
+                        <a:t> </a:t>
+                      </a:r>
+                      <a:r>
+                        <a:rPr lang="en-US" altLang="ko-KR" sz="1200" baseline="0" dirty="0" err="1" smtClean="0"/>
+                        <a:t>sApplePosition</a:t>
+                      </a:r>
+                      <a:r>
+                        <a:rPr lang="en-US" altLang="ko-KR" sz="1200" baseline="0" dirty="0" smtClean="0"/>
+                        <a:t>;</a:t>
+                      </a:r>
+                      <a:endParaRPr lang="en-US" altLang="ko-KR" sz="1200" dirty="0" smtClean="0"/>
+                    </a:p>
+                  </a:txBody>
+                  <a:tcPr/>
+                </a:tc>
+                <a:extLst>
+                  <a:ext uri="{0D108BD9-81ED-4DB2-BD59-A6C34878D82A}">
+                    <a16:rowId xmlns:a16="http://schemas.microsoft.com/office/drawing/2014/main" val="10001"/>
+                  </a:ext>
+                </a:extLst>
+              </a:tr>
+              <a:tr h="1557295">
+                <a:tc>
+                  <a:txBody>
+                    <a:bodyPr/>
+                    <a:lstStyle/>
+                    <a:p>
+                      <a:pPr latinLnBrk="1"/>
+                      <a:r>
+                        <a:rPr lang="en-US" altLang="ko-KR" sz="1100" dirty="0" smtClean="0"/>
+                        <a:t>Apple();</a:t>
+                      </a:r>
+                    </a:p>
+                    <a:p>
+                      <a:pPr latinLnBrk="1"/>
+                      <a:r>
+                        <a:rPr lang="en-US" altLang="ko-KR" sz="1100" dirty="0" smtClean="0"/>
+                        <a:t>~Apple();</a:t>
+                      </a:r>
+                    </a:p>
+                    <a:p>
+                      <a:pPr latinLnBrk="1"/>
+                      <a:endParaRPr lang="en-US" altLang="ko-KR" sz="1100" dirty="0" smtClean="0"/>
+                    </a:p>
+                    <a:p>
+                      <a:pPr latinLnBrk="1"/>
+                      <a:r>
+                        <a:rPr lang="en-US" altLang="ko-KR" sz="1100" dirty="0" smtClean="0"/>
+                        <a:t>+</a:t>
+                      </a:r>
+                      <a:r>
+                        <a:rPr lang="en-US" altLang="ko-KR" sz="1100" b="1" dirty="0" smtClean="0">
+                          <a:solidFill>
+                            <a:srgbClr val="FF0000"/>
+                          </a:solidFill>
+                        </a:rPr>
+                        <a:t> </a:t>
+                      </a:r>
+                      <a:r>
+                        <a:rPr lang="en-US" altLang="ko-KR" sz="1100" b="1" dirty="0" smtClean="0">
+                          <a:solidFill>
+                            <a:srgbClr val="7030A0"/>
+                          </a:solidFill>
+                        </a:rPr>
+                        <a:t>void</a:t>
+                      </a:r>
+                      <a:r>
+                        <a:rPr lang="en-US" altLang="ko-KR" sz="1100" baseline="0" dirty="0" smtClean="0"/>
+                        <a:t> </a:t>
+                      </a:r>
+                      <a:r>
+                        <a:rPr lang="en-US" altLang="ko-KR" sz="1100" baseline="0" dirty="0" err="1" smtClean="0"/>
+                        <a:t>createApple</a:t>
+                      </a:r>
+                      <a:r>
+                        <a:rPr lang="en-US" altLang="ko-KR" sz="1100" baseline="0" dirty="0" smtClean="0"/>
+                        <a:t>(</a:t>
+                      </a:r>
+                      <a:r>
+                        <a:rPr lang="en-US" altLang="ko-KR" sz="1100" baseline="0" dirty="0" err="1" smtClean="0"/>
+                        <a:t>int</a:t>
+                      </a:r>
+                      <a:r>
+                        <a:rPr lang="en-US" altLang="ko-KR" sz="1100" baseline="0" dirty="0" smtClean="0"/>
+                        <a:t> </a:t>
+                      </a:r>
+                      <a:r>
+                        <a:rPr lang="en-US" altLang="ko-KR" sz="1100" baseline="0" dirty="0" err="1" smtClean="0"/>
+                        <a:t>nMapSizex</a:t>
+                      </a:r>
+                      <a:r>
+                        <a:rPr lang="en-US" altLang="ko-KR" sz="1100" baseline="0" dirty="0" smtClean="0"/>
+                        <a:t>, y, color);</a:t>
+                      </a:r>
+                    </a:p>
+                    <a:p>
+                      <a:pPr latinLnBrk="1"/>
+                      <a:r>
+                        <a:rPr lang="en-US" altLang="ko-KR" sz="1100" baseline="0" dirty="0" smtClean="0"/>
+                        <a:t>+ </a:t>
+                      </a:r>
+                      <a:r>
+                        <a:rPr lang="en-US" altLang="ko-KR" sz="1100" b="1" baseline="0" dirty="0" err="1" smtClean="0">
+                          <a:solidFill>
+                            <a:srgbClr val="7030A0"/>
+                          </a:solidFill>
+                        </a:rPr>
+                        <a:t>const</a:t>
+                      </a:r>
+                      <a:r>
+                        <a:rPr lang="en-US" altLang="ko-KR" sz="1100" baseline="0" dirty="0" smtClean="0"/>
+                        <a:t> </a:t>
+                      </a:r>
+                      <a:r>
+                        <a:rPr lang="en-US" altLang="ko-KR" sz="1100" baseline="0" dirty="0" err="1" smtClean="0"/>
+                        <a:t>int</a:t>
+                      </a:r>
+                      <a:r>
+                        <a:rPr lang="en-US" altLang="ko-KR" sz="1100" baseline="0" dirty="0" smtClean="0"/>
+                        <a:t> </a:t>
+                      </a:r>
+                      <a:r>
+                        <a:rPr lang="en-US" altLang="ko-KR" sz="1100" baseline="0" dirty="0" err="1" smtClean="0"/>
+                        <a:t>GetAppleX</a:t>
+                      </a:r>
+                      <a:r>
+                        <a:rPr lang="en-US" altLang="ko-KR" sz="1100" baseline="0" dirty="0" smtClean="0"/>
+                        <a:t>();</a:t>
+                      </a:r>
+                    </a:p>
+                    <a:p>
+                      <a:pPr latinLnBrk="1"/>
+                      <a:r>
+                        <a:rPr lang="en-US" altLang="ko-KR" sz="1100" baseline="0" dirty="0" smtClean="0"/>
+                        <a:t>+ </a:t>
+                      </a:r>
+                      <a:r>
+                        <a:rPr lang="en-US" altLang="ko-KR" sz="1100" b="1" baseline="0" dirty="0" err="1" smtClean="0">
+                          <a:solidFill>
+                            <a:srgbClr val="7030A0"/>
+                          </a:solidFill>
+                        </a:rPr>
+                        <a:t>const</a:t>
+                      </a:r>
+                      <a:r>
+                        <a:rPr lang="en-US" altLang="ko-KR" sz="1100" baseline="0" dirty="0" smtClean="0"/>
+                        <a:t> </a:t>
+                      </a:r>
+                      <a:r>
+                        <a:rPr lang="en-US" altLang="ko-KR" sz="1100" baseline="0" dirty="0" err="1" smtClean="0"/>
+                        <a:t>int</a:t>
+                      </a:r>
+                      <a:r>
+                        <a:rPr lang="en-US" altLang="ko-KR" sz="1100" baseline="0" dirty="0" smtClean="0"/>
+                        <a:t> </a:t>
+                      </a:r>
+                      <a:r>
+                        <a:rPr lang="en-US" altLang="ko-KR" sz="1100" baseline="0" dirty="0" err="1" smtClean="0"/>
+                        <a:t>GetAppleY</a:t>
+                      </a:r>
+                      <a:r>
+                        <a:rPr lang="en-US" altLang="ko-KR" sz="1100" baseline="0" dirty="0" smtClean="0"/>
+                        <a:t>();</a:t>
+                      </a:r>
+                    </a:p>
+                    <a:p>
+                      <a:pPr latinLnBrk="1"/>
+                      <a:r>
+                        <a:rPr lang="en-US" altLang="ko-KR" sz="1100" b="1" baseline="0" dirty="0" smtClean="0">
+                          <a:solidFill>
+                            <a:srgbClr val="7030A0"/>
+                          </a:solidFill>
+                        </a:rPr>
+                        <a:t>+ </a:t>
+                      </a:r>
+                      <a:r>
+                        <a:rPr lang="en-US" altLang="ko-KR" sz="1100" b="1" baseline="0" dirty="0" err="1" smtClean="0">
+                          <a:solidFill>
+                            <a:srgbClr val="7030A0"/>
+                          </a:solidFill>
+                        </a:rPr>
+                        <a:t>const</a:t>
+                      </a:r>
+                      <a:r>
+                        <a:rPr lang="en-US" altLang="ko-KR" sz="1100" b="1" baseline="0" dirty="0" smtClean="0">
+                          <a:solidFill>
+                            <a:srgbClr val="7030A0"/>
+                          </a:solidFill>
+                        </a:rPr>
+                        <a:t> APPLE_COLOR </a:t>
+                      </a:r>
+                      <a:r>
+                        <a:rPr lang="en-US" altLang="ko-KR" sz="1100" b="1" baseline="0" dirty="0" err="1" smtClean="0">
+                          <a:solidFill>
+                            <a:srgbClr val="7030A0"/>
+                          </a:solidFill>
+                        </a:rPr>
+                        <a:t>GetAppleColor</a:t>
+                      </a:r>
+                      <a:r>
+                        <a:rPr lang="en-US" altLang="ko-KR" sz="1100" b="1" baseline="0" dirty="0" smtClean="0">
+                          <a:solidFill>
+                            <a:srgbClr val="7030A0"/>
+                          </a:solidFill>
+                        </a:rPr>
+                        <a:t>();</a:t>
+                      </a:r>
+                    </a:p>
+                    <a:p>
+                      <a:pPr latinLnBrk="1"/>
+                      <a:endParaRPr lang="en-US" altLang="ko-KR" sz="1100" baseline="0" dirty="0" smtClean="0"/>
+                    </a:p>
+                    <a:p>
+                      <a:pPr marL="171450" indent="-171450" latinLnBrk="1">
+                        <a:buFontTx/>
+                        <a:buChar char="-"/>
+                      </a:pPr>
+                      <a:r>
+                        <a:rPr lang="en-US" altLang="ko-KR" sz="1100" baseline="0" dirty="0" smtClean="0"/>
+                        <a:t>Point </a:t>
+                      </a:r>
+                      <a:r>
+                        <a:rPr lang="en-US" altLang="ko-KR" sz="1100" baseline="0" dirty="0" err="1" smtClean="0"/>
+                        <a:t>RandomXY</a:t>
+                      </a:r>
+                      <a:r>
+                        <a:rPr lang="en-US" altLang="ko-KR" sz="1100" baseline="0" dirty="0" smtClean="0"/>
+                        <a:t>(</a:t>
+                      </a:r>
+                      <a:r>
+                        <a:rPr lang="en-US" altLang="ko-KR" sz="1100" baseline="0" dirty="0" err="1" smtClean="0"/>
+                        <a:t>int</a:t>
+                      </a:r>
+                      <a:r>
+                        <a:rPr lang="en-US" altLang="ko-KR" sz="1100" baseline="0" dirty="0" smtClean="0"/>
+                        <a:t> </a:t>
+                      </a:r>
+                      <a:r>
+                        <a:rPr lang="en-US" altLang="ko-KR" sz="1100" baseline="0" dirty="0" err="1" smtClean="0"/>
+                        <a:t>nMax_X</a:t>
+                      </a:r>
+                      <a:r>
+                        <a:rPr lang="en-US" altLang="ko-KR" sz="1100" baseline="0" dirty="0" smtClean="0"/>
+                        <a:t>, </a:t>
+                      </a:r>
+                      <a:r>
+                        <a:rPr lang="en-US" altLang="ko-KR" sz="1100" baseline="0" dirty="0" err="1" smtClean="0"/>
+                        <a:t>int</a:t>
+                      </a:r>
+                      <a:r>
+                        <a:rPr lang="en-US" altLang="ko-KR" sz="1100" baseline="0" dirty="0" smtClean="0"/>
+                        <a:t> </a:t>
+                      </a:r>
+                      <a:r>
+                        <a:rPr lang="en-US" altLang="ko-KR" sz="1100" baseline="0" dirty="0" err="1" smtClean="0"/>
+                        <a:t>nMax_Y</a:t>
+                      </a:r>
+                      <a:r>
+                        <a:rPr lang="en-US" altLang="ko-KR" sz="1100" baseline="0" dirty="0" smtClean="0"/>
+                        <a:t>);</a:t>
+                      </a:r>
+                    </a:p>
+                    <a:p>
+                      <a:pPr marL="171450" indent="-171450" latinLnBrk="1">
+                        <a:buFontTx/>
+                        <a:buChar char="-"/>
+                      </a:pPr>
+                      <a:r>
+                        <a:rPr lang="en-US" altLang="ko-KR" sz="1100" baseline="0" dirty="0" smtClean="0"/>
+                        <a:t>APPLE_CLR </a:t>
+                      </a:r>
+                      <a:r>
+                        <a:rPr lang="en-US" altLang="ko-KR" sz="1100" baseline="0" dirty="0" err="1" smtClean="0"/>
+                        <a:t>RandomColor</a:t>
+                      </a:r>
+                      <a:r>
+                        <a:rPr lang="en-US" altLang="ko-KR" sz="1100" baseline="0" dirty="0" smtClean="0"/>
+                        <a:t>();</a:t>
+                      </a:r>
+                      <a:endParaRPr lang="en-US" altLang="ko-KR" sz="1100" baseline="0" dirty="0" smtClean="0"/>
+                    </a:p>
+                  </a:txBody>
+                  <a:tcPr/>
+                </a:tc>
+                <a:extLst>
+                  <a:ext uri="{0D108BD9-81ED-4DB2-BD59-A6C34878D82A}">
+                    <a16:rowId xmlns:a16="http://schemas.microsoft.com/office/drawing/2014/main" val="10002"/>
+                  </a:ext>
+                </a:extLst>
+              </a:tr>
+            </a:tbl>
+          </a:graphicData>
+        </a:graphic>
+      </p:graphicFrame>
+      <p:graphicFrame>
+        <p:nvGraphicFramePr>
+          <p:cNvPr id="10" name="표 9"/>
+          <p:cNvGraphicFramePr>
+            <a:graphicFrameLocks noGrp="1"/>
+          </p:cNvGraphicFramePr>
+          <p:nvPr>
+            <p:extLst>
+              <p:ext uri="{D42A27DB-BD31-4B8C-83A1-F6EECF244321}">
+                <p14:modId xmlns:p14="http://schemas.microsoft.com/office/powerpoint/2010/main" val="1835179157"/>
+              </p:ext>
+            </p:extLst>
+          </p:nvPr>
+        </p:nvGraphicFramePr>
+        <p:xfrm>
+          <a:off x="3251372" y="475253"/>
+          <a:ext cx="4766521" cy="2514600"/>
+        </p:xfrm>
+        <a:graphic>
+          <a:graphicData uri="http://schemas.openxmlformats.org/drawingml/2006/table">
+            <a:tbl>
+              <a:tblPr firstRow="1" bandRow="1">
+                <a:tableStyleId>{5C22544A-7EE6-4342-B048-85BDC9FD1C3A}</a:tableStyleId>
+              </a:tblPr>
+              <a:tblGrid>
+                <a:gridCol w="4766521">
+                  <a:extLst>
+                    <a:ext uri="{9D8B030D-6E8A-4147-A177-3AD203B41FA5}">
+                      <a16:colId xmlns:a16="http://schemas.microsoft.com/office/drawing/2014/main" val="20000"/>
+                    </a:ext>
+                  </a:extLst>
+                </a:gridCol>
+              </a:tblGrid>
+              <a:tr h="0">
+                <a:tc>
+                  <a:txBody>
+                    <a:bodyPr/>
+                    <a:lstStyle/>
+                    <a:p>
+                      <a:pPr latinLnBrk="1"/>
+                      <a:r>
+                        <a:rPr lang="en-US" altLang="ko-KR" sz="1200" dirty="0" smtClean="0"/>
+                        <a:t>MAP </a:t>
+                      </a:r>
+                      <a:r>
+                        <a:rPr lang="en-US" altLang="ko-KR" sz="1200" dirty="0" smtClean="0">
+                          <a:solidFill>
+                            <a:srgbClr val="FF0000"/>
+                          </a:solidFill>
+                        </a:rPr>
+                        <a:t>– 2</a:t>
+                      </a:r>
+                      <a:r>
+                        <a:rPr lang="ko-KR" altLang="en-US" sz="1200" dirty="0" err="1" smtClean="0">
+                          <a:solidFill>
+                            <a:srgbClr val="FF0000"/>
+                          </a:solidFill>
+                        </a:rPr>
+                        <a:t>차구현완료</a:t>
+                      </a:r>
+                      <a:endParaRPr lang="ko-KR" altLang="en-US" sz="1200" dirty="0">
+                        <a:solidFill>
+                          <a:srgbClr val="FF0000"/>
+                        </a:solidFill>
+                      </a:endParaRPr>
+                    </a:p>
+                  </a:txBody>
+                  <a:tcPr/>
+                </a:tc>
+                <a:extLst>
+                  <a:ext uri="{0D108BD9-81ED-4DB2-BD59-A6C34878D82A}">
+                    <a16:rowId xmlns:a16="http://schemas.microsoft.com/office/drawing/2014/main" val="10000"/>
+                  </a:ext>
+                </a:extLst>
+              </a:tr>
+              <a:tr h="492150">
+                <a:tc>
+                  <a:txBody>
+                    <a:bodyPr/>
+                    <a:lstStyle/>
+                    <a:p>
+                      <a:pPr latinLnBrk="1"/>
+                      <a:r>
+                        <a:rPr lang="en-US" altLang="ko-KR" sz="1200" dirty="0" smtClean="0"/>
+                        <a:t>Size </a:t>
+                      </a:r>
+                      <a:r>
+                        <a:rPr lang="en-US" altLang="ko-KR" sz="1200" dirty="0" err="1" smtClean="0"/>
+                        <a:t>sMapSize</a:t>
+                      </a:r>
+                      <a:r>
+                        <a:rPr lang="en-US" altLang="ko-KR" sz="1200" dirty="0" smtClean="0"/>
+                        <a:t>;</a:t>
+                      </a:r>
+                      <a:endParaRPr lang="en-US" altLang="ko-KR" sz="1200" baseline="0" dirty="0" smtClean="0"/>
+                    </a:p>
+                    <a:p>
+                      <a:pPr latinLnBrk="1"/>
+                      <a:r>
+                        <a:rPr lang="en-US" altLang="ko-KR" sz="1200" baseline="0" dirty="0" smtClean="0"/>
+                        <a:t>Vector&lt;Apple&gt; </a:t>
+                      </a:r>
+                      <a:r>
+                        <a:rPr lang="en-US" altLang="ko-KR" sz="1200" baseline="0" dirty="0" err="1" smtClean="0"/>
+                        <a:t>vApple</a:t>
+                      </a:r>
+                      <a:endParaRPr lang="en-US" altLang="ko-KR" sz="1200" baseline="0" dirty="0" smtClean="0"/>
+                    </a:p>
+                    <a:p>
+                      <a:pPr latinLnBrk="1"/>
+                      <a:r>
+                        <a:rPr lang="en-US" altLang="ko-KR" sz="1200" baseline="0" dirty="0" smtClean="0"/>
+                        <a:t>Vector&lt;vector&lt;</a:t>
+                      </a:r>
+                      <a:r>
+                        <a:rPr lang="en-US" altLang="ko-KR" sz="1200" baseline="0" dirty="0" err="1" smtClean="0"/>
+                        <a:t>int</a:t>
+                      </a:r>
+                      <a:r>
+                        <a:rPr lang="en-US" altLang="ko-KR" sz="1200" baseline="0" dirty="0" smtClean="0"/>
+                        <a:t>&gt;&gt; </a:t>
+                      </a:r>
+                      <a:r>
+                        <a:rPr lang="en-US" altLang="ko-KR" sz="1200" baseline="0" dirty="0" err="1" smtClean="0"/>
+                        <a:t>vMap</a:t>
+                      </a:r>
+                      <a:r>
+                        <a:rPr lang="en-US" altLang="ko-KR" sz="1200" baseline="0" dirty="0" smtClean="0"/>
+                        <a:t>;</a:t>
+                      </a:r>
+                      <a:endParaRPr lang="ko-KR" altLang="en-US" sz="1200" dirty="0"/>
+                    </a:p>
+                  </a:txBody>
+                  <a:tcPr/>
+                </a:tc>
+                <a:extLst>
+                  <a:ext uri="{0D108BD9-81ED-4DB2-BD59-A6C34878D82A}">
+                    <a16:rowId xmlns:a16="http://schemas.microsoft.com/office/drawing/2014/main" val="10001"/>
+                  </a:ext>
+                </a:extLst>
+              </a:tr>
+              <a:tr h="931300">
+                <a:tc>
+                  <a:txBody>
+                    <a:bodyPr/>
+                    <a:lstStyle/>
+                    <a:p>
+                      <a:pPr latinLnBrk="1"/>
+                      <a:r>
+                        <a:rPr lang="en-US" altLang="ko-KR" sz="1100" baseline="0" dirty="0" smtClean="0"/>
+                        <a:t>MAP();</a:t>
+                      </a:r>
+                    </a:p>
+                    <a:p>
+                      <a:pPr latinLnBrk="1"/>
+                      <a:r>
+                        <a:rPr lang="en-US" altLang="ko-KR" sz="1100" baseline="0" dirty="0" smtClean="0"/>
+                        <a:t>Map(</a:t>
+                      </a:r>
+                      <a:r>
+                        <a:rPr lang="en-US" altLang="ko-KR" sz="1100" b="1" baseline="0" dirty="0" err="1" smtClean="0">
+                          <a:solidFill>
+                            <a:srgbClr val="7030A0"/>
+                          </a:solidFill>
+                        </a:rPr>
+                        <a:t>const</a:t>
+                      </a:r>
+                      <a:r>
+                        <a:rPr lang="en-US" altLang="ko-KR" sz="1100" baseline="0" dirty="0" smtClean="0"/>
+                        <a:t> x, </a:t>
+                      </a:r>
+                      <a:r>
+                        <a:rPr lang="en-US" altLang="ko-KR" sz="1100" b="1" baseline="0" dirty="0" err="1" smtClean="0">
+                          <a:solidFill>
+                            <a:srgbClr val="7030A0"/>
+                          </a:solidFill>
+                        </a:rPr>
+                        <a:t>const</a:t>
+                      </a:r>
+                      <a:r>
+                        <a:rPr lang="en-US" altLang="ko-KR" sz="1100" baseline="0" dirty="0" smtClean="0"/>
+                        <a:t> y</a:t>
+                      </a:r>
+                      <a:r>
+                        <a:rPr lang="en-US" altLang="ko-KR" sz="1100" baseline="0" dirty="0" smtClean="0"/>
+                        <a:t>);</a:t>
+                      </a:r>
+                    </a:p>
+                    <a:p>
+                      <a:pPr latinLnBrk="1"/>
+                      <a:r>
+                        <a:rPr lang="en-US" altLang="ko-KR" sz="1100" baseline="0" dirty="0" smtClean="0"/>
+                        <a:t>~MAP();</a:t>
+                      </a:r>
+                    </a:p>
+                    <a:p>
+                      <a:pPr latinLnBrk="1"/>
+                      <a:endParaRPr lang="en-US" altLang="ko-KR" sz="1100" baseline="0" dirty="0" smtClean="0"/>
+                    </a:p>
+                    <a:p>
+                      <a:pPr latinLnBrk="1"/>
+                      <a:r>
+                        <a:rPr lang="en-US" altLang="ko-KR" sz="1100" baseline="0" dirty="0" smtClean="0"/>
+                        <a:t>+ SIZE </a:t>
+                      </a:r>
+                      <a:r>
+                        <a:rPr lang="en-US" altLang="ko-KR" sz="1100" baseline="0" dirty="0" err="1" smtClean="0"/>
+                        <a:t>GetMapSize</a:t>
+                      </a:r>
+                      <a:r>
+                        <a:rPr lang="en-US" altLang="ko-KR" sz="1100" baseline="0" dirty="0" smtClean="0"/>
+                        <a:t>();</a:t>
+                      </a:r>
+                    </a:p>
+                    <a:p>
+                      <a:pPr latinLnBrk="1"/>
+                      <a:r>
+                        <a:rPr lang="en-US" altLang="ko-KR" sz="1100" baseline="0" dirty="0" smtClean="0"/>
+                        <a:t>+ Void </a:t>
+                      </a:r>
+                      <a:r>
+                        <a:rPr lang="en-US" altLang="ko-KR" sz="1100" baseline="0" dirty="0" err="1" smtClean="0"/>
+                        <a:t>MakeApple</a:t>
+                      </a:r>
+                      <a:r>
+                        <a:rPr lang="en-US" altLang="ko-KR" sz="1100" baseline="0" dirty="0" smtClean="0"/>
+                        <a:t>();</a:t>
+                      </a:r>
+                    </a:p>
+                    <a:p>
+                      <a:pPr latinLnBrk="1"/>
+                      <a:r>
+                        <a:rPr lang="en-US" altLang="ko-KR" sz="1100" baseline="0" dirty="0" smtClean="0"/>
+                        <a:t>+ </a:t>
+                      </a:r>
+                      <a:r>
+                        <a:rPr lang="en-US" altLang="ko-KR" sz="1100" b="1" baseline="0" dirty="0" smtClean="0">
+                          <a:solidFill>
+                            <a:srgbClr val="7030A0"/>
+                          </a:solidFill>
+                        </a:rPr>
+                        <a:t>bool</a:t>
+                      </a:r>
+                      <a:r>
+                        <a:rPr lang="en-US" altLang="ko-KR" sz="1100" baseline="0" dirty="0" smtClean="0"/>
+                        <a:t> </a:t>
+                      </a:r>
+                      <a:r>
+                        <a:rPr lang="en-US" altLang="ko-KR" sz="1100" baseline="0" dirty="0" err="1" smtClean="0"/>
+                        <a:t>ExistApple</a:t>
+                      </a:r>
+                      <a:r>
+                        <a:rPr lang="en-US" altLang="ko-KR" sz="1100" baseline="0" dirty="0" smtClean="0"/>
+                        <a:t>(</a:t>
+                      </a:r>
+                      <a:r>
+                        <a:rPr lang="en-US" altLang="ko-KR" sz="1100" b="1" baseline="0" dirty="0" err="1" smtClean="0">
+                          <a:solidFill>
+                            <a:srgbClr val="7030A0"/>
+                          </a:solidFill>
+                        </a:rPr>
+                        <a:t>const</a:t>
+                      </a:r>
+                      <a:r>
+                        <a:rPr lang="en-US" altLang="ko-KR" sz="1100" baseline="0" dirty="0" smtClean="0"/>
+                        <a:t> </a:t>
+                      </a:r>
+                      <a:r>
+                        <a:rPr lang="en-US" altLang="ko-KR" sz="1100" baseline="0" dirty="0" err="1" smtClean="0"/>
+                        <a:t>int</a:t>
+                      </a:r>
+                      <a:r>
+                        <a:rPr lang="en-US" altLang="ko-KR" sz="1100" baseline="0" dirty="0" smtClean="0"/>
+                        <a:t> </a:t>
+                      </a:r>
+                      <a:r>
+                        <a:rPr lang="en-US" altLang="ko-KR" sz="1100" baseline="0" dirty="0" smtClean="0"/>
+                        <a:t>x, </a:t>
+                      </a:r>
+                      <a:r>
+                        <a:rPr lang="en-US" altLang="ko-KR" sz="1100" b="1" baseline="0" dirty="0" err="1" smtClean="0">
+                          <a:solidFill>
+                            <a:srgbClr val="7030A0"/>
+                          </a:solidFill>
+                        </a:rPr>
+                        <a:t>const</a:t>
+                      </a:r>
+                      <a:r>
+                        <a:rPr lang="en-US" altLang="ko-KR" sz="1100" baseline="0" dirty="0" smtClean="0"/>
+                        <a:t> </a:t>
+                      </a:r>
+                      <a:r>
+                        <a:rPr lang="en-US" altLang="ko-KR" sz="1100" baseline="0" dirty="0" err="1" smtClean="0"/>
+                        <a:t>int</a:t>
+                      </a:r>
+                      <a:r>
+                        <a:rPr lang="en-US" altLang="ko-KR" sz="1100" baseline="0" dirty="0" smtClean="0"/>
+                        <a:t> y, </a:t>
+                      </a:r>
+                      <a:r>
+                        <a:rPr lang="en-US" altLang="ko-KR" sz="1100" b="1" baseline="0" dirty="0" smtClean="0">
+                          <a:solidFill>
+                            <a:srgbClr val="7030A0"/>
+                          </a:solidFill>
+                        </a:rPr>
+                        <a:t>Apple** </a:t>
+                      </a:r>
+                      <a:r>
+                        <a:rPr lang="en-US" altLang="ko-KR" sz="1100" b="1" baseline="0" dirty="0" err="1" smtClean="0">
+                          <a:solidFill>
+                            <a:srgbClr val="7030A0"/>
+                          </a:solidFill>
+                        </a:rPr>
+                        <a:t>sGetApple</a:t>
+                      </a:r>
+                      <a:r>
+                        <a:rPr lang="en-US" altLang="ko-KR" sz="1100" b="1" baseline="0" dirty="0" smtClean="0">
+                          <a:solidFill>
+                            <a:srgbClr val="7030A0"/>
+                          </a:solidFill>
+                        </a:rPr>
+                        <a:t>=NULL</a:t>
+                      </a:r>
+                      <a:r>
+                        <a:rPr lang="en-US" altLang="ko-KR" sz="1100" baseline="0" dirty="0" smtClean="0"/>
+                        <a:t>);</a:t>
+                      </a:r>
+                      <a:endParaRPr lang="en-US" altLang="ko-KR" sz="1100" baseline="0" dirty="0" smtClean="0"/>
+                    </a:p>
+                    <a:p>
+                      <a:pPr latinLnBrk="1"/>
+                      <a:r>
+                        <a:rPr lang="en-US" altLang="ko-KR" sz="1100" baseline="0" dirty="0" smtClean="0"/>
+                        <a:t>+ </a:t>
+                      </a:r>
+                      <a:r>
+                        <a:rPr lang="en-US" altLang="ko-KR" sz="1100" b="1" baseline="0" dirty="0" smtClean="0">
+                          <a:solidFill>
+                            <a:srgbClr val="7030A0"/>
+                          </a:solidFill>
+                        </a:rPr>
+                        <a:t>bool</a:t>
+                      </a:r>
+                      <a:r>
+                        <a:rPr lang="en-US" altLang="ko-KR" sz="1100" baseline="0" dirty="0" smtClean="0"/>
+                        <a:t> </a:t>
+                      </a:r>
+                      <a:r>
+                        <a:rPr lang="en-US" altLang="ko-KR" sz="1100" baseline="0" dirty="0" err="1" smtClean="0"/>
+                        <a:t>DeleteApple</a:t>
+                      </a:r>
+                      <a:r>
+                        <a:rPr lang="en-US" altLang="ko-KR" sz="1100" baseline="0" dirty="0" smtClean="0"/>
+                        <a:t>(</a:t>
+                      </a:r>
+                      <a:r>
+                        <a:rPr lang="en-US" altLang="ko-KR" sz="1100" b="1" baseline="0" dirty="0" err="1" smtClean="0">
+                          <a:solidFill>
+                            <a:srgbClr val="7030A0"/>
+                          </a:solidFill>
+                        </a:rPr>
+                        <a:t>const</a:t>
+                      </a:r>
+                      <a:r>
+                        <a:rPr lang="en-US" altLang="ko-KR" sz="1100" baseline="0" dirty="0" smtClean="0"/>
+                        <a:t> </a:t>
+                      </a:r>
+                      <a:r>
+                        <a:rPr lang="en-US" altLang="ko-KR" sz="1100" baseline="0" dirty="0" err="1" smtClean="0"/>
+                        <a:t>int</a:t>
+                      </a:r>
+                      <a:r>
+                        <a:rPr lang="en-US" altLang="ko-KR" sz="1100" baseline="0" dirty="0" smtClean="0"/>
+                        <a:t> </a:t>
+                      </a:r>
+                      <a:r>
+                        <a:rPr lang="en-US" altLang="ko-KR" sz="1100" baseline="0" dirty="0" smtClean="0"/>
+                        <a:t>x, </a:t>
+                      </a:r>
+                      <a:r>
+                        <a:rPr lang="en-US" altLang="ko-KR" sz="1100" b="1" baseline="0" dirty="0" err="1" smtClean="0">
+                          <a:solidFill>
+                            <a:srgbClr val="7030A0"/>
+                          </a:solidFill>
+                        </a:rPr>
+                        <a:t>const</a:t>
+                      </a:r>
+                      <a:r>
+                        <a:rPr lang="en-US" altLang="ko-KR" sz="1100" baseline="0" dirty="0" smtClean="0"/>
+                        <a:t> </a:t>
+                      </a:r>
+                      <a:r>
+                        <a:rPr lang="en-US" altLang="ko-KR" sz="1100" baseline="0" dirty="0" err="1" smtClean="0"/>
+                        <a:t>int</a:t>
+                      </a:r>
+                      <a:r>
+                        <a:rPr lang="en-US" altLang="ko-KR" sz="1100" baseline="0" dirty="0" smtClean="0"/>
+                        <a:t> </a:t>
+                      </a:r>
+                      <a:r>
+                        <a:rPr lang="en-US" altLang="ko-KR" sz="1100" baseline="0" dirty="0" smtClean="0"/>
+                        <a:t>y);</a:t>
+                      </a:r>
+                    </a:p>
+                    <a:p>
+                      <a:pPr latinLnBrk="1"/>
+                      <a:r>
+                        <a:rPr lang="en-US" altLang="ko-KR" sz="1100" baseline="0" dirty="0" smtClean="0"/>
+                        <a:t>+ bool </a:t>
+                      </a:r>
+                      <a:r>
+                        <a:rPr lang="en-US" altLang="ko-KR" sz="1100" baseline="0" dirty="0" err="1" smtClean="0"/>
+                        <a:t>DestroyWall</a:t>
+                      </a:r>
+                      <a:r>
+                        <a:rPr lang="en-US" altLang="ko-KR" sz="1100" baseline="0" dirty="0" smtClean="0"/>
+                        <a:t>(</a:t>
+                      </a:r>
+                      <a:r>
+                        <a:rPr lang="en-US" altLang="ko-KR" sz="1100" b="1" baseline="0" dirty="0" err="1" smtClean="0">
+                          <a:solidFill>
+                            <a:srgbClr val="7030A0"/>
+                          </a:solidFill>
+                        </a:rPr>
+                        <a:t>const</a:t>
+                      </a:r>
+                      <a:r>
+                        <a:rPr lang="en-US" altLang="ko-KR" sz="1100" baseline="0" dirty="0" smtClean="0"/>
+                        <a:t> </a:t>
+                      </a:r>
+                      <a:r>
+                        <a:rPr lang="en-US" altLang="ko-KR" sz="1100" baseline="0" dirty="0" err="1" smtClean="0"/>
+                        <a:t>int</a:t>
+                      </a:r>
+                      <a:r>
+                        <a:rPr lang="en-US" altLang="ko-KR" sz="1100" baseline="0" dirty="0" smtClean="0"/>
+                        <a:t> </a:t>
+                      </a:r>
+                      <a:r>
+                        <a:rPr lang="en-US" altLang="ko-KR" sz="1100" baseline="0" dirty="0" smtClean="0"/>
+                        <a:t>x, </a:t>
+                      </a:r>
+                      <a:r>
+                        <a:rPr lang="en-US" altLang="ko-KR" sz="1100" b="1" baseline="0" dirty="0" err="1" smtClean="0">
+                          <a:solidFill>
+                            <a:srgbClr val="7030A0"/>
+                          </a:solidFill>
+                        </a:rPr>
+                        <a:t>const</a:t>
+                      </a:r>
+                      <a:r>
+                        <a:rPr lang="en-US" altLang="ko-KR" sz="1100" baseline="0" dirty="0" smtClean="0"/>
+                        <a:t> </a:t>
+                      </a:r>
+                      <a:r>
+                        <a:rPr lang="en-US" altLang="ko-KR" sz="1100" baseline="0" dirty="0" err="1" smtClean="0"/>
+                        <a:t>int</a:t>
+                      </a:r>
+                      <a:r>
+                        <a:rPr lang="en-US" altLang="ko-KR" sz="1100" baseline="0" dirty="0" smtClean="0"/>
+                        <a:t> </a:t>
+                      </a:r>
+                      <a:r>
+                        <a:rPr lang="en-US" altLang="ko-KR" sz="1100" baseline="0" dirty="0" smtClean="0"/>
+                        <a:t>y</a:t>
+                      </a:r>
+                      <a:r>
+                        <a:rPr lang="en-US" altLang="ko-KR" sz="1100" baseline="0" dirty="0" smtClean="0"/>
+                        <a:t>) </a:t>
+                      </a:r>
+                      <a:r>
+                        <a:rPr lang="en-US" altLang="ko-KR" sz="1100" b="1" baseline="0" dirty="0" err="1" smtClean="0">
+                          <a:solidFill>
+                            <a:srgbClr val="7030A0"/>
+                          </a:solidFill>
+                        </a:rPr>
+                        <a:t>const</a:t>
+                      </a:r>
+                      <a:r>
+                        <a:rPr lang="en-US" altLang="ko-KR" sz="1100" baseline="0" dirty="0" smtClean="0"/>
+                        <a:t>;</a:t>
+                      </a:r>
+                      <a:endParaRPr lang="en-US" altLang="ko-KR" sz="1200" baseline="0" dirty="0" smtClean="0"/>
+                    </a:p>
+                  </a:txBody>
+                  <a:tcPr/>
+                </a:tc>
+                <a:extLst>
+                  <a:ext uri="{0D108BD9-81ED-4DB2-BD59-A6C34878D82A}">
+                    <a16:rowId xmlns:a16="http://schemas.microsoft.com/office/drawing/2014/main" val="10002"/>
+                  </a:ext>
+                </a:extLst>
+              </a:tr>
+            </a:tbl>
+          </a:graphicData>
+        </a:graphic>
+      </p:graphicFrame>
+      <p:graphicFrame>
+        <p:nvGraphicFramePr>
+          <p:cNvPr id="13" name="표 12"/>
+          <p:cNvGraphicFramePr>
+            <a:graphicFrameLocks noGrp="1"/>
+          </p:cNvGraphicFramePr>
+          <p:nvPr>
+            <p:extLst>
+              <p:ext uri="{D42A27DB-BD31-4B8C-83A1-F6EECF244321}">
+                <p14:modId xmlns:p14="http://schemas.microsoft.com/office/powerpoint/2010/main" val="1262917253"/>
+              </p:ext>
+            </p:extLst>
+          </p:nvPr>
+        </p:nvGraphicFramePr>
+        <p:xfrm>
+          <a:off x="469600" y="1947785"/>
+          <a:ext cx="2534461" cy="2545080"/>
+        </p:xfrm>
+        <a:graphic>
+          <a:graphicData uri="http://schemas.openxmlformats.org/drawingml/2006/table">
+            <a:tbl>
+              <a:tblPr firstRow="1" bandRow="1">
+                <a:tableStyleId>{5C22544A-7EE6-4342-B048-85BDC9FD1C3A}</a:tableStyleId>
+              </a:tblPr>
+              <a:tblGrid>
+                <a:gridCol w="2534461">
+                  <a:extLst>
+                    <a:ext uri="{9D8B030D-6E8A-4147-A177-3AD203B41FA5}">
+                      <a16:colId xmlns:a16="http://schemas.microsoft.com/office/drawing/2014/main" val="20000"/>
+                    </a:ext>
+                  </a:extLst>
+                </a:gridCol>
+              </a:tblGrid>
+              <a:tr h="210821">
+                <a:tc>
+                  <a:txBody>
+                    <a:bodyPr/>
+                    <a:lstStyle/>
+                    <a:p>
+                      <a:pPr latinLnBrk="1"/>
+                      <a:r>
+                        <a:rPr lang="en-US" altLang="ko-KR" sz="1200" dirty="0" err="1" smtClean="0"/>
+                        <a:t>SnakeGame</a:t>
+                      </a:r>
+                      <a:r>
+                        <a:rPr lang="en-US" altLang="ko-KR" sz="1200" dirty="0" smtClean="0"/>
+                        <a:t> - </a:t>
+                      </a:r>
+                      <a:r>
+                        <a:rPr lang="ko-KR" altLang="en-US" sz="1200" dirty="0" err="1" smtClean="0"/>
+                        <a:t>미구현</a:t>
+                      </a:r>
+                      <a:endParaRPr lang="ko-KR" altLang="en-US" sz="1200" dirty="0"/>
+                    </a:p>
+                  </a:txBody>
+                  <a:tcPr/>
+                </a:tc>
+                <a:extLst>
+                  <a:ext uri="{0D108BD9-81ED-4DB2-BD59-A6C34878D82A}">
+                    <a16:rowId xmlns:a16="http://schemas.microsoft.com/office/drawing/2014/main" val="10000"/>
+                  </a:ext>
+                </a:extLst>
+              </a:tr>
+              <a:tr h="326814">
+                <a:tc>
+                  <a:txBody>
+                    <a:bodyPr/>
+                    <a:lstStyle/>
+                    <a:p>
+                      <a:pPr latinLnBrk="1"/>
+                      <a:r>
+                        <a:rPr lang="en-US" altLang="ko-KR" sz="1200" dirty="0" smtClean="0"/>
+                        <a:t>MAP</a:t>
+                      </a:r>
+                      <a:r>
+                        <a:rPr lang="en-US" altLang="ko-KR" sz="1200" baseline="0" dirty="0" smtClean="0"/>
+                        <a:t> </a:t>
+                      </a:r>
+                      <a:r>
+                        <a:rPr lang="en-US" altLang="ko-KR" sz="1200" baseline="0" dirty="0" err="1" smtClean="0"/>
+                        <a:t>cMAP</a:t>
+                      </a:r>
+                      <a:r>
+                        <a:rPr lang="en-US" altLang="ko-KR" sz="1200" baseline="0" dirty="0" smtClean="0"/>
+                        <a:t>;</a:t>
+                      </a:r>
+                    </a:p>
+                    <a:p>
+                      <a:pPr latinLnBrk="1"/>
+                      <a:r>
+                        <a:rPr lang="en-US" altLang="ko-KR" sz="1200" baseline="0" dirty="0" smtClean="0"/>
+                        <a:t>Snake </a:t>
+                      </a:r>
+                      <a:r>
+                        <a:rPr lang="en-US" altLang="ko-KR" sz="1200" baseline="0" dirty="0" err="1" smtClean="0"/>
+                        <a:t>cSnake</a:t>
+                      </a:r>
+                      <a:r>
+                        <a:rPr lang="en-US" altLang="ko-KR" sz="1200" baseline="0" dirty="0" smtClean="0"/>
+                        <a:t>;</a:t>
+                      </a:r>
+                    </a:p>
+                    <a:p>
+                      <a:pPr latinLnBrk="1"/>
+                      <a:r>
+                        <a:rPr lang="en-US" altLang="ko-KR" sz="1200" baseline="0" dirty="0" err="1" smtClean="0"/>
+                        <a:t>SCore</a:t>
+                      </a:r>
+                      <a:endParaRPr lang="ko-KR" altLang="en-US" sz="1200" dirty="0"/>
+                    </a:p>
+                  </a:txBody>
+                  <a:tcPr/>
+                </a:tc>
+                <a:extLst>
+                  <a:ext uri="{0D108BD9-81ED-4DB2-BD59-A6C34878D82A}">
+                    <a16:rowId xmlns:a16="http://schemas.microsoft.com/office/drawing/2014/main" val="10001"/>
+                  </a:ext>
+                </a:extLst>
+              </a:tr>
+              <a:tr h="618433">
+                <a:tc>
+                  <a:txBody>
+                    <a:bodyPr/>
+                    <a:lstStyle/>
+                    <a:p>
+                      <a:pPr marL="0" marR="0" indent="0" algn="l" defTabSz="914400" rtl="0" eaLnBrk="1" fontAlgn="auto" latinLnBrk="1" hangingPunct="1">
+                        <a:lnSpc>
+                          <a:spcPct val="100000"/>
+                        </a:lnSpc>
+                        <a:spcBef>
+                          <a:spcPts val="0"/>
+                        </a:spcBef>
+                        <a:spcAft>
+                          <a:spcPts val="0"/>
+                        </a:spcAft>
+                        <a:buClrTx/>
+                        <a:buSzTx/>
+                        <a:buFontTx/>
+                        <a:buNone/>
+                        <a:tabLst/>
+                        <a:defRPr/>
+                      </a:pPr>
+                      <a:r>
+                        <a:rPr lang="en-US" altLang="ko-KR" sz="1100" baseline="0" dirty="0" smtClean="0"/>
+                        <a:t>+ </a:t>
+                      </a:r>
+                      <a:r>
+                        <a:rPr lang="en-US" altLang="ko-KR" sz="1100" baseline="0" dirty="0" err="1" smtClean="0"/>
+                        <a:t>ChangeDirection</a:t>
+                      </a:r>
+                      <a:r>
+                        <a:rPr lang="en-US" altLang="ko-KR" sz="1100" baseline="0" dirty="0" smtClean="0"/>
+                        <a:t>(); </a:t>
+                      </a:r>
+                    </a:p>
+                    <a:p>
+                      <a:pPr marL="0" marR="0" indent="0" algn="l" defTabSz="914400" rtl="0" eaLnBrk="1" fontAlgn="auto" latinLnBrk="1" hangingPunct="1">
+                        <a:lnSpc>
+                          <a:spcPct val="100000"/>
+                        </a:lnSpc>
+                        <a:spcBef>
+                          <a:spcPts val="0"/>
+                        </a:spcBef>
+                        <a:spcAft>
+                          <a:spcPts val="0"/>
+                        </a:spcAft>
+                        <a:buClrTx/>
+                        <a:buSzTx/>
+                        <a:buFontTx/>
+                        <a:buNone/>
+                        <a:tabLst/>
+                        <a:defRPr/>
+                      </a:pPr>
+                      <a:r>
+                        <a:rPr lang="en-US" altLang="ko-KR" sz="1100" baseline="0" dirty="0" smtClean="0"/>
+                        <a:t>+ </a:t>
+                      </a:r>
+                      <a:r>
+                        <a:rPr lang="en-US" altLang="ko-KR" sz="1100" baseline="0" dirty="0" err="1" smtClean="0"/>
+                        <a:t>bool</a:t>
+                      </a:r>
+                      <a:r>
+                        <a:rPr lang="en-US" altLang="ko-KR" sz="1100" baseline="0" dirty="0" smtClean="0"/>
+                        <a:t> Move();</a:t>
+                      </a:r>
+                    </a:p>
+                    <a:p>
+                      <a:pPr marL="0" marR="0" indent="0" algn="l" defTabSz="914400" rtl="0" eaLnBrk="1" fontAlgn="auto" latinLnBrk="1" hangingPunct="1">
+                        <a:lnSpc>
+                          <a:spcPct val="100000"/>
+                        </a:lnSpc>
+                        <a:spcBef>
+                          <a:spcPts val="0"/>
+                        </a:spcBef>
+                        <a:spcAft>
+                          <a:spcPts val="0"/>
+                        </a:spcAft>
+                        <a:buClrTx/>
+                        <a:buSzTx/>
+                        <a:buFontTx/>
+                        <a:buNone/>
+                        <a:tabLst/>
+                        <a:defRPr/>
+                      </a:pPr>
+                      <a:r>
+                        <a:rPr lang="en-US" altLang="ko-KR" sz="1100" baseline="0" dirty="0" smtClean="0"/>
+                        <a:t>-&gt; </a:t>
+                      </a:r>
+                      <a:r>
+                        <a:rPr lang="en-US" altLang="ko-KR" sz="1100" baseline="0" dirty="0" err="1" smtClean="0"/>
+                        <a:t>existapple</a:t>
+                      </a:r>
+                      <a:r>
+                        <a:rPr lang="en-US" altLang="ko-KR" sz="1100" baseline="0" dirty="0" smtClean="0"/>
+                        <a:t>()</a:t>
+                      </a:r>
+                    </a:p>
+                    <a:p>
+                      <a:pPr latinLnBrk="1"/>
+                      <a:r>
+                        <a:rPr lang="en-US" altLang="ko-KR" sz="1100" baseline="0" dirty="0" smtClean="0"/>
+                        <a:t>-&gt; </a:t>
+                      </a:r>
+                      <a:r>
+                        <a:rPr lang="en-US" altLang="ko-KR" sz="1100" baseline="0" dirty="0" err="1" smtClean="0"/>
+                        <a:t>bool</a:t>
+                      </a:r>
+                      <a:r>
+                        <a:rPr lang="en-US" altLang="ko-KR" sz="1100" baseline="0" dirty="0" smtClean="0"/>
+                        <a:t> ret1 = </a:t>
+                      </a:r>
+                      <a:r>
+                        <a:rPr lang="en-US" altLang="ko-KR" sz="1100" baseline="0" dirty="0" err="1" smtClean="0"/>
+                        <a:t>moveSnake</a:t>
+                      </a:r>
+                      <a:r>
+                        <a:rPr lang="en-US" altLang="ko-KR" sz="1100" baseline="0" dirty="0" smtClean="0"/>
+                        <a:t>()</a:t>
+                      </a:r>
+                    </a:p>
+                    <a:p>
+                      <a:pPr latinLnBrk="1"/>
+                      <a:r>
+                        <a:rPr lang="en-US" altLang="ko-KR" sz="1100" baseline="0" dirty="0" smtClean="0"/>
+                        <a:t>-&gt; </a:t>
+                      </a:r>
+                      <a:r>
+                        <a:rPr lang="en-US" altLang="ko-KR" sz="1100" baseline="0" dirty="0" err="1" smtClean="0"/>
+                        <a:t>bool</a:t>
+                      </a:r>
+                      <a:r>
+                        <a:rPr lang="en-US" altLang="ko-KR" sz="1100" baseline="0" dirty="0" smtClean="0"/>
+                        <a:t> ret2 = </a:t>
+                      </a:r>
+                      <a:r>
+                        <a:rPr lang="en-US" altLang="ko-KR" sz="1100" baseline="0" dirty="0" err="1" smtClean="0"/>
+                        <a:t>destroyWall</a:t>
+                      </a:r>
+                      <a:r>
+                        <a:rPr lang="en-US" altLang="ko-KR" sz="1100" baseline="0" dirty="0" smtClean="0"/>
+                        <a:t>(Snake’s </a:t>
+                      </a:r>
+                      <a:r>
+                        <a:rPr lang="en-US" altLang="ko-KR" sz="1100" baseline="0" dirty="0" err="1" smtClean="0"/>
+                        <a:t>head.x</a:t>
+                      </a:r>
+                      <a:r>
+                        <a:rPr lang="en-US" altLang="ko-KR" sz="1100" baseline="0" dirty="0" smtClean="0"/>
+                        <a:t>, y);</a:t>
+                      </a:r>
+                    </a:p>
+                    <a:p>
+                      <a:pPr latinLnBrk="1"/>
+                      <a:endParaRPr lang="en-US" altLang="ko-KR" sz="1100" baseline="0" dirty="0" smtClean="0"/>
+                    </a:p>
+                    <a:p>
+                      <a:pPr latinLnBrk="1"/>
+                      <a:r>
+                        <a:rPr lang="en-US" altLang="ko-KR" sz="1100" baseline="0" dirty="0" smtClean="0"/>
+                        <a:t>-&gt; !ret1 ||!ret2 return false</a:t>
+                      </a:r>
+                      <a:r>
+                        <a:rPr lang="en-US" altLang="ko-KR" sz="1200" baseline="0" dirty="0" smtClean="0"/>
+                        <a:t> </a:t>
+                      </a:r>
+                    </a:p>
+                    <a:p>
+                      <a:pPr latinLnBrk="1"/>
+                      <a:endParaRPr lang="en-US" altLang="ko-KR" sz="1200" baseline="0" dirty="0" smtClean="0"/>
+                    </a:p>
+                  </a:txBody>
+                  <a:tcPr/>
+                </a:tc>
+                <a:extLst>
+                  <a:ext uri="{0D108BD9-81ED-4DB2-BD59-A6C34878D82A}">
+                    <a16:rowId xmlns:a16="http://schemas.microsoft.com/office/drawing/2014/main" val="10002"/>
+                  </a:ext>
+                </a:extLst>
+              </a:tr>
+            </a:tbl>
+          </a:graphicData>
+        </a:graphic>
+      </p:graphicFrame>
+      <p:cxnSp>
+        <p:nvCxnSpPr>
+          <p:cNvPr id="20" name="꺾인 연결선 19"/>
+          <p:cNvCxnSpPr/>
+          <p:nvPr/>
+        </p:nvCxnSpPr>
+        <p:spPr>
+          <a:xfrm flipV="1">
+            <a:off x="1472901" y="606829"/>
+            <a:ext cx="1778471" cy="1738040"/>
+          </a:xfrm>
+          <a:prstGeom prst="bentConnector3">
+            <a:avLst>
+              <a:gd name="adj1" fmla="val 50000"/>
+            </a:avLst>
+          </a:prstGeom>
+          <a:ln>
+            <a:tailEnd type="arrow" w="lg" len="lg"/>
+          </a:ln>
+        </p:spPr>
+        <p:style>
+          <a:lnRef idx="1">
+            <a:schemeClr val="accent1"/>
+          </a:lnRef>
+          <a:fillRef idx="0">
+            <a:schemeClr val="accent1"/>
+          </a:fillRef>
+          <a:effectRef idx="0">
+            <a:schemeClr val="accent1"/>
+          </a:effectRef>
+          <a:fontRef idx="minor">
+            <a:schemeClr val="tx1"/>
+          </a:fontRef>
+        </p:style>
+      </p:cxnSp>
+      <p:cxnSp>
+        <p:nvCxnSpPr>
+          <p:cNvPr id="22" name="꺾인 연결선 21"/>
+          <p:cNvCxnSpPr/>
+          <p:nvPr/>
+        </p:nvCxnSpPr>
+        <p:spPr>
+          <a:xfrm>
+            <a:off x="1587201" y="2557931"/>
+            <a:ext cx="1664171" cy="1249298"/>
+          </a:xfrm>
+          <a:prstGeom prst="bentConnector3">
+            <a:avLst/>
+          </a:prstGeom>
+          <a:ln>
+            <a:tailEnd type="arrow" w="lg" len="lg"/>
+          </a:ln>
+        </p:spPr>
+        <p:style>
+          <a:lnRef idx="1">
+            <a:schemeClr val="accent1"/>
+          </a:lnRef>
+          <a:fillRef idx="0">
+            <a:schemeClr val="accent1"/>
+          </a:fillRef>
+          <a:effectRef idx="0">
+            <a:schemeClr val="accent1"/>
+          </a:effectRef>
+          <a:fontRef idx="minor">
+            <a:schemeClr val="tx1"/>
+          </a:fontRef>
+        </p:style>
+      </p:cxnSp>
+      <p:cxnSp>
+        <p:nvCxnSpPr>
+          <p:cNvPr id="23" name="직선 화살표 연결선 22"/>
+          <p:cNvCxnSpPr/>
+          <p:nvPr/>
+        </p:nvCxnSpPr>
+        <p:spPr>
+          <a:xfrm flipV="1">
+            <a:off x="4672516" y="1030778"/>
+            <a:ext cx="3731629" cy="26984"/>
+          </a:xfrm>
+          <a:prstGeom prst="straightConnector1">
+            <a:avLst/>
+          </a:prstGeom>
+          <a:ln>
+            <a:tailEnd type="arrow" w="lg" len="lg"/>
+          </a:ln>
+        </p:spPr>
+        <p:style>
+          <a:lnRef idx="1">
+            <a:schemeClr val="accent1"/>
+          </a:lnRef>
+          <a:fillRef idx="0">
+            <a:schemeClr val="accent1"/>
+          </a:fillRef>
+          <a:effectRef idx="0">
+            <a:schemeClr val="accent1"/>
+          </a:effectRef>
+          <a:fontRef idx="minor">
+            <a:schemeClr val="tx1"/>
+          </a:fontRef>
+        </p:style>
+      </p:cxnSp>
+      <p:sp>
+        <p:nvSpPr>
+          <p:cNvPr id="25" name="TextBox 24"/>
+          <p:cNvSpPr txBox="1"/>
+          <p:nvPr/>
+        </p:nvSpPr>
+        <p:spPr>
+          <a:xfrm>
+            <a:off x="6917822" y="5104215"/>
+            <a:ext cx="4831772" cy="369332"/>
+          </a:xfrm>
+          <a:prstGeom prst="rect">
+            <a:avLst/>
+          </a:prstGeom>
+          <a:noFill/>
+        </p:spPr>
+        <p:txBody>
+          <a:bodyPr wrap="none" rtlCol="0">
+            <a:spAutoFit/>
+          </a:bodyPr>
+          <a:lstStyle/>
+          <a:p>
+            <a:r>
+              <a:rPr lang="en-US" altLang="ko-KR" dirty="0" smtClean="0"/>
+              <a:t>&lt;</a:t>
+            </a:r>
+            <a:r>
+              <a:rPr lang="ko-KR" altLang="en-US" dirty="0" smtClean="0"/>
+              <a:t>뱀 </a:t>
+            </a:r>
+            <a:r>
+              <a:rPr lang="en-US" altLang="ko-KR" dirty="0" smtClean="0"/>
+              <a:t>UML – 2017. 6. 30 </a:t>
+            </a:r>
+            <a:r>
+              <a:rPr lang="ko-KR" altLang="en-US" dirty="0" smtClean="0"/>
+              <a:t>짜면서 수정된 사항</a:t>
+            </a:r>
+            <a:r>
+              <a:rPr lang="en-US" altLang="ko-KR" dirty="0" smtClean="0"/>
+              <a:t>&gt;</a:t>
+            </a:r>
+            <a:endParaRPr lang="ko-KR" altLang="en-US" dirty="0"/>
+          </a:p>
+        </p:txBody>
+      </p:sp>
+    </p:spTree>
+    <p:extLst>
+      <p:ext uri="{BB962C8B-B14F-4D97-AF65-F5344CB8AC3E}">
+        <p14:creationId xmlns:p14="http://schemas.microsoft.com/office/powerpoint/2010/main" val="3083799012"/>
       </p:ext>
     </p:extLst>
   </p:cSld>

--- a/참고문서/뱀_UML_20170626.pptx
+++ b/참고문서/뱀_UML_20170626.pptx
@@ -5928,7 +5928,7 @@
           <p:nvPr>
             <p:extLst>
               <p:ext uri="{D42A27DB-BD31-4B8C-83A1-F6EECF244321}">
-                <p14:modId xmlns:p14="http://schemas.microsoft.com/office/powerpoint/2010/main" val="3516034298"/>
+                <p14:modId xmlns:p14="http://schemas.microsoft.com/office/powerpoint/2010/main" val="4284734846"/>
               </p:ext>
             </p:extLst>
           </p:nvPr>
@@ -7060,16 +7060,13 @@
                       </a:pPr>
                       <a:r>
                         <a:rPr lang="en-US" altLang="ko-KR" sz="1200" baseline="0" dirty="0" smtClean="0"/>
-                        <a:t>+ </a:t>
-                      </a:r>
-                      <a:r>
-                        <a:rPr lang="en-US" altLang="ko-KR" sz="1200" baseline="0" dirty="0" err="1" smtClean="0"/>
-                        <a:t>bool</a:t>
-                      </a:r>
-                      <a:r>
-                        <a:rPr lang="en-US" altLang="ko-KR" sz="1200" baseline="0" dirty="0" smtClean="0"/>
-                        <a:t> Move();</a:t>
-                      </a:r>
+                        <a:t>+ bool </a:t>
+                      </a:r>
+                      <a:r>
+                        <a:rPr lang="en-US" altLang="ko-KR" sz="1200" baseline="0" dirty="0" smtClean="0"/>
+                        <a:t>Move();</a:t>
+                      </a:r>
+                      <a:endParaRPr lang="en-US" altLang="ko-KR" sz="1200" baseline="0" dirty="0" smtClean="0"/>
                     </a:p>
                     <a:p>
                       <a:pPr marL="0" marR="0" indent="0" algn="l" defTabSz="914400" rtl="0" eaLnBrk="1" fontAlgn="auto" latinLnBrk="1" hangingPunct="1">
@@ -7106,15 +7103,11 @@
                       <a:pPr latinLnBrk="1"/>
                       <a:r>
                         <a:rPr lang="en-US" altLang="ko-KR" sz="1200" baseline="0" dirty="0" smtClean="0"/>
-                        <a:t>-&gt; </a:t>
-                      </a:r>
-                      <a:r>
-                        <a:rPr lang="en-US" altLang="ko-KR" sz="1200" baseline="0" dirty="0" err="1" smtClean="0"/>
-                        <a:t>bool</a:t>
-                      </a:r>
-                      <a:r>
-                        <a:rPr lang="en-US" altLang="ko-KR" sz="1200" baseline="0" dirty="0" smtClean="0"/>
-                        <a:t> ret1 = </a:t>
+                        <a:t>-&gt; bool ret1 </a:t>
+                      </a:r>
+                      <a:r>
+                        <a:rPr lang="en-US" altLang="ko-KR" sz="1200" baseline="0" dirty="0" smtClean="0"/>
+                        <a:t>= </a:t>
                       </a:r>
                       <a:r>
                         <a:rPr lang="en-US" altLang="ko-KR" sz="1200" baseline="0" dirty="0" err="1" smtClean="0"/>
@@ -7129,15 +7122,7 @@
                       <a:pPr latinLnBrk="1"/>
                       <a:r>
                         <a:rPr lang="en-US" altLang="ko-KR" sz="1200" baseline="0" dirty="0" smtClean="0"/>
-                        <a:t>-&gt; </a:t>
-                      </a:r>
-                      <a:r>
-                        <a:rPr lang="en-US" altLang="ko-KR" sz="1200" baseline="0" dirty="0" err="1" smtClean="0"/>
-                        <a:t>bool</a:t>
-                      </a:r>
-                      <a:r>
-                        <a:rPr lang="en-US" altLang="ko-KR" sz="1200" baseline="0" dirty="0" smtClean="0"/>
-                        <a:t> ret2 = </a:t>
+                        <a:t>-&gt; bool ret2 = </a:t>
                       </a:r>
                       <a:r>
                         <a:rPr lang="en-US" altLang="ko-KR" sz="1200" baseline="0" dirty="0" err="1" smtClean="0"/>
@@ -7164,11 +7149,7 @@
                       <a:pPr latinLnBrk="1"/>
                       <a:r>
                         <a:rPr lang="en-US" altLang="ko-KR" sz="1200" baseline="0" dirty="0" smtClean="0"/>
-                        <a:t>-&gt; !ret1 ||!</a:t>
-                      </a:r>
-                      <a:r>
-                        <a:rPr lang="en-US" altLang="ko-KR" sz="1200" baseline="0" smtClean="0"/>
-                        <a:t>ret2 return false </a:t>
+                        <a:t>-&gt; !ret1 ||!ret2 return false </a:t>
                       </a:r>
                       <a:endParaRPr lang="en-US" altLang="ko-KR" sz="1200" baseline="0" dirty="0" smtClean="0"/>
                     </a:p>
@@ -7375,7 +7356,7 @@
           <p:nvPr>
             <p:extLst>
               <p:ext uri="{D42A27DB-BD31-4B8C-83A1-F6EECF244321}">
-                <p14:modId xmlns:p14="http://schemas.microsoft.com/office/powerpoint/2010/main" val="3477165016"/>
+                <p14:modId xmlns:p14="http://schemas.microsoft.com/office/powerpoint/2010/main" val="1424018044"/>
               </p:ext>
             </p:extLst>
           </p:nvPr>
@@ -7623,9 +7604,42 @@
                     </a:p>
                     <a:p>
                       <a:pPr latinLnBrk="1"/>
-                      <a:endParaRPr lang="en-US" altLang="ko-KR" sz="1100" kern="1200" baseline="0" dirty="0" smtClean="0">
+                      <a:r>
+                        <a:rPr lang="en-US" altLang="ko-KR" sz="1100" b="1" kern="1200" baseline="0" dirty="0" smtClean="0">
+                          <a:solidFill>
+                            <a:srgbClr val="7030A0"/>
+                          </a:solidFill>
+                          <a:latin typeface="+mn-lt"/>
+                          <a:ea typeface="+mn-ea"/>
+                          <a:cs typeface="+mn-cs"/>
+                        </a:rPr>
+                        <a:t>+ Point </a:t>
+                      </a:r>
+                      <a:r>
+                        <a:rPr lang="en-US" altLang="ko-KR" sz="1100" b="1" kern="1200" baseline="0" dirty="0" err="1" smtClean="0">
+                          <a:solidFill>
+                            <a:srgbClr val="7030A0"/>
+                          </a:solidFill>
+                          <a:latin typeface="+mn-lt"/>
+                          <a:ea typeface="+mn-ea"/>
+                          <a:cs typeface="+mn-cs"/>
+                        </a:rPr>
+                        <a:t>GetNextPosition</a:t>
+                      </a:r>
+                      <a:r>
+                        <a:rPr lang="en-US" altLang="ko-KR" sz="1100" b="1" kern="1200" baseline="0" dirty="0" smtClean="0">
+                          <a:solidFill>
+                            <a:srgbClr val="7030A0"/>
+                          </a:solidFill>
+                          <a:latin typeface="+mn-lt"/>
+                          <a:ea typeface="+mn-ea"/>
+                          <a:cs typeface="+mn-cs"/>
+                        </a:rPr>
+                        <a:t>();</a:t>
+                      </a:r>
+                      <a:endParaRPr lang="en-US" altLang="ko-KR" sz="1100" b="1" kern="1200" baseline="0" dirty="0" smtClean="0">
                         <a:solidFill>
-                          <a:schemeClr val="dk1"/>
+                          <a:srgbClr val="7030A0"/>
                         </a:solidFill>
                         <a:latin typeface="+mn-lt"/>
                         <a:ea typeface="+mn-ea"/>
@@ -8086,7 +8100,6 @@
                         <a:rPr lang="en-US" altLang="ko-KR" sz="1100" baseline="0" dirty="0" smtClean="0"/>
                         <a:t>();</a:t>
                       </a:r>
-                      <a:endParaRPr lang="en-US" altLang="ko-KR" sz="1100" baseline="0" dirty="0" smtClean="0"/>
                     </a:p>
                   </a:txBody>
                   <a:tcPr/>
@@ -8282,11 +8295,7 @@
                       </a:r>
                       <a:r>
                         <a:rPr lang="en-US" altLang="ko-KR" sz="1100" baseline="0" dirty="0" smtClean="0"/>
-                        <a:t> y</a:t>
-                      </a:r>
-                      <a:r>
-                        <a:rPr lang="en-US" altLang="ko-KR" sz="1100" baseline="0" dirty="0" smtClean="0"/>
-                        <a:t>);</a:t>
+                        <a:t> y);</a:t>
                       </a:r>
                     </a:p>
                     <a:p>
@@ -8374,11 +8383,7 @@
                       </a:r>
                       <a:r>
                         <a:rPr lang="en-US" altLang="ko-KR" sz="1100" baseline="0" dirty="0" smtClean="0"/>
-                        <a:t> </a:t>
-                      </a:r>
-                      <a:r>
-                        <a:rPr lang="en-US" altLang="ko-KR" sz="1100" baseline="0" dirty="0" smtClean="0"/>
-                        <a:t>x, </a:t>
+                        <a:t> x, </a:t>
                       </a:r>
                       <a:r>
                         <a:rPr lang="en-US" altLang="ko-KR" sz="1100" b="1" baseline="0" dirty="0" err="1" smtClean="0">
@@ -8428,7 +8433,6 @@
                         <a:rPr lang="en-US" altLang="ko-KR" sz="1100" baseline="0" dirty="0" smtClean="0"/>
                         <a:t>);</a:t>
                       </a:r>
-                      <a:endParaRPr lang="en-US" altLang="ko-KR" sz="1100" baseline="0" dirty="0" smtClean="0"/>
                     </a:p>
                     <a:p>
                       <a:pPr latinLnBrk="1"/>
@@ -8474,11 +8478,7 @@
                       </a:r>
                       <a:r>
                         <a:rPr lang="en-US" altLang="ko-KR" sz="1100" baseline="0" dirty="0" smtClean="0"/>
-                        <a:t> </a:t>
-                      </a:r>
-                      <a:r>
-                        <a:rPr lang="en-US" altLang="ko-KR" sz="1100" baseline="0" dirty="0" smtClean="0"/>
-                        <a:t>x, </a:t>
+                        <a:t> x, </a:t>
                       </a:r>
                       <a:r>
                         <a:rPr lang="en-US" altLang="ko-KR" sz="1100" b="1" baseline="0" dirty="0" err="1" smtClean="0">
@@ -8498,11 +8498,7 @@
                       </a:r>
                       <a:r>
                         <a:rPr lang="en-US" altLang="ko-KR" sz="1100" baseline="0" dirty="0" smtClean="0"/>
-                        <a:t> </a:t>
-                      </a:r>
-                      <a:r>
-                        <a:rPr lang="en-US" altLang="ko-KR" sz="1100" baseline="0" dirty="0" smtClean="0"/>
-                        <a:t>y);</a:t>
+                        <a:t> y);</a:t>
                       </a:r>
                     </a:p>
                     <a:p>
@@ -8537,11 +8533,7 @@
                       </a:r>
                       <a:r>
                         <a:rPr lang="en-US" altLang="ko-KR" sz="1100" baseline="0" dirty="0" smtClean="0"/>
-                        <a:t> </a:t>
-                      </a:r>
-                      <a:r>
-                        <a:rPr lang="en-US" altLang="ko-KR" sz="1100" baseline="0" dirty="0" smtClean="0"/>
-                        <a:t>x, </a:t>
+                        <a:t> x, </a:t>
                       </a:r>
                       <a:r>
                         <a:rPr lang="en-US" altLang="ko-KR" sz="1100" b="1" baseline="0" dirty="0" err="1" smtClean="0">
@@ -8561,15 +8553,7 @@
                       </a:r>
                       <a:r>
                         <a:rPr lang="en-US" altLang="ko-KR" sz="1100" baseline="0" dirty="0" smtClean="0"/>
-                        <a:t> </a:t>
-                      </a:r>
-                      <a:r>
-                        <a:rPr lang="en-US" altLang="ko-KR" sz="1100" baseline="0" dirty="0" smtClean="0"/>
-                        <a:t>y</a:t>
-                      </a:r>
-                      <a:r>
-                        <a:rPr lang="en-US" altLang="ko-KR" sz="1100" baseline="0" dirty="0" smtClean="0"/>
-                        <a:t>) </a:t>
+                        <a:t> y) </a:t>
                       </a:r>
                       <a:r>
                         <a:rPr lang="en-US" altLang="ko-KR" sz="1100" b="1" baseline="0" dirty="0" err="1" smtClean="0">
@@ -8614,7 +8598,7 @@
         </p:nvGraphicFramePr>
         <p:xfrm>
           <a:off x="469600" y="1947785"/>
-          <a:ext cx="2534461" cy="2545080"/>
+          <a:ext cx="2534461" cy="2194560"/>
         </p:xfrm>
         <a:graphic>
           <a:graphicData uri="http://schemas.openxmlformats.org/drawingml/2006/table">
@@ -8773,15 +8757,15 @@
                       </a:pPr>
                       <a:r>
                         <a:rPr lang="en-US" altLang="ko-KR" sz="1100" baseline="0" dirty="0" smtClean="0"/>
-                        <a:t>+ </a:t>
+                        <a:t>+ bool </a:t>
                       </a:r>
                       <a:r>
                         <a:rPr lang="en-US" altLang="ko-KR" sz="1100" baseline="0" dirty="0" err="1" smtClean="0"/>
-                        <a:t>bool</a:t>
+                        <a:t>MoveStraight</a:t>
                       </a:r>
                       <a:r>
                         <a:rPr lang="en-US" altLang="ko-KR" sz="1100" baseline="0" dirty="0" smtClean="0"/>
-                        <a:t> Move();</a:t>
+                        <a:t>();</a:t>
                       </a:r>
                     </a:p>
                     <a:p>
@@ -8808,6 +8792,45 @@
                       </a:r>
                       <a:r>
                         <a:rPr lang="en-US" altLang="ko-KR" sz="1100" baseline="0" dirty="0" err="1" smtClean="0"/>
+                        <a:t>destroyWall</a:t>
+                      </a:r>
+                      <a:r>
+                        <a:rPr lang="en-US" altLang="ko-KR" sz="1100" baseline="0" dirty="0" smtClean="0"/>
+                        <a:t>(Snake’s </a:t>
+                      </a:r>
+                      <a:r>
+                        <a:rPr lang="en-US" altLang="ko-KR" sz="1100" baseline="0" dirty="0" err="1" smtClean="0"/>
+                        <a:t>head.x</a:t>
+                      </a:r>
+                      <a:r>
+                        <a:rPr lang="en-US" altLang="ko-KR" sz="1100" baseline="0" dirty="0" smtClean="0"/>
+                        <a:t>, y);</a:t>
+                      </a:r>
+                    </a:p>
+                    <a:p>
+                      <a:pPr marL="0" marR="0" indent="0" algn="l" defTabSz="914400" rtl="0" eaLnBrk="1" fontAlgn="auto" latinLnBrk="1" hangingPunct="1">
+                        <a:lnSpc>
+                          <a:spcPct val="100000"/>
+                        </a:lnSpc>
+                        <a:spcBef>
+                          <a:spcPts val="0"/>
+                        </a:spcBef>
+                        <a:spcAft>
+                          <a:spcPts val="0"/>
+                        </a:spcAft>
+                        <a:buClrTx/>
+                        <a:buSzTx/>
+                        <a:buFontTx/>
+                        <a:buNone/>
+                        <a:tabLst/>
+                        <a:defRPr/>
+                      </a:pPr>
+                      <a:r>
+                        <a:rPr lang="en-US" altLang="ko-KR" sz="1100" baseline="0" dirty="0" smtClean="0"/>
+                        <a:t>-&gt; </a:t>
+                      </a:r>
+                      <a:r>
+                        <a:rPr lang="en-US" altLang="ko-KR" sz="1100" baseline="0" dirty="0" err="1" smtClean="0"/>
                         <a:t>existapple</a:t>
                       </a:r>
                       <a:r>
@@ -8819,15 +8842,7 @@
                       <a:pPr latinLnBrk="1"/>
                       <a:r>
                         <a:rPr lang="en-US" altLang="ko-KR" sz="1100" baseline="0" dirty="0" smtClean="0"/>
-                        <a:t>-&gt; </a:t>
-                      </a:r>
-                      <a:r>
-                        <a:rPr lang="en-US" altLang="ko-KR" sz="1100" baseline="0" dirty="0" err="1" smtClean="0"/>
-                        <a:t>bool</a:t>
-                      </a:r>
-                      <a:r>
-                        <a:rPr lang="en-US" altLang="ko-KR" sz="1100" baseline="0" dirty="0" smtClean="0"/>
-                        <a:t> ret1 = </a:t>
+                        <a:t>-&gt; ret1 = </a:t>
                       </a:r>
                       <a:r>
                         <a:rPr lang="en-US" altLang="ko-KR" sz="1100" baseline="0" dirty="0" err="1" smtClean="0"/>
@@ -8842,47 +8857,9 @@
                       <a:pPr latinLnBrk="1"/>
                       <a:r>
                         <a:rPr lang="en-US" altLang="ko-KR" sz="1100" baseline="0" dirty="0" smtClean="0"/>
-                        <a:t>-&gt; </a:t>
-                      </a:r>
-                      <a:r>
-                        <a:rPr lang="en-US" altLang="ko-KR" sz="1100" baseline="0" dirty="0" err="1" smtClean="0"/>
-                        <a:t>bool</a:t>
-                      </a:r>
-                      <a:r>
-                        <a:rPr lang="en-US" altLang="ko-KR" sz="1100" baseline="0" dirty="0" smtClean="0"/>
-                        <a:t> ret2 = </a:t>
-                      </a:r>
-                      <a:r>
-                        <a:rPr lang="en-US" altLang="ko-KR" sz="1100" baseline="0" dirty="0" err="1" smtClean="0"/>
-                        <a:t>destroyWall</a:t>
-                      </a:r>
-                      <a:r>
-                        <a:rPr lang="en-US" altLang="ko-KR" sz="1100" baseline="0" dirty="0" smtClean="0"/>
-                        <a:t>(Snake’s </a:t>
-                      </a:r>
-                      <a:r>
-                        <a:rPr lang="en-US" altLang="ko-KR" sz="1100" baseline="0" dirty="0" err="1" smtClean="0"/>
-                        <a:t>head.x</a:t>
-                      </a:r>
-                      <a:r>
-                        <a:rPr lang="en-US" altLang="ko-KR" sz="1100" baseline="0" dirty="0" smtClean="0"/>
-                        <a:t>, y);</a:t>
-                      </a:r>
-                    </a:p>
-                    <a:p>
-                      <a:pPr latinLnBrk="1"/>
-                      <a:endParaRPr lang="en-US" altLang="ko-KR" sz="1100" baseline="0" dirty="0" smtClean="0"/>
-                    </a:p>
-                    <a:p>
-                      <a:pPr latinLnBrk="1"/>
-                      <a:r>
-                        <a:rPr lang="en-US" altLang="ko-KR" sz="1100" baseline="0" dirty="0" smtClean="0"/>
-                        <a:t>-&gt; !ret1 ||!ret2 return false</a:t>
-                      </a:r>
-                      <a:r>
-                        <a:rPr lang="en-US" altLang="ko-KR" sz="1200" baseline="0" dirty="0" smtClean="0"/>
-                        <a:t> </a:t>
-                      </a:r>
+                        <a:t>-&gt; return ret1 </a:t>
+                      </a:r>
+                      <a:endParaRPr lang="en-US" altLang="ko-KR" sz="1200" baseline="0" dirty="0" smtClean="0"/>
                     </a:p>
                     <a:p>
                       <a:pPr latinLnBrk="1"/>
@@ -9011,7 +8988,7 @@
         <p:spPr>
           <a:xfrm>
             <a:off x="6917822" y="5104215"/>
-            <a:ext cx="4831772" cy="369332"/>
+            <a:ext cx="5293437" cy="369332"/>
           </a:xfrm>
           <a:prstGeom prst="rect">
             <a:avLst/>
@@ -9038,7 +9015,23 @@
             </a:r>
             <a:r>
               <a:rPr lang="ko-KR" altLang="en-US" dirty="0" smtClean="0"/>
-              <a:t>짜면서 수정된 사항</a:t>
+              <a:t>짜면서 </a:t>
+            </a:r>
+            <a:r>
+              <a:rPr lang="ko-KR" altLang="en-US" dirty="0" err="1" smtClean="0"/>
+              <a:t>추가</a:t>
+            </a:r>
+            <a:r>
+              <a:rPr lang="ko-KR" altLang="en-US" dirty="0" err="1" smtClean="0"/>
+              <a:t>수정된</a:t>
+            </a:r>
+            <a:r>
+              <a:rPr lang="ko-KR" altLang="en-US" dirty="0" smtClean="0"/>
+              <a:t> </a:t>
+            </a:r>
+            <a:r>
+              <a:rPr lang="ko-KR" altLang="en-US" dirty="0" smtClean="0"/>
+              <a:t>사항</a:t>
             </a:r>
             <a:r>
               <a:rPr lang="en-US" altLang="ko-KR" dirty="0" smtClean="0"/>

--- a/참고문서/뱀_UML_20170626.pptx
+++ b/참고문서/뱀_UML_20170626.pptx
@@ -6896,7 +6896,11 @@
             <a:graphicFrameLocks noGrp="1"/>
           </p:cNvGraphicFramePr>
           <p:nvPr>
-            <p:extLst/>
+            <p:extLst>
+              <p:ext uri="{D42A27DB-BD31-4B8C-83A1-F6EECF244321}">
+                <p14:modId xmlns:p14="http://schemas.microsoft.com/office/powerpoint/2010/main" val="1831629104"/>
+              </p:ext>
+            </p:extLst>
           </p:nvPr>
         </p:nvGraphicFramePr>
         <p:xfrm>
@@ -7060,13 +7064,8 @@
                       </a:pPr>
                       <a:r>
                         <a:rPr lang="en-US" altLang="ko-KR" sz="1200" baseline="0" dirty="0" smtClean="0"/>
-                        <a:t>+ bool </a:t>
-                      </a:r>
-                      <a:r>
-                        <a:rPr lang="en-US" altLang="ko-KR" sz="1200" baseline="0" dirty="0" smtClean="0"/>
-                        <a:t>Move();</a:t>
-                      </a:r>
-                      <a:endParaRPr lang="en-US" altLang="ko-KR" sz="1200" baseline="0" dirty="0" smtClean="0"/>
+                        <a:t>+ bool Move();</a:t>
+                      </a:r>
                     </a:p>
                     <a:p>
                       <a:pPr marL="0" marR="0" indent="0" algn="l" defTabSz="914400" rtl="0" eaLnBrk="1" fontAlgn="auto" latinLnBrk="1" hangingPunct="1">
@@ -7103,11 +7102,7 @@
                       <a:pPr latinLnBrk="1"/>
                       <a:r>
                         <a:rPr lang="en-US" altLang="ko-KR" sz="1200" baseline="0" dirty="0" smtClean="0"/>
-                        <a:t>-&gt; bool ret1 </a:t>
-                      </a:r>
-                      <a:r>
-                        <a:rPr lang="en-US" altLang="ko-KR" sz="1200" baseline="0" dirty="0" smtClean="0"/>
-                        <a:t>= </a:t>
+                        <a:t>-&gt; bool ret1 = </a:t>
                       </a:r>
                       <a:r>
                         <a:rPr lang="en-US" altLang="ko-KR" sz="1200" baseline="0" dirty="0" err="1" smtClean="0"/>
@@ -7151,7 +7146,6 @@
                         <a:rPr lang="en-US" altLang="ko-KR" sz="1200" baseline="0" dirty="0" smtClean="0"/>
                         <a:t>-&gt; !ret1 ||!ret2 return false </a:t>
                       </a:r>
-                      <a:endParaRPr lang="en-US" altLang="ko-KR" sz="1200" baseline="0" dirty="0" smtClean="0"/>
                     </a:p>
                     <a:p>
                       <a:pPr latinLnBrk="1"/>
@@ -7637,14 +7631,6 @@
                         </a:rPr>
                         <a:t>();</a:t>
                       </a:r>
-                      <a:endParaRPr lang="en-US" altLang="ko-KR" sz="1100" b="1" kern="1200" baseline="0" dirty="0" smtClean="0">
-                        <a:solidFill>
-                          <a:srgbClr val="7030A0"/>
-                        </a:solidFill>
-                        <a:latin typeface="+mn-lt"/>
-                        <a:ea typeface="+mn-ea"/>
-                        <a:cs typeface="+mn-cs"/>
-                      </a:endParaRPr>
                     </a:p>
                     <a:p>
                       <a:pPr latinLnBrk="1"/>
@@ -8591,14 +8577,14 @@
           <p:nvPr>
             <p:extLst>
               <p:ext uri="{D42A27DB-BD31-4B8C-83A1-F6EECF244321}">
-                <p14:modId xmlns:p14="http://schemas.microsoft.com/office/powerpoint/2010/main" val="1262917253"/>
+                <p14:modId xmlns:p14="http://schemas.microsoft.com/office/powerpoint/2010/main" val="2083151887"/>
               </p:ext>
             </p:extLst>
           </p:nvPr>
         </p:nvGraphicFramePr>
         <p:xfrm>
           <a:off x="469600" y="1947785"/>
-          <a:ext cx="2534461" cy="2194560"/>
+          <a:ext cx="2534461" cy="2362200"/>
         </p:xfrm>
         <a:graphic>
           <a:graphicData uri="http://schemas.openxmlformats.org/drawingml/2006/table">
@@ -8788,7 +8774,7 @@
                       </a:pPr>
                       <a:r>
                         <a:rPr lang="en-US" altLang="ko-KR" sz="1100" baseline="0" dirty="0" smtClean="0"/>
-                        <a:t>-&gt; </a:t>
+                        <a:t>-&gt; bool ret1 = </a:t>
                       </a:r>
                       <a:r>
                         <a:rPr lang="en-US" altLang="ko-KR" sz="1100" baseline="0" dirty="0" err="1" smtClean="0"/>
@@ -8842,7 +8828,7 @@
                       <a:pPr latinLnBrk="1"/>
                       <a:r>
                         <a:rPr lang="en-US" altLang="ko-KR" sz="1100" baseline="0" dirty="0" smtClean="0"/>
-                        <a:t>-&gt; ret1 = </a:t>
+                        <a:t>-&gt; bool ret2 = </a:t>
                       </a:r>
                       <a:r>
                         <a:rPr lang="en-US" altLang="ko-KR" sz="1100" baseline="0" dirty="0" err="1" smtClean="0"/>
@@ -8857,9 +8843,8 @@
                       <a:pPr latinLnBrk="1"/>
                       <a:r>
                         <a:rPr lang="en-US" altLang="ko-KR" sz="1100" baseline="0" dirty="0" smtClean="0"/>
-                        <a:t>-&gt; return ret1 </a:t>
-                      </a:r>
-                      <a:endParaRPr lang="en-US" altLang="ko-KR" sz="1200" baseline="0" dirty="0" smtClean="0"/>
+                        <a:t>-&gt; !ret1 ||!ret2 return false </a:t>
+                      </a:r>
                     </a:p>
                     <a:p>
                       <a:pPr latinLnBrk="1"/>
@@ -9019,19 +9004,11 @@
             </a:r>
             <a:r>
               <a:rPr lang="ko-KR" altLang="en-US" dirty="0" err="1" smtClean="0"/>
-              <a:t>추가</a:t>
-            </a:r>
-            <a:r>
-              <a:rPr lang="ko-KR" altLang="en-US" dirty="0" err="1" smtClean="0"/>
-              <a:t>수정된</a:t>
+              <a:t>추가수정된</a:t>
             </a:r>
             <a:r>
               <a:rPr lang="ko-KR" altLang="en-US" dirty="0" smtClean="0"/>
-              <a:t> </a:t>
-            </a:r>
-            <a:r>
-              <a:rPr lang="ko-KR" altLang="en-US" dirty="0" smtClean="0"/>
-              <a:t>사항</a:t>
+              <a:t> 사항</a:t>
             </a:r>
             <a:r>
               <a:rPr lang="en-US" altLang="ko-KR" dirty="0" smtClean="0"/>

--- a/참고문서/뱀_UML_20170626.pptx
+++ b/참고문서/뱀_UML_20170626.pptx
@@ -3000,7 +3000,7 @@
                 <a:gridCol w="2603500">
                   <a:extLst>
                     <a:ext uri="{9D8B030D-6E8A-4147-A177-3AD203B41FA5}">
-                      <a16:colId xmlns:a16="http://schemas.microsoft.com/office/drawing/2014/main" val="20000"/>
+                      <a16:colId xmlns:a16="http://schemas.microsoft.com/office/drawing/2014/main" xmlns="" val="20000"/>
                     </a:ext>
                   </a:extLst>
                 </a:gridCol>
@@ -3043,7 +3043,7 @@
                 </a:tc>
                 <a:extLst>
                   <a:ext uri="{0D108BD9-81ED-4DB2-BD59-A6C34878D82A}">
-                    <a16:rowId xmlns:a16="http://schemas.microsoft.com/office/drawing/2014/main" val="10000"/>
+                    <a16:rowId xmlns:a16="http://schemas.microsoft.com/office/drawing/2014/main" xmlns="" val="10000"/>
                   </a:ext>
                 </a:extLst>
               </a:tr>
@@ -3100,7 +3100,7 @@
                 </a:tc>
                 <a:extLst>
                   <a:ext uri="{0D108BD9-81ED-4DB2-BD59-A6C34878D82A}">
-                    <a16:rowId xmlns:a16="http://schemas.microsoft.com/office/drawing/2014/main" val="10001"/>
+                    <a16:rowId xmlns:a16="http://schemas.microsoft.com/office/drawing/2014/main" xmlns="" val="10001"/>
                   </a:ext>
                 </a:extLst>
               </a:tr>
@@ -3248,7 +3248,7 @@
                 </a:tc>
                 <a:extLst>
                   <a:ext uri="{0D108BD9-81ED-4DB2-BD59-A6C34878D82A}">
-                    <a16:rowId xmlns:a16="http://schemas.microsoft.com/office/drawing/2014/main" val="10002"/>
+                    <a16:rowId xmlns:a16="http://schemas.microsoft.com/office/drawing/2014/main" xmlns="" val="10002"/>
                   </a:ext>
                 </a:extLst>
               </a:tr>
@@ -3284,7 +3284,7 @@
                 <a:gridCol w="2667000">
                   <a:extLst>
                     <a:ext uri="{9D8B030D-6E8A-4147-A177-3AD203B41FA5}">
-                      <a16:colId xmlns:a16="http://schemas.microsoft.com/office/drawing/2014/main" val="20000"/>
+                      <a16:colId xmlns:a16="http://schemas.microsoft.com/office/drawing/2014/main" xmlns="" val="20000"/>
                     </a:ext>
                   </a:extLst>
                 </a:gridCol>
@@ -3327,7 +3327,7 @@
                 </a:tc>
                 <a:extLst>
                   <a:ext uri="{0D108BD9-81ED-4DB2-BD59-A6C34878D82A}">
-                    <a16:rowId xmlns:a16="http://schemas.microsoft.com/office/drawing/2014/main" val="10000"/>
+                    <a16:rowId xmlns:a16="http://schemas.microsoft.com/office/drawing/2014/main" xmlns="" val="10000"/>
                   </a:ext>
                 </a:extLst>
               </a:tr>
@@ -3380,7 +3380,7 @@
                 </a:tc>
                 <a:extLst>
                   <a:ext uri="{0D108BD9-81ED-4DB2-BD59-A6C34878D82A}">
-                    <a16:rowId xmlns:a16="http://schemas.microsoft.com/office/drawing/2014/main" val="10001"/>
+                    <a16:rowId xmlns:a16="http://schemas.microsoft.com/office/drawing/2014/main" xmlns="" val="10001"/>
                   </a:ext>
                 </a:extLst>
               </a:tr>
@@ -3566,7 +3566,7 @@
                 </a:tc>
                 <a:extLst>
                   <a:ext uri="{0D108BD9-81ED-4DB2-BD59-A6C34878D82A}">
-                    <a16:rowId xmlns:a16="http://schemas.microsoft.com/office/drawing/2014/main" val="10002"/>
+                    <a16:rowId xmlns:a16="http://schemas.microsoft.com/office/drawing/2014/main" xmlns="" val="10002"/>
                   </a:ext>
                 </a:extLst>
               </a:tr>
@@ -3602,7 +3602,7 @@
                 <a:gridCol w="2667000">
                   <a:extLst>
                     <a:ext uri="{9D8B030D-6E8A-4147-A177-3AD203B41FA5}">
-                      <a16:colId xmlns:a16="http://schemas.microsoft.com/office/drawing/2014/main" val="20000"/>
+                      <a16:colId xmlns:a16="http://schemas.microsoft.com/office/drawing/2014/main" xmlns="" val="20000"/>
                     </a:ext>
                   </a:extLst>
                 </a:gridCol>
@@ -3645,7 +3645,7 @@
                 </a:tc>
                 <a:extLst>
                   <a:ext uri="{0D108BD9-81ED-4DB2-BD59-A6C34878D82A}">
-                    <a16:rowId xmlns:a16="http://schemas.microsoft.com/office/drawing/2014/main" val="10000"/>
+                    <a16:rowId xmlns:a16="http://schemas.microsoft.com/office/drawing/2014/main" xmlns="" val="10000"/>
                   </a:ext>
                 </a:extLst>
               </a:tr>
@@ -3724,7 +3724,7 @@
                 </a:tc>
                 <a:extLst>
                   <a:ext uri="{0D108BD9-81ED-4DB2-BD59-A6C34878D82A}">
-                    <a16:rowId xmlns:a16="http://schemas.microsoft.com/office/drawing/2014/main" val="10001"/>
+                    <a16:rowId xmlns:a16="http://schemas.microsoft.com/office/drawing/2014/main" xmlns="" val="10001"/>
                   </a:ext>
                 </a:extLst>
               </a:tr>
@@ -3879,7 +3879,7 @@
                 </a:tc>
                 <a:extLst>
                   <a:ext uri="{0D108BD9-81ED-4DB2-BD59-A6C34878D82A}">
-                    <a16:rowId xmlns:a16="http://schemas.microsoft.com/office/drawing/2014/main" val="10002"/>
+                    <a16:rowId xmlns:a16="http://schemas.microsoft.com/office/drawing/2014/main" xmlns="" val="10002"/>
                   </a:ext>
                 </a:extLst>
               </a:tr>
@@ -3915,7 +3915,7 @@
                 <a:gridCol w="2032000">
                   <a:extLst>
                     <a:ext uri="{9D8B030D-6E8A-4147-A177-3AD203B41FA5}">
-                      <a16:colId xmlns:a16="http://schemas.microsoft.com/office/drawing/2014/main" val="20000"/>
+                      <a16:colId xmlns:a16="http://schemas.microsoft.com/office/drawing/2014/main" xmlns="" val="20000"/>
                     </a:ext>
                   </a:extLst>
                 </a:gridCol>
@@ -3946,7 +3946,7 @@
                 </a:tc>
                 <a:extLst>
                   <a:ext uri="{0D108BD9-81ED-4DB2-BD59-A6C34878D82A}">
-                    <a16:rowId xmlns:a16="http://schemas.microsoft.com/office/drawing/2014/main" val="10000"/>
+                    <a16:rowId xmlns:a16="http://schemas.microsoft.com/office/drawing/2014/main" xmlns="" val="10000"/>
                   </a:ext>
                 </a:extLst>
               </a:tr>
@@ -3964,7 +3964,7 @@
                 </a:tc>
                 <a:extLst>
                   <a:ext uri="{0D108BD9-81ED-4DB2-BD59-A6C34878D82A}">
-                    <a16:rowId xmlns:a16="http://schemas.microsoft.com/office/drawing/2014/main" val="10001"/>
+                    <a16:rowId xmlns:a16="http://schemas.microsoft.com/office/drawing/2014/main" xmlns="" val="10001"/>
                   </a:ext>
                 </a:extLst>
               </a:tr>
@@ -3999,7 +3999,7 @@
                 </a:tc>
                 <a:extLst>
                   <a:ext uri="{0D108BD9-81ED-4DB2-BD59-A6C34878D82A}">
-                    <a16:rowId xmlns:a16="http://schemas.microsoft.com/office/drawing/2014/main" val="10002"/>
+                    <a16:rowId xmlns:a16="http://schemas.microsoft.com/office/drawing/2014/main" xmlns="" val="10002"/>
                   </a:ext>
                 </a:extLst>
               </a:tr>
@@ -4035,7 +4035,7 @@
                 <a:gridCol w="2032000">
                   <a:extLst>
                     <a:ext uri="{9D8B030D-6E8A-4147-A177-3AD203B41FA5}">
-                      <a16:colId xmlns:a16="http://schemas.microsoft.com/office/drawing/2014/main" val="20000"/>
+                      <a16:colId xmlns:a16="http://schemas.microsoft.com/office/drawing/2014/main" xmlns="" val="20000"/>
                     </a:ext>
                   </a:extLst>
                 </a:gridCol>
@@ -4066,7 +4066,7 @@
                 </a:tc>
                 <a:extLst>
                   <a:ext uri="{0D108BD9-81ED-4DB2-BD59-A6C34878D82A}">
-                    <a16:rowId xmlns:a16="http://schemas.microsoft.com/office/drawing/2014/main" val="10000"/>
+                    <a16:rowId xmlns:a16="http://schemas.microsoft.com/office/drawing/2014/main" xmlns="" val="10000"/>
                   </a:ext>
                 </a:extLst>
               </a:tr>
@@ -4100,7 +4100,7 @@
                 </a:tc>
                 <a:extLst>
                   <a:ext uri="{0D108BD9-81ED-4DB2-BD59-A6C34878D82A}">
-                    <a16:rowId xmlns:a16="http://schemas.microsoft.com/office/drawing/2014/main" val="10001"/>
+                    <a16:rowId xmlns:a16="http://schemas.microsoft.com/office/drawing/2014/main" xmlns="" val="10001"/>
                   </a:ext>
                 </a:extLst>
               </a:tr>
@@ -4135,7 +4135,7 @@
                 </a:tc>
                 <a:extLst>
                   <a:ext uri="{0D108BD9-81ED-4DB2-BD59-A6C34878D82A}">
-                    <a16:rowId xmlns:a16="http://schemas.microsoft.com/office/drawing/2014/main" val="10002"/>
+                    <a16:rowId xmlns:a16="http://schemas.microsoft.com/office/drawing/2014/main" xmlns="" val="10002"/>
                   </a:ext>
                 </a:extLst>
               </a:tr>
@@ -4171,7 +4171,7 @@
                 <a:gridCol w="2032000">
                   <a:extLst>
                     <a:ext uri="{9D8B030D-6E8A-4147-A177-3AD203B41FA5}">
-                      <a16:colId xmlns:a16="http://schemas.microsoft.com/office/drawing/2014/main" val="20000"/>
+                      <a16:colId xmlns:a16="http://schemas.microsoft.com/office/drawing/2014/main" xmlns="" val="20000"/>
                     </a:ext>
                   </a:extLst>
                 </a:gridCol>
@@ -4202,7 +4202,7 @@
                 </a:tc>
                 <a:extLst>
                   <a:ext uri="{0D108BD9-81ED-4DB2-BD59-A6C34878D82A}">
-                    <a16:rowId xmlns:a16="http://schemas.microsoft.com/office/drawing/2014/main" val="10000"/>
+                    <a16:rowId xmlns:a16="http://schemas.microsoft.com/office/drawing/2014/main" xmlns="" val="10000"/>
                   </a:ext>
                 </a:extLst>
               </a:tr>
@@ -4265,7 +4265,7 @@
                 </a:tc>
                 <a:extLst>
                   <a:ext uri="{0D108BD9-81ED-4DB2-BD59-A6C34878D82A}">
-                    <a16:rowId xmlns:a16="http://schemas.microsoft.com/office/drawing/2014/main" val="10001"/>
+                    <a16:rowId xmlns:a16="http://schemas.microsoft.com/office/drawing/2014/main" xmlns="" val="10001"/>
                   </a:ext>
                 </a:extLst>
               </a:tr>
@@ -4312,7 +4312,7 @@
                 </a:tc>
                 <a:extLst>
                   <a:ext uri="{0D108BD9-81ED-4DB2-BD59-A6C34878D82A}">
-                    <a16:rowId xmlns:a16="http://schemas.microsoft.com/office/drawing/2014/main" val="10002"/>
+                    <a16:rowId xmlns:a16="http://schemas.microsoft.com/office/drawing/2014/main" xmlns="" val="10002"/>
                   </a:ext>
                 </a:extLst>
               </a:tr>
@@ -4582,7 +4582,7 @@
                 <a:gridCol w="2603500">
                   <a:extLst>
                     <a:ext uri="{9D8B030D-6E8A-4147-A177-3AD203B41FA5}">
-                      <a16:colId xmlns:a16="http://schemas.microsoft.com/office/drawing/2014/main" val="20000"/>
+                      <a16:colId xmlns:a16="http://schemas.microsoft.com/office/drawing/2014/main" xmlns="" val="20000"/>
                     </a:ext>
                   </a:extLst>
                 </a:gridCol>
@@ -4625,7 +4625,7 @@
                 </a:tc>
                 <a:extLst>
                   <a:ext uri="{0D108BD9-81ED-4DB2-BD59-A6C34878D82A}">
-                    <a16:rowId xmlns:a16="http://schemas.microsoft.com/office/drawing/2014/main" val="10000"/>
+                    <a16:rowId xmlns:a16="http://schemas.microsoft.com/office/drawing/2014/main" xmlns="" val="10000"/>
                   </a:ext>
                 </a:extLst>
               </a:tr>
@@ -4682,7 +4682,7 @@
                 </a:tc>
                 <a:extLst>
                   <a:ext uri="{0D108BD9-81ED-4DB2-BD59-A6C34878D82A}">
-                    <a16:rowId xmlns:a16="http://schemas.microsoft.com/office/drawing/2014/main" val="10001"/>
+                    <a16:rowId xmlns:a16="http://schemas.microsoft.com/office/drawing/2014/main" xmlns="" val="10001"/>
                   </a:ext>
                 </a:extLst>
               </a:tr>
@@ -4888,7 +4888,7 @@
                 </a:tc>
                 <a:extLst>
                   <a:ext uri="{0D108BD9-81ED-4DB2-BD59-A6C34878D82A}">
-                    <a16:rowId xmlns:a16="http://schemas.microsoft.com/office/drawing/2014/main" val="10002"/>
+                    <a16:rowId xmlns:a16="http://schemas.microsoft.com/office/drawing/2014/main" xmlns="" val="10002"/>
                   </a:ext>
                 </a:extLst>
               </a:tr>
@@ -4920,7 +4920,7 @@
                 <a:gridCol w="2667000">
                   <a:extLst>
                     <a:ext uri="{9D8B030D-6E8A-4147-A177-3AD203B41FA5}">
-                      <a16:colId xmlns:a16="http://schemas.microsoft.com/office/drawing/2014/main" val="20000"/>
+                      <a16:colId xmlns:a16="http://schemas.microsoft.com/office/drawing/2014/main" xmlns="" val="20000"/>
                     </a:ext>
                   </a:extLst>
                 </a:gridCol>
@@ -4963,7 +4963,7 @@
                 </a:tc>
                 <a:extLst>
                   <a:ext uri="{0D108BD9-81ED-4DB2-BD59-A6C34878D82A}">
-                    <a16:rowId xmlns:a16="http://schemas.microsoft.com/office/drawing/2014/main" val="10000"/>
+                    <a16:rowId xmlns:a16="http://schemas.microsoft.com/office/drawing/2014/main" xmlns="" val="10000"/>
                   </a:ext>
                 </a:extLst>
               </a:tr>
@@ -5004,7 +5004,7 @@
                 </a:tc>
                 <a:extLst>
                   <a:ext uri="{0D108BD9-81ED-4DB2-BD59-A6C34878D82A}">
-                    <a16:rowId xmlns:a16="http://schemas.microsoft.com/office/drawing/2014/main" val="10001"/>
+                    <a16:rowId xmlns:a16="http://schemas.microsoft.com/office/drawing/2014/main" xmlns="" val="10001"/>
                   </a:ext>
                 </a:extLst>
               </a:tr>
@@ -5099,7 +5099,7 @@
                 </a:tc>
                 <a:extLst>
                   <a:ext uri="{0D108BD9-81ED-4DB2-BD59-A6C34878D82A}">
-                    <a16:rowId xmlns:a16="http://schemas.microsoft.com/office/drawing/2014/main" val="10002"/>
+                    <a16:rowId xmlns:a16="http://schemas.microsoft.com/office/drawing/2014/main" xmlns="" val="10002"/>
                   </a:ext>
                 </a:extLst>
               </a:tr>
@@ -5131,7 +5131,7 @@
                 <a:gridCol w="2667000">
                   <a:extLst>
                     <a:ext uri="{9D8B030D-6E8A-4147-A177-3AD203B41FA5}">
-                      <a16:colId xmlns:a16="http://schemas.microsoft.com/office/drawing/2014/main" val="20000"/>
+                      <a16:colId xmlns:a16="http://schemas.microsoft.com/office/drawing/2014/main" xmlns="" val="20000"/>
                     </a:ext>
                   </a:extLst>
                 </a:gridCol>
@@ -5174,7 +5174,7 @@
                 </a:tc>
                 <a:extLst>
                   <a:ext uri="{0D108BD9-81ED-4DB2-BD59-A6C34878D82A}">
-                    <a16:rowId xmlns:a16="http://schemas.microsoft.com/office/drawing/2014/main" val="10000"/>
+                    <a16:rowId xmlns:a16="http://schemas.microsoft.com/office/drawing/2014/main" xmlns="" val="10000"/>
                   </a:ext>
                 </a:extLst>
               </a:tr>
@@ -5240,7 +5240,7 @@
                 </a:tc>
                 <a:extLst>
                   <a:ext uri="{0D108BD9-81ED-4DB2-BD59-A6C34878D82A}">
-                    <a16:rowId xmlns:a16="http://schemas.microsoft.com/office/drawing/2014/main" val="10001"/>
+                    <a16:rowId xmlns:a16="http://schemas.microsoft.com/office/drawing/2014/main" xmlns="" val="10001"/>
                   </a:ext>
                 </a:extLst>
               </a:tr>
@@ -5434,7 +5434,7 @@
                 </a:tc>
                 <a:extLst>
                   <a:ext uri="{0D108BD9-81ED-4DB2-BD59-A6C34878D82A}">
-                    <a16:rowId xmlns:a16="http://schemas.microsoft.com/office/drawing/2014/main" val="10002"/>
+                    <a16:rowId xmlns:a16="http://schemas.microsoft.com/office/drawing/2014/main" xmlns="" val="10002"/>
                   </a:ext>
                 </a:extLst>
               </a:tr>
@@ -5466,7 +5466,7 @@
                 <a:gridCol w="2032000">
                   <a:extLst>
                     <a:ext uri="{9D8B030D-6E8A-4147-A177-3AD203B41FA5}">
-                      <a16:colId xmlns:a16="http://schemas.microsoft.com/office/drawing/2014/main" val="20000"/>
+                      <a16:colId xmlns:a16="http://schemas.microsoft.com/office/drawing/2014/main" xmlns="" val="20000"/>
                     </a:ext>
                   </a:extLst>
                 </a:gridCol>
@@ -5497,7 +5497,7 @@
                 </a:tc>
                 <a:extLst>
                   <a:ext uri="{0D108BD9-81ED-4DB2-BD59-A6C34878D82A}">
-                    <a16:rowId xmlns:a16="http://schemas.microsoft.com/office/drawing/2014/main" val="10000"/>
+                    <a16:rowId xmlns:a16="http://schemas.microsoft.com/office/drawing/2014/main" xmlns="" val="10000"/>
                   </a:ext>
                 </a:extLst>
               </a:tr>
@@ -5553,7 +5553,7 @@
                 </a:tc>
                 <a:extLst>
                   <a:ext uri="{0D108BD9-81ED-4DB2-BD59-A6C34878D82A}">
-                    <a16:rowId xmlns:a16="http://schemas.microsoft.com/office/drawing/2014/main" val="10001"/>
+                    <a16:rowId xmlns:a16="http://schemas.microsoft.com/office/drawing/2014/main" xmlns="" val="10001"/>
                   </a:ext>
                 </a:extLst>
               </a:tr>
@@ -5734,7 +5734,7 @@
                 </a:tc>
                 <a:extLst>
                   <a:ext uri="{0D108BD9-81ED-4DB2-BD59-A6C34878D82A}">
-                    <a16:rowId xmlns:a16="http://schemas.microsoft.com/office/drawing/2014/main" val="10002"/>
+                    <a16:rowId xmlns:a16="http://schemas.microsoft.com/office/drawing/2014/main" xmlns="" val="10002"/>
                   </a:ext>
                 </a:extLst>
               </a:tr>
@@ -5947,7 +5947,7 @@
                 <a:gridCol w="3419140">
                   <a:extLst>
                     <a:ext uri="{9D8B030D-6E8A-4147-A177-3AD203B41FA5}">
-                      <a16:colId xmlns:a16="http://schemas.microsoft.com/office/drawing/2014/main" val="20000"/>
+                      <a16:colId xmlns:a16="http://schemas.microsoft.com/office/drawing/2014/main" xmlns="" val="20000"/>
                     </a:ext>
                   </a:extLst>
                 </a:gridCol>
@@ -5990,7 +5990,7 @@
                 </a:tc>
                 <a:extLst>
                   <a:ext uri="{0D108BD9-81ED-4DB2-BD59-A6C34878D82A}">
-                    <a16:rowId xmlns:a16="http://schemas.microsoft.com/office/drawing/2014/main" val="10000"/>
+                    <a16:rowId xmlns:a16="http://schemas.microsoft.com/office/drawing/2014/main" xmlns="" val="10000"/>
                   </a:ext>
                 </a:extLst>
               </a:tr>
@@ -6047,7 +6047,7 @@
                 </a:tc>
                 <a:extLst>
                   <a:ext uri="{0D108BD9-81ED-4DB2-BD59-A6C34878D82A}">
-                    <a16:rowId xmlns:a16="http://schemas.microsoft.com/office/drawing/2014/main" val="10001"/>
+                    <a16:rowId xmlns:a16="http://schemas.microsoft.com/office/drawing/2014/main" xmlns="" val="10001"/>
                   </a:ext>
                 </a:extLst>
               </a:tr>
@@ -6249,7 +6249,7 @@
                 </a:tc>
                 <a:extLst>
                   <a:ext uri="{0D108BD9-81ED-4DB2-BD59-A6C34878D82A}">
-                    <a16:rowId xmlns:a16="http://schemas.microsoft.com/office/drawing/2014/main" val="10002"/>
+                    <a16:rowId xmlns:a16="http://schemas.microsoft.com/office/drawing/2014/main" xmlns="" val="10002"/>
                   </a:ext>
                 </a:extLst>
               </a:tr>
@@ -6285,7 +6285,7 @@
                 <a:gridCol w="3368182">
                   <a:extLst>
                     <a:ext uri="{9D8B030D-6E8A-4147-A177-3AD203B41FA5}">
-                      <a16:colId xmlns:a16="http://schemas.microsoft.com/office/drawing/2014/main" val="20000"/>
+                      <a16:colId xmlns:a16="http://schemas.microsoft.com/office/drawing/2014/main" xmlns="" val="20000"/>
                     </a:ext>
                   </a:extLst>
                 </a:gridCol>
@@ -6328,7 +6328,7 @@
                 </a:tc>
                 <a:extLst>
                   <a:ext uri="{0D108BD9-81ED-4DB2-BD59-A6C34878D82A}">
-                    <a16:rowId xmlns:a16="http://schemas.microsoft.com/office/drawing/2014/main" val="10000"/>
+                    <a16:rowId xmlns:a16="http://schemas.microsoft.com/office/drawing/2014/main" xmlns="" val="10000"/>
                   </a:ext>
                 </a:extLst>
               </a:tr>
@@ -6377,7 +6377,7 @@
                 </a:tc>
                 <a:extLst>
                   <a:ext uri="{0D108BD9-81ED-4DB2-BD59-A6C34878D82A}">
-                    <a16:rowId xmlns:a16="http://schemas.microsoft.com/office/drawing/2014/main" val="10001"/>
+                    <a16:rowId xmlns:a16="http://schemas.microsoft.com/office/drawing/2014/main" xmlns="" val="10001"/>
                   </a:ext>
                 </a:extLst>
               </a:tr>
@@ -6558,7 +6558,7 @@
                 </a:tc>
                 <a:extLst>
                   <a:ext uri="{0D108BD9-81ED-4DB2-BD59-A6C34878D82A}">
-                    <a16:rowId xmlns:a16="http://schemas.microsoft.com/office/drawing/2014/main" val="10002"/>
+                    <a16:rowId xmlns:a16="http://schemas.microsoft.com/office/drawing/2014/main" xmlns="" val="10002"/>
                   </a:ext>
                 </a:extLst>
               </a:tr>
@@ -6594,7 +6594,7 @@
                 <a:gridCol w="2667000">
                   <a:extLst>
                     <a:ext uri="{9D8B030D-6E8A-4147-A177-3AD203B41FA5}">
-                      <a16:colId xmlns:a16="http://schemas.microsoft.com/office/drawing/2014/main" val="20000"/>
+                      <a16:colId xmlns:a16="http://schemas.microsoft.com/office/drawing/2014/main" xmlns="" val="20000"/>
                     </a:ext>
                   </a:extLst>
                 </a:gridCol>
@@ -6637,7 +6637,7 @@
                 </a:tc>
                 <a:extLst>
                   <a:ext uri="{0D108BD9-81ED-4DB2-BD59-A6C34878D82A}">
-                    <a16:rowId xmlns:a16="http://schemas.microsoft.com/office/drawing/2014/main" val="10000"/>
+                    <a16:rowId xmlns:a16="http://schemas.microsoft.com/office/drawing/2014/main" xmlns="" val="10000"/>
                   </a:ext>
                 </a:extLst>
               </a:tr>
@@ -6703,7 +6703,7 @@
                 </a:tc>
                 <a:extLst>
                   <a:ext uri="{0D108BD9-81ED-4DB2-BD59-A6C34878D82A}">
-                    <a16:rowId xmlns:a16="http://schemas.microsoft.com/office/drawing/2014/main" val="10001"/>
+                    <a16:rowId xmlns:a16="http://schemas.microsoft.com/office/drawing/2014/main" xmlns="" val="10001"/>
                   </a:ext>
                 </a:extLst>
               </a:tr>
@@ -6881,7 +6881,7 @@
                 </a:tc>
                 <a:extLst>
                   <a:ext uri="{0D108BD9-81ED-4DB2-BD59-A6C34878D82A}">
-                    <a16:rowId xmlns:a16="http://schemas.microsoft.com/office/drawing/2014/main" val="10002"/>
+                    <a16:rowId xmlns:a16="http://schemas.microsoft.com/office/drawing/2014/main" xmlns="" val="10002"/>
                   </a:ext>
                 </a:extLst>
               </a:tr>
@@ -6917,7 +6917,7 @@
                 <a:gridCol w="2032000">
                   <a:extLst>
                     <a:ext uri="{9D8B030D-6E8A-4147-A177-3AD203B41FA5}">
-                      <a16:colId xmlns:a16="http://schemas.microsoft.com/office/drawing/2014/main" val="20000"/>
+                      <a16:colId xmlns:a16="http://schemas.microsoft.com/office/drawing/2014/main" xmlns="" val="20000"/>
                     </a:ext>
                   </a:extLst>
                 </a:gridCol>
@@ -6948,7 +6948,7 @@
                 </a:tc>
                 <a:extLst>
                   <a:ext uri="{0D108BD9-81ED-4DB2-BD59-A6C34878D82A}">
-                    <a16:rowId xmlns:a16="http://schemas.microsoft.com/office/drawing/2014/main" val="10000"/>
+                    <a16:rowId xmlns:a16="http://schemas.microsoft.com/office/drawing/2014/main" xmlns="" val="10000"/>
                   </a:ext>
                 </a:extLst>
               </a:tr>
@@ -7004,7 +7004,7 @@
                 </a:tc>
                 <a:extLst>
                   <a:ext uri="{0D108BD9-81ED-4DB2-BD59-A6C34878D82A}">
-                    <a16:rowId xmlns:a16="http://schemas.microsoft.com/office/drawing/2014/main" val="10001"/>
+                    <a16:rowId xmlns:a16="http://schemas.microsoft.com/office/drawing/2014/main" xmlns="" val="10001"/>
                   </a:ext>
                 </a:extLst>
               </a:tr>
@@ -7156,7 +7156,7 @@
                 </a:tc>
                 <a:extLst>
                   <a:ext uri="{0D108BD9-81ED-4DB2-BD59-A6C34878D82A}">
-                    <a16:rowId xmlns:a16="http://schemas.microsoft.com/office/drawing/2014/main" val="10002"/>
+                    <a16:rowId xmlns:a16="http://schemas.microsoft.com/office/drawing/2014/main" xmlns="" val="10002"/>
                   </a:ext>
                 </a:extLst>
               </a:tr>
@@ -7369,7 +7369,7 @@
                 <a:gridCol w="3419140">
                   <a:extLst>
                     <a:ext uri="{9D8B030D-6E8A-4147-A177-3AD203B41FA5}">
-                      <a16:colId xmlns:a16="http://schemas.microsoft.com/office/drawing/2014/main" val="20000"/>
+                      <a16:colId xmlns:a16="http://schemas.microsoft.com/office/drawing/2014/main" xmlns="" val="20000"/>
                     </a:ext>
                   </a:extLst>
                 </a:gridCol>
@@ -7412,7 +7412,7 @@
                 </a:tc>
                 <a:extLst>
                   <a:ext uri="{0D108BD9-81ED-4DB2-BD59-A6C34878D82A}">
-                    <a16:rowId xmlns:a16="http://schemas.microsoft.com/office/drawing/2014/main" val="10000"/>
+                    <a16:rowId xmlns:a16="http://schemas.microsoft.com/office/drawing/2014/main" xmlns="" val="10000"/>
                   </a:ext>
                 </a:extLst>
               </a:tr>
@@ -7469,7 +7469,7 @@
                 </a:tc>
                 <a:extLst>
                   <a:ext uri="{0D108BD9-81ED-4DB2-BD59-A6C34878D82A}">
-                    <a16:rowId xmlns:a16="http://schemas.microsoft.com/office/drawing/2014/main" val="10001"/>
+                    <a16:rowId xmlns:a16="http://schemas.microsoft.com/office/drawing/2014/main" xmlns="" val="10001"/>
                   </a:ext>
                 </a:extLst>
               </a:tr>
@@ -7696,7 +7696,7 @@
                 </a:tc>
                 <a:extLst>
                   <a:ext uri="{0D108BD9-81ED-4DB2-BD59-A6C34878D82A}">
-                    <a16:rowId xmlns:a16="http://schemas.microsoft.com/office/drawing/2014/main" val="10002"/>
+                    <a16:rowId xmlns:a16="http://schemas.microsoft.com/office/drawing/2014/main" xmlns="" val="10002"/>
                   </a:ext>
                 </a:extLst>
               </a:tr>
@@ -7732,7 +7732,7 @@
                 <a:gridCol w="3368182">
                   <a:extLst>
                     <a:ext uri="{9D8B030D-6E8A-4147-A177-3AD203B41FA5}">
-                      <a16:colId xmlns:a16="http://schemas.microsoft.com/office/drawing/2014/main" val="20000"/>
+                      <a16:colId xmlns:a16="http://schemas.microsoft.com/office/drawing/2014/main" xmlns="" val="20000"/>
                     </a:ext>
                   </a:extLst>
                 </a:gridCol>
@@ -7775,7 +7775,7 @@
                 </a:tc>
                 <a:extLst>
                   <a:ext uri="{0D108BD9-81ED-4DB2-BD59-A6C34878D82A}">
-                    <a16:rowId xmlns:a16="http://schemas.microsoft.com/office/drawing/2014/main" val="10000"/>
+                    <a16:rowId xmlns:a16="http://schemas.microsoft.com/office/drawing/2014/main" xmlns="" val="10000"/>
                   </a:ext>
                 </a:extLst>
               </a:tr>
@@ -7824,7 +7824,7 @@
                 </a:tc>
                 <a:extLst>
                   <a:ext uri="{0D108BD9-81ED-4DB2-BD59-A6C34878D82A}">
-                    <a16:rowId xmlns:a16="http://schemas.microsoft.com/office/drawing/2014/main" val="10001"/>
+                    <a16:rowId xmlns:a16="http://schemas.microsoft.com/office/drawing/2014/main" xmlns="" val="10001"/>
                   </a:ext>
                 </a:extLst>
               </a:tr>
@@ -8092,7 +8092,7 @@
                 </a:tc>
                 <a:extLst>
                   <a:ext uri="{0D108BD9-81ED-4DB2-BD59-A6C34878D82A}">
-                    <a16:rowId xmlns:a16="http://schemas.microsoft.com/office/drawing/2014/main" val="10002"/>
+                    <a16:rowId xmlns:a16="http://schemas.microsoft.com/office/drawing/2014/main" xmlns="" val="10002"/>
                   </a:ext>
                 </a:extLst>
               </a:tr>
@@ -8128,7 +8128,7 @@
                 <a:gridCol w="4766521">
                   <a:extLst>
                     <a:ext uri="{9D8B030D-6E8A-4147-A177-3AD203B41FA5}">
-                      <a16:colId xmlns:a16="http://schemas.microsoft.com/office/drawing/2014/main" val="20000"/>
+                      <a16:colId xmlns:a16="http://schemas.microsoft.com/office/drawing/2014/main" xmlns="" val="20000"/>
                     </a:ext>
                   </a:extLst>
                 </a:gridCol>
@@ -8171,7 +8171,7 @@
                 </a:tc>
                 <a:extLst>
                   <a:ext uri="{0D108BD9-81ED-4DB2-BD59-A6C34878D82A}">
-                    <a16:rowId xmlns:a16="http://schemas.microsoft.com/office/drawing/2014/main" val="10000"/>
+                    <a16:rowId xmlns:a16="http://schemas.microsoft.com/office/drawing/2014/main" xmlns="" val="10000"/>
                   </a:ext>
                 </a:extLst>
               </a:tr>
@@ -8237,7 +8237,7 @@
                 </a:tc>
                 <a:extLst>
                   <a:ext uri="{0D108BD9-81ED-4DB2-BD59-A6C34878D82A}">
-                    <a16:rowId xmlns:a16="http://schemas.microsoft.com/office/drawing/2014/main" val="10001"/>
+                    <a16:rowId xmlns:a16="http://schemas.microsoft.com/office/drawing/2014/main" xmlns="" val="10001"/>
                   </a:ext>
                 </a:extLst>
               </a:tr>
@@ -8560,7 +8560,7 @@
                 </a:tc>
                 <a:extLst>
                   <a:ext uri="{0D108BD9-81ED-4DB2-BD59-A6C34878D82A}">
-                    <a16:rowId xmlns:a16="http://schemas.microsoft.com/office/drawing/2014/main" val="10002"/>
+                    <a16:rowId xmlns:a16="http://schemas.microsoft.com/office/drawing/2014/main" xmlns="" val="10002"/>
                   </a:ext>
                 </a:extLst>
               </a:tr>
@@ -8577,7 +8577,7 @@
           <p:nvPr>
             <p:extLst>
               <p:ext uri="{D42A27DB-BD31-4B8C-83A1-F6EECF244321}">
-                <p14:modId xmlns:p14="http://schemas.microsoft.com/office/powerpoint/2010/main" val="2083151887"/>
+                <p14:modId xmlns:p14="http://schemas.microsoft.com/office/powerpoint/2010/main" val="2170705937"/>
               </p:ext>
             </p:extLst>
           </p:nvPr>
@@ -8596,7 +8596,7 @@
                 <a:gridCol w="2534461">
                   <a:extLst>
                     <a:ext uri="{9D8B030D-6E8A-4147-A177-3AD203B41FA5}">
-                      <a16:colId xmlns:a16="http://schemas.microsoft.com/office/drawing/2014/main" val="20000"/>
+                      <a16:colId xmlns:a16="http://schemas.microsoft.com/office/drawing/2014/main" xmlns="" val="20000"/>
                     </a:ext>
                   </a:extLst>
                 </a:gridCol>
@@ -8614,11 +8614,19 @@
                       </a:r>
                       <a:r>
                         <a:rPr lang="en-US" altLang="ko-KR" sz="1200" dirty="0" smtClean="0"/>
-                        <a:t> - </a:t>
-                      </a:r>
-                      <a:r>
-                        <a:rPr lang="ko-KR" altLang="en-US" sz="1200" dirty="0" err="1" smtClean="0"/>
-                        <a:t>미구현</a:t>
+                        <a:t> </a:t>
+                      </a:r>
+                      <a:r>
+                        <a:rPr lang="en-US" altLang="ko-KR" sz="1200" dirty="0" smtClean="0"/>
+                        <a:t>– </a:t>
+                      </a:r>
+                      <a:r>
+                        <a:rPr lang="en-US" altLang="ko-KR" sz="1200" smtClean="0"/>
+                        <a:t>1</a:t>
+                      </a:r>
+                      <a:r>
+                        <a:rPr lang="ko-KR" altLang="en-US" sz="1200" smtClean="0"/>
+                        <a:t>차구현완료</a:t>
                       </a:r>
                       <a:endParaRPr lang="ko-KR" altLang="en-US" sz="1200" dirty="0"/>
                     </a:p>
@@ -8627,7 +8635,7 @@
                 </a:tc>
                 <a:extLst>
                   <a:ext uri="{0D108BD9-81ED-4DB2-BD59-A6C34878D82A}">
-                    <a16:rowId xmlns:a16="http://schemas.microsoft.com/office/drawing/2014/main" val="10000"/>
+                    <a16:rowId xmlns:a16="http://schemas.microsoft.com/office/drawing/2014/main" xmlns="" val="10000"/>
                   </a:ext>
                 </a:extLst>
               </a:tr>
@@ -8683,7 +8691,7 @@
                 </a:tc>
                 <a:extLst>
                   <a:ext uri="{0D108BD9-81ED-4DB2-BD59-A6C34878D82A}">
-                    <a16:rowId xmlns:a16="http://schemas.microsoft.com/office/drawing/2014/main" val="10001"/>
+                    <a16:rowId xmlns:a16="http://schemas.microsoft.com/office/drawing/2014/main" xmlns="" val="10001"/>
                   </a:ext>
                 </a:extLst>
               </a:tr>
@@ -8855,7 +8863,7 @@
                 </a:tc>
                 <a:extLst>
                   <a:ext uri="{0D108BD9-81ED-4DB2-BD59-A6C34878D82A}">
-                    <a16:rowId xmlns:a16="http://schemas.microsoft.com/office/drawing/2014/main" val="10002"/>
+                    <a16:rowId xmlns:a16="http://schemas.microsoft.com/office/drawing/2014/main" xmlns="" val="10002"/>
                   </a:ext>
                 </a:extLst>
               </a:tr>

--- a/참고문서/뱀_UML_20170626.pptx
+++ b/참고문서/뱀_UML_20170626.pptx
@@ -9,6 +9,7 @@
     <p:sldId id="258" r:id="rId3"/>
     <p:sldId id="259" r:id="rId4"/>
     <p:sldId id="260" r:id="rId5"/>
+    <p:sldId id="261" r:id="rId6"/>
   </p:sldIdLst>
   <p:sldSz cx="12192000" cy="6858000"/>
   <p:notesSz cx="6858000" cy="9144000"/>
@@ -246,7 +247,7 @@
           <a:p>
             <a:fld id="{F521F576-3884-49B5-B31D-3C26BE7923B3}" type="datetimeFigureOut">
               <a:rPr lang="ko-KR" altLang="en-US" smtClean="0"/>
-              <a:t>2017-06-30</a:t>
+              <a:t>2017-07-19</a:t>
             </a:fld>
             <a:endParaRPr lang="ko-KR" altLang="en-US"/>
           </a:p>
@@ -416,7 +417,7 @@
           <a:p>
             <a:fld id="{F521F576-3884-49B5-B31D-3C26BE7923B3}" type="datetimeFigureOut">
               <a:rPr lang="ko-KR" altLang="en-US" smtClean="0"/>
-              <a:t>2017-06-30</a:t>
+              <a:t>2017-07-19</a:t>
             </a:fld>
             <a:endParaRPr lang="ko-KR" altLang="en-US"/>
           </a:p>
@@ -596,7 +597,7 @@
           <a:p>
             <a:fld id="{F521F576-3884-49B5-B31D-3C26BE7923B3}" type="datetimeFigureOut">
               <a:rPr lang="ko-KR" altLang="en-US" smtClean="0"/>
-              <a:t>2017-06-30</a:t>
+              <a:t>2017-07-19</a:t>
             </a:fld>
             <a:endParaRPr lang="ko-KR" altLang="en-US"/>
           </a:p>
@@ -766,7 +767,7 @@
           <a:p>
             <a:fld id="{F521F576-3884-49B5-B31D-3C26BE7923B3}" type="datetimeFigureOut">
               <a:rPr lang="ko-KR" altLang="en-US" smtClean="0"/>
-              <a:t>2017-06-30</a:t>
+              <a:t>2017-07-19</a:t>
             </a:fld>
             <a:endParaRPr lang="ko-KR" altLang="en-US"/>
           </a:p>
@@ -1012,7 +1013,7 @@
           <a:p>
             <a:fld id="{F521F576-3884-49B5-B31D-3C26BE7923B3}" type="datetimeFigureOut">
               <a:rPr lang="ko-KR" altLang="en-US" smtClean="0"/>
-              <a:t>2017-06-30</a:t>
+              <a:t>2017-07-19</a:t>
             </a:fld>
             <a:endParaRPr lang="ko-KR" altLang="en-US"/>
           </a:p>
@@ -1244,7 +1245,7 @@
           <a:p>
             <a:fld id="{F521F576-3884-49B5-B31D-3C26BE7923B3}" type="datetimeFigureOut">
               <a:rPr lang="ko-KR" altLang="en-US" smtClean="0"/>
-              <a:t>2017-06-30</a:t>
+              <a:t>2017-07-19</a:t>
             </a:fld>
             <a:endParaRPr lang="ko-KR" altLang="en-US"/>
           </a:p>
@@ -1611,7 +1612,7 @@
           <a:p>
             <a:fld id="{F521F576-3884-49B5-B31D-3C26BE7923B3}" type="datetimeFigureOut">
               <a:rPr lang="ko-KR" altLang="en-US" smtClean="0"/>
-              <a:t>2017-06-30</a:t>
+              <a:t>2017-07-19</a:t>
             </a:fld>
             <a:endParaRPr lang="ko-KR" altLang="en-US"/>
           </a:p>
@@ -1729,7 +1730,7 @@
           <a:p>
             <a:fld id="{F521F576-3884-49B5-B31D-3C26BE7923B3}" type="datetimeFigureOut">
               <a:rPr lang="ko-KR" altLang="en-US" smtClean="0"/>
-              <a:t>2017-06-30</a:t>
+              <a:t>2017-07-19</a:t>
             </a:fld>
             <a:endParaRPr lang="ko-KR" altLang="en-US"/>
           </a:p>
@@ -1824,7 +1825,7 @@
           <a:p>
             <a:fld id="{F521F576-3884-49B5-B31D-3C26BE7923B3}" type="datetimeFigureOut">
               <a:rPr lang="ko-KR" altLang="en-US" smtClean="0"/>
-              <a:t>2017-06-30</a:t>
+              <a:t>2017-07-19</a:t>
             </a:fld>
             <a:endParaRPr lang="ko-KR" altLang="en-US"/>
           </a:p>
@@ -2101,7 +2102,7 @@
           <a:p>
             <a:fld id="{F521F576-3884-49B5-B31D-3C26BE7923B3}" type="datetimeFigureOut">
               <a:rPr lang="ko-KR" altLang="en-US" smtClean="0"/>
-              <a:t>2017-06-30</a:t>
+              <a:t>2017-07-19</a:t>
             </a:fld>
             <a:endParaRPr lang="ko-KR" altLang="en-US"/>
           </a:p>
@@ -2354,7 +2355,7 @@
           <a:p>
             <a:fld id="{F521F576-3884-49B5-B31D-3C26BE7923B3}" type="datetimeFigureOut">
               <a:rPr lang="ko-KR" altLang="en-US" smtClean="0"/>
-              <a:t>2017-06-30</a:t>
+              <a:t>2017-07-19</a:t>
             </a:fld>
             <a:endParaRPr lang="ko-KR" altLang="en-US"/>
           </a:p>
@@ -2567,7 +2568,7 @@
           <a:p>
             <a:fld id="{F521F576-3884-49B5-B31D-3C26BE7923B3}" type="datetimeFigureOut">
               <a:rPr lang="ko-KR" altLang="en-US" smtClean="0"/>
-              <a:t>2017-06-30</a:t>
+              <a:t>2017-07-19</a:t>
             </a:fld>
             <a:endParaRPr lang="ko-KR" altLang="en-US"/>
           </a:p>
@@ -3000,7 +3001,7 @@
                 <a:gridCol w="2603500">
                   <a:extLst>
                     <a:ext uri="{9D8B030D-6E8A-4147-A177-3AD203B41FA5}">
-                      <a16:colId xmlns:a16="http://schemas.microsoft.com/office/drawing/2014/main" xmlns="" val="20000"/>
+                      <a16:colId xmlns:a16="http://schemas.microsoft.com/office/drawing/2014/main" val="20000"/>
                     </a:ext>
                   </a:extLst>
                 </a:gridCol>
@@ -3043,7 +3044,7 @@
                 </a:tc>
                 <a:extLst>
                   <a:ext uri="{0D108BD9-81ED-4DB2-BD59-A6C34878D82A}">
-                    <a16:rowId xmlns:a16="http://schemas.microsoft.com/office/drawing/2014/main" xmlns="" val="10000"/>
+                    <a16:rowId xmlns:a16="http://schemas.microsoft.com/office/drawing/2014/main" val="10000"/>
                   </a:ext>
                 </a:extLst>
               </a:tr>
@@ -3100,7 +3101,7 @@
                 </a:tc>
                 <a:extLst>
                   <a:ext uri="{0D108BD9-81ED-4DB2-BD59-A6C34878D82A}">
-                    <a16:rowId xmlns:a16="http://schemas.microsoft.com/office/drawing/2014/main" xmlns="" val="10001"/>
+                    <a16:rowId xmlns:a16="http://schemas.microsoft.com/office/drawing/2014/main" val="10001"/>
                   </a:ext>
                 </a:extLst>
               </a:tr>
@@ -3248,7 +3249,7 @@
                 </a:tc>
                 <a:extLst>
                   <a:ext uri="{0D108BD9-81ED-4DB2-BD59-A6C34878D82A}">
-                    <a16:rowId xmlns:a16="http://schemas.microsoft.com/office/drawing/2014/main" xmlns="" val="10002"/>
+                    <a16:rowId xmlns:a16="http://schemas.microsoft.com/office/drawing/2014/main" val="10002"/>
                   </a:ext>
                 </a:extLst>
               </a:tr>
@@ -3284,7 +3285,7 @@
                 <a:gridCol w="2667000">
                   <a:extLst>
                     <a:ext uri="{9D8B030D-6E8A-4147-A177-3AD203B41FA5}">
-                      <a16:colId xmlns:a16="http://schemas.microsoft.com/office/drawing/2014/main" xmlns="" val="20000"/>
+                      <a16:colId xmlns:a16="http://schemas.microsoft.com/office/drawing/2014/main" val="20000"/>
                     </a:ext>
                   </a:extLst>
                 </a:gridCol>
@@ -3327,7 +3328,7 @@
                 </a:tc>
                 <a:extLst>
                   <a:ext uri="{0D108BD9-81ED-4DB2-BD59-A6C34878D82A}">
-                    <a16:rowId xmlns:a16="http://schemas.microsoft.com/office/drawing/2014/main" xmlns="" val="10000"/>
+                    <a16:rowId xmlns:a16="http://schemas.microsoft.com/office/drawing/2014/main" val="10000"/>
                   </a:ext>
                 </a:extLst>
               </a:tr>
@@ -3380,7 +3381,7 @@
                 </a:tc>
                 <a:extLst>
                   <a:ext uri="{0D108BD9-81ED-4DB2-BD59-A6C34878D82A}">
-                    <a16:rowId xmlns:a16="http://schemas.microsoft.com/office/drawing/2014/main" xmlns="" val="10001"/>
+                    <a16:rowId xmlns:a16="http://schemas.microsoft.com/office/drawing/2014/main" val="10001"/>
                   </a:ext>
                 </a:extLst>
               </a:tr>
@@ -3566,7 +3567,7 @@
                 </a:tc>
                 <a:extLst>
                   <a:ext uri="{0D108BD9-81ED-4DB2-BD59-A6C34878D82A}">
-                    <a16:rowId xmlns:a16="http://schemas.microsoft.com/office/drawing/2014/main" xmlns="" val="10002"/>
+                    <a16:rowId xmlns:a16="http://schemas.microsoft.com/office/drawing/2014/main" val="10002"/>
                   </a:ext>
                 </a:extLst>
               </a:tr>
@@ -3602,7 +3603,7 @@
                 <a:gridCol w="2667000">
                   <a:extLst>
                     <a:ext uri="{9D8B030D-6E8A-4147-A177-3AD203B41FA5}">
-                      <a16:colId xmlns:a16="http://schemas.microsoft.com/office/drawing/2014/main" xmlns="" val="20000"/>
+                      <a16:colId xmlns:a16="http://schemas.microsoft.com/office/drawing/2014/main" val="20000"/>
                     </a:ext>
                   </a:extLst>
                 </a:gridCol>
@@ -3645,7 +3646,7 @@
                 </a:tc>
                 <a:extLst>
                   <a:ext uri="{0D108BD9-81ED-4DB2-BD59-A6C34878D82A}">
-                    <a16:rowId xmlns:a16="http://schemas.microsoft.com/office/drawing/2014/main" xmlns="" val="10000"/>
+                    <a16:rowId xmlns:a16="http://schemas.microsoft.com/office/drawing/2014/main" val="10000"/>
                   </a:ext>
                 </a:extLst>
               </a:tr>
@@ -3724,7 +3725,7 @@
                 </a:tc>
                 <a:extLst>
                   <a:ext uri="{0D108BD9-81ED-4DB2-BD59-A6C34878D82A}">
-                    <a16:rowId xmlns:a16="http://schemas.microsoft.com/office/drawing/2014/main" xmlns="" val="10001"/>
+                    <a16:rowId xmlns:a16="http://schemas.microsoft.com/office/drawing/2014/main" val="10001"/>
                   </a:ext>
                 </a:extLst>
               </a:tr>
@@ -3879,7 +3880,7 @@
                 </a:tc>
                 <a:extLst>
                   <a:ext uri="{0D108BD9-81ED-4DB2-BD59-A6C34878D82A}">
-                    <a16:rowId xmlns:a16="http://schemas.microsoft.com/office/drawing/2014/main" xmlns="" val="10002"/>
+                    <a16:rowId xmlns:a16="http://schemas.microsoft.com/office/drawing/2014/main" val="10002"/>
                   </a:ext>
                 </a:extLst>
               </a:tr>
@@ -3915,7 +3916,7 @@
                 <a:gridCol w="2032000">
                   <a:extLst>
                     <a:ext uri="{9D8B030D-6E8A-4147-A177-3AD203B41FA5}">
-                      <a16:colId xmlns:a16="http://schemas.microsoft.com/office/drawing/2014/main" xmlns="" val="20000"/>
+                      <a16:colId xmlns:a16="http://schemas.microsoft.com/office/drawing/2014/main" val="20000"/>
                     </a:ext>
                   </a:extLst>
                 </a:gridCol>
@@ -3946,7 +3947,7 @@
                 </a:tc>
                 <a:extLst>
                   <a:ext uri="{0D108BD9-81ED-4DB2-BD59-A6C34878D82A}">
-                    <a16:rowId xmlns:a16="http://schemas.microsoft.com/office/drawing/2014/main" xmlns="" val="10000"/>
+                    <a16:rowId xmlns:a16="http://schemas.microsoft.com/office/drawing/2014/main" val="10000"/>
                   </a:ext>
                 </a:extLst>
               </a:tr>
@@ -3964,7 +3965,7 @@
                 </a:tc>
                 <a:extLst>
                   <a:ext uri="{0D108BD9-81ED-4DB2-BD59-A6C34878D82A}">
-                    <a16:rowId xmlns:a16="http://schemas.microsoft.com/office/drawing/2014/main" xmlns="" val="10001"/>
+                    <a16:rowId xmlns:a16="http://schemas.microsoft.com/office/drawing/2014/main" val="10001"/>
                   </a:ext>
                 </a:extLst>
               </a:tr>
@@ -3999,7 +4000,7 @@
                 </a:tc>
                 <a:extLst>
                   <a:ext uri="{0D108BD9-81ED-4DB2-BD59-A6C34878D82A}">
-                    <a16:rowId xmlns:a16="http://schemas.microsoft.com/office/drawing/2014/main" xmlns="" val="10002"/>
+                    <a16:rowId xmlns:a16="http://schemas.microsoft.com/office/drawing/2014/main" val="10002"/>
                   </a:ext>
                 </a:extLst>
               </a:tr>
@@ -4035,7 +4036,7 @@
                 <a:gridCol w="2032000">
                   <a:extLst>
                     <a:ext uri="{9D8B030D-6E8A-4147-A177-3AD203B41FA5}">
-                      <a16:colId xmlns:a16="http://schemas.microsoft.com/office/drawing/2014/main" xmlns="" val="20000"/>
+                      <a16:colId xmlns:a16="http://schemas.microsoft.com/office/drawing/2014/main" val="20000"/>
                     </a:ext>
                   </a:extLst>
                 </a:gridCol>
@@ -4066,7 +4067,7 @@
                 </a:tc>
                 <a:extLst>
                   <a:ext uri="{0D108BD9-81ED-4DB2-BD59-A6C34878D82A}">
-                    <a16:rowId xmlns:a16="http://schemas.microsoft.com/office/drawing/2014/main" xmlns="" val="10000"/>
+                    <a16:rowId xmlns:a16="http://schemas.microsoft.com/office/drawing/2014/main" val="10000"/>
                   </a:ext>
                 </a:extLst>
               </a:tr>
@@ -4100,7 +4101,7 @@
                 </a:tc>
                 <a:extLst>
                   <a:ext uri="{0D108BD9-81ED-4DB2-BD59-A6C34878D82A}">
-                    <a16:rowId xmlns:a16="http://schemas.microsoft.com/office/drawing/2014/main" xmlns="" val="10001"/>
+                    <a16:rowId xmlns:a16="http://schemas.microsoft.com/office/drawing/2014/main" val="10001"/>
                   </a:ext>
                 </a:extLst>
               </a:tr>
@@ -4135,7 +4136,7 @@
                 </a:tc>
                 <a:extLst>
                   <a:ext uri="{0D108BD9-81ED-4DB2-BD59-A6C34878D82A}">
-                    <a16:rowId xmlns:a16="http://schemas.microsoft.com/office/drawing/2014/main" xmlns="" val="10002"/>
+                    <a16:rowId xmlns:a16="http://schemas.microsoft.com/office/drawing/2014/main" val="10002"/>
                   </a:ext>
                 </a:extLst>
               </a:tr>
@@ -4171,7 +4172,7 @@
                 <a:gridCol w="2032000">
                   <a:extLst>
                     <a:ext uri="{9D8B030D-6E8A-4147-A177-3AD203B41FA5}">
-                      <a16:colId xmlns:a16="http://schemas.microsoft.com/office/drawing/2014/main" xmlns="" val="20000"/>
+                      <a16:colId xmlns:a16="http://schemas.microsoft.com/office/drawing/2014/main" val="20000"/>
                     </a:ext>
                   </a:extLst>
                 </a:gridCol>
@@ -4202,7 +4203,7 @@
                 </a:tc>
                 <a:extLst>
                   <a:ext uri="{0D108BD9-81ED-4DB2-BD59-A6C34878D82A}">
-                    <a16:rowId xmlns:a16="http://schemas.microsoft.com/office/drawing/2014/main" xmlns="" val="10000"/>
+                    <a16:rowId xmlns:a16="http://schemas.microsoft.com/office/drawing/2014/main" val="10000"/>
                   </a:ext>
                 </a:extLst>
               </a:tr>
@@ -4265,7 +4266,7 @@
                 </a:tc>
                 <a:extLst>
                   <a:ext uri="{0D108BD9-81ED-4DB2-BD59-A6C34878D82A}">
-                    <a16:rowId xmlns:a16="http://schemas.microsoft.com/office/drawing/2014/main" xmlns="" val="10001"/>
+                    <a16:rowId xmlns:a16="http://schemas.microsoft.com/office/drawing/2014/main" val="10001"/>
                   </a:ext>
                 </a:extLst>
               </a:tr>
@@ -4312,7 +4313,7 @@
                 </a:tc>
                 <a:extLst>
                   <a:ext uri="{0D108BD9-81ED-4DB2-BD59-A6C34878D82A}">
-                    <a16:rowId xmlns:a16="http://schemas.microsoft.com/office/drawing/2014/main" xmlns="" val="10002"/>
+                    <a16:rowId xmlns:a16="http://schemas.microsoft.com/office/drawing/2014/main" val="10002"/>
                   </a:ext>
                 </a:extLst>
               </a:tr>
@@ -4582,7 +4583,7 @@
                 <a:gridCol w="2603500">
                   <a:extLst>
                     <a:ext uri="{9D8B030D-6E8A-4147-A177-3AD203B41FA5}">
-                      <a16:colId xmlns:a16="http://schemas.microsoft.com/office/drawing/2014/main" xmlns="" val="20000"/>
+                      <a16:colId xmlns:a16="http://schemas.microsoft.com/office/drawing/2014/main" val="20000"/>
                     </a:ext>
                   </a:extLst>
                 </a:gridCol>
@@ -4625,7 +4626,7 @@
                 </a:tc>
                 <a:extLst>
                   <a:ext uri="{0D108BD9-81ED-4DB2-BD59-A6C34878D82A}">
-                    <a16:rowId xmlns:a16="http://schemas.microsoft.com/office/drawing/2014/main" xmlns="" val="10000"/>
+                    <a16:rowId xmlns:a16="http://schemas.microsoft.com/office/drawing/2014/main" val="10000"/>
                   </a:ext>
                 </a:extLst>
               </a:tr>
@@ -4682,7 +4683,7 @@
                 </a:tc>
                 <a:extLst>
                   <a:ext uri="{0D108BD9-81ED-4DB2-BD59-A6C34878D82A}">
-                    <a16:rowId xmlns:a16="http://schemas.microsoft.com/office/drawing/2014/main" xmlns="" val="10001"/>
+                    <a16:rowId xmlns:a16="http://schemas.microsoft.com/office/drawing/2014/main" val="10001"/>
                   </a:ext>
                 </a:extLst>
               </a:tr>
@@ -4888,7 +4889,7 @@
                 </a:tc>
                 <a:extLst>
                   <a:ext uri="{0D108BD9-81ED-4DB2-BD59-A6C34878D82A}">
-                    <a16:rowId xmlns:a16="http://schemas.microsoft.com/office/drawing/2014/main" xmlns="" val="10002"/>
+                    <a16:rowId xmlns:a16="http://schemas.microsoft.com/office/drawing/2014/main" val="10002"/>
                   </a:ext>
                 </a:extLst>
               </a:tr>
@@ -4920,7 +4921,7 @@
                 <a:gridCol w="2667000">
                   <a:extLst>
                     <a:ext uri="{9D8B030D-6E8A-4147-A177-3AD203B41FA5}">
-                      <a16:colId xmlns:a16="http://schemas.microsoft.com/office/drawing/2014/main" xmlns="" val="20000"/>
+                      <a16:colId xmlns:a16="http://schemas.microsoft.com/office/drawing/2014/main" val="20000"/>
                     </a:ext>
                   </a:extLst>
                 </a:gridCol>
@@ -4963,7 +4964,7 @@
                 </a:tc>
                 <a:extLst>
                   <a:ext uri="{0D108BD9-81ED-4DB2-BD59-A6C34878D82A}">
-                    <a16:rowId xmlns:a16="http://schemas.microsoft.com/office/drawing/2014/main" xmlns="" val="10000"/>
+                    <a16:rowId xmlns:a16="http://schemas.microsoft.com/office/drawing/2014/main" val="10000"/>
                   </a:ext>
                 </a:extLst>
               </a:tr>
@@ -5004,7 +5005,7 @@
                 </a:tc>
                 <a:extLst>
                   <a:ext uri="{0D108BD9-81ED-4DB2-BD59-A6C34878D82A}">
-                    <a16:rowId xmlns:a16="http://schemas.microsoft.com/office/drawing/2014/main" xmlns="" val="10001"/>
+                    <a16:rowId xmlns:a16="http://schemas.microsoft.com/office/drawing/2014/main" val="10001"/>
                   </a:ext>
                 </a:extLst>
               </a:tr>
@@ -5099,7 +5100,7 @@
                 </a:tc>
                 <a:extLst>
                   <a:ext uri="{0D108BD9-81ED-4DB2-BD59-A6C34878D82A}">
-                    <a16:rowId xmlns:a16="http://schemas.microsoft.com/office/drawing/2014/main" xmlns="" val="10002"/>
+                    <a16:rowId xmlns:a16="http://schemas.microsoft.com/office/drawing/2014/main" val="10002"/>
                   </a:ext>
                 </a:extLst>
               </a:tr>
@@ -5131,7 +5132,7 @@
                 <a:gridCol w="2667000">
                   <a:extLst>
                     <a:ext uri="{9D8B030D-6E8A-4147-A177-3AD203B41FA5}">
-                      <a16:colId xmlns:a16="http://schemas.microsoft.com/office/drawing/2014/main" xmlns="" val="20000"/>
+                      <a16:colId xmlns:a16="http://schemas.microsoft.com/office/drawing/2014/main" val="20000"/>
                     </a:ext>
                   </a:extLst>
                 </a:gridCol>
@@ -5174,7 +5175,7 @@
                 </a:tc>
                 <a:extLst>
                   <a:ext uri="{0D108BD9-81ED-4DB2-BD59-A6C34878D82A}">
-                    <a16:rowId xmlns:a16="http://schemas.microsoft.com/office/drawing/2014/main" xmlns="" val="10000"/>
+                    <a16:rowId xmlns:a16="http://schemas.microsoft.com/office/drawing/2014/main" val="10000"/>
                   </a:ext>
                 </a:extLst>
               </a:tr>
@@ -5240,7 +5241,7 @@
                 </a:tc>
                 <a:extLst>
                   <a:ext uri="{0D108BD9-81ED-4DB2-BD59-A6C34878D82A}">
-                    <a16:rowId xmlns:a16="http://schemas.microsoft.com/office/drawing/2014/main" xmlns="" val="10001"/>
+                    <a16:rowId xmlns:a16="http://schemas.microsoft.com/office/drawing/2014/main" val="10001"/>
                   </a:ext>
                 </a:extLst>
               </a:tr>
@@ -5434,7 +5435,7 @@
                 </a:tc>
                 <a:extLst>
                   <a:ext uri="{0D108BD9-81ED-4DB2-BD59-A6C34878D82A}">
-                    <a16:rowId xmlns:a16="http://schemas.microsoft.com/office/drawing/2014/main" xmlns="" val="10002"/>
+                    <a16:rowId xmlns:a16="http://schemas.microsoft.com/office/drawing/2014/main" val="10002"/>
                   </a:ext>
                 </a:extLst>
               </a:tr>
@@ -5466,7 +5467,7 @@
                 <a:gridCol w="2032000">
                   <a:extLst>
                     <a:ext uri="{9D8B030D-6E8A-4147-A177-3AD203B41FA5}">
-                      <a16:colId xmlns:a16="http://schemas.microsoft.com/office/drawing/2014/main" xmlns="" val="20000"/>
+                      <a16:colId xmlns:a16="http://schemas.microsoft.com/office/drawing/2014/main" val="20000"/>
                     </a:ext>
                   </a:extLst>
                 </a:gridCol>
@@ -5497,7 +5498,7 @@
                 </a:tc>
                 <a:extLst>
                   <a:ext uri="{0D108BD9-81ED-4DB2-BD59-A6C34878D82A}">
-                    <a16:rowId xmlns:a16="http://schemas.microsoft.com/office/drawing/2014/main" xmlns="" val="10000"/>
+                    <a16:rowId xmlns:a16="http://schemas.microsoft.com/office/drawing/2014/main" val="10000"/>
                   </a:ext>
                 </a:extLst>
               </a:tr>
@@ -5553,7 +5554,7 @@
                 </a:tc>
                 <a:extLst>
                   <a:ext uri="{0D108BD9-81ED-4DB2-BD59-A6C34878D82A}">
-                    <a16:rowId xmlns:a16="http://schemas.microsoft.com/office/drawing/2014/main" xmlns="" val="10001"/>
+                    <a16:rowId xmlns:a16="http://schemas.microsoft.com/office/drawing/2014/main" val="10001"/>
                   </a:ext>
                 </a:extLst>
               </a:tr>
@@ -5734,7 +5735,7 @@
                 </a:tc>
                 <a:extLst>
                   <a:ext uri="{0D108BD9-81ED-4DB2-BD59-A6C34878D82A}">
-                    <a16:rowId xmlns:a16="http://schemas.microsoft.com/office/drawing/2014/main" xmlns="" val="10002"/>
+                    <a16:rowId xmlns:a16="http://schemas.microsoft.com/office/drawing/2014/main" val="10002"/>
                   </a:ext>
                 </a:extLst>
               </a:tr>
@@ -5947,7 +5948,7 @@
                 <a:gridCol w="3419140">
                   <a:extLst>
                     <a:ext uri="{9D8B030D-6E8A-4147-A177-3AD203B41FA5}">
-                      <a16:colId xmlns:a16="http://schemas.microsoft.com/office/drawing/2014/main" xmlns="" val="20000"/>
+                      <a16:colId xmlns:a16="http://schemas.microsoft.com/office/drawing/2014/main" val="20000"/>
                     </a:ext>
                   </a:extLst>
                 </a:gridCol>
@@ -5990,7 +5991,7 @@
                 </a:tc>
                 <a:extLst>
                   <a:ext uri="{0D108BD9-81ED-4DB2-BD59-A6C34878D82A}">
-                    <a16:rowId xmlns:a16="http://schemas.microsoft.com/office/drawing/2014/main" xmlns="" val="10000"/>
+                    <a16:rowId xmlns:a16="http://schemas.microsoft.com/office/drawing/2014/main" val="10000"/>
                   </a:ext>
                 </a:extLst>
               </a:tr>
@@ -6047,7 +6048,7 @@
                 </a:tc>
                 <a:extLst>
                   <a:ext uri="{0D108BD9-81ED-4DB2-BD59-A6C34878D82A}">
-                    <a16:rowId xmlns:a16="http://schemas.microsoft.com/office/drawing/2014/main" xmlns="" val="10001"/>
+                    <a16:rowId xmlns:a16="http://schemas.microsoft.com/office/drawing/2014/main" val="10001"/>
                   </a:ext>
                 </a:extLst>
               </a:tr>
@@ -6249,7 +6250,7 @@
                 </a:tc>
                 <a:extLst>
                   <a:ext uri="{0D108BD9-81ED-4DB2-BD59-A6C34878D82A}">
-                    <a16:rowId xmlns:a16="http://schemas.microsoft.com/office/drawing/2014/main" xmlns="" val="10002"/>
+                    <a16:rowId xmlns:a16="http://schemas.microsoft.com/office/drawing/2014/main" val="10002"/>
                   </a:ext>
                 </a:extLst>
               </a:tr>
@@ -6285,7 +6286,7 @@
                 <a:gridCol w="3368182">
                   <a:extLst>
                     <a:ext uri="{9D8B030D-6E8A-4147-A177-3AD203B41FA5}">
-                      <a16:colId xmlns:a16="http://schemas.microsoft.com/office/drawing/2014/main" xmlns="" val="20000"/>
+                      <a16:colId xmlns:a16="http://schemas.microsoft.com/office/drawing/2014/main" val="20000"/>
                     </a:ext>
                   </a:extLst>
                 </a:gridCol>
@@ -6328,7 +6329,7 @@
                 </a:tc>
                 <a:extLst>
                   <a:ext uri="{0D108BD9-81ED-4DB2-BD59-A6C34878D82A}">
-                    <a16:rowId xmlns:a16="http://schemas.microsoft.com/office/drawing/2014/main" xmlns="" val="10000"/>
+                    <a16:rowId xmlns:a16="http://schemas.microsoft.com/office/drawing/2014/main" val="10000"/>
                   </a:ext>
                 </a:extLst>
               </a:tr>
@@ -6377,7 +6378,7 @@
                 </a:tc>
                 <a:extLst>
                   <a:ext uri="{0D108BD9-81ED-4DB2-BD59-A6C34878D82A}">
-                    <a16:rowId xmlns:a16="http://schemas.microsoft.com/office/drawing/2014/main" xmlns="" val="10001"/>
+                    <a16:rowId xmlns:a16="http://schemas.microsoft.com/office/drawing/2014/main" val="10001"/>
                   </a:ext>
                 </a:extLst>
               </a:tr>
@@ -6558,7 +6559,7 @@
                 </a:tc>
                 <a:extLst>
                   <a:ext uri="{0D108BD9-81ED-4DB2-BD59-A6C34878D82A}">
-                    <a16:rowId xmlns:a16="http://schemas.microsoft.com/office/drawing/2014/main" xmlns="" val="10002"/>
+                    <a16:rowId xmlns:a16="http://schemas.microsoft.com/office/drawing/2014/main" val="10002"/>
                   </a:ext>
                 </a:extLst>
               </a:tr>
@@ -6594,7 +6595,7 @@
                 <a:gridCol w="2667000">
                   <a:extLst>
                     <a:ext uri="{9D8B030D-6E8A-4147-A177-3AD203B41FA5}">
-                      <a16:colId xmlns:a16="http://schemas.microsoft.com/office/drawing/2014/main" xmlns="" val="20000"/>
+                      <a16:colId xmlns:a16="http://schemas.microsoft.com/office/drawing/2014/main" val="20000"/>
                     </a:ext>
                   </a:extLst>
                 </a:gridCol>
@@ -6637,7 +6638,7 @@
                 </a:tc>
                 <a:extLst>
                   <a:ext uri="{0D108BD9-81ED-4DB2-BD59-A6C34878D82A}">
-                    <a16:rowId xmlns:a16="http://schemas.microsoft.com/office/drawing/2014/main" xmlns="" val="10000"/>
+                    <a16:rowId xmlns:a16="http://schemas.microsoft.com/office/drawing/2014/main" val="10000"/>
                   </a:ext>
                 </a:extLst>
               </a:tr>
@@ -6703,7 +6704,7 @@
                 </a:tc>
                 <a:extLst>
                   <a:ext uri="{0D108BD9-81ED-4DB2-BD59-A6C34878D82A}">
-                    <a16:rowId xmlns:a16="http://schemas.microsoft.com/office/drawing/2014/main" xmlns="" val="10001"/>
+                    <a16:rowId xmlns:a16="http://schemas.microsoft.com/office/drawing/2014/main" val="10001"/>
                   </a:ext>
                 </a:extLst>
               </a:tr>
@@ -6881,7 +6882,7 @@
                 </a:tc>
                 <a:extLst>
                   <a:ext uri="{0D108BD9-81ED-4DB2-BD59-A6C34878D82A}">
-                    <a16:rowId xmlns:a16="http://schemas.microsoft.com/office/drawing/2014/main" xmlns="" val="10002"/>
+                    <a16:rowId xmlns:a16="http://schemas.microsoft.com/office/drawing/2014/main" val="10002"/>
                   </a:ext>
                 </a:extLst>
               </a:tr>
@@ -6917,7 +6918,7 @@
                 <a:gridCol w="2032000">
                   <a:extLst>
                     <a:ext uri="{9D8B030D-6E8A-4147-A177-3AD203B41FA5}">
-                      <a16:colId xmlns:a16="http://schemas.microsoft.com/office/drawing/2014/main" xmlns="" val="20000"/>
+                      <a16:colId xmlns:a16="http://schemas.microsoft.com/office/drawing/2014/main" val="20000"/>
                     </a:ext>
                   </a:extLst>
                 </a:gridCol>
@@ -6948,7 +6949,7 @@
                 </a:tc>
                 <a:extLst>
                   <a:ext uri="{0D108BD9-81ED-4DB2-BD59-A6C34878D82A}">
-                    <a16:rowId xmlns:a16="http://schemas.microsoft.com/office/drawing/2014/main" xmlns="" val="10000"/>
+                    <a16:rowId xmlns:a16="http://schemas.microsoft.com/office/drawing/2014/main" val="10000"/>
                   </a:ext>
                 </a:extLst>
               </a:tr>
@@ -7004,7 +7005,7 @@
                 </a:tc>
                 <a:extLst>
                   <a:ext uri="{0D108BD9-81ED-4DB2-BD59-A6C34878D82A}">
-                    <a16:rowId xmlns:a16="http://schemas.microsoft.com/office/drawing/2014/main" xmlns="" val="10001"/>
+                    <a16:rowId xmlns:a16="http://schemas.microsoft.com/office/drawing/2014/main" val="10001"/>
                   </a:ext>
                 </a:extLst>
               </a:tr>
@@ -7156,7 +7157,7 @@
                 </a:tc>
                 <a:extLst>
                   <a:ext uri="{0D108BD9-81ED-4DB2-BD59-A6C34878D82A}">
-                    <a16:rowId xmlns:a16="http://schemas.microsoft.com/office/drawing/2014/main" xmlns="" val="10002"/>
+                    <a16:rowId xmlns:a16="http://schemas.microsoft.com/office/drawing/2014/main" val="10002"/>
                   </a:ext>
                 </a:extLst>
               </a:tr>
@@ -7369,7 +7370,7 @@
                 <a:gridCol w="3419140">
                   <a:extLst>
                     <a:ext uri="{9D8B030D-6E8A-4147-A177-3AD203B41FA5}">
-                      <a16:colId xmlns:a16="http://schemas.microsoft.com/office/drawing/2014/main" xmlns="" val="20000"/>
+                      <a16:colId xmlns:a16="http://schemas.microsoft.com/office/drawing/2014/main" val="20000"/>
                     </a:ext>
                   </a:extLst>
                 </a:gridCol>
@@ -7412,7 +7413,7 @@
                 </a:tc>
                 <a:extLst>
                   <a:ext uri="{0D108BD9-81ED-4DB2-BD59-A6C34878D82A}">
-                    <a16:rowId xmlns:a16="http://schemas.microsoft.com/office/drawing/2014/main" xmlns="" val="10000"/>
+                    <a16:rowId xmlns:a16="http://schemas.microsoft.com/office/drawing/2014/main" val="10000"/>
                   </a:ext>
                 </a:extLst>
               </a:tr>
@@ -7469,7 +7470,7 @@
                 </a:tc>
                 <a:extLst>
                   <a:ext uri="{0D108BD9-81ED-4DB2-BD59-A6C34878D82A}">
-                    <a16:rowId xmlns:a16="http://schemas.microsoft.com/office/drawing/2014/main" xmlns="" val="10001"/>
+                    <a16:rowId xmlns:a16="http://schemas.microsoft.com/office/drawing/2014/main" val="10001"/>
                   </a:ext>
                 </a:extLst>
               </a:tr>
@@ -7696,7 +7697,7 @@
                 </a:tc>
                 <a:extLst>
                   <a:ext uri="{0D108BD9-81ED-4DB2-BD59-A6C34878D82A}">
-                    <a16:rowId xmlns:a16="http://schemas.microsoft.com/office/drawing/2014/main" xmlns="" val="10002"/>
+                    <a16:rowId xmlns:a16="http://schemas.microsoft.com/office/drawing/2014/main" val="10002"/>
                   </a:ext>
                 </a:extLst>
               </a:tr>
@@ -7732,7 +7733,7 @@
                 <a:gridCol w="3368182">
                   <a:extLst>
                     <a:ext uri="{9D8B030D-6E8A-4147-A177-3AD203B41FA5}">
-                      <a16:colId xmlns:a16="http://schemas.microsoft.com/office/drawing/2014/main" xmlns="" val="20000"/>
+                      <a16:colId xmlns:a16="http://schemas.microsoft.com/office/drawing/2014/main" val="20000"/>
                     </a:ext>
                   </a:extLst>
                 </a:gridCol>
@@ -7775,7 +7776,7 @@
                 </a:tc>
                 <a:extLst>
                   <a:ext uri="{0D108BD9-81ED-4DB2-BD59-A6C34878D82A}">
-                    <a16:rowId xmlns:a16="http://schemas.microsoft.com/office/drawing/2014/main" xmlns="" val="10000"/>
+                    <a16:rowId xmlns:a16="http://schemas.microsoft.com/office/drawing/2014/main" val="10000"/>
                   </a:ext>
                 </a:extLst>
               </a:tr>
@@ -7824,7 +7825,7 @@
                 </a:tc>
                 <a:extLst>
                   <a:ext uri="{0D108BD9-81ED-4DB2-BD59-A6C34878D82A}">
-                    <a16:rowId xmlns:a16="http://schemas.microsoft.com/office/drawing/2014/main" xmlns="" val="10001"/>
+                    <a16:rowId xmlns:a16="http://schemas.microsoft.com/office/drawing/2014/main" val="10001"/>
                   </a:ext>
                 </a:extLst>
               </a:tr>
@@ -8092,7 +8093,7 @@
                 </a:tc>
                 <a:extLst>
                   <a:ext uri="{0D108BD9-81ED-4DB2-BD59-A6C34878D82A}">
-                    <a16:rowId xmlns:a16="http://schemas.microsoft.com/office/drawing/2014/main" xmlns="" val="10002"/>
+                    <a16:rowId xmlns:a16="http://schemas.microsoft.com/office/drawing/2014/main" val="10002"/>
                   </a:ext>
                 </a:extLst>
               </a:tr>
@@ -8128,7 +8129,7 @@
                 <a:gridCol w="4766521">
                   <a:extLst>
                     <a:ext uri="{9D8B030D-6E8A-4147-A177-3AD203B41FA5}">
-                      <a16:colId xmlns:a16="http://schemas.microsoft.com/office/drawing/2014/main" xmlns="" val="20000"/>
+                      <a16:colId xmlns:a16="http://schemas.microsoft.com/office/drawing/2014/main" val="20000"/>
                     </a:ext>
                   </a:extLst>
                 </a:gridCol>
@@ -8171,7 +8172,7 @@
                 </a:tc>
                 <a:extLst>
                   <a:ext uri="{0D108BD9-81ED-4DB2-BD59-A6C34878D82A}">
-                    <a16:rowId xmlns:a16="http://schemas.microsoft.com/office/drawing/2014/main" xmlns="" val="10000"/>
+                    <a16:rowId xmlns:a16="http://schemas.microsoft.com/office/drawing/2014/main" val="10000"/>
                   </a:ext>
                 </a:extLst>
               </a:tr>
@@ -8237,7 +8238,7 @@
                 </a:tc>
                 <a:extLst>
                   <a:ext uri="{0D108BD9-81ED-4DB2-BD59-A6C34878D82A}">
-                    <a16:rowId xmlns:a16="http://schemas.microsoft.com/office/drawing/2014/main" xmlns="" val="10001"/>
+                    <a16:rowId xmlns:a16="http://schemas.microsoft.com/office/drawing/2014/main" val="10001"/>
                   </a:ext>
                 </a:extLst>
               </a:tr>
@@ -8560,7 +8561,7 @@
                 </a:tc>
                 <a:extLst>
                   <a:ext uri="{0D108BD9-81ED-4DB2-BD59-A6C34878D82A}">
-                    <a16:rowId xmlns:a16="http://schemas.microsoft.com/office/drawing/2014/main" xmlns="" val="10002"/>
+                    <a16:rowId xmlns:a16="http://schemas.microsoft.com/office/drawing/2014/main" val="10002"/>
                   </a:ext>
                 </a:extLst>
               </a:tr>
@@ -8596,7 +8597,7 @@
                 <a:gridCol w="2534461">
                   <a:extLst>
                     <a:ext uri="{9D8B030D-6E8A-4147-A177-3AD203B41FA5}">
-                      <a16:colId xmlns:a16="http://schemas.microsoft.com/office/drawing/2014/main" xmlns="" val="20000"/>
+                      <a16:colId xmlns:a16="http://schemas.microsoft.com/office/drawing/2014/main" val="20000"/>
                     </a:ext>
                   </a:extLst>
                 </a:gridCol>
@@ -8614,11 +8615,7 @@
                       </a:r>
                       <a:r>
                         <a:rPr lang="en-US" altLang="ko-KR" sz="1200" dirty="0" smtClean="0"/>
-                        <a:t> </a:t>
-                      </a:r>
-                      <a:r>
-                        <a:rPr lang="en-US" altLang="ko-KR" sz="1200" dirty="0" smtClean="0"/>
-                        <a:t>– </a:t>
+                        <a:t> – </a:t>
                       </a:r>
                       <a:r>
                         <a:rPr lang="en-US" altLang="ko-KR" sz="1200" smtClean="0"/>
@@ -8635,7 +8632,7 @@
                 </a:tc>
                 <a:extLst>
                   <a:ext uri="{0D108BD9-81ED-4DB2-BD59-A6C34878D82A}">
-                    <a16:rowId xmlns:a16="http://schemas.microsoft.com/office/drawing/2014/main" xmlns="" val="10000"/>
+                    <a16:rowId xmlns:a16="http://schemas.microsoft.com/office/drawing/2014/main" val="10000"/>
                   </a:ext>
                 </a:extLst>
               </a:tr>
@@ -8691,7 +8688,7 @@
                 </a:tc>
                 <a:extLst>
                   <a:ext uri="{0D108BD9-81ED-4DB2-BD59-A6C34878D82A}">
-                    <a16:rowId xmlns:a16="http://schemas.microsoft.com/office/drawing/2014/main" xmlns="" val="10001"/>
+                    <a16:rowId xmlns:a16="http://schemas.microsoft.com/office/drawing/2014/main" val="10001"/>
                   </a:ext>
                 </a:extLst>
               </a:tr>
@@ -8863,7 +8860,7 @@
                 </a:tc>
                 <a:extLst>
                   <a:ext uri="{0D108BD9-81ED-4DB2-BD59-A6C34878D82A}">
-                    <a16:rowId xmlns:a16="http://schemas.microsoft.com/office/drawing/2014/main" xmlns="" val="10002"/>
+                    <a16:rowId xmlns:a16="http://schemas.microsoft.com/office/drawing/2014/main" val="10002"/>
                   </a:ext>
                 </a:extLst>
               </a:tr>
@@ -9030,6 +9027,3895 @@
     <p:extLst>
       <p:ext uri="{BB962C8B-B14F-4D97-AF65-F5344CB8AC3E}">
         <p14:creationId xmlns:p14="http://schemas.microsoft.com/office/powerpoint/2010/main" val="3083799012"/>
+      </p:ext>
+    </p:extLst>
+  </p:cSld>
+  <p:clrMapOvr>
+    <a:masterClrMapping/>
+  </p:clrMapOvr>
+</p:sld>
+</file>
+
+<file path=ppt/slides/slide5.xml><?xml version="1.0" encoding="utf-8"?>
+<p:sld xmlns:a="http://schemas.openxmlformats.org/drawingml/2006/main" xmlns:r="http://schemas.openxmlformats.org/officeDocument/2006/relationships" xmlns:p="http://schemas.openxmlformats.org/presentationml/2006/main">
+  <p:cSld>
+    <p:spTree>
+      <p:nvGrpSpPr>
+        <p:cNvPr id="1" name=""/>
+        <p:cNvGrpSpPr/>
+        <p:nvPr/>
+      </p:nvGrpSpPr>
+      <p:grpSpPr>
+        <a:xfrm>
+          <a:off x="0" y="0"/>
+          <a:ext cx="0" cy="0"/>
+          <a:chOff x="0" y="0"/>
+          <a:chExt cx="0" cy="0"/>
+        </a:xfrm>
+      </p:grpSpPr>
+      <p:graphicFrame>
+        <p:nvGraphicFramePr>
+          <p:cNvPr id="8" name="표 7"/>
+          <p:cNvGraphicFramePr>
+            <a:graphicFrameLocks noGrp="1"/>
+          </p:cNvGraphicFramePr>
+          <p:nvPr>
+            <p:extLst>
+              <p:ext uri="{D42A27DB-BD31-4B8C-83A1-F6EECF244321}">
+                <p14:modId xmlns:p14="http://schemas.microsoft.com/office/powerpoint/2010/main" val="4138867738"/>
+              </p:ext>
+            </p:extLst>
+          </p:nvPr>
+        </p:nvGraphicFramePr>
+        <p:xfrm>
+          <a:off x="3542319" y="4438522"/>
+          <a:ext cx="3419140" cy="2280859"/>
+        </p:xfrm>
+        <a:graphic>
+          <a:graphicData uri="http://schemas.openxmlformats.org/drawingml/2006/table">
+            <a:tbl>
+              <a:tblPr firstRow="1" bandRow="1">
+                <a:tableStyleId>{5C22544A-7EE6-4342-B048-85BDC9FD1C3A}</a:tableStyleId>
+              </a:tblPr>
+              <a:tblGrid>
+                <a:gridCol w="3419140">
+                  <a:extLst>
+                    <a:ext uri="{9D8B030D-6E8A-4147-A177-3AD203B41FA5}">
+                      <a16:colId xmlns:a16="http://schemas.microsoft.com/office/drawing/2014/main" val="20000"/>
+                    </a:ext>
+                  </a:extLst>
+                </a:gridCol>
+              </a:tblGrid>
+              <a:tr h="255247">
+                <a:tc>
+                  <a:txBody>
+                    <a:bodyPr/>
+                    <a:lstStyle/>
+                    <a:p>
+                      <a:pPr latinLnBrk="1"/>
+                      <a:r>
+                        <a:rPr lang="en-US" altLang="ko-KR" sz="1000" dirty="0" smtClean="0"/>
+                        <a:t>Snake</a:t>
+                      </a:r>
+                      <a:endParaRPr lang="ko-KR" altLang="en-US" sz="1000" dirty="0">
+                        <a:solidFill>
+                          <a:srgbClr val="FF0000"/>
+                        </a:solidFill>
+                      </a:endParaRPr>
+                    </a:p>
+                  </a:txBody>
+                  <a:tcPr/>
+                </a:tc>
+                <a:extLst>
+                  <a:ext uri="{0D108BD9-81ED-4DB2-BD59-A6C34878D82A}">
+                    <a16:rowId xmlns:a16="http://schemas.microsoft.com/office/drawing/2014/main" val="10000"/>
+                  </a:ext>
+                </a:extLst>
+              </a:tr>
+              <a:tr h="425412">
+                <a:tc>
+                  <a:txBody>
+                    <a:bodyPr/>
+                    <a:lstStyle/>
+                    <a:p>
+                      <a:pPr latinLnBrk="1"/>
+                      <a:r>
+                        <a:rPr lang="en-US" altLang="ko-KR" sz="1000" dirty="0" smtClean="0"/>
+                        <a:t>- Vector&lt;pair&lt;</a:t>
+                      </a:r>
+                      <a:r>
+                        <a:rPr lang="en-US" altLang="ko-KR" sz="1000" dirty="0" err="1" smtClean="0"/>
+                        <a:t>int,int</a:t>
+                      </a:r>
+                      <a:r>
+                        <a:rPr lang="en-US" altLang="ko-KR" sz="1000" dirty="0" smtClean="0"/>
+                        <a:t>&gt;&gt; </a:t>
+                      </a:r>
+                      <a:r>
+                        <a:rPr lang="en-US" altLang="ko-KR" sz="1000" dirty="0" err="1" smtClean="0"/>
+                        <a:t>vSnake</a:t>
+                      </a:r>
+                      <a:r>
+                        <a:rPr lang="en-US" altLang="ko-KR" sz="1000" dirty="0" smtClean="0"/>
+                        <a:t>;</a:t>
+                      </a:r>
+                    </a:p>
+                    <a:p>
+                      <a:pPr latinLnBrk="1"/>
+                      <a:r>
+                        <a:rPr lang="en-US" altLang="ko-KR" sz="1000" b="0" dirty="0" smtClean="0"/>
+                        <a:t>- Direction</a:t>
+                      </a:r>
+                      <a:r>
+                        <a:rPr lang="en-US" altLang="ko-KR" sz="1000" dirty="0" smtClean="0"/>
+                        <a:t> Dir;</a:t>
+                      </a:r>
+                      <a:endParaRPr lang="ko-KR" altLang="en-US" sz="1000" dirty="0"/>
+                    </a:p>
+                  </a:txBody>
+                  <a:tcPr/>
+                </a:tc>
+                <a:extLst>
+                  <a:ext uri="{0D108BD9-81ED-4DB2-BD59-A6C34878D82A}">
+                    <a16:rowId xmlns:a16="http://schemas.microsoft.com/office/drawing/2014/main" val="10001"/>
+                  </a:ext>
+                </a:extLst>
+              </a:tr>
+              <a:tr h="1465640">
+                <a:tc>
+                  <a:txBody>
+                    <a:bodyPr/>
+                    <a:lstStyle/>
+                    <a:p>
+                      <a:pPr latinLnBrk="1"/>
+                      <a:r>
+                        <a:rPr lang="en-US" altLang="ko-KR" sz="900" b="0" dirty="0" smtClean="0">
+                          <a:solidFill>
+                            <a:schemeClr val="tx1"/>
+                          </a:solidFill>
+                        </a:rPr>
+                        <a:t>+ Snake</a:t>
+                      </a:r>
+                      <a:r>
+                        <a:rPr lang="en-US" altLang="ko-KR" sz="900" b="0" dirty="0" smtClean="0">
+                          <a:solidFill>
+                            <a:schemeClr val="tx1"/>
+                          </a:solidFill>
+                        </a:rPr>
+                        <a:t>();</a:t>
+                      </a:r>
+                    </a:p>
+                    <a:p>
+                      <a:pPr latinLnBrk="1"/>
+                      <a:r>
+                        <a:rPr lang="en-US" altLang="ko-KR" sz="900" b="0" dirty="0" smtClean="0">
+                          <a:solidFill>
+                            <a:schemeClr val="tx1"/>
+                          </a:solidFill>
+                        </a:rPr>
+                        <a:t>+ ~</a:t>
+                      </a:r>
+                      <a:r>
+                        <a:rPr lang="en-US" altLang="ko-KR" sz="900" b="0" dirty="0" smtClean="0">
+                          <a:solidFill>
+                            <a:schemeClr val="tx1"/>
+                          </a:solidFill>
+                        </a:rPr>
+                        <a:t>Snake</a:t>
+                      </a:r>
+                      <a:r>
+                        <a:rPr lang="en-US" altLang="ko-KR" sz="900" b="0" dirty="0" smtClean="0">
+                          <a:solidFill>
+                            <a:schemeClr val="tx1"/>
+                          </a:solidFill>
+                        </a:rPr>
+                        <a:t>();</a:t>
+                      </a:r>
+                      <a:endParaRPr lang="en-US" altLang="ko-KR" sz="900" b="0" dirty="0" smtClean="0">
+                        <a:solidFill>
+                          <a:schemeClr val="tx1"/>
+                        </a:solidFill>
+                      </a:endParaRPr>
+                    </a:p>
+                    <a:p>
+                      <a:pPr marL="171450" indent="-171450" latinLnBrk="1">
+                        <a:buFontTx/>
+                        <a:buChar char="-"/>
+                      </a:pPr>
+                      <a:r>
+                        <a:rPr lang="en-US" altLang="ko-KR" sz="900" b="0" baseline="0" dirty="0" smtClean="0">
+                          <a:solidFill>
+                            <a:schemeClr val="tx1"/>
+                          </a:solidFill>
+                        </a:rPr>
+                        <a:t>void </a:t>
+                      </a:r>
+                      <a:r>
+                        <a:rPr lang="en-US" altLang="ko-KR" sz="900" b="0" baseline="0" dirty="0" err="1" smtClean="0">
+                          <a:solidFill>
+                            <a:schemeClr val="tx1"/>
+                          </a:solidFill>
+                        </a:rPr>
+                        <a:t>init</a:t>
+                      </a:r>
+                      <a:r>
+                        <a:rPr lang="en-US" altLang="ko-KR" sz="900" b="0" baseline="0" dirty="0" smtClean="0">
+                          <a:solidFill>
+                            <a:schemeClr val="tx1"/>
+                          </a:solidFill>
+                        </a:rPr>
+                        <a:t>();</a:t>
+                      </a:r>
+                    </a:p>
+                    <a:p>
+                      <a:pPr marL="0" indent="0" latinLnBrk="1">
+                        <a:buFontTx/>
+                        <a:buNone/>
+                      </a:pPr>
+                      <a:endParaRPr lang="en-US" altLang="ko-KR" sz="900" b="0" dirty="0" smtClean="0">
+                        <a:solidFill>
+                          <a:schemeClr val="tx1"/>
+                        </a:solidFill>
+                      </a:endParaRPr>
+                    </a:p>
+                    <a:p>
+                      <a:pPr latinLnBrk="1"/>
+                      <a:r>
+                        <a:rPr lang="en-US" altLang="ko-KR" sz="900" b="0" dirty="0" smtClean="0">
+                          <a:solidFill>
+                            <a:schemeClr val="tx1"/>
+                          </a:solidFill>
+                        </a:rPr>
+                        <a:t>+ </a:t>
+                      </a:r>
+                      <a:r>
+                        <a:rPr lang="en-US" altLang="ko-KR" sz="900" b="0" dirty="0" err="1" smtClean="0">
+                          <a:solidFill>
+                            <a:schemeClr val="tx1"/>
+                          </a:solidFill>
+                        </a:rPr>
+                        <a:t>int</a:t>
+                      </a:r>
+                      <a:r>
+                        <a:rPr lang="en-US" altLang="ko-KR" sz="900" b="0" baseline="0" dirty="0" smtClean="0">
+                          <a:solidFill>
+                            <a:schemeClr val="tx1"/>
+                          </a:solidFill>
+                        </a:rPr>
+                        <a:t> </a:t>
+                      </a:r>
+                      <a:r>
+                        <a:rPr lang="en-US" altLang="ko-KR" sz="900" b="0" baseline="0" dirty="0" err="1" smtClean="0">
+                          <a:solidFill>
+                            <a:schemeClr val="tx1"/>
+                          </a:solidFill>
+                        </a:rPr>
+                        <a:t>GetSize</a:t>
+                      </a:r>
+                      <a:r>
+                        <a:rPr lang="en-US" altLang="ko-KR" sz="900" b="0" baseline="0" dirty="0" smtClean="0">
+                          <a:solidFill>
+                            <a:schemeClr val="tx1"/>
+                          </a:solidFill>
+                        </a:rPr>
+                        <a:t>();</a:t>
+                      </a:r>
+                    </a:p>
+                    <a:p>
+                      <a:pPr latinLnBrk="1"/>
+                      <a:r>
+                        <a:rPr lang="en-US" altLang="ko-KR" sz="900" b="0" baseline="0" dirty="0" smtClean="0">
+                          <a:solidFill>
+                            <a:schemeClr val="tx1"/>
+                          </a:solidFill>
+                        </a:rPr>
+                        <a:t>+ </a:t>
+                      </a:r>
+                      <a:r>
+                        <a:rPr lang="en-US" altLang="ko-KR" sz="900" b="0" baseline="0" dirty="0" err="1" smtClean="0">
+                          <a:solidFill>
+                            <a:schemeClr val="tx1"/>
+                          </a:solidFill>
+                        </a:rPr>
+                        <a:t>const</a:t>
+                      </a:r>
+                      <a:r>
+                        <a:rPr lang="en-US" altLang="ko-KR" sz="900" b="0" baseline="0" dirty="0" smtClean="0">
+                          <a:solidFill>
+                            <a:schemeClr val="tx1"/>
+                          </a:solidFill>
+                        </a:rPr>
+                        <a:t> Direction </a:t>
+                      </a:r>
+                      <a:r>
+                        <a:rPr lang="en-US" altLang="ko-KR" sz="900" b="0" baseline="0" dirty="0" err="1" smtClean="0">
+                          <a:solidFill>
+                            <a:schemeClr val="tx1"/>
+                          </a:solidFill>
+                        </a:rPr>
+                        <a:t>GetDir</a:t>
+                      </a:r>
+                      <a:r>
+                        <a:rPr lang="en-US" altLang="ko-KR" sz="900" b="0" baseline="0" dirty="0" smtClean="0">
+                          <a:solidFill>
+                            <a:schemeClr val="tx1"/>
+                          </a:solidFill>
+                        </a:rPr>
+                        <a:t>() </a:t>
+                      </a:r>
+                      <a:r>
+                        <a:rPr lang="en-US" altLang="ko-KR" sz="900" b="0" baseline="0" dirty="0" err="1" smtClean="0">
+                          <a:solidFill>
+                            <a:schemeClr val="tx1"/>
+                          </a:solidFill>
+                        </a:rPr>
+                        <a:t>const</a:t>
+                      </a:r>
+                      <a:r>
+                        <a:rPr lang="en-US" altLang="ko-KR" sz="900" b="0" baseline="0" dirty="0" smtClean="0">
+                          <a:solidFill>
+                            <a:schemeClr val="tx1"/>
+                          </a:solidFill>
+                        </a:rPr>
+                        <a:t>;</a:t>
+                      </a:r>
+                      <a:endParaRPr lang="en-US" altLang="ko-KR" sz="900" b="0" baseline="0" dirty="0" smtClean="0">
+                        <a:solidFill>
+                          <a:schemeClr val="tx1"/>
+                        </a:solidFill>
+                      </a:endParaRPr>
+                    </a:p>
+                    <a:p>
+                      <a:pPr latinLnBrk="1"/>
+                      <a:r>
+                        <a:rPr lang="en-US" altLang="ko-KR" sz="900" b="0" baseline="0" dirty="0" smtClean="0">
+                          <a:solidFill>
+                            <a:schemeClr val="tx1"/>
+                          </a:solidFill>
+                        </a:rPr>
+                        <a:t>+ Direction </a:t>
+                      </a:r>
+                      <a:r>
+                        <a:rPr lang="en-US" altLang="ko-KR" sz="900" b="0" baseline="0" dirty="0" err="1" smtClean="0">
+                          <a:solidFill>
+                            <a:schemeClr val="tx1"/>
+                          </a:solidFill>
+                        </a:rPr>
+                        <a:t>SetDir</a:t>
+                      </a:r>
+                      <a:r>
+                        <a:rPr lang="en-US" altLang="ko-KR" sz="900" b="0" baseline="0" dirty="0" smtClean="0">
+                          <a:solidFill>
+                            <a:schemeClr val="tx1"/>
+                          </a:solidFill>
+                        </a:rPr>
+                        <a:t>(Direction </a:t>
+                      </a:r>
+                      <a:r>
+                        <a:rPr lang="en-US" altLang="ko-KR" sz="900" b="0" baseline="0" dirty="0" err="1" smtClean="0">
+                          <a:solidFill>
+                            <a:schemeClr val="tx1"/>
+                          </a:solidFill>
+                        </a:rPr>
+                        <a:t>NextDir</a:t>
+                      </a:r>
+                      <a:r>
+                        <a:rPr lang="en-US" altLang="ko-KR" sz="900" b="0" baseline="0" dirty="0" smtClean="0">
+                          <a:solidFill>
+                            <a:schemeClr val="tx1"/>
+                          </a:solidFill>
+                        </a:rPr>
+                        <a:t>);</a:t>
+                      </a:r>
+                    </a:p>
+                    <a:p>
+                      <a:pPr latinLnBrk="1"/>
+                      <a:r>
+                        <a:rPr lang="en-US" altLang="ko-KR" sz="900" b="0" baseline="0" dirty="0" smtClean="0">
+                          <a:solidFill>
+                            <a:schemeClr val="tx1"/>
+                          </a:solidFill>
+                        </a:rPr>
+                        <a:t>+ bool </a:t>
+                      </a:r>
+                      <a:r>
+                        <a:rPr lang="en-US" altLang="ko-KR" sz="900" b="0" baseline="0" dirty="0" err="1" smtClean="0">
+                          <a:solidFill>
+                            <a:schemeClr val="tx1"/>
+                          </a:solidFill>
+                        </a:rPr>
+                        <a:t>MoveSnake</a:t>
+                      </a:r>
+                      <a:r>
+                        <a:rPr lang="en-US" altLang="ko-KR" sz="900" b="0" baseline="0" dirty="0" smtClean="0">
+                          <a:solidFill>
+                            <a:schemeClr val="tx1"/>
+                          </a:solidFill>
+                        </a:rPr>
+                        <a:t>(</a:t>
+                      </a:r>
+                      <a:r>
+                        <a:rPr lang="en-US" altLang="ko-KR" sz="900" b="0" baseline="0" dirty="0" err="1" smtClean="0">
+                          <a:solidFill>
+                            <a:schemeClr val="tx1"/>
+                          </a:solidFill>
+                        </a:rPr>
+                        <a:t>int</a:t>
+                      </a:r>
+                      <a:r>
+                        <a:rPr lang="en-US" altLang="ko-KR" sz="900" b="0" baseline="0" dirty="0" smtClean="0">
+                          <a:solidFill>
+                            <a:schemeClr val="tx1"/>
+                          </a:solidFill>
+                        </a:rPr>
+                        <a:t> X, </a:t>
+                      </a:r>
+                      <a:r>
+                        <a:rPr lang="en-US" altLang="ko-KR" sz="900" b="0" baseline="0" dirty="0" err="1" smtClean="0">
+                          <a:solidFill>
+                            <a:schemeClr val="tx1"/>
+                          </a:solidFill>
+                        </a:rPr>
+                        <a:t>int</a:t>
+                      </a:r>
+                      <a:r>
+                        <a:rPr lang="en-US" altLang="ko-KR" sz="900" b="0" baseline="0" dirty="0" smtClean="0">
+                          <a:solidFill>
+                            <a:schemeClr val="tx1"/>
+                          </a:solidFill>
+                        </a:rPr>
+                        <a:t> Y, APPLE_CLR=NONECOLOR); </a:t>
+                      </a:r>
+                      <a:endParaRPr lang="en-US" altLang="ko-KR" sz="900" b="0" baseline="0" dirty="0" smtClean="0">
+                        <a:solidFill>
+                          <a:schemeClr val="tx1"/>
+                        </a:solidFill>
+                      </a:endParaRPr>
+                    </a:p>
+                    <a:p>
+                      <a:pPr latinLnBrk="1"/>
+                      <a:r>
+                        <a:rPr lang="en-US" altLang="ko-KR" sz="900" b="0" kern="1200" baseline="0" dirty="0" smtClean="0">
+                          <a:solidFill>
+                            <a:schemeClr val="tx1"/>
+                          </a:solidFill>
+                          <a:latin typeface="+mn-lt"/>
+                          <a:ea typeface="+mn-ea"/>
+                          <a:cs typeface="+mn-cs"/>
+                        </a:rPr>
+                        <a:t>+ </a:t>
+                      </a:r>
+                      <a:r>
+                        <a:rPr lang="en-US" altLang="ko-KR" sz="900" b="0" kern="1200" baseline="0" dirty="0" err="1" smtClean="0">
+                          <a:solidFill>
+                            <a:schemeClr val="tx1"/>
+                          </a:solidFill>
+                          <a:latin typeface="+mn-lt"/>
+                          <a:ea typeface="+mn-ea"/>
+                          <a:cs typeface="+mn-cs"/>
+                        </a:rPr>
+                        <a:t>const</a:t>
+                      </a:r>
+                      <a:r>
+                        <a:rPr lang="en-US" altLang="ko-KR" sz="900" b="0" kern="1200" baseline="0" dirty="0" smtClean="0">
+                          <a:solidFill>
+                            <a:schemeClr val="tx1"/>
+                          </a:solidFill>
+                          <a:latin typeface="+mn-lt"/>
+                          <a:ea typeface="+mn-ea"/>
+                          <a:cs typeface="+mn-cs"/>
+                        </a:rPr>
+                        <a:t> Point </a:t>
+                      </a:r>
+                      <a:r>
+                        <a:rPr lang="en-US" altLang="ko-KR" sz="900" b="0" kern="1200" baseline="0" dirty="0" err="1" smtClean="0">
+                          <a:solidFill>
+                            <a:schemeClr val="tx1"/>
+                          </a:solidFill>
+                          <a:latin typeface="+mn-lt"/>
+                          <a:ea typeface="+mn-ea"/>
+                          <a:cs typeface="+mn-cs"/>
+                        </a:rPr>
+                        <a:t>GetNextPosition</a:t>
+                      </a:r>
+                      <a:r>
+                        <a:rPr lang="en-US" altLang="ko-KR" sz="900" b="0" kern="1200" baseline="0" dirty="0" smtClean="0">
+                          <a:solidFill>
+                            <a:schemeClr val="tx1"/>
+                          </a:solidFill>
+                          <a:latin typeface="+mn-lt"/>
+                          <a:ea typeface="+mn-ea"/>
+                          <a:cs typeface="+mn-cs"/>
+                        </a:rPr>
+                        <a:t>();</a:t>
+                      </a:r>
+                    </a:p>
+                    <a:p>
+                      <a:pPr marL="0" algn="l" defTabSz="914400" rtl="0" eaLnBrk="1" latinLnBrk="1" hangingPunct="1"/>
+                      <a:r>
+                        <a:rPr lang="en-US" altLang="ko-KR" sz="900" b="0" kern="1200" baseline="0" dirty="0" smtClean="0">
+                          <a:solidFill>
+                            <a:schemeClr val="tx1"/>
+                          </a:solidFill>
+                          <a:latin typeface="+mn-lt"/>
+                          <a:ea typeface="+mn-ea"/>
+                          <a:cs typeface="+mn-cs"/>
+                        </a:rPr>
+                        <a:t>+ </a:t>
+                      </a:r>
+                      <a:r>
+                        <a:rPr lang="en-US" altLang="ko-KR" sz="900" b="0" kern="1200" baseline="0" dirty="0" err="1" smtClean="0">
+                          <a:solidFill>
+                            <a:schemeClr val="tx1"/>
+                          </a:solidFill>
+                          <a:latin typeface="+mn-lt"/>
+                          <a:ea typeface="+mn-ea"/>
+                          <a:cs typeface="+mn-cs"/>
+                        </a:rPr>
+                        <a:t>const</a:t>
+                      </a:r>
+                      <a:r>
+                        <a:rPr lang="en-US" altLang="ko-KR" sz="900" b="0" kern="1200" baseline="0" dirty="0" smtClean="0">
+                          <a:solidFill>
+                            <a:schemeClr val="tx1"/>
+                          </a:solidFill>
+                          <a:latin typeface="+mn-lt"/>
+                          <a:ea typeface="+mn-ea"/>
+                          <a:cs typeface="+mn-cs"/>
+                        </a:rPr>
+                        <a:t> vector&lt;pair&lt;</a:t>
+                      </a:r>
+                      <a:r>
+                        <a:rPr lang="en-US" altLang="ko-KR" sz="900" b="0" kern="1200" baseline="0" dirty="0" err="1" smtClean="0">
+                          <a:solidFill>
+                            <a:schemeClr val="tx1"/>
+                          </a:solidFill>
+                          <a:latin typeface="+mn-lt"/>
+                          <a:ea typeface="+mn-ea"/>
+                          <a:cs typeface="+mn-cs"/>
+                        </a:rPr>
+                        <a:t>int</a:t>
+                      </a:r>
+                      <a:r>
+                        <a:rPr lang="en-US" altLang="ko-KR" sz="900" b="0" kern="1200" baseline="0" dirty="0" smtClean="0">
+                          <a:solidFill>
+                            <a:schemeClr val="tx1"/>
+                          </a:solidFill>
+                          <a:latin typeface="+mn-lt"/>
+                          <a:ea typeface="+mn-ea"/>
+                          <a:cs typeface="+mn-cs"/>
+                        </a:rPr>
+                        <a:t>, </a:t>
+                      </a:r>
+                      <a:r>
+                        <a:rPr lang="en-US" altLang="ko-KR" sz="900" b="0" kern="1200" baseline="0" dirty="0" err="1" smtClean="0">
+                          <a:solidFill>
+                            <a:schemeClr val="tx1"/>
+                          </a:solidFill>
+                          <a:latin typeface="+mn-lt"/>
+                          <a:ea typeface="+mn-ea"/>
+                          <a:cs typeface="+mn-cs"/>
+                        </a:rPr>
+                        <a:t>int</a:t>
+                      </a:r>
+                      <a:r>
+                        <a:rPr lang="en-US" altLang="ko-KR" sz="900" b="0" kern="1200" baseline="0" dirty="0" smtClean="0">
+                          <a:solidFill>
+                            <a:schemeClr val="tx1"/>
+                          </a:solidFill>
+                          <a:latin typeface="+mn-lt"/>
+                          <a:ea typeface="+mn-ea"/>
+                          <a:cs typeface="+mn-cs"/>
+                        </a:rPr>
+                        <a:t>&gt;&gt;* </a:t>
+                      </a:r>
+                      <a:r>
+                        <a:rPr lang="en-US" altLang="ko-KR" sz="900" b="0" kern="1200" baseline="0" dirty="0" err="1" smtClean="0">
+                          <a:solidFill>
+                            <a:schemeClr val="tx1"/>
+                          </a:solidFill>
+                          <a:latin typeface="+mn-lt"/>
+                          <a:ea typeface="+mn-ea"/>
+                          <a:cs typeface="+mn-cs"/>
+                        </a:rPr>
+                        <a:t>GetSnakePosition</a:t>
+                      </a:r>
+                      <a:r>
+                        <a:rPr lang="en-US" altLang="ko-KR" sz="900" b="0" kern="1200" baseline="0" dirty="0" smtClean="0">
+                          <a:solidFill>
+                            <a:schemeClr val="tx1"/>
+                          </a:solidFill>
+                          <a:latin typeface="+mn-lt"/>
+                          <a:ea typeface="+mn-ea"/>
+                          <a:cs typeface="+mn-cs"/>
+                        </a:rPr>
+                        <a:t>() </a:t>
+                      </a:r>
+                      <a:r>
+                        <a:rPr lang="en-US" altLang="ko-KR" sz="900" b="0" kern="1200" baseline="0" dirty="0" err="1" smtClean="0">
+                          <a:solidFill>
+                            <a:schemeClr val="tx1"/>
+                          </a:solidFill>
+                          <a:latin typeface="+mn-lt"/>
+                          <a:ea typeface="+mn-ea"/>
+                          <a:cs typeface="+mn-cs"/>
+                        </a:rPr>
+                        <a:t>const</a:t>
+                      </a:r>
+                      <a:r>
+                        <a:rPr lang="en-US" altLang="ko-KR" sz="900" b="0" kern="1200" baseline="0" dirty="0" smtClean="0">
+                          <a:solidFill>
+                            <a:schemeClr val="tx1"/>
+                          </a:solidFill>
+                          <a:latin typeface="+mn-lt"/>
+                          <a:ea typeface="+mn-ea"/>
+                          <a:cs typeface="+mn-cs"/>
+                        </a:rPr>
+                        <a:t>;</a:t>
+                      </a:r>
+                      <a:endParaRPr lang="en-US" altLang="ko-KR" sz="900" b="0" kern="1200" baseline="0" dirty="0" smtClean="0">
+                        <a:solidFill>
+                          <a:schemeClr val="tx1"/>
+                        </a:solidFill>
+                        <a:latin typeface="+mn-lt"/>
+                        <a:ea typeface="+mn-ea"/>
+                        <a:cs typeface="+mn-cs"/>
+                      </a:endParaRPr>
+                    </a:p>
+                    <a:p>
+                      <a:pPr marL="0" algn="l" defTabSz="914400" rtl="0" eaLnBrk="1" latinLnBrk="1" hangingPunct="1"/>
+                      <a:r>
+                        <a:rPr lang="en-US" altLang="ko-KR" sz="900" b="0" kern="1200" baseline="0" dirty="0" smtClean="0">
+                          <a:solidFill>
+                            <a:schemeClr val="tx1"/>
+                          </a:solidFill>
+                          <a:latin typeface="+mn-lt"/>
+                          <a:ea typeface="+mn-ea"/>
+                          <a:cs typeface="+mn-cs"/>
+                        </a:rPr>
+                        <a:t>- bool </a:t>
+                      </a:r>
+                      <a:r>
+                        <a:rPr lang="en-US" altLang="ko-KR" sz="900" b="0" kern="1200" baseline="0" dirty="0" err="1" smtClean="0">
+                          <a:solidFill>
+                            <a:schemeClr val="tx1"/>
+                          </a:solidFill>
+                          <a:latin typeface="+mn-lt"/>
+                          <a:ea typeface="+mn-ea"/>
+                          <a:cs typeface="+mn-cs"/>
+                        </a:rPr>
+                        <a:t>SnakeSelfKill</a:t>
+                      </a:r>
+                      <a:r>
+                        <a:rPr lang="en-US" altLang="ko-KR" sz="900" b="0" kern="1200" baseline="0" dirty="0" smtClean="0">
+                          <a:solidFill>
+                            <a:schemeClr val="tx1"/>
+                          </a:solidFill>
+                          <a:latin typeface="+mn-lt"/>
+                          <a:ea typeface="+mn-ea"/>
+                          <a:cs typeface="+mn-cs"/>
+                        </a:rPr>
+                        <a:t>();</a:t>
+                      </a:r>
+                      <a:endParaRPr lang="ko-KR" altLang="en-US" sz="900" b="0" kern="1200" baseline="0" dirty="0">
+                        <a:solidFill>
+                          <a:schemeClr val="tx1"/>
+                        </a:solidFill>
+                        <a:latin typeface="+mn-lt"/>
+                        <a:ea typeface="+mn-ea"/>
+                        <a:cs typeface="+mn-cs"/>
+                      </a:endParaRPr>
+                    </a:p>
+                  </a:txBody>
+                  <a:tcPr/>
+                </a:tc>
+                <a:extLst>
+                  <a:ext uri="{0D108BD9-81ED-4DB2-BD59-A6C34878D82A}">
+                    <a16:rowId xmlns:a16="http://schemas.microsoft.com/office/drawing/2014/main" val="10002"/>
+                  </a:ext>
+                </a:extLst>
+              </a:tr>
+            </a:tbl>
+          </a:graphicData>
+        </a:graphic>
+      </p:graphicFrame>
+      <p:graphicFrame>
+        <p:nvGraphicFramePr>
+          <p:cNvPr id="9" name="표 8"/>
+          <p:cNvGraphicFramePr>
+            <a:graphicFrameLocks noGrp="1"/>
+          </p:cNvGraphicFramePr>
+          <p:nvPr>
+            <p:extLst>
+              <p:ext uri="{D42A27DB-BD31-4B8C-83A1-F6EECF244321}">
+                <p14:modId xmlns:p14="http://schemas.microsoft.com/office/powerpoint/2010/main" val="1895912771"/>
+              </p:ext>
+            </p:extLst>
+          </p:nvPr>
+        </p:nvGraphicFramePr>
+        <p:xfrm>
+          <a:off x="8695092" y="2376853"/>
+          <a:ext cx="3368182" cy="2197375"/>
+        </p:xfrm>
+        <a:graphic>
+          <a:graphicData uri="http://schemas.openxmlformats.org/drawingml/2006/table">
+            <a:tbl>
+              <a:tblPr firstRow="1" bandRow="1">
+                <a:tableStyleId>{5C22544A-7EE6-4342-B048-85BDC9FD1C3A}</a:tableStyleId>
+              </a:tblPr>
+              <a:tblGrid>
+                <a:gridCol w="3368182">
+                  <a:extLst>
+                    <a:ext uri="{9D8B030D-6E8A-4147-A177-3AD203B41FA5}">
+                      <a16:colId xmlns:a16="http://schemas.microsoft.com/office/drawing/2014/main" val="20000"/>
+                    </a:ext>
+                  </a:extLst>
+                </a:gridCol>
+              </a:tblGrid>
+              <a:tr h="203200">
+                <a:tc>
+                  <a:txBody>
+                    <a:bodyPr/>
+                    <a:lstStyle/>
+                    <a:p>
+                      <a:pPr latinLnBrk="1"/>
+                      <a:r>
+                        <a:rPr lang="en-US" altLang="ko-KR" sz="1000" dirty="0" smtClean="0"/>
+                        <a:t>Apple</a:t>
+                      </a:r>
+                      <a:endParaRPr lang="ko-KR" altLang="en-US" sz="1000" dirty="0">
+                        <a:solidFill>
+                          <a:srgbClr val="FF0000"/>
+                        </a:solidFill>
+                      </a:endParaRPr>
+                    </a:p>
+                  </a:txBody>
+                  <a:tcPr/>
+                </a:tc>
+                <a:extLst>
+                  <a:ext uri="{0D108BD9-81ED-4DB2-BD59-A6C34878D82A}">
+                    <a16:rowId xmlns:a16="http://schemas.microsoft.com/office/drawing/2014/main" val="10000"/>
+                  </a:ext>
+                </a:extLst>
+              </a:tr>
+              <a:tr h="297180">
+                <a:tc>
+                  <a:txBody>
+                    <a:bodyPr/>
+                    <a:lstStyle/>
+                    <a:p>
+                      <a:pPr latinLnBrk="1"/>
+                      <a:r>
+                        <a:rPr lang="en-US" altLang="ko-KR" sz="1000" dirty="0" smtClean="0"/>
+                        <a:t>- APPLE_COLOR </a:t>
+                      </a:r>
+                      <a:r>
+                        <a:rPr lang="en-US" altLang="ko-KR" sz="1000" dirty="0" err="1" smtClean="0"/>
+                        <a:t>eColor</a:t>
+                      </a:r>
+                      <a:r>
+                        <a:rPr lang="en-US" altLang="ko-KR" sz="1000" dirty="0" smtClean="0"/>
+                        <a:t>;</a:t>
+                      </a:r>
+                    </a:p>
+                    <a:p>
+                      <a:pPr latinLnBrk="1"/>
+                      <a:r>
+                        <a:rPr lang="en-US" altLang="ko-KR" sz="1000" dirty="0" smtClean="0"/>
+                        <a:t>- Point</a:t>
+                      </a:r>
+                      <a:r>
+                        <a:rPr lang="en-US" altLang="ko-KR" sz="1000" baseline="0" dirty="0" smtClean="0"/>
+                        <a:t> </a:t>
+                      </a:r>
+                      <a:r>
+                        <a:rPr lang="en-US" altLang="ko-KR" sz="1000" baseline="0" dirty="0" err="1" smtClean="0"/>
+                        <a:t>sApplePosition</a:t>
+                      </a:r>
+                      <a:r>
+                        <a:rPr lang="en-US" altLang="ko-KR" sz="1000" baseline="0" dirty="0" smtClean="0"/>
+                        <a:t>;</a:t>
+                      </a:r>
+                      <a:endParaRPr lang="en-US" altLang="ko-KR" sz="1000" dirty="0" smtClean="0"/>
+                    </a:p>
+                  </a:txBody>
+                  <a:tcPr/>
+                </a:tc>
+                <a:extLst>
+                  <a:ext uri="{0D108BD9-81ED-4DB2-BD59-A6C34878D82A}">
+                    <a16:rowId xmlns:a16="http://schemas.microsoft.com/office/drawing/2014/main" val="10001"/>
+                  </a:ext>
+                </a:extLst>
+              </a:tr>
+              <a:tr h="1557295">
+                <a:tc>
+                  <a:txBody>
+                    <a:bodyPr/>
+                    <a:lstStyle/>
+                    <a:p>
+                      <a:pPr latinLnBrk="1"/>
+                      <a:r>
+                        <a:rPr lang="en-US" altLang="ko-KR" sz="900" dirty="0" smtClean="0"/>
+                        <a:t>+ Ap</a:t>
+                      </a:r>
+                      <a:r>
+                        <a:rPr lang="en-US" altLang="ko-KR" sz="900" b="0" dirty="0" smtClean="0">
+                          <a:solidFill>
+                            <a:schemeClr val="tx1"/>
+                          </a:solidFill>
+                        </a:rPr>
+                        <a:t>ple</a:t>
+                      </a:r>
+                      <a:r>
+                        <a:rPr lang="en-US" altLang="ko-KR" sz="900" b="0" dirty="0" smtClean="0">
+                          <a:solidFill>
+                            <a:schemeClr val="tx1"/>
+                          </a:solidFill>
+                        </a:rPr>
+                        <a:t>();</a:t>
+                      </a:r>
+                    </a:p>
+                    <a:p>
+                      <a:pPr latinLnBrk="1"/>
+                      <a:r>
+                        <a:rPr lang="en-US" altLang="ko-KR" sz="900" b="0" dirty="0" smtClean="0">
+                          <a:solidFill>
+                            <a:schemeClr val="tx1"/>
+                          </a:solidFill>
+                        </a:rPr>
+                        <a:t>+ ~</a:t>
+                      </a:r>
+                      <a:r>
+                        <a:rPr lang="en-US" altLang="ko-KR" sz="900" b="0" dirty="0" smtClean="0">
+                          <a:solidFill>
+                            <a:schemeClr val="tx1"/>
+                          </a:solidFill>
+                        </a:rPr>
+                        <a:t>Apple();</a:t>
+                      </a:r>
+                    </a:p>
+                    <a:p>
+                      <a:pPr latinLnBrk="1"/>
+                      <a:endParaRPr lang="en-US" altLang="ko-KR" sz="900" b="0" dirty="0" smtClean="0">
+                        <a:solidFill>
+                          <a:schemeClr val="tx1"/>
+                        </a:solidFill>
+                      </a:endParaRPr>
+                    </a:p>
+                    <a:p>
+                      <a:pPr latinLnBrk="1"/>
+                      <a:r>
+                        <a:rPr lang="en-US" altLang="ko-KR" sz="900" b="0" dirty="0" smtClean="0">
+                          <a:solidFill>
+                            <a:schemeClr val="tx1"/>
+                          </a:solidFill>
+                        </a:rPr>
+                        <a:t>+ void</a:t>
+                      </a:r>
+                      <a:r>
+                        <a:rPr lang="en-US" altLang="ko-KR" sz="900" b="0" baseline="0" dirty="0" smtClean="0">
+                          <a:solidFill>
+                            <a:schemeClr val="tx1"/>
+                          </a:solidFill>
+                        </a:rPr>
+                        <a:t> </a:t>
+                      </a:r>
+                      <a:r>
+                        <a:rPr lang="en-US" altLang="ko-KR" sz="900" b="0" baseline="0" dirty="0" err="1" smtClean="0">
+                          <a:solidFill>
+                            <a:schemeClr val="tx1"/>
+                          </a:solidFill>
+                        </a:rPr>
+                        <a:t>createApple</a:t>
+                      </a:r>
+                      <a:r>
+                        <a:rPr lang="en-US" altLang="ko-KR" sz="900" b="0" baseline="0" dirty="0" smtClean="0">
+                          <a:solidFill>
+                            <a:schemeClr val="tx1"/>
+                          </a:solidFill>
+                        </a:rPr>
+                        <a:t>(</a:t>
+                      </a:r>
+                      <a:r>
+                        <a:rPr lang="en-US" altLang="ko-KR" sz="900" b="0" baseline="0" dirty="0" err="1" smtClean="0">
+                          <a:solidFill>
+                            <a:schemeClr val="tx1"/>
+                          </a:solidFill>
+                        </a:rPr>
+                        <a:t>int</a:t>
+                      </a:r>
+                      <a:r>
+                        <a:rPr lang="en-US" altLang="ko-KR" sz="900" b="0" baseline="0" dirty="0" smtClean="0">
+                          <a:solidFill>
+                            <a:schemeClr val="tx1"/>
+                          </a:solidFill>
+                        </a:rPr>
+                        <a:t> </a:t>
+                      </a:r>
+                      <a:r>
+                        <a:rPr lang="en-US" altLang="ko-KR" sz="900" b="0" baseline="0" dirty="0" err="1" smtClean="0">
+                          <a:solidFill>
+                            <a:schemeClr val="tx1"/>
+                          </a:solidFill>
+                        </a:rPr>
+                        <a:t>nMapSizex</a:t>
+                      </a:r>
+                      <a:r>
+                        <a:rPr lang="en-US" altLang="ko-KR" sz="900" b="0" baseline="0" dirty="0" smtClean="0">
+                          <a:solidFill>
+                            <a:schemeClr val="tx1"/>
+                          </a:solidFill>
+                        </a:rPr>
+                        <a:t>, y, color);</a:t>
+                      </a:r>
+                    </a:p>
+                    <a:p>
+                      <a:pPr latinLnBrk="1"/>
+                      <a:r>
+                        <a:rPr lang="en-US" altLang="ko-KR" sz="900" b="0" baseline="0" dirty="0" smtClean="0">
+                          <a:solidFill>
+                            <a:schemeClr val="tx1"/>
+                          </a:solidFill>
+                        </a:rPr>
+                        <a:t>+ </a:t>
+                      </a:r>
+                      <a:r>
+                        <a:rPr lang="en-US" altLang="ko-KR" sz="900" b="0" baseline="0" dirty="0" err="1" smtClean="0">
+                          <a:solidFill>
+                            <a:schemeClr val="tx1"/>
+                          </a:solidFill>
+                        </a:rPr>
+                        <a:t>const</a:t>
+                      </a:r>
+                      <a:r>
+                        <a:rPr lang="en-US" altLang="ko-KR" sz="900" b="0" baseline="0" dirty="0" smtClean="0">
+                          <a:solidFill>
+                            <a:schemeClr val="tx1"/>
+                          </a:solidFill>
+                        </a:rPr>
+                        <a:t> </a:t>
+                      </a:r>
+                      <a:r>
+                        <a:rPr lang="en-US" altLang="ko-KR" sz="900" b="0" baseline="0" dirty="0" err="1" smtClean="0">
+                          <a:solidFill>
+                            <a:schemeClr val="tx1"/>
+                          </a:solidFill>
+                        </a:rPr>
+                        <a:t>int</a:t>
+                      </a:r>
+                      <a:r>
+                        <a:rPr lang="en-US" altLang="ko-KR" sz="900" b="0" baseline="0" dirty="0" smtClean="0">
+                          <a:solidFill>
+                            <a:schemeClr val="tx1"/>
+                          </a:solidFill>
+                        </a:rPr>
+                        <a:t> </a:t>
+                      </a:r>
+                      <a:r>
+                        <a:rPr lang="en-US" altLang="ko-KR" sz="900" b="0" baseline="0" dirty="0" err="1" smtClean="0">
+                          <a:solidFill>
+                            <a:schemeClr val="tx1"/>
+                          </a:solidFill>
+                        </a:rPr>
+                        <a:t>GetAppleX</a:t>
+                      </a:r>
+                      <a:r>
+                        <a:rPr lang="en-US" altLang="ko-KR" sz="900" b="0" baseline="0" dirty="0" smtClean="0">
+                          <a:solidFill>
+                            <a:schemeClr val="tx1"/>
+                          </a:solidFill>
+                        </a:rPr>
+                        <a:t>() </a:t>
+                      </a:r>
+                      <a:r>
+                        <a:rPr lang="en-US" altLang="ko-KR" sz="900" b="0" baseline="0" dirty="0" err="1" smtClean="0">
+                          <a:solidFill>
+                            <a:schemeClr val="tx1"/>
+                          </a:solidFill>
+                        </a:rPr>
+                        <a:t>const</a:t>
+                      </a:r>
+                      <a:r>
+                        <a:rPr lang="en-US" altLang="ko-KR" sz="900" b="0" baseline="0" dirty="0" smtClean="0">
+                          <a:solidFill>
+                            <a:schemeClr val="tx1"/>
+                          </a:solidFill>
+                        </a:rPr>
+                        <a:t>;</a:t>
+                      </a:r>
+                      <a:endParaRPr lang="en-US" altLang="ko-KR" sz="900" b="0" baseline="0" dirty="0" smtClean="0">
+                        <a:solidFill>
+                          <a:schemeClr val="tx1"/>
+                        </a:solidFill>
+                      </a:endParaRPr>
+                    </a:p>
+                    <a:p>
+                      <a:pPr latinLnBrk="1"/>
+                      <a:r>
+                        <a:rPr lang="en-US" altLang="ko-KR" sz="900" b="0" baseline="0" dirty="0" smtClean="0">
+                          <a:solidFill>
+                            <a:schemeClr val="tx1"/>
+                          </a:solidFill>
+                        </a:rPr>
+                        <a:t>+ </a:t>
+                      </a:r>
+                      <a:r>
+                        <a:rPr lang="en-US" altLang="ko-KR" sz="900" b="0" baseline="0" dirty="0" err="1" smtClean="0">
+                          <a:solidFill>
+                            <a:schemeClr val="tx1"/>
+                          </a:solidFill>
+                        </a:rPr>
+                        <a:t>const</a:t>
+                      </a:r>
+                      <a:r>
+                        <a:rPr lang="en-US" altLang="ko-KR" sz="900" b="0" baseline="0" dirty="0" smtClean="0">
+                          <a:solidFill>
+                            <a:schemeClr val="tx1"/>
+                          </a:solidFill>
+                        </a:rPr>
+                        <a:t> </a:t>
+                      </a:r>
+                      <a:r>
+                        <a:rPr lang="en-US" altLang="ko-KR" sz="900" b="0" baseline="0" dirty="0" err="1" smtClean="0">
+                          <a:solidFill>
+                            <a:schemeClr val="tx1"/>
+                          </a:solidFill>
+                        </a:rPr>
+                        <a:t>int</a:t>
+                      </a:r>
+                      <a:r>
+                        <a:rPr lang="en-US" altLang="ko-KR" sz="900" b="0" baseline="0" dirty="0" smtClean="0">
+                          <a:solidFill>
+                            <a:schemeClr val="tx1"/>
+                          </a:solidFill>
+                        </a:rPr>
+                        <a:t> </a:t>
+                      </a:r>
+                      <a:r>
+                        <a:rPr lang="en-US" altLang="ko-KR" sz="900" b="0" baseline="0" dirty="0" err="1" smtClean="0">
+                          <a:solidFill>
+                            <a:schemeClr val="tx1"/>
+                          </a:solidFill>
+                        </a:rPr>
+                        <a:t>GetAppleY</a:t>
+                      </a:r>
+                      <a:r>
+                        <a:rPr lang="en-US" altLang="ko-KR" sz="900" b="0" baseline="0" dirty="0" smtClean="0">
+                          <a:solidFill>
+                            <a:schemeClr val="tx1"/>
+                          </a:solidFill>
+                        </a:rPr>
+                        <a:t>() </a:t>
+                      </a:r>
+                      <a:r>
+                        <a:rPr lang="en-US" altLang="ko-KR" sz="900" b="0" baseline="0" dirty="0" err="1" smtClean="0">
+                          <a:solidFill>
+                            <a:schemeClr val="tx1"/>
+                          </a:solidFill>
+                        </a:rPr>
+                        <a:t>const</a:t>
+                      </a:r>
+                      <a:r>
+                        <a:rPr lang="en-US" altLang="ko-KR" sz="900" b="0" baseline="0" dirty="0" smtClean="0">
+                          <a:solidFill>
+                            <a:schemeClr val="tx1"/>
+                          </a:solidFill>
+                        </a:rPr>
+                        <a:t>;</a:t>
+                      </a:r>
+                      <a:endParaRPr lang="en-US" altLang="ko-KR" sz="900" b="0" baseline="0" dirty="0" smtClean="0">
+                        <a:solidFill>
+                          <a:schemeClr val="tx1"/>
+                        </a:solidFill>
+                      </a:endParaRPr>
+                    </a:p>
+                    <a:p>
+                      <a:pPr latinLnBrk="1"/>
+                      <a:r>
+                        <a:rPr lang="en-US" altLang="ko-KR" sz="900" b="0" baseline="0" dirty="0" smtClean="0">
+                          <a:solidFill>
+                            <a:schemeClr val="tx1"/>
+                          </a:solidFill>
+                        </a:rPr>
+                        <a:t>+ </a:t>
+                      </a:r>
+                      <a:r>
+                        <a:rPr lang="en-US" altLang="ko-KR" sz="900" b="0" baseline="0" dirty="0" err="1" smtClean="0">
+                          <a:solidFill>
+                            <a:schemeClr val="tx1"/>
+                          </a:solidFill>
+                        </a:rPr>
+                        <a:t>const</a:t>
+                      </a:r>
+                      <a:r>
+                        <a:rPr lang="en-US" altLang="ko-KR" sz="900" b="0" baseline="0" dirty="0" smtClean="0">
+                          <a:solidFill>
+                            <a:schemeClr val="tx1"/>
+                          </a:solidFill>
+                        </a:rPr>
+                        <a:t> APPLE_COLOR </a:t>
+                      </a:r>
+                      <a:r>
+                        <a:rPr lang="en-US" altLang="ko-KR" sz="900" b="0" baseline="0" dirty="0" err="1" smtClean="0">
+                          <a:solidFill>
+                            <a:schemeClr val="tx1"/>
+                          </a:solidFill>
+                        </a:rPr>
+                        <a:t>GetAppleColor</a:t>
+                      </a:r>
+                      <a:r>
+                        <a:rPr lang="en-US" altLang="ko-KR" sz="900" b="0" baseline="0" dirty="0" smtClean="0">
+                          <a:solidFill>
+                            <a:schemeClr val="tx1"/>
+                          </a:solidFill>
+                        </a:rPr>
+                        <a:t>() </a:t>
+                      </a:r>
+                      <a:r>
+                        <a:rPr lang="en-US" altLang="ko-KR" sz="900" b="0" baseline="0" dirty="0" err="1" smtClean="0">
+                          <a:solidFill>
+                            <a:schemeClr val="tx1"/>
+                          </a:solidFill>
+                        </a:rPr>
+                        <a:t>const</a:t>
+                      </a:r>
+                      <a:r>
+                        <a:rPr lang="en-US" altLang="ko-KR" sz="900" b="0" baseline="0" dirty="0" smtClean="0">
+                          <a:solidFill>
+                            <a:schemeClr val="tx1"/>
+                          </a:solidFill>
+                        </a:rPr>
+                        <a:t>;</a:t>
+                      </a:r>
+                      <a:endParaRPr lang="en-US" altLang="ko-KR" sz="900" b="0" baseline="0" dirty="0" smtClean="0">
+                        <a:solidFill>
+                          <a:schemeClr val="tx1"/>
+                        </a:solidFill>
+                      </a:endParaRPr>
+                    </a:p>
+                    <a:p>
+                      <a:pPr latinLnBrk="1"/>
+                      <a:endParaRPr lang="en-US" altLang="ko-KR" sz="900" b="0" baseline="0" dirty="0" smtClean="0">
+                        <a:solidFill>
+                          <a:schemeClr val="tx1"/>
+                        </a:solidFill>
+                      </a:endParaRPr>
+                    </a:p>
+                    <a:p>
+                      <a:pPr marL="171450" indent="-171450" latinLnBrk="1">
+                        <a:buFontTx/>
+                        <a:buChar char="-"/>
+                      </a:pPr>
+                      <a:r>
+                        <a:rPr lang="en-US" altLang="ko-KR" sz="900" b="0" baseline="0" dirty="0" smtClean="0">
+                          <a:solidFill>
+                            <a:schemeClr val="tx1"/>
+                          </a:solidFill>
+                        </a:rPr>
+                        <a:t>Point </a:t>
+                      </a:r>
+                      <a:r>
+                        <a:rPr lang="en-US" altLang="ko-KR" sz="900" b="0" baseline="0" dirty="0" err="1" smtClean="0">
+                          <a:solidFill>
+                            <a:schemeClr val="tx1"/>
+                          </a:solidFill>
+                        </a:rPr>
+                        <a:t>RandomXY</a:t>
+                      </a:r>
+                      <a:r>
+                        <a:rPr lang="en-US" altLang="ko-KR" sz="900" b="0" baseline="0" dirty="0" smtClean="0">
+                          <a:solidFill>
+                            <a:schemeClr val="tx1"/>
+                          </a:solidFill>
+                        </a:rPr>
+                        <a:t>(</a:t>
+                      </a:r>
+                      <a:r>
+                        <a:rPr lang="en-US" altLang="ko-KR" sz="900" b="0" baseline="0" dirty="0" err="1" smtClean="0">
+                          <a:solidFill>
+                            <a:schemeClr val="tx1"/>
+                          </a:solidFill>
+                        </a:rPr>
+                        <a:t>int</a:t>
+                      </a:r>
+                      <a:r>
+                        <a:rPr lang="en-US" altLang="ko-KR" sz="900" b="0" baseline="0" dirty="0" smtClean="0">
+                          <a:solidFill>
+                            <a:schemeClr val="tx1"/>
+                          </a:solidFill>
+                        </a:rPr>
+                        <a:t> </a:t>
+                      </a:r>
+                      <a:r>
+                        <a:rPr lang="en-US" altLang="ko-KR" sz="900" b="0" baseline="0" dirty="0" err="1" smtClean="0">
+                          <a:solidFill>
+                            <a:schemeClr val="tx1"/>
+                          </a:solidFill>
+                        </a:rPr>
+                        <a:t>nMax_X</a:t>
+                      </a:r>
+                      <a:r>
+                        <a:rPr lang="en-US" altLang="ko-KR" sz="900" b="0" baseline="0" dirty="0" smtClean="0">
+                          <a:solidFill>
+                            <a:schemeClr val="tx1"/>
+                          </a:solidFill>
+                        </a:rPr>
+                        <a:t>, </a:t>
+                      </a:r>
+                      <a:r>
+                        <a:rPr lang="en-US" altLang="ko-KR" sz="900" b="0" baseline="0" dirty="0" err="1" smtClean="0">
+                          <a:solidFill>
+                            <a:schemeClr val="tx1"/>
+                          </a:solidFill>
+                        </a:rPr>
+                        <a:t>int</a:t>
+                      </a:r>
+                      <a:r>
+                        <a:rPr lang="en-US" altLang="ko-KR" sz="900" b="0" baseline="0" dirty="0" smtClean="0">
+                          <a:solidFill>
+                            <a:schemeClr val="tx1"/>
+                          </a:solidFill>
+                        </a:rPr>
+                        <a:t> </a:t>
+                      </a:r>
+                      <a:r>
+                        <a:rPr lang="en-US" altLang="ko-KR" sz="900" b="0" baseline="0" dirty="0" err="1" smtClean="0">
+                          <a:solidFill>
+                            <a:schemeClr val="tx1"/>
+                          </a:solidFill>
+                        </a:rPr>
+                        <a:t>nMax_Y</a:t>
+                      </a:r>
+                      <a:r>
+                        <a:rPr lang="en-US" altLang="ko-KR" sz="900" b="0" baseline="0" dirty="0" smtClean="0">
+                          <a:solidFill>
+                            <a:schemeClr val="tx1"/>
+                          </a:solidFill>
+                        </a:rPr>
+                        <a:t>);</a:t>
+                      </a:r>
+                    </a:p>
+                    <a:p>
+                      <a:pPr marL="171450" indent="-171450" latinLnBrk="1">
+                        <a:buFontTx/>
+                        <a:buChar char="-"/>
+                      </a:pPr>
+                      <a:r>
+                        <a:rPr lang="en-US" altLang="ko-KR" sz="900" b="0" baseline="0" dirty="0" smtClean="0">
+                          <a:solidFill>
+                            <a:schemeClr val="tx1"/>
+                          </a:solidFill>
+                        </a:rPr>
+                        <a:t>APPLE_CLR </a:t>
+                      </a:r>
+                      <a:r>
+                        <a:rPr lang="en-US" altLang="ko-KR" sz="900" b="0" baseline="0" dirty="0" err="1" smtClean="0">
+                          <a:solidFill>
+                            <a:schemeClr val="tx1"/>
+                          </a:solidFill>
+                        </a:rPr>
+                        <a:t>RandomColor</a:t>
+                      </a:r>
+                      <a:r>
+                        <a:rPr lang="en-US" altLang="ko-KR" sz="900" b="0" baseline="0" dirty="0" smtClean="0">
+                          <a:solidFill>
+                            <a:schemeClr val="tx1"/>
+                          </a:solidFill>
+                        </a:rPr>
+                        <a:t>();</a:t>
+                      </a:r>
+                    </a:p>
+                  </a:txBody>
+                  <a:tcPr/>
+                </a:tc>
+                <a:extLst>
+                  <a:ext uri="{0D108BD9-81ED-4DB2-BD59-A6C34878D82A}">
+                    <a16:rowId xmlns:a16="http://schemas.microsoft.com/office/drawing/2014/main" val="10002"/>
+                  </a:ext>
+                </a:extLst>
+              </a:tr>
+            </a:tbl>
+          </a:graphicData>
+        </a:graphic>
+      </p:graphicFrame>
+      <p:graphicFrame>
+        <p:nvGraphicFramePr>
+          <p:cNvPr id="10" name="표 9"/>
+          <p:cNvGraphicFramePr>
+            <a:graphicFrameLocks noGrp="1"/>
+          </p:cNvGraphicFramePr>
+          <p:nvPr>
+            <p:extLst>
+              <p:ext uri="{D42A27DB-BD31-4B8C-83A1-F6EECF244321}">
+                <p14:modId xmlns:p14="http://schemas.microsoft.com/office/powerpoint/2010/main" val="1931348094"/>
+              </p:ext>
+            </p:extLst>
+          </p:nvPr>
+        </p:nvGraphicFramePr>
+        <p:xfrm>
+          <a:off x="3578605" y="2008099"/>
+          <a:ext cx="4766521" cy="2255520"/>
+        </p:xfrm>
+        <a:graphic>
+          <a:graphicData uri="http://schemas.openxmlformats.org/drawingml/2006/table">
+            <a:tbl>
+              <a:tblPr firstRow="1" bandRow="1">
+                <a:tableStyleId>{5C22544A-7EE6-4342-B048-85BDC9FD1C3A}</a:tableStyleId>
+              </a:tblPr>
+              <a:tblGrid>
+                <a:gridCol w="4766521">
+                  <a:extLst>
+                    <a:ext uri="{9D8B030D-6E8A-4147-A177-3AD203B41FA5}">
+                      <a16:colId xmlns:a16="http://schemas.microsoft.com/office/drawing/2014/main" val="20000"/>
+                    </a:ext>
+                  </a:extLst>
+                </a:gridCol>
+              </a:tblGrid>
+              <a:tr h="0">
+                <a:tc>
+                  <a:txBody>
+                    <a:bodyPr/>
+                    <a:lstStyle/>
+                    <a:p>
+                      <a:pPr latinLnBrk="1"/>
+                      <a:r>
+                        <a:rPr lang="en-US" altLang="ko-KR" sz="1000" dirty="0" smtClean="0"/>
+                        <a:t>MAP</a:t>
+                      </a:r>
+                      <a:endParaRPr lang="ko-KR" altLang="en-US" sz="1000" dirty="0">
+                        <a:solidFill>
+                          <a:srgbClr val="FF0000"/>
+                        </a:solidFill>
+                      </a:endParaRPr>
+                    </a:p>
+                  </a:txBody>
+                  <a:tcPr/>
+                </a:tc>
+                <a:extLst>
+                  <a:ext uri="{0D108BD9-81ED-4DB2-BD59-A6C34878D82A}">
+                    <a16:rowId xmlns:a16="http://schemas.microsoft.com/office/drawing/2014/main" val="10000"/>
+                  </a:ext>
+                </a:extLst>
+              </a:tr>
+              <a:tr h="492150">
+                <a:tc>
+                  <a:txBody>
+                    <a:bodyPr/>
+                    <a:lstStyle/>
+                    <a:p>
+                      <a:pPr latinLnBrk="1"/>
+                      <a:r>
+                        <a:rPr lang="en-US" altLang="ko-KR" sz="1000" dirty="0" smtClean="0"/>
+                        <a:t>- Size </a:t>
+                      </a:r>
+                      <a:r>
+                        <a:rPr lang="en-US" altLang="ko-KR" sz="1000" dirty="0" err="1" smtClean="0"/>
+                        <a:t>sMapSize</a:t>
+                      </a:r>
+                      <a:r>
+                        <a:rPr lang="en-US" altLang="ko-KR" sz="1000" dirty="0" smtClean="0"/>
+                        <a:t>;</a:t>
+                      </a:r>
+                      <a:endParaRPr lang="en-US" altLang="ko-KR" sz="1000" baseline="0" dirty="0" smtClean="0"/>
+                    </a:p>
+                    <a:p>
+                      <a:pPr latinLnBrk="1"/>
+                      <a:r>
+                        <a:rPr lang="en-US" altLang="ko-KR" sz="1000" baseline="0" dirty="0" smtClean="0"/>
+                        <a:t>- Vector&lt;Apple</a:t>
+                      </a:r>
+                      <a:r>
+                        <a:rPr lang="en-US" altLang="ko-KR" sz="1000" baseline="0" dirty="0" smtClean="0"/>
+                        <a:t>&gt; </a:t>
+                      </a:r>
+                      <a:r>
+                        <a:rPr lang="en-US" altLang="ko-KR" sz="1000" baseline="0" dirty="0" err="1" smtClean="0"/>
+                        <a:t>vApple</a:t>
+                      </a:r>
+                      <a:endParaRPr lang="en-US" altLang="ko-KR" sz="1000" baseline="0" dirty="0" smtClean="0"/>
+                    </a:p>
+                    <a:p>
+                      <a:pPr latinLnBrk="1"/>
+                      <a:r>
+                        <a:rPr lang="en-US" altLang="ko-KR" sz="1000" baseline="0" dirty="0" smtClean="0"/>
+                        <a:t>- Vector&lt;vector&lt;</a:t>
+                      </a:r>
+                      <a:r>
+                        <a:rPr lang="en-US" altLang="ko-KR" sz="1000" baseline="0" dirty="0" err="1" smtClean="0"/>
+                        <a:t>int</a:t>
+                      </a:r>
+                      <a:r>
+                        <a:rPr lang="en-US" altLang="ko-KR" sz="1000" baseline="0" dirty="0" smtClean="0"/>
+                        <a:t>&gt;&gt; </a:t>
+                      </a:r>
+                      <a:r>
+                        <a:rPr lang="en-US" altLang="ko-KR" sz="1000" baseline="0" dirty="0" err="1" smtClean="0"/>
+                        <a:t>vMap</a:t>
+                      </a:r>
+                      <a:r>
+                        <a:rPr lang="en-US" altLang="ko-KR" sz="1000" baseline="0" dirty="0" smtClean="0"/>
+                        <a:t>;</a:t>
+                      </a:r>
+                      <a:endParaRPr lang="ko-KR" altLang="en-US" sz="1000" dirty="0"/>
+                    </a:p>
+                  </a:txBody>
+                  <a:tcPr/>
+                </a:tc>
+                <a:extLst>
+                  <a:ext uri="{0D108BD9-81ED-4DB2-BD59-A6C34878D82A}">
+                    <a16:rowId xmlns:a16="http://schemas.microsoft.com/office/drawing/2014/main" val="10001"/>
+                  </a:ext>
+                </a:extLst>
+              </a:tr>
+              <a:tr h="931300">
+                <a:tc>
+                  <a:txBody>
+                    <a:bodyPr/>
+                    <a:lstStyle/>
+                    <a:p>
+                      <a:pPr latinLnBrk="1"/>
+                      <a:r>
+                        <a:rPr lang="en-US" altLang="ko-KR" sz="900" baseline="0" dirty="0" smtClean="0"/>
+                        <a:t>+ MAP</a:t>
+                      </a:r>
+                      <a:r>
+                        <a:rPr lang="en-US" altLang="ko-KR" sz="900" baseline="0" dirty="0" smtClean="0"/>
+                        <a:t>();</a:t>
+                      </a:r>
+                    </a:p>
+                    <a:p>
+                      <a:pPr latinLnBrk="1"/>
+                      <a:r>
+                        <a:rPr lang="en-US" altLang="ko-KR" sz="900" baseline="0" dirty="0" smtClean="0"/>
+                        <a:t>+ M</a:t>
+                      </a:r>
+                      <a:r>
+                        <a:rPr lang="en-US" altLang="ko-KR" sz="900" b="0" baseline="0" dirty="0" smtClean="0"/>
+                        <a:t>ap</a:t>
+                      </a:r>
+                      <a:r>
+                        <a:rPr lang="en-US" altLang="ko-KR" sz="900" b="0" baseline="0" dirty="0" smtClean="0">
+                          <a:solidFill>
+                            <a:schemeClr val="tx1"/>
+                          </a:solidFill>
+                        </a:rPr>
+                        <a:t>(</a:t>
+                      </a:r>
+                      <a:r>
+                        <a:rPr lang="en-US" altLang="ko-KR" sz="900" b="0" baseline="0" dirty="0" err="1" smtClean="0">
+                          <a:solidFill>
+                            <a:schemeClr val="tx1"/>
+                          </a:solidFill>
+                        </a:rPr>
+                        <a:t>const</a:t>
+                      </a:r>
+                      <a:r>
+                        <a:rPr lang="en-US" altLang="ko-KR" sz="900" b="0" baseline="0" dirty="0" smtClean="0">
+                          <a:solidFill>
+                            <a:schemeClr val="tx1"/>
+                          </a:solidFill>
+                        </a:rPr>
+                        <a:t> </a:t>
+                      </a:r>
+                      <a:r>
+                        <a:rPr lang="en-US" altLang="ko-KR" sz="900" b="0" baseline="0" dirty="0" smtClean="0">
+                          <a:solidFill>
+                            <a:schemeClr val="tx1"/>
+                          </a:solidFill>
+                        </a:rPr>
+                        <a:t>x, </a:t>
+                      </a:r>
+                      <a:r>
+                        <a:rPr lang="en-US" altLang="ko-KR" sz="900" b="0" baseline="0" dirty="0" err="1" smtClean="0">
+                          <a:solidFill>
+                            <a:schemeClr val="tx1"/>
+                          </a:solidFill>
+                        </a:rPr>
+                        <a:t>const</a:t>
+                      </a:r>
+                      <a:r>
+                        <a:rPr lang="en-US" altLang="ko-KR" sz="900" b="0" baseline="0" dirty="0" smtClean="0">
+                          <a:solidFill>
+                            <a:schemeClr val="tx1"/>
+                          </a:solidFill>
+                        </a:rPr>
+                        <a:t> y);</a:t>
+                      </a:r>
+                    </a:p>
+                    <a:p>
+                      <a:pPr latinLnBrk="1"/>
+                      <a:r>
+                        <a:rPr lang="en-US" altLang="ko-KR" sz="900" b="0" baseline="0" dirty="0" smtClean="0">
+                          <a:solidFill>
+                            <a:schemeClr val="tx1"/>
+                          </a:solidFill>
+                        </a:rPr>
+                        <a:t>+ ~</a:t>
+                      </a:r>
+                      <a:r>
+                        <a:rPr lang="en-US" altLang="ko-KR" sz="900" b="0" baseline="0" dirty="0" smtClean="0">
+                          <a:solidFill>
+                            <a:schemeClr val="tx1"/>
+                          </a:solidFill>
+                        </a:rPr>
+                        <a:t>MAP();</a:t>
+                      </a:r>
+                    </a:p>
+                    <a:p>
+                      <a:pPr latinLnBrk="1"/>
+                      <a:endParaRPr lang="en-US" altLang="ko-KR" sz="900" b="0" baseline="0" dirty="0" smtClean="0">
+                        <a:solidFill>
+                          <a:schemeClr val="tx1"/>
+                        </a:solidFill>
+                      </a:endParaRPr>
+                    </a:p>
+                    <a:p>
+                      <a:pPr latinLnBrk="1"/>
+                      <a:r>
+                        <a:rPr lang="en-US" altLang="ko-KR" sz="900" b="0" baseline="0" dirty="0" smtClean="0">
+                          <a:solidFill>
+                            <a:schemeClr val="tx1"/>
+                          </a:solidFill>
+                        </a:rPr>
+                        <a:t>+ SIZE </a:t>
+                      </a:r>
+                      <a:r>
+                        <a:rPr lang="en-US" altLang="ko-KR" sz="900" b="0" baseline="0" dirty="0" err="1" smtClean="0">
+                          <a:solidFill>
+                            <a:schemeClr val="tx1"/>
+                          </a:solidFill>
+                        </a:rPr>
+                        <a:t>GetMapSize</a:t>
+                      </a:r>
+                      <a:r>
+                        <a:rPr lang="en-US" altLang="ko-KR" sz="900" b="0" baseline="0" dirty="0" smtClean="0">
+                          <a:solidFill>
+                            <a:schemeClr val="tx1"/>
+                          </a:solidFill>
+                        </a:rPr>
+                        <a:t>();</a:t>
+                      </a:r>
+                    </a:p>
+                    <a:p>
+                      <a:pPr latinLnBrk="1"/>
+                      <a:r>
+                        <a:rPr lang="en-US" altLang="ko-KR" sz="900" b="0" baseline="0" dirty="0" smtClean="0">
+                          <a:solidFill>
+                            <a:schemeClr val="tx1"/>
+                          </a:solidFill>
+                        </a:rPr>
+                        <a:t>+ Void </a:t>
+                      </a:r>
+                      <a:r>
+                        <a:rPr lang="en-US" altLang="ko-KR" sz="900" b="0" baseline="0" dirty="0" err="1" smtClean="0">
+                          <a:solidFill>
+                            <a:schemeClr val="tx1"/>
+                          </a:solidFill>
+                        </a:rPr>
+                        <a:t>MakeApple</a:t>
+                      </a:r>
+                      <a:r>
+                        <a:rPr lang="en-US" altLang="ko-KR" sz="900" b="0" baseline="0" dirty="0" smtClean="0">
+                          <a:solidFill>
+                            <a:schemeClr val="tx1"/>
+                          </a:solidFill>
+                        </a:rPr>
+                        <a:t>();</a:t>
+                      </a:r>
+                    </a:p>
+                    <a:p>
+                      <a:pPr latinLnBrk="1"/>
+                      <a:r>
+                        <a:rPr lang="en-US" altLang="ko-KR" sz="900" b="0" baseline="0" dirty="0" smtClean="0">
+                          <a:solidFill>
+                            <a:schemeClr val="tx1"/>
+                          </a:solidFill>
+                        </a:rPr>
+                        <a:t>+ bool </a:t>
+                      </a:r>
+                      <a:r>
+                        <a:rPr lang="en-US" altLang="ko-KR" sz="900" b="0" baseline="0" dirty="0" err="1" smtClean="0">
+                          <a:solidFill>
+                            <a:schemeClr val="tx1"/>
+                          </a:solidFill>
+                        </a:rPr>
+                        <a:t>ExistApple</a:t>
+                      </a:r>
+                      <a:r>
+                        <a:rPr lang="en-US" altLang="ko-KR" sz="900" b="0" baseline="0" dirty="0" smtClean="0">
+                          <a:solidFill>
+                            <a:schemeClr val="tx1"/>
+                          </a:solidFill>
+                        </a:rPr>
+                        <a:t>(</a:t>
+                      </a:r>
+                      <a:r>
+                        <a:rPr lang="en-US" altLang="ko-KR" sz="900" b="0" baseline="0" dirty="0" err="1" smtClean="0">
+                          <a:solidFill>
+                            <a:schemeClr val="tx1"/>
+                          </a:solidFill>
+                        </a:rPr>
+                        <a:t>const</a:t>
+                      </a:r>
+                      <a:r>
+                        <a:rPr lang="en-US" altLang="ko-KR" sz="900" b="0" baseline="0" dirty="0" smtClean="0">
+                          <a:solidFill>
+                            <a:schemeClr val="tx1"/>
+                          </a:solidFill>
+                        </a:rPr>
+                        <a:t> </a:t>
+                      </a:r>
+                      <a:r>
+                        <a:rPr lang="en-US" altLang="ko-KR" sz="900" b="0" baseline="0" dirty="0" err="1" smtClean="0">
+                          <a:solidFill>
+                            <a:schemeClr val="tx1"/>
+                          </a:solidFill>
+                        </a:rPr>
+                        <a:t>int</a:t>
+                      </a:r>
+                      <a:r>
+                        <a:rPr lang="en-US" altLang="ko-KR" sz="900" b="0" baseline="0" dirty="0" smtClean="0">
+                          <a:solidFill>
+                            <a:schemeClr val="tx1"/>
+                          </a:solidFill>
+                        </a:rPr>
+                        <a:t> x, </a:t>
+                      </a:r>
+                      <a:r>
+                        <a:rPr lang="en-US" altLang="ko-KR" sz="900" b="0" baseline="0" dirty="0" err="1" smtClean="0">
+                          <a:solidFill>
+                            <a:schemeClr val="tx1"/>
+                          </a:solidFill>
+                        </a:rPr>
+                        <a:t>const</a:t>
+                      </a:r>
+                      <a:r>
+                        <a:rPr lang="en-US" altLang="ko-KR" sz="900" b="0" baseline="0" dirty="0" smtClean="0">
+                          <a:solidFill>
+                            <a:schemeClr val="tx1"/>
+                          </a:solidFill>
+                        </a:rPr>
+                        <a:t> </a:t>
+                      </a:r>
+                      <a:r>
+                        <a:rPr lang="en-US" altLang="ko-KR" sz="900" b="0" baseline="0" dirty="0" err="1" smtClean="0">
+                          <a:solidFill>
+                            <a:schemeClr val="tx1"/>
+                          </a:solidFill>
+                        </a:rPr>
+                        <a:t>int</a:t>
+                      </a:r>
+                      <a:r>
+                        <a:rPr lang="en-US" altLang="ko-KR" sz="900" b="0" baseline="0" dirty="0" smtClean="0">
+                          <a:solidFill>
+                            <a:schemeClr val="tx1"/>
+                          </a:solidFill>
+                        </a:rPr>
+                        <a:t> y, Apple** </a:t>
+                      </a:r>
+                      <a:r>
+                        <a:rPr lang="en-US" altLang="ko-KR" sz="900" b="0" baseline="0" dirty="0" err="1" smtClean="0">
+                          <a:solidFill>
+                            <a:schemeClr val="tx1"/>
+                          </a:solidFill>
+                        </a:rPr>
+                        <a:t>sGetApple</a:t>
+                      </a:r>
+                      <a:r>
+                        <a:rPr lang="en-US" altLang="ko-KR" sz="900" b="0" baseline="0" dirty="0" smtClean="0">
+                          <a:solidFill>
+                            <a:schemeClr val="tx1"/>
+                          </a:solidFill>
+                        </a:rPr>
+                        <a:t>=NULL);</a:t>
+                      </a:r>
+                    </a:p>
+                    <a:p>
+                      <a:pPr latinLnBrk="1"/>
+                      <a:r>
+                        <a:rPr lang="en-US" altLang="ko-KR" sz="900" b="0" baseline="0" dirty="0" smtClean="0">
+                          <a:solidFill>
+                            <a:schemeClr val="tx1"/>
+                          </a:solidFill>
+                        </a:rPr>
+                        <a:t>+ bool </a:t>
+                      </a:r>
+                      <a:r>
+                        <a:rPr lang="en-US" altLang="ko-KR" sz="900" b="0" baseline="0" dirty="0" err="1" smtClean="0">
+                          <a:solidFill>
+                            <a:schemeClr val="tx1"/>
+                          </a:solidFill>
+                        </a:rPr>
+                        <a:t>DeleteApple</a:t>
+                      </a:r>
+                      <a:r>
+                        <a:rPr lang="en-US" altLang="ko-KR" sz="900" b="0" baseline="0" dirty="0" smtClean="0">
+                          <a:solidFill>
+                            <a:schemeClr val="tx1"/>
+                          </a:solidFill>
+                        </a:rPr>
+                        <a:t>(</a:t>
+                      </a:r>
+                      <a:r>
+                        <a:rPr lang="en-US" altLang="ko-KR" sz="900" b="0" baseline="0" dirty="0" err="1" smtClean="0">
+                          <a:solidFill>
+                            <a:schemeClr val="tx1"/>
+                          </a:solidFill>
+                        </a:rPr>
+                        <a:t>const</a:t>
+                      </a:r>
+                      <a:r>
+                        <a:rPr lang="en-US" altLang="ko-KR" sz="900" b="0" baseline="0" dirty="0" smtClean="0">
+                          <a:solidFill>
+                            <a:schemeClr val="tx1"/>
+                          </a:solidFill>
+                        </a:rPr>
+                        <a:t> </a:t>
+                      </a:r>
+                      <a:r>
+                        <a:rPr lang="en-US" altLang="ko-KR" sz="900" b="0" baseline="0" dirty="0" err="1" smtClean="0">
+                          <a:solidFill>
+                            <a:schemeClr val="tx1"/>
+                          </a:solidFill>
+                        </a:rPr>
+                        <a:t>int</a:t>
+                      </a:r>
+                      <a:r>
+                        <a:rPr lang="en-US" altLang="ko-KR" sz="900" b="0" baseline="0" dirty="0" smtClean="0">
+                          <a:solidFill>
+                            <a:schemeClr val="tx1"/>
+                          </a:solidFill>
+                        </a:rPr>
+                        <a:t> x, </a:t>
+                      </a:r>
+                      <a:r>
+                        <a:rPr lang="en-US" altLang="ko-KR" sz="900" b="0" baseline="0" dirty="0" err="1" smtClean="0">
+                          <a:solidFill>
+                            <a:schemeClr val="tx1"/>
+                          </a:solidFill>
+                        </a:rPr>
+                        <a:t>const</a:t>
+                      </a:r>
+                      <a:r>
+                        <a:rPr lang="en-US" altLang="ko-KR" sz="900" b="0" baseline="0" dirty="0" smtClean="0">
+                          <a:solidFill>
+                            <a:schemeClr val="tx1"/>
+                          </a:solidFill>
+                        </a:rPr>
+                        <a:t> </a:t>
+                      </a:r>
+                      <a:r>
+                        <a:rPr lang="en-US" altLang="ko-KR" sz="900" b="0" baseline="0" dirty="0" err="1" smtClean="0">
+                          <a:solidFill>
+                            <a:schemeClr val="tx1"/>
+                          </a:solidFill>
+                        </a:rPr>
+                        <a:t>int</a:t>
+                      </a:r>
+                      <a:r>
+                        <a:rPr lang="en-US" altLang="ko-KR" sz="900" b="0" baseline="0" dirty="0" smtClean="0">
+                          <a:solidFill>
+                            <a:schemeClr val="tx1"/>
+                          </a:solidFill>
+                        </a:rPr>
+                        <a:t> y);</a:t>
+                      </a:r>
+                    </a:p>
+                    <a:p>
+                      <a:pPr latinLnBrk="1"/>
+                      <a:r>
+                        <a:rPr lang="en-US" altLang="ko-KR" sz="900" b="0" baseline="0" dirty="0" smtClean="0">
+                          <a:solidFill>
+                            <a:schemeClr val="tx1"/>
+                          </a:solidFill>
+                        </a:rPr>
+                        <a:t>+ bool </a:t>
+                      </a:r>
+                      <a:r>
+                        <a:rPr lang="en-US" altLang="ko-KR" sz="900" b="0" baseline="0" dirty="0" err="1" smtClean="0">
+                          <a:solidFill>
+                            <a:schemeClr val="tx1"/>
+                          </a:solidFill>
+                        </a:rPr>
+                        <a:t>DestroyWall</a:t>
+                      </a:r>
+                      <a:r>
+                        <a:rPr lang="en-US" altLang="ko-KR" sz="900" b="0" baseline="0" dirty="0" smtClean="0">
+                          <a:solidFill>
+                            <a:schemeClr val="tx1"/>
+                          </a:solidFill>
+                        </a:rPr>
+                        <a:t>(</a:t>
+                      </a:r>
+                      <a:r>
+                        <a:rPr lang="en-US" altLang="ko-KR" sz="900" b="0" baseline="0" dirty="0" err="1" smtClean="0">
+                          <a:solidFill>
+                            <a:schemeClr val="tx1"/>
+                          </a:solidFill>
+                        </a:rPr>
+                        <a:t>const</a:t>
+                      </a:r>
+                      <a:r>
+                        <a:rPr lang="en-US" altLang="ko-KR" sz="900" b="0" baseline="0" dirty="0" smtClean="0">
+                          <a:solidFill>
+                            <a:schemeClr val="tx1"/>
+                          </a:solidFill>
+                        </a:rPr>
+                        <a:t> </a:t>
+                      </a:r>
+                      <a:r>
+                        <a:rPr lang="en-US" altLang="ko-KR" sz="900" b="0" baseline="0" dirty="0" err="1" smtClean="0">
+                          <a:solidFill>
+                            <a:schemeClr val="tx1"/>
+                          </a:solidFill>
+                        </a:rPr>
+                        <a:t>int</a:t>
+                      </a:r>
+                      <a:r>
+                        <a:rPr lang="en-US" altLang="ko-KR" sz="900" b="0" baseline="0" dirty="0" smtClean="0">
+                          <a:solidFill>
+                            <a:schemeClr val="tx1"/>
+                          </a:solidFill>
+                        </a:rPr>
+                        <a:t> x, </a:t>
+                      </a:r>
+                      <a:r>
+                        <a:rPr lang="en-US" altLang="ko-KR" sz="900" b="0" baseline="0" dirty="0" err="1" smtClean="0">
+                          <a:solidFill>
+                            <a:schemeClr val="tx1"/>
+                          </a:solidFill>
+                        </a:rPr>
+                        <a:t>const</a:t>
+                      </a:r>
+                      <a:r>
+                        <a:rPr lang="en-US" altLang="ko-KR" sz="900" b="0" baseline="0" dirty="0" smtClean="0">
+                          <a:solidFill>
+                            <a:schemeClr val="tx1"/>
+                          </a:solidFill>
+                        </a:rPr>
+                        <a:t> </a:t>
+                      </a:r>
+                      <a:r>
+                        <a:rPr lang="en-US" altLang="ko-KR" sz="900" b="0" baseline="0" dirty="0" err="1" smtClean="0">
+                          <a:solidFill>
+                            <a:schemeClr val="tx1"/>
+                          </a:solidFill>
+                        </a:rPr>
+                        <a:t>int</a:t>
+                      </a:r>
+                      <a:r>
+                        <a:rPr lang="en-US" altLang="ko-KR" sz="900" b="0" baseline="0" dirty="0" smtClean="0">
+                          <a:solidFill>
+                            <a:schemeClr val="tx1"/>
+                          </a:solidFill>
+                        </a:rPr>
+                        <a:t> y) </a:t>
+                      </a:r>
+                      <a:r>
+                        <a:rPr lang="en-US" altLang="ko-KR" sz="900" b="0" baseline="0" dirty="0" err="1" smtClean="0">
+                          <a:solidFill>
+                            <a:schemeClr val="tx1"/>
+                          </a:solidFill>
+                        </a:rPr>
+                        <a:t>const</a:t>
+                      </a:r>
+                      <a:r>
+                        <a:rPr lang="en-US" altLang="ko-KR" sz="900" b="0" baseline="0" dirty="0" smtClean="0">
+                          <a:solidFill>
+                            <a:schemeClr val="tx1"/>
+                          </a:solidFill>
+                        </a:rPr>
+                        <a:t>;</a:t>
+                      </a:r>
+                    </a:p>
+                    <a:p>
+                      <a:pPr marL="0" algn="l" defTabSz="914400" rtl="0" eaLnBrk="1" latinLnBrk="1" hangingPunct="1"/>
+                      <a:r>
+                        <a:rPr lang="en-US" altLang="ko-KR" sz="900" b="0" kern="1200" baseline="0" dirty="0" smtClean="0">
+                          <a:solidFill>
+                            <a:schemeClr val="tx1"/>
+                          </a:solidFill>
+                          <a:latin typeface="+mn-lt"/>
+                          <a:ea typeface="+mn-ea"/>
+                          <a:cs typeface="+mn-cs"/>
+                        </a:rPr>
+                        <a:t>+ </a:t>
+                      </a:r>
+                      <a:r>
+                        <a:rPr lang="en-US" altLang="ko-KR" sz="900" b="0" kern="1200" baseline="0" dirty="0" err="1" smtClean="0">
+                          <a:solidFill>
+                            <a:schemeClr val="tx1"/>
+                          </a:solidFill>
+                          <a:latin typeface="+mn-lt"/>
+                          <a:ea typeface="+mn-ea"/>
+                          <a:cs typeface="+mn-cs"/>
+                        </a:rPr>
+                        <a:t>const</a:t>
+                      </a:r>
+                      <a:r>
+                        <a:rPr lang="en-US" altLang="ko-KR" sz="900" b="0" kern="1200" baseline="0" dirty="0" smtClean="0">
+                          <a:solidFill>
+                            <a:schemeClr val="tx1"/>
+                          </a:solidFill>
+                          <a:latin typeface="+mn-lt"/>
+                          <a:ea typeface="+mn-ea"/>
+                          <a:cs typeface="+mn-cs"/>
+                        </a:rPr>
+                        <a:t> vector&lt;Apple&gt;* </a:t>
+                      </a:r>
+                      <a:r>
+                        <a:rPr lang="en-US" altLang="ko-KR" sz="900" b="0" kern="1200" baseline="0" dirty="0" err="1" smtClean="0">
+                          <a:solidFill>
+                            <a:schemeClr val="tx1"/>
+                          </a:solidFill>
+                          <a:latin typeface="+mn-lt"/>
+                          <a:ea typeface="+mn-ea"/>
+                          <a:cs typeface="+mn-cs"/>
+                        </a:rPr>
+                        <a:t>GetApplePosition</a:t>
+                      </a:r>
+                      <a:r>
+                        <a:rPr lang="en-US" altLang="ko-KR" sz="900" b="0" kern="1200" baseline="0" dirty="0" smtClean="0">
+                          <a:solidFill>
+                            <a:schemeClr val="tx1"/>
+                          </a:solidFill>
+                          <a:latin typeface="+mn-lt"/>
+                          <a:ea typeface="+mn-ea"/>
+                          <a:cs typeface="+mn-cs"/>
+                        </a:rPr>
+                        <a:t>() </a:t>
+                      </a:r>
+                      <a:r>
+                        <a:rPr lang="en-US" altLang="ko-KR" sz="900" b="0" kern="1200" baseline="0" dirty="0" err="1" smtClean="0">
+                          <a:solidFill>
+                            <a:schemeClr val="tx1"/>
+                          </a:solidFill>
+                          <a:latin typeface="+mn-lt"/>
+                          <a:ea typeface="+mn-ea"/>
+                          <a:cs typeface="+mn-cs"/>
+                        </a:rPr>
+                        <a:t>const</a:t>
+                      </a:r>
+                      <a:r>
+                        <a:rPr lang="en-US" altLang="ko-KR" sz="900" b="0" kern="1200" baseline="0" dirty="0" smtClean="0">
+                          <a:solidFill>
+                            <a:schemeClr val="tx1"/>
+                          </a:solidFill>
+                          <a:latin typeface="+mn-lt"/>
+                          <a:ea typeface="+mn-ea"/>
+                          <a:cs typeface="+mn-cs"/>
+                        </a:rPr>
+                        <a:t>;</a:t>
+                      </a:r>
+                      <a:endParaRPr lang="en-US" altLang="ko-KR" sz="900" b="0" kern="1200" baseline="0" dirty="0" smtClean="0">
+                        <a:solidFill>
+                          <a:schemeClr val="tx1"/>
+                        </a:solidFill>
+                        <a:latin typeface="+mn-lt"/>
+                        <a:ea typeface="+mn-ea"/>
+                        <a:cs typeface="+mn-cs"/>
+                      </a:endParaRPr>
+                    </a:p>
+                  </a:txBody>
+                  <a:tcPr/>
+                </a:tc>
+                <a:extLst>
+                  <a:ext uri="{0D108BD9-81ED-4DB2-BD59-A6C34878D82A}">
+                    <a16:rowId xmlns:a16="http://schemas.microsoft.com/office/drawing/2014/main" val="10002"/>
+                  </a:ext>
+                </a:extLst>
+              </a:tr>
+            </a:tbl>
+          </a:graphicData>
+        </a:graphic>
+      </p:graphicFrame>
+      <p:graphicFrame>
+        <p:nvGraphicFramePr>
+          <p:cNvPr id="13" name="표 12"/>
+          <p:cNvGraphicFramePr>
+            <a:graphicFrameLocks noGrp="1"/>
+          </p:cNvGraphicFramePr>
+          <p:nvPr>
+            <p:extLst>
+              <p:ext uri="{D42A27DB-BD31-4B8C-83A1-F6EECF244321}">
+                <p14:modId xmlns:p14="http://schemas.microsoft.com/office/powerpoint/2010/main" val="3693916989"/>
+              </p:ext>
+            </p:extLst>
+          </p:nvPr>
+        </p:nvGraphicFramePr>
+        <p:xfrm>
+          <a:off x="469600" y="2529677"/>
+          <a:ext cx="2647673" cy="2682240"/>
+        </p:xfrm>
+        <a:graphic>
+          <a:graphicData uri="http://schemas.openxmlformats.org/drawingml/2006/table">
+            <a:tbl>
+              <a:tblPr firstRow="1" bandRow="1">
+                <a:tableStyleId>{5C22544A-7EE6-4342-B048-85BDC9FD1C3A}</a:tableStyleId>
+              </a:tblPr>
+              <a:tblGrid>
+                <a:gridCol w="2647673">
+                  <a:extLst>
+                    <a:ext uri="{9D8B030D-6E8A-4147-A177-3AD203B41FA5}">
+                      <a16:colId xmlns:a16="http://schemas.microsoft.com/office/drawing/2014/main" val="20000"/>
+                    </a:ext>
+                  </a:extLst>
+                </a:gridCol>
+              </a:tblGrid>
+              <a:tr h="210821">
+                <a:tc>
+                  <a:txBody>
+                    <a:bodyPr/>
+                    <a:lstStyle/>
+                    <a:p>
+                      <a:pPr latinLnBrk="1"/>
+                      <a:r>
+                        <a:rPr lang="en-US" altLang="ko-KR" sz="1000" dirty="0" err="1" smtClean="0"/>
+                        <a:t>SnakeGame</a:t>
+                      </a:r>
+                      <a:endParaRPr lang="ko-KR" altLang="en-US" sz="1000" dirty="0"/>
+                    </a:p>
+                  </a:txBody>
+                  <a:tcPr/>
+                </a:tc>
+                <a:extLst>
+                  <a:ext uri="{0D108BD9-81ED-4DB2-BD59-A6C34878D82A}">
+                    <a16:rowId xmlns:a16="http://schemas.microsoft.com/office/drawing/2014/main" val="10000"/>
+                  </a:ext>
+                </a:extLst>
+              </a:tr>
+              <a:tr h="326814">
+                <a:tc>
+                  <a:txBody>
+                    <a:bodyPr/>
+                    <a:lstStyle/>
+                    <a:p>
+                      <a:pPr latinLnBrk="1"/>
+                      <a:r>
+                        <a:rPr lang="en-US" altLang="ko-KR" sz="1000" dirty="0" smtClean="0"/>
+                        <a:t># MAP*</a:t>
+                      </a:r>
+                      <a:r>
+                        <a:rPr lang="en-US" altLang="ko-KR" sz="1000" baseline="0" dirty="0" smtClean="0"/>
+                        <a:t> </a:t>
+                      </a:r>
+                      <a:r>
+                        <a:rPr lang="en-US" altLang="ko-KR" sz="1000" baseline="0" dirty="0" err="1" smtClean="0"/>
+                        <a:t>pMAP</a:t>
+                      </a:r>
+                      <a:r>
+                        <a:rPr lang="en-US" altLang="ko-KR" sz="1000" baseline="0" dirty="0" smtClean="0"/>
+                        <a:t>;</a:t>
+                      </a:r>
+                    </a:p>
+                    <a:p>
+                      <a:pPr latinLnBrk="1"/>
+                      <a:r>
+                        <a:rPr lang="en-US" altLang="ko-KR" sz="1000" baseline="0" dirty="0" smtClean="0"/>
+                        <a:t># Snake* </a:t>
+                      </a:r>
+                      <a:r>
+                        <a:rPr lang="en-US" altLang="ko-KR" sz="1000" baseline="0" dirty="0" err="1" smtClean="0"/>
+                        <a:t>pSnake</a:t>
+                      </a:r>
+                      <a:r>
+                        <a:rPr lang="en-US" altLang="ko-KR" sz="1000" baseline="0" dirty="0" smtClean="0"/>
+                        <a:t>;</a:t>
+                      </a:r>
+                    </a:p>
+                    <a:p>
+                      <a:pPr latinLnBrk="1"/>
+                      <a:r>
+                        <a:rPr lang="en-US" altLang="ko-KR" sz="1000" baseline="0" dirty="0" smtClean="0"/>
+                        <a:t># </a:t>
+                      </a:r>
+                      <a:r>
+                        <a:rPr lang="en-US" altLang="ko-KR" sz="1000" baseline="0" dirty="0" err="1" smtClean="0"/>
+                        <a:t>int</a:t>
+                      </a:r>
+                      <a:r>
+                        <a:rPr lang="en-US" altLang="ko-KR" sz="1000" baseline="0" dirty="0" smtClean="0"/>
+                        <a:t> </a:t>
+                      </a:r>
+                      <a:r>
+                        <a:rPr lang="en-US" altLang="ko-KR" sz="1000" baseline="0" dirty="0" err="1" smtClean="0"/>
+                        <a:t>nScore</a:t>
+                      </a:r>
+                      <a:r>
+                        <a:rPr lang="en-US" altLang="ko-KR" sz="1000" baseline="0" dirty="0" smtClean="0"/>
+                        <a:t>;</a:t>
+                      </a:r>
+                      <a:endParaRPr lang="ko-KR" altLang="en-US" sz="1000" dirty="0"/>
+                    </a:p>
+                  </a:txBody>
+                  <a:tcPr/>
+                </a:tc>
+                <a:extLst>
+                  <a:ext uri="{0D108BD9-81ED-4DB2-BD59-A6C34878D82A}">
+                    <a16:rowId xmlns:a16="http://schemas.microsoft.com/office/drawing/2014/main" val="10001"/>
+                  </a:ext>
+                </a:extLst>
+              </a:tr>
+              <a:tr h="618433">
+                <a:tc>
+                  <a:txBody>
+                    <a:bodyPr/>
+                    <a:lstStyle/>
+                    <a:p>
+                      <a:pPr marL="0" marR="0" indent="0" algn="l" defTabSz="914400" rtl="0" eaLnBrk="1" fontAlgn="auto" latinLnBrk="1" hangingPunct="1">
+                        <a:lnSpc>
+                          <a:spcPct val="100000"/>
+                        </a:lnSpc>
+                        <a:spcBef>
+                          <a:spcPts val="0"/>
+                        </a:spcBef>
+                        <a:spcAft>
+                          <a:spcPts val="0"/>
+                        </a:spcAft>
+                        <a:buClrTx/>
+                        <a:buSzTx/>
+                        <a:buFontTx/>
+                        <a:buNone/>
+                        <a:tabLst/>
+                        <a:defRPr/>
+                      </a:pPr>
+                      <a:r>
+                        <a:rPr lang="en-US" altLang="ko-KR" sz="900" i="1" baseline="0" dirty="0" smtClean="0"/>
+                        <a:t># </a:t>
+                      </a:r>
+                      <a:r>
+                        <a:rPr lang="en-US" altLang="ko-KR" sz="900" i="1" kern="1200" baseline="0" dirty="0" smtClean="0">
+                          <a:solidFill>
+                            <a:schemeClr val="dk1"/>
+                          </a:solidFill>
+                          <a:latin typeface="+mn-lt"/>
+                          <a:ea typeface="+mn-ea"/>
+                          <a:cs typeface="+mn-cs"/>
+                        </a:rPr>
+                        <a:t>void </a:t>
+                      </a:r>
+                      <a:r>
+                        <a:rPr lang="en-US" altLang="ko-KR" sz="900" i="1" kern="1200" baseline="0" dirty="0" err="1" smtClean="0">
+                          <a:solidFill>
+                            <a:schemeClr val="dk1"/>
+                          </a:solidFill>
+                          <a:latin typeface="+mn-lt"/>
+                          <a:ea typeface="+mn-ea"/>
+                          <a:cs typeface="+mn-cs"/>
+                        </a:rPr>
+                        <a:t>SetObserver</a:t>
+                      </a:r>
+                      <a:r>
+                        <a:rPr lang="en-US" altLang="ko-KR" sz="900" i="1" kern="1200" baseline="0" dirty="0" smtClean="0">
+                          <a:solidFill>
+                            <a:schemeClr val="dk1"/>
+                          </a:solidFill>
+                          <a:latin typeface="+mn-lt"/>
+                          <a:ea typeface="+mn-ea"/>
+                          <a:cs typeface="+mn-cs"/>
+                        </a:rPr>
+                        <a:t>(</a:t>
+                      </a:r>
+                      <a:r>
+                        <a:rPr lang="en-US" altLang="ko-KR" sz="900" i="1" kern="1200" baseline="0" dirty="0" err="1" smtClean="0">
+                          <a:solidFill>
+                            <a:schemeClr val="dk1"/>
+                          </a:solidFill>
+                          <a:latin typeface="+mn-lt"/>
+                          <a:ea typeface="+mn-ea"/>
+                          <a:cs typeface="+mn-cs"/>
+                        </a:rPr>
+                        <a:t>CObserver</a:t>
+                      </a:r>
+                      <a:r>
+                        <a:rPr lang="en-US" altLang="ko-KR" sz="900" i="1" kern="1200" baseline="0" dirty="0" smtClean="0">
+                          <a:solidFill>
+                            <a:schemeClr val="dk1"/>
+                          </a:solidFill>
+                          <a:latin typeface="+mn-lt"/>
+                          <a:ea typeface="+mn-ea"/>
+                          <a:cs typeface="+mn-cs"/>
+                        </a:rPr>
+                        <a:t>* </a:t>
+                      </a:r>
+                      <a:r>
+                        <a:rPr lang="en-US" altLang="ko-KR" sz="900" i="1" kern="1200" baseline="0" dirty="0" err="1" smtClean="0">
+                          <a:solidFill>
+                            <a:schemeClr val="dk1"/>
+                          </a:solidFill>
+                          <a:latin typeface="+mn-lt"/>
+                          <a:ea typeface="+mn-ea"/>
+                          <a:cs typeface="+mn-cs"/>
+                        </a:rPr>
+                        <a:t>a_observer</a:t>
+                      </a:r>
+                      <a:r>
+                        <a:rPr lang="en-US" altLang="ko-KR" sz="900" i="1" kern="1200" baseline="0" dirty="0" smtClean="0">
+                          <a:solidFill>
+                            <a:schemeClr val="dk1"/>
+                          </a:solidFill>
+                          <a:latin typeface="+mn-lt"/>
+                          <a:ea typeface="+mn-ea"/>
+                          <a:cs typeface="+mn-cs"/>
+                        </a:rPr>
+                        <a:t>);</a:t>
+                      </a:r>
+                    </a:p>
+                    <a:p>
+                      <a:pPr marL="0" marR="0" indent="0" algn="l" defTabSz="914400" rtl="0" eaLnBrk="1" fontAlgn="auto" latinLnBrk="1" hangingPunct="1">
+                        <a:lnSpc>
+                          <a:spcPct val="100000"/>
+                        </a:lnSpc>
+                        <a:spcBef>
+                          <a:spcPts val="0"/>
+                        </a:spcBef>
+                        <a:spcAft>
+                          <a:spcPts val="0"/>
+                        </a:spcAft>
+                        <a:buClrTx/>
+                        <a:buSzTx/>
+                        <a:buFontTx/>
+                        <a:buNone/>
+                        <a:tabLst/>
+                        <a:defRPr/>
+                      </a:pPr>
+                      <a:r>
+                        <a:rPr lang="en-US" altLang="ko-KR" sz="900" kern="1200" baseline="0" dirty="0" smtClean="0">
+                          <a:solidFill>
+                            <a:schemeClr val="dk1"/>
+                          </a:solidFill>
+                          <a:latin typeface="+mn-lt"/>
+                          <a:ea typeface="+mn-ea"/>
+                          <a:cs typeface="+mn-cs"/>
+                        </a:rPr>
+                        <a:t># void </a:t>
+                      </a:r>
+                      <a:r>
+                        <a:rPr lang="en-US" altLang="ko-KR" sz="900" kern="1200" baseline="0" dirty="0" err="1" smtClean="0">
+                          <a:solidFill>
+                            <a:schemeClr val="dk1"/>
+                          </a:solidFill>
+                          <a:latin typeface="+mn-lt"/>
+                          <a:ea typeface="+mn-ea"/>
+                          <a:cs typeface="+mn-cs"/>
+                        </a:rPr>
+                        <a:t>IncreaseGameScore</a:t>
+                      </a:r>
+                      <a:r>
+                        <a:rPr lang="en-US" altLang="ko-KR" sz="900" kern="1200" baseline="0" dirty="0" smtClean="0">
+                          <a:solidFill>
+                            <a:schemeClr val="dk1"/>
+                          </a:solidFill>
+                          <a:latin typeface="+mn-lt"/>
+                          <a:ea typeface="+mn-ea"/>
+                          <a:cs typeface="+mn-cs"/>
+                        </a:rPr>
+                        <a:t>(APPLE_CLR </a:t>
+                      </a:r>
+                      <a:r>
+                        <a:rPr lang="en-US" altLang="ko-KR" sz="900" kern="1200" baseline="0" dirty="0" err="1" smtClean="0">
+                          <a:solidFill>
+                            <a:schemeClr val="dk1"/>
+                          </a:solidFill>
+                          <a:latin typeface="+mn-lt"/>
+                          <a:ea typeface="+mn-ea"/>
+                          <a:cs typeface="+mn-cs"/>
+                        </a:rPr>
+                        <a:t>a_nColor</a:t>
+                      </a:r>
+                      <a:r>
+                        <a:rPr lang="en-US" altLang="ko-KR" sz="900" kern="1200" baseline="0" dirty="0" smtClean="0">
+                          <a:solidFill>
+                            <a:schemeClr val="dk1"/>
+                          </a:solidFill>
+                          <a:latin typeface="+mn-lt"/>
+                          <a:ea typeface="+mn-ea"/>
+                          <a:cs typeface="+mn-cs"/>
+                        </a:rPr>
+                        <a:t> = NONECOLOR);</a:t>
+                      </a:r>
+                    </a:p>
+                    <a:p>
+                      <a:pPr marL="0" marR="0" indent="0" algn="l" defTabSz="914400" rtl="0" eaLnBrk="1" fontAlgn="auto" latinLnBrk="1" hangingPunct="1">
+                        <a:lnSpc>
+                          <a:spcPct val="100000"/>
+                        </a:lnSpc>
+                        <a:spcBef>
+                          <a:spcPts val="0"/>
+                        </a:spcBef>
+                        <a:spcAft>
+                          <a:spcPts val="0"/>
+                        </a:spcAft>
+                        <a:buClrTx/>
+                        <a:buSzTx/>
+                        <a:buFontTx/>
+                        <a:buNone/>
+                        <a:tabLst/>
+                        <a:defRPr/>
+                      </a:pPr>
+                      <a:r>
+                        <a:rPr lang="en-US" altLang="ko-KR" sz="900" kern="1200" baseline="0" dirty="0" smtClean="0">
+                          <a:solidFill>
+                            <a:schemeClr val="dk1"/>
+                          </a:solidFill>
+                          <a:latin typeface="+mn-lt"/>
+                          <a:ea typeface="+mn-ea"/>
+                          <a:cs typeface="+mn-cs"/>
+                        </a:rPr>
+                        <a:t>+ </a:t>
+                      </a:r>
+                      <a:r>
+                        <a:rPr lang="en-US" altLang="ko-KR" sz="900" kern="1200" baseline="0" dirty="0" err="1" smtClean="0">
+                          <a:solidFill>
+                            <a:schemeClr val="dk1"/>
+                          </a:solidFill>
+                          <a:latin typeface="+mn-lt"/>
+                          <a:ea typeface="+mn-ea"/>
+                          <a:cs typeface="+mn-cs"/>
+                        </a:rPr>
+                        <a:t>SnakeGame</a:t>
+                      </a:r>
+                      <a:r>
+                        <a:rPr lang="en-US" altLang="ko-KR" sz="900" kern="1200" baseline="0" dirty="0" smtClean="0">
+                          <a:solidFill>
+                            <a:schemeClr val="dk1"/>
+                          </a:solidFill>
+                          <a:latin typeface="+mn-lt"/>
+                          <a:ea typeface="+mn-ea"/>
+                          <a:cs typeface="+mn-cs"/>
+                        </a:rPr>
+                        <a:t>();</a:t>
+                      </a:r>
+                    </a:p>
+                    <a:p>
+                      <a:pPr marL="0" marR="0" indent="0" algn="l" defTabSz="914400" rtl="0" eaLnBrk="1" fontAlgn="auto" latinLnBrk="1" hangingPunct="1">
+                        <a:lnSpc>
+                          <a:spcPct val="100000"/>
+                        </a:lnSpc>
+                        <a:spcBef>
+                          <a:spcPts val="0"/>
+                        </a:spcBef>
+                        <a:spcAft>
+                          <a:spcPts val="0"/>
+                        </a:spcAft>
+                        <a:buClrTx/>
+                        <a:buSzTx/>
+                        <a:buFontTx/>
+                        <a:buNone/>
+                        <a:tabLst/>
+                        <a:defRPr/>
+                      </a:pPr>
+                      <a:r>
+                        <a:rPr lang="en-US" altLang="ko-KR" sz="900" kern="1200" baseline="0" dirty="0" smtClean="0">
+                          <a:solidFill>
+                            <a:schemeClr val="dk1"/>
+                          </a:solidFill>
+                          <a:latin typeface="+mn-lt"/>
+                          <a:ea typeface="+mn-ea"/>
+                          <a:cs typeface="+mn-cs"/>
+                        </a:rPr>
+                        <a:t>+ ~</a:t>
+                      </a:r>
+                      <a:r>
+                        <a:rPr lang="en-US" altLang="ko-KR" sz="900" kern="1200" baseline="0" dirty="0" err="1" smtClean="0">
+                          <a:solidFill>
+                            <a:schemeClr val="dk1"/>
+                          </a:solidFill>
+                          <a:latin typeface="+mn-lt"/>
+                          <a:ea typeface="+mn-ea"/>
+                          <a:cs typeface="+mn-cs"/>
+                        </a:rPr>
+                        <a:t>SnakeGame</a:t>
+                      </a:r>
+                      <a:r>
+                        <a:rPr lang="en-US" altLang="ko-KR" sz="900" kern="1200" baseline="0" dirty="0" smtClean="0">
+                          <a:solidFill>
+                            <a:schemeClr val="dk1"/>
+                          </a:solidFill>
+                          <a:latin typeface="+mn-lt"/>
+                          <a:ea typeface="+mn-ea"/>
+                          <a:cs typeface="+mn-cs"/>
+                        </a:rPr>
+                        <a:t>();</a:t>
+                      </a:r>
+                    </a:p>
+                    <a:p>
+                      <a:pPr marL="0" marR="0" indent="0" algn="l" defTabSz="914400" rtl="0" eaLnBrk="1" fontAlgn="auto" latinLnBrk="1" hangingPunct="1">
+                        <a:lnSpc>
+                          <a:spcPct val="100000"/>
+                        </a:lnSpc>
+                        <a:spcBef>
+                          <a:spcPts val="0"/>
+                        </a:spcBef>
+                        <a:spcAft>
+                          <a:spcPts val="0"/>
+                        </a:spcAft>
+                        <a:buClrTx/>
+                        <a:buSzTx/>
+                        <a:buFontTx/>
+                        <a:buNone/>
+                        <a:tabLst/>
+                        <a:defRPr/>
+                      </a:pPr>
+                      <a:endParaRPr lang="en-US" altLang="ko-KR" sz="900" kern="1200" baseline="0" dirty="0" smtClean="0">
+                        <a:solidFill>
+                          <a:schemeClr val="dk1"/>
+                        </a:solidFill>
+                        <a:latin typeface="+mn-lt"/>
+                        <a:ea typeface="+mn-ea"/>
+                        <a:cs typeface="+mn-cs"/>
+                      </a:endParaRPr>
+                    </a:p>
+                    <a:p>
+                      <a:pPr marL="0" marR="0" indent="0" algn="l" defTabSz="914400" rtl="0" eaLnBrk="1" fontAlgn="auto" latinLnBrk="1" hangingPunct="1">
+                        <a:lnSpc>
+                          <a:spcPct val="100000"/>
+                        </a:lnSpc>
+                        <a:spcBef>
+                          <a:spcPts val="0"/>
+                        </a:spcBef>
+                        <a:spcAft>
+                          <a:spcPts val="0"/>
+                        </a:spcAft>
+                        <a:buClrTx/>
+                        <a:buSzTx/>
+                        <a:buFontTx/>
+                        <a:buNone/>
+                        <a:tabLst/>
+                        <a:defRPr/>
+                      </a:pPr>
+                      <a:r>
+                        <a:rPr lang="en-US" altLang="ko-KR" sz="900" kern="1200" baseline="0" dirty="0" smtClean="0">
+                          <a:solidFill>
+                            <a:schemeClr val="dk1"/>
+                          </a:solidFill>
+                          <a:latin typeface="+mn-lt"/>
+                          <a:ea typeface="+mn-ea"/>
+                          <a:cs typeface="+mn-cs"/>
+                        </a:rPr>
+                        <a:t>+ bool </a:t>
+                      </a:r>
+                      <a:r>
+                        <a:rPr lang="en-US" altLang="ko-KR" sz="900" kern="1200" baseline="0" dirty="0" err="1" smtClean="0">
+                          <a:solidFill>
+                            <a:schemeClr val="dk1"/>
+                          </a:solidFill>
+                          <a:latin typeface="+mn-lt"/>
+                          <a:ea typeface="+mn-ea"/>
+                          <a:cs typeface="+mn-cs"/>
+                        </a:rPr>
+                        <a:t>MoveStraight</a:t>
+                      </a:r>
+                      <a:r>
+                        <a:rPr lang="en-US" altLang="ko-KR" sz="900" kern="1200" baseline="0" dirty="0" smtClean="0">
+                          <a:solidFill>
+                            <a:schemeClr val="dk1"/>
+                          </a:solidFill>
+                          <a:latin typeface="+mn-lt"/>
+                          <a:ea typeface="+mn-ea"/>
+                          <a:cs typeface="+mn-cs"/>
+                        </a:rPr>
+                        <a:t>();</a:t>
+                      </a:r>
+                    </a:p>
+                    <a:p>
+                      <a:pPr marL="0" marR="0" indent="0" algn="l" defTabSz="914400" rtl="0" eaLnBrk="1" fontAlgn="auto" latinLnBrk="1" hangingPunct="1">
+                        <a:lnSpc>
+                          <a:spcPct val="100000"/>
+                        </a:lnSpc>
+                        <a:spcBef>
+                          <a:spcPts val="0"/>
+                        </a:spcBef>
+                        <a:spcAft>
+                          <a:spcPts val="0"/>
+                        </a:spcAft>
+                        <a:buClrTx/>
+                        <a:buSzTx/>
+                        <a:buFontTx/>
+                        <a:buNone/>
+                        <a:tabLst/>
+                        <a:defRPr/>
+                      </a:pPr>
+                      <a:r>
+                        <a:rPr lang="en-US" altLang="ko-KR" sz="900" kern="1200" baseline="0" dirty="0" smtClean="0">
+                          <a:solidFill>
+                            <a:schemeClr val="dk1"/>
+                          </a:solidFill>
+                          <a:latin typeface="+mn-lt"/>
+                          <a:ea typeface="+mn-ea"/>
+                          <a:cs typeface="+mn-cs"/>
+                        </a:rPr>
+                        <a:t>+ void </a:t>
+                      </a:r>
+                      <a:r>
+                        <a:rPr lang="en-US" altLang="ko-KR" sz="900" kern="1200" baseline="0" dirty="0" err="1" smtClean="0">
+                          <a:solidFill>
+                            <a:schemeClr val="dk1"/>
+                          </a:solidFill>
+                          <a:latin typeface="+mn-lt"/>
+                          <a:ea typeface="+mn-ea"/>
+                          <a:cs typeface="+mn-cs"/>
+                        </a:rPr>
+                        <a:t>ChangeDirection</a:t>
+                      </a:r>
+                      <a:r>
+                        <a:rPr lang="en-US" altLang="ko-KR" sz="900" kern="1200" baseline="0" dirty="0" smtClean="0">
+                          <a:solidFill>
+                            <a:schemeClr val="dk1"/>
+                          </a:solidFill>
+                          <a:latin typeface="+mn-lt"/>
+                          <a:ea typeface="+mn-ea"/>
+                          <a:cs typeface="+mn-cs"/>
+                        </a:rPr>
+                        <a:t>(Direction </a:t>
+                      </a:r>
+                      <a:r>
+                        <a:rPr lang="en-US" altLang="ko-KR" sz="900" kern="1200" baseline="0" dirty="0" err="1" smtClean="0">
+                          <a:solidFill>
+                            <a:schemeClr val="dk1"/>
+                          </a:solidFill>
+                          <a:latin typeface="+mn-lt"/>
+                          <a:ea typeface="+mn-ea"/>
+                          <a:cs typeface="+mn-cs"/>
+                        </a:rPr>
+                        <a:t>a_dir</a:t>
+                      </a:r>
+                      <a:r>
+                        <a:rPr lang="en-US" altLang="ko-KR" sz="900" kern="1200" baseline="0" dirty="0" smtClean="0">
+                          <a:solidFill>
+                            <a:schemeClr val="dk1"/>
+                          </a:solidFill>
+                          <a:latin typeface="+mn-lt"/>
+                          <a:ea typeface="+mn-ea"/>
+                          <a:cs typeface="+mn-cs"/>
+                        </a:rPr>
+                        <a:t>);</a:t>
+                      </a:r>
+                    </a:p>
+                    <a:p>
+                      <a:pPr marL="0" marR="0" indent="0" algn="l" defTabSz="914400" rtl="0" eaLnBrk="1" fontAlgn="auto" latinLnBrk="1" hangingPunct="1">
+                        <a:lnSpc>
+                          <a:spcPct val="100000"/>
+                        </a:lnSpc>
+                        <a:spcBef>
+                          <a:spcPts val="0"/>
+                        </a:spcBef>
+                        <a:spcAft>
+                          <a:spcPts val="0"/>
+                        </a:spcAft>
+                        <a:buClrTx/>
+                        <a:buSzTx/>
+                        <a:buFontTx/>
+                        <a:buNone/>
+                        <a:tabLst/>
+                        <a:defRPr/>
+                      </a:pPr>
+                      <a:r>
+                        <a:rPr lang="en-US" altLang="ko-KR" sz="900" kern="1200" baseline="0" dirty="0" smtClean="0">
+                          <a:solidFill>
+                            <a:schemeClr val="dk1"/>
+                          </a:solidFill>
+                          <a:latin typeface="+mn-lt"/>
+                          <a:ea typeface="+mn-ea"/>
+                          <a:cs typeface="+mn-cs"/>
+                        </a:rPr>
+                        <a:t>+ void </a:t>
+                      </a:r>
+                      <a:r>
+                        <a:rPr lang="en-US" altLang="ko-KR" sz="900" kern="1200" baseline="0" dirty="0" err="1" smtClean="0">
+                          <a:solidFill>
+                            <a:schemeClr val="dk1"/>
+                          </a:solidFill>
+                          <a:latin typeface="+mn-lt"/>
+                          <a:ea typeface="+mn-ea"/>
+                          <a:cs typeface="+mn-cs"/>
+                        </a:rPr>
+                        <a:t>MakeApple</a:t>
+                      </a:r>
+                      <a:r>
+                        <a:rPr lang="en-US" altLang="ko-KR" sz="900" kern="1200" baseline="0" dirty="0" smtClean="0">
+                          <a:solidFill>
+                            <a:schemeClr val="dk1"/>
+                          </a:solidFill>
+                          <a:latin typeface="+mn-lt"/>
+                          <a:ea typeface="+mn-ea"/>
+                          <a:cs typeface="+mn-cs"/>
+                        </a:rPr>
+                        <a:t>();</a:t>
+                      </a:r>
+                    </a:p>
+                    <a:p>
+                      <a:pPr marL="0" marR="0" indent="0" algn="l" defTabSz="914400" rtl="0" eaLnBrk="1" fontAlgn="auto" latinLnBrk="1" hangingPunct="1">
+                        <a:lnSpc>
+                          <a:spcPct val="100000"/>
+                        </a:lnSpc>
+                        <a:spcBef>
+                          <a:spcPts val="0"/>
+                        </a:spcBef>
+                        <a:spcAft>
+                          <a:spcPts val="0"/>
+                        </a:spcAft>
+                        <a:buClrTx/>
+                        <a:buSzTx/>
+                        <a:buFontTx/>
+                        <a:buNone/>
+                        <a:tabLst/>
+                        <a:defRPr/>
+                      </a:pPr>
+                      <a:endParaRPr lang="en-US" altLang="ko-KR" sz="900" kern="1200" baseline="0" dirty="0" smtClean="0">
+                        <a:solidFill>
+                          <a:schemeClr val="dk1"/>
+                        </a:solidFill>
+                        <a:latin typeface="+mn-lt"/>
+                        <a:ea typeface="+mn-ea"/>
+                        <a:cs typeface="+mn-cs"/>
+                      </a:endParaRPr>
+                    </a:p>
+                    <a:p>
+                      <a:pPr marL="0" marR="0" indent="0" algn="l" defTabSz="914400" rtl="0" eaLnBrk="1" fontAlgn="auto" latinLnBrk="1" hangingPunct="1">
+                        <a:lnSpc>
+                          <a:spcPct val="100000"/>
+                        </a:lnSpc>
+                        <a:spcBef>
+                          <a:spcPts val="0"/>
+                        </a:spcBef>
+                        <a:spcAft>
+                          <a:spcPts val="0"/>
+                        </a:spcAft>
+                        <a:buClrTx/>
+                        <a:buSzTx/>
+                        <a:buFontTx/>
+                        <a:buNone/>
+                        <a:tabLst/>
+                        <a:defRPr/>
+                      </a:pPr>
+                      <a:r>
+                        <a:rPr lang="en-US" altLang="ko-KR" sz="900" kern="1200" baseline="0" dirty="0" smtClean="0">
+                          <a:solidFill>
+                            <a:schemeClr val="dk1"/>
+                          </a:solidFill>
+                          <a:latin typeface="+mn-lt"/>
+                          <a:ea typeface="+mn-ea"/>
+                          <a:cs typeface="+mn-cs"/>
+                        </a:rPr>
+                        <a:t>+ </a:t>
+                      </a:r>
+                      <a:r>
+                        <a:rPr lang="en-US" altLang="ko-KR" sz="900" kern="1200" baseline="0" dirty="0" err="1" smtClean="0">
+                          <a:solidFill>
+                            <a:schemeClr val="dk1"/>
+                          </a:solidFill>
+                          <a:latin typeface="+mn-lt"/>
+                          <a:ea typeface="+mn-ea"/>
+                          <a:cs typeface="+mn-cs"/>
+                        </a:rPr>
+                        <a:t>const</a:t>
+                      </a:r>
+                      <a:r>
+                        <a:rPr lang="en-US" altLang="ko-KR" sz="900" kern="1200" baseline="0" dirty="0" smtClean="0">
+                          <a:solidFill>
+                            <a:schemeClr val="dk1"/>
+                          </a:solidFill>
+                          <a:latin typeface="+mn-lt"/>
+                          <a:ea typeface="+mn-ea"/>
+                          <a:cs typeface="+mn-cs"/>
+                        </a:rPr>
+                        <a:t> Map* </a:t>
+                      </a:r>
+                      <a:r>
+                        <a:rPr lang="en-US" altLang="ko-KR" sz="900" kern="1200" baseline="0" dirty="0" err="1" smtClean="0">
+                          <a:solidFill>
+                            <a:schemeClr val="dk1"/>
+                          </a:solidFill>
+                          <a:latin typeface="+mn-lt"/>
+                          <a:ea typeface="+mn-ea"/>
+                          <a:cs typeface="+mn-cs"/>
+                        </a:rPr>
+                        <a:t>GetMap</a:t>
+                      </a:r>
+                      <a:r>
+                        <a:rPr lang="en-US" altLang="ko-KR" sz="900" kern="1200" baseline="0" dirty="0" smtClean="0">
+                          <a:solidFill>
+                            <a:schemeClr val="dk1"/>
+                          </a:solidFill>
+                          <a:latin typeface="+mn-lt"/>
+                          <a:ea typeface="+mn-ea"/>
+                          <a:cs typeface="+mn-cs"/>
+                        </a:rPr>
+                        <a:t>() </a:t>
+                      </a:r>
+                      <a:r>
+                        <a:rPr lang="en-US" altLang="ko-KR" sz="900" kern="1200" baseline="0" dirty="0" err="1" smtClean="0">
+                          <a:solidFill>
+                            <a:schemeClr val="dk1"/>
+                          </a:solidFill>
+                          <a:latin typeface="+mn-lt"/>
+                          <a:ea typeface="+mn-ea"/>
+                          <a:cs typeface="+mn-cs"/>
+                        </a:rPr>
+                        <a:t>const</a:t>
+                      </a:r>
+                      <a:r>
+                        <a:rPr lang="en-US" altLang="ko-KR" sz="900" kern="1200" baseline="0" dirty="0" smtClean="0">
+                          <a:solidFill>
+                            <a:schemeClr val="dk1"/>
+                          </a:solidFill>
+                          <a:latin typeface="+mn-lt"/>
+                          <a:ea typeface="+mn-ea"/>
+                          <a:cs typeface="+mn-cs"/>
+                        </a:rPr>
+                        <a:t>;</a:t>
+                      </a:r>
+                    </a:p>
+                    <a:p>
+                      <a:pPr marL="0" marR="0" indent="0" algn="l" defTabSz="914400" rtl="0" eaLnBrk="1" fontAlgn="auto" latinLnBrk="1" hangingPunct="1">
+                        <a:lnSpc>
+                          <a:spcPct val="100000"/>
+                        </a:lnSpc>
+                        <a:spcBef>
+                          <a:spcPts val="0"/>
+                        </a:spcBef>
+                        <a:spcAft>
+                          <a:spcPts val="0"/>
+                        </a:spcAft>
+                        <a:buClrTx/>
+                        <a:buSzTx/>
+                        <a:buFontTx/>
+                        <a:buNone/>
+                        <a:tabLst/>
+                        <a:defRPr/>
+                      </a:pPr>
+                      <a:r>
+                        <a:rPr lang="en-US" altLang="ko-KR" sz="900" kern="1200" baseline="0" dirty="0" smtClean="0">
+                          <a:solidFill>
+                            <a:schemeClr val="dk1"/>
+                          </a:solidFill>
+                          <a:latin typeface="+mn-lt"/>
+                          <a:ea typeface="+mn-ea"/>
+                          <a:cs typeface="+mn-cs"/>
+                        </a:rPr>
+                        <a:t>+ </a:t>
+                      </a:r>
+                      <a:r>
+                        <a:rPr lang="en-US" altLang="ko-KR" sz="900" kern="1200" baseline="0" dirty="0" err="1" smtClean="0">
+                          <a:solidFill>
+                            <a:schemeClr val="dk1"/>
+                          </a:solidFill>
+                          <a:latin typeface="+mn-lt"/>
+                          <a:ea typeface="+mn-ea"/>
+                          <a:cs typeface="+mn-cs"/>
+                        </a:rPr>
+                        <a:t>const</a:t>
+                      </a:r>
+                      <a:r>
+                        <a:rPr lang="en-US" altLang="ko-KR" sz="900" kern="1200" baseline="0" dirty="0" smtClean="0">
+                          <a:solidFill>
+                            <a:schemeClr val="dk1"/>
+                          </a:solidFill>
+                          <a:latin typeface="+mn-lt"/>
+                          <a:ea typeface="+mn-ea"/>
+                          <a:cs typeface="+mn-cs"/>
+                        </a:rPr>
+                        <a:t> Snake* </a:t>
+                      </a:r>
+                      <a:r>
+                        <a:rPr lang="en-US" altLang="ko-KR" sz="900" kern="1200" baseline="0" dirty="0" err="1" smtClean="0">
+                          <a:solidFill>
+                            <a:schemeClr val="dk1"/>
+                          </a:solidFill>
+                          <a:latin typeface="+mn-lt"/>
+                          <a:ea typeface="+mn-ea"/>
+                          <a:cs typeface="+mn-cs"/>
+                        </a:rPr>
+                        <a:t>GetSnake</a:t>
+                      </a:r>
+                      <a:r>
+                        <a:rPr lang="en-US" altLang="ko-KR" sz="900" kern="1200" baseline="0" dirty="0" smtClean="0">
+                          <a:solidFill>
+                            <a:schemeClr val="dk1"/>
+                          </a:solidFill>
+                          <a:latin typeface="+mn-lt"/>
+                          <a:ea typeface="+mn-ea"/>
+                          <a:cs typeface="+mn-cs"/>
+                        </a:rPr>
+                        <a:t>() </a:t>
+                      </a:r>
+                      <a:r>
+                        <a:rPr lang="en-US" altLang="ko-KR" sz="900" kern="1200" baseline="0" dirty="0" err="1" smtClean="0">
+                          <a:solidFill>
+                            <a:schemeClr val="dk1"/>
+                          </a:solidFill>
+                          <a:latin typeface="+mn-lt"/>
+                          <a:ea typeface="+mn-ea"/>
+                          <a:cs typeface="+mn-cs"/>
+                        </a:rPr>
+                        <a:t>const</a:t>
+                      </a:r>
+                      <a:r>
+                        <a:rPr lang="en-US" altLang="ko-KR" sz="900" kern="1200" baseline="0" dirty="0" smtClean="0">
+                          <a:solidFill>
+                            <a:schemeClr val="dk1"/>
+                          </a:solidFill>
+                          <a:latin typeface="+mn-lt"/>
+                          <a:ea typeface="+mn-ea"/>
+                          <a:cs typeface="+mn-cs"/>
+                        </a:rPr>
+                        <a:t>;</a:t>
+                      </a:r>
+                      <a:endParaRPr lang="en-US" altLang="ko-KR" sz="900" baseline="0" dirty="0" smtClean="0"/>
+                    </a:p>
+                    <a:p>
+                      <a:pPr latinLnBrk="1"/>
+                      <a:endParaRPr lang="en-US" altLang="ko-KR" sz="1000" baseline="0" dirty="0" smtClean="0"/>
+                    </a:p>
+                  </a:txBody>
+                  <a:tcPr/>
+                </a:tc>
+                <a:extLst>
+                  <a:ext uri="{0D108BD9-81ED-4DB2-BD59-A6C34878D82A}">
+                    <a16:rowId xmlns:a16="http://schemas.microsoft.com/office/drawing/2014/main" val="10002"/>
+                  </a:ext>
+                </a:extLst>
+              </a:tr>
+            </a:tbl>
+          </a:graphicData>
+        </a:graphic>
+      </p:graphicFrame>
+      <p:cxnSp>
+        <p:nvCxnSpPr>
+          <p:cNvPr id="20" name="꺾인 연결선 19"/>
+          <p:cNvCxnSpPr/>
+          <p:nvPr/>
+        </p:nvCxnSpPr>
+        <p:spPr>
+          <a:xfrm flipV="1">
+            <a:off x="1330036" y="2111433"/>
+            <a:ext cx="2248569" cy="798023"/>
+          </a:xfrm>
+          <a:prstGeom prst="bentConnector3">
+            <a:avLst>
+              <a:gd name="adj1" fmla="val 84751"/>
+            </a:avLst>
+          </a:prstGeom>
+          <a:ln>
+            <a:tailEnd type="arrow" w="lg" len="lg"/>
+          </a:ln>
+        </p:spPr>
+        <p:style>
+          <a:lnRef idx="1">
+            <a:schemeClr val="accent1"/>
+          </a:lnRef>
+          <a:fillRef idx="0">
+            <a:schemeClr val="accent1"/>
+          </a:fillRef>
+          <a:effectRef idx="0">
+            <a:schemeClr val="accent1"/>
+          </a:effectRef>
+          <a:fontRef idx="minor">
+            <a:schemeClr val="tx1"/>
+          </a:fontRef>
+        </p:style>
+      </p:cxnSp>
+      <p:cxnSp>
+        <p:nvCxnSpPr>
+          <p:cNvPr id="22" name="꺾인 연결선 21"/>
+          <p:cNvCxnSpPr/>
+          <p:nvPr/>
+        </p:nvCxnSpPr>
+        <p:spPr>
+          <a:xfrm>
+            <a:off x="1486905" y="3058274"/>
+            <a:ext cx="1980334" cy="1513726"/>
+          </a:xfrm>
+          <a:prstGeom prst="bentConnector3">
+            <a:avLst>
+              <a:gd name="adj1" fmla="val 88618"/>
+            </a:avLst>
+          </a:prstGeom>
+          <a:ln>
+            <a:tailEnd type="arrow" w="lg" len="lg"/>
+          </a:ln>
+        </p:spPr>
+        <p:style>
+          <a:lnRef idx="1">
+            <a:schemeClr val="accent1"/>
+          </a:lnRef>
+          <a:fillRef idx="0">
+            <a:schemeClr val="accent1"/>
+          </a:fillRef>
+          <a:effectRef idx="0">
+            <a:schemeClr val="accent1"/>
+          </a:effectRef>
+          <a:fontRef idx="minor">
+            <a:schemeClr val="tx1"/>
+          </a:fontRef>
+        </p:style>
+      </p:cxnSp>
+      <p:cxnSp>
+        <p:nvCxnSpPr>
+          <p:cNvPr id="23" name="직선 화살표 연결선 22"/>
+          <p:cNvCxnSpPr/>
+          <p:nvPr/>
+        </p:nvCxnSpPr>
+        <p:spPr>
+          <a:xfrm>
+            <a:off x="5170516" y="2493818"/>
+            <a:ext cx="3524576" cy="1"/>
+          </a:xfrm>
+          <a:prstGeom prst="straightConnector1">
+            <a:avLst/>
+          </a:prstGeom>
+          <a:ln>
+            <a:tailEnd type="arrow" w="lg" len="lg"/>
+          </a:ln>
+        </p:spPr>
+        <p:style>
+          <a:lnRef idx="1">
+            <a:schemeClr val="accent1"/>
+          </a:lnRef>
+          <a:fillRef idx="0">
+            <a:schemeClr val="accent1"/>
+          </a:fillRef>
+          <a:effectRef idx="0">
+            <a:schemeClr val="accent1"/>
+          </a:effectRef>
+          <a:fontRef idx="minor">
+            <a:schemeClr val="tx1"/>
+          </a:fontRef>
+        </p:style>
+      </p:cxnSp>
+      <p:sp>
+        <p:nvSpPr>
+          <p:cNvPr id="25" name="TextBox 24"/>
+          <p:cNvSpPr txBox="1"/>
+          <p:nvPr/>
+        </p:nvSpPr>
+        <p:spPr>
+          <a:xfrm>
+            <a:off x="7109014" y="5104215"/>
+            <a:ext cx="4600940" cy="369332"/>
+          </a:xfrm>
+          <a:prstGeom prst="rect">
+            <a:avLst/>
+          </a:prstGeom>
+          <a:noFill/>
+        </p:spPr>
+        <p:txBody>
+          <a:bodyPr wrap="none" rtlCol="0">
+            <a:spAutoFit/>
+          </a:bodyPr>
+          <a:lstStyle/>
+          <a:p>
+            <a:r>
+              <a:rPr lang="en-US" altLang="ko-KR" dirty="0" smtClean="0"/>
+              <a:t>&lt;</a:t>
+            </a:r>
+            <a:r>
+              <a:rPr lang="ko-KR" altLang="en-US" dirty="0" smtClean="0"/>
+              <a:t>뱀 </a:t>
+            </a:r>
+            <a:r>
+              <a:rPr lang="en-US" altLang="ko-KR" dirty="0" smtClean="0"/>
+              <a:t>UML – 2017. </a:t>
+            </a:r>
+            <a:r>
+              <a:rPr lang="en-US" altLang="ko-KR" dirty="0" smtClean="0"/>
+              <a:t>7. 19 </a:t>
+            </a:r>
+            <a:r>
+              <a:rPr lang="ko-KR" altLang="en-US" dirty="0" smtClean="0"/>
+              <a:t>추가 수정된 </a:t>
+            </a:r>
+            <a:r>
+              <a:rPr lang="ko-KR" altLang="en-US" dirty="0" smtClean="0"/>
+              <a:t>사항</a:t>
+            </a:r>
+            <a:r>
+              <a:rPr lang="en-US" altLang="ko-KR" dirty="0" smtClean="0"/>
+              <a:t>&gt;</a:t>
+            </a:r>
+            <a:endParaRPr lang="ko-KR" altLang="en-US" dirty="0"/>
+          </a:p>
+        </p:txBody>
+      </p:sp>
+      <p:graphicFrame>
+        <p:nvGraphicFramePr>
+          <p:cNvPr id="14" name="표 13"/>
+          <p:cNvGraphicFramePr>
+            <a:graphicFrameLocks noGrp="1"/>
+          </p:cNvGraphicFramePr>
+          <p:nvPr>
+            <p:extLst>
+              <p:ext uri="{D42A27DB-BD31-4B8C-83A1-F6EECF244321}">
+                <p14:modId xmlns:p14="http://schemas.microsoft.com/office/powerpoint/2010/main" val="3493577939"/>
+              </p:ext>
+            </p:extLst>
+          </p:nvPr>
+        </p:nvGraphicFramePr>
+        <p:xfrm>
+          <a:off x="361531" y="478930"/>
+          <a:ext cx="2759039" cy="1485054"/>
+        </p:xfrm>
+        <a:graphic>
+          <a:graphicData uri="http://schemas.openxmlformats.org/drawingml/2006/table">
+            <a:tbl>
+              <a:tblPr firstRow="1" bandRow="1">
+                <a:tableStyleId>{5C22544A-7EE6-4342-B048-85BDC9FD1C3A}</a:tableStyleId>
+              </a:tblPr>
+              <a:tblGrid>
+                <a:gridCol w="2759039">
+                  <a:extLst>
+                    <a:ext uri="{9D8B030D-6E8A-4147-A177-3AD203B41FA5}">
+                      <a16:colId xmlns:a16="http://schemas.microsoft.com/office/drawing/2014/main" val="20000"/>
+                    </a:ext>
+                  </a:extLst>
+                </a:gridCol>
+              </a:tblGrid>
+              <a:tr h="235852">
+                <a:tc>
+                  <a:txBody>
+                    <a:bodyPr/>
+                    <a:lstStyle/>
+                    <a:p>
+                      <a:pPr latinLnBrk="1"/>
+                      <a:r>
+                        <a:rPr lang="en-US" altLang="ko-KR" sz="1000" b="1" i="1" kern="1200" dirty="0" err="1" smtClean="0">
+                          <a:solidFill>
+                            <a:schemeClr val="lt1"/>
+                          </a:solidFill>
+                          <a:latin typeface="+mn-lt"/>
+                          <a:ea typeface="+mn-ea"/>
+                          <a:cs typeface="+mn-cs"/>
+                        </a:rPr>
+                        <a:t>CSnakeGameComponent</a:t>
+                      </a:r>
+                      <a:endParaRPr lang="ko-KR" altLang="en-US" sz="1000" b="1" i="1" kern="1200" dirty="0">
+                        <a:solidFill>
+                          <a:schemeClr val="lt1"/>
+                        </a:solidFill>
+                        <a:latin typeface="+mn-lt"/>
+                        <a:ea typeface="+mn-ea"/>
+                        <a:cs typeface="+mn-cs"/>
+                      </a:endParaRPr>
+                    </a:p>
+                  </a:txBody>
+                  <a:tcPr/>
+                </a:tc>
+                <a:extLst>
+                  <a:ext uri="{0D108BD9-81ED-4DB2-BD59-A6C34878D82A}">
+                    <a16:rowId xmlns:a16="http://schemas.microsoft.com/office/drawing/2014/main" val="10000"/>
+                  </a:ext>
+                </a:extLst>
+              </a:tr>
+              <a:tr h="326814">
+                <a:tc>
+                  <a:txBody>
+                    <a:bodyPr/>
+                    <a:lstStyle/>
+                    <a:p>
+                      <a:pPr latinLnBrk="1"/>
+                      <a:r>
+                        <a:rPr lang="en-US" altLang="ko-KR" sz="1000" kern="1200" dirty="0" smtClean="0">
+                          <a:solidFill>
+                            <a:schemeClr val="dk1"/>
+                          </a:solidFill>
+                          <a:latin typeface="+mn-lt"/>
+                          <a:ea typeface="+mn-ea"/>
+                          <a:cs typeface="+mn-cs"/>
+                        </a:rPr>
+                        <a:t># </a:t>
+                      </a:r>
+                      <a:r>
+                        <a:rPr lang="en-US" altLang="ko-KR" sz="1000" kern="1200" dirty="0" err="1" smtClean="0">
+                          <a:solidFill>
+                            <a:schemeClr val="dk1"/>
+                          </a:solidFill>
+                          <a:latin typeface="+mn-lt"/>
+                          <a:ea typeface="+mn-ea"/>
+                          <a:cs typeface="+mn-cs"/>
+                        </a:rPr>
+                        <a:t>CObserver</a:t>
+                      </a:r>
+                      <a:r>
+                        <a:rPr lang="en-US" altLang="ko-KR" sz="1000" kern="1200" dirty="0" smtClean="0">
+                          <a:solidFill>
+                            <a:schemeClr val="dk1"/>
+                          </a:solidFill>
+                          <a:latin typeface="+mn-lt"/>
+                          <a:ea typeface="+mn-ea"/>
+                          <a:cs typeface="+mn-cs"/>
+                        </a:rPr>
+                        <a:t>* </a:t>
+                      </a:r>
+                      <a:r>
+                        <a:rPr lang="en-US" altLang="ko-KR" sz="1000" kern="1200" dirty="0" err="1" smtClean="0">
+                          <a:solidFill>
+                            <a:schemeClr val="dk1"/>
+                          </a:solidFill>
+                          <a:latin typeface="+mn-lt"/>
+                          <a:ea typeface="+mn-ea"/>
+                          <a:cs typeface="+mn-cs"/>
+                        </a:rPr>
+                        <a:t>m_observer</a:t>
+                      </a:r>
+                      <a:r>
+                        <a:rPr lang="en-US" altLang="ko-KR" sz="1000" kern="1200" dirty="0" smtClean="0">
+                          <a:solidFill>
+                            <a:schemeClr val="dk1"/>
+                          </a:solidFill>
+                          <a:latin typeface="+mn-lt"/>
+                          <a:ea typeface="+mn-ea"/>
+                          <a:cs typeface="+mn-cs"/>
+                        </a:rPr>
+                        <a:t>;</a:t>
+                      </a:r>
+                      <a:endParaRPr lang="ko-KR" altLang="en-US" sz="1000" kern="1200" dirty="0">
+                        <a:solidFill>
+                          <a:schemeClr val="dk1"/>
+                        </a:solidFill>
+                        <a:latin typeface="+mn-lt"/>
+                        <a:ea typeface="+mn-ea"/>
+                        <a:cs typeface="+mn-cs"/>
+                      </a:endParaRPr>
+                    </a:p>
+                  </a:txBody>
+                  <a:tcPr/>
+                </a:tc>
+                <a:extLst>
+                  <a:ext uri="{0D108BD9-81ED-4DB2-BD59-A6C34878D82A}">
+                    <a16:rowId xmlns:a16="http://schemas.microsoft.com/office/drawing/2014/main" val="10001"/>
+                  </a:ext>
+                </a:extLst>
+              </a:tr>
+              <a:tr h="618433">
+                <a:tc>
+                  <a:txBody>
+                    <a:bodyPr/>
+                    <a:lstStyle/>
+                    <a:p>
+                      <a:pPr marL="0" algn="l" defTabSz="914400" rtl="0" eaLnBrk="1" latinLnBrk="1" hangingPunct="1"/>
+                      <a:r>
+                        <a:rPr lang="en-US" altLang="ko-KR" sz="900" b="0" kern="1200" baseline="0" dirty="0" smtClean="0">
+                          <a:solidFill>
+                            <a:schemeClr val="tx1"/>
+                          </a:solidFill>
+                          <a:latin typeface="+mn-lt"/>
+                          <a:ea typeface="+mn-ea"/>
+                          <a:cs typeface="+mn-cs"/>
+                        </a:rPr>
+                        <a:t>+ </a:t>
+                      </a:r>
+                      <a:r>
+                        <a:rPr lang="en-US" altLang="ko-KR" sz="900" b="0" kern="1200" baseline="0" dirty="0" err="1" smtClean="0">
+                          <a:solidFill>
+                            <a:schemeClr val="tx1"/>
+                          </a:solidFill>
+                          <a:latin typeface="+mn-lt"/>
+                          <a:ea typeface="+mn-ea"/>
+                          <a:cs typeface="+mn-cs"/>
+                        </a:rPr>
+                        <a:t>CSnakeGameComponent</a:t>
+                      </a:r>
+                      <a:r>
+                        <a:rPr lang="en-US" altLang="ko-KR" sz="900" b="0" kern="1200" baseline="0" dirty="0" smtClean="0">
+                          <a:solidFill>
+                            <a:schemeClr val="tx1"/>
+                          </a:solidFill>
+                          <a:latin typeface="+mn-lt"/>
+                          <a:ea typeface="+mn-ea"/>
+                          <a:cs typeface="+mn-cs"/>
+                        </a:rPr>
+                        <a:t>();</a:t>
+                      </a:r>
+                    </a:p>
+                    <a:p>
+                      <a:pPr marL="0" algn="l" defTabSz="914400" rtl="0" eaLnBrk="1" latinLnBrk="1" hangingPunct="1"/>
+                      <a:r>
+                        <a:rPr lang="en-US" altLang="ko-KR" sz="900" b="0" kern="1200" baseline="0" dirty="0" smtClean="0">
+                          <a:solidFill>
+                            <a:schemeClr val="tx1"/>
+                          </a:solidFill>
+                          <a:latin typeface="+mn-lt"/>
+                          <a:ea typeface="+mn-ea"/>
+                          <a:cs typeface="+mn-cs"/>
+                        </a:rPr>
+                        <a:t>+ </a:t>
+                      </a:r>
+                      <a:r>
+                        <a:rPr lang="en-US" altLang="ko-KR" sz="900" b="0" i="1" kern="1200" baseline="0" dirty="0" smtClean="0">
+                          <a:solidFill>
+                            <a:schemeClr val="tx1"/>
+                          </a:solidFill>
+                          <a:latin typeface="+mn-lt"/>
+                          <a:ea typeface="+mn-ea"/>
+                          <a:cs typeface="+mn-cs"/>
+                        </a:rPr>
+                        <a:t>~</a:t>
+                      </a:r>
+                      <a:r>
+                        <a:rPr lang="en-US" altLang="ko-KR" sz="900" b="0" i="1" kern="1200" baseline="0" dirty="0" err="1" smtClean="0">
+                          <a:solidFill>
+                            <a:schemeClr val="tx1"/>
+                          </a:solidFill>
+                          <a:latin typeface="+mn-lt"/>
+                          <a:ea typeface="+mn-ea"/>
+                          <a:cs typeface="+mn-cs"/>
+                        </a:rPr>
+                        <a:t>CSnakeGameComponent</a:t>
+                      </a:r>
+                      <a:r>
+                        <a:rPr lang="en-US" altLang="ko-KR" sz="900" b="0" i="1" kern="1200" baseline="0" dirty="0" smtClean="0">
+                          <a:solidFill>
+                            <a:schemeClr val="tx1"/>
+                          </a:solidFill>
+                          <a:latin typeface="+mn-lt"/>
+                          <a:ea typeface="+mn-ea"/>
+                          <a:cs typeface="+mn-cs"/>
+                        </a:rPr>
+                        <a:t>();</a:t>
+                      </a:r>
+                    </a:p>
+                    <a:p>
+                      <a:pPr marL="0" algn="l" defTabSz="914400" rtl="0" eaLnBrk="1" latinLnBrk="1" hangingPunct="1"/>
+                      <a:endParaRPr lang="ko-KR" altLang="en-US" sz="900" b="0" kern="1200" baseline="0" dirty="0" smtClean="0">
+                        <a:solidFill>
+                          <a:schemeClr val="tx1"/>
+                        </a:solidFill>
+                        <a:latin typeface="+mn-lt"/>
+                        <a:ea typeface="+mn-ea"/>
+                        <a:cs typeface="+mn-cs"/>
+                      </a:endParaRPr>
+                    </a:p>
+                    <a:p>
+                      <a:pPr marL="0" algn="l" defTabSz="914400" rtl="0" eaLnBrk="1" latinLnBrk="1" hangingPunct="1"/>
+                      <a:r>
+                        <a:rPr lang="en-US" altLang="ko-KR" sz="900" b="0" kern="1200" baseline="0" dirty="0" smtClean="0">
+                          <a:solidFill>
+                            <a:schemeClr val="tx1"/>
+                          </a:solidFill>
+                          <a:latin typeface="+mn-lt"/>
+                          <a:ea typeface="+mn-ea"/>
+                          <a:cs typeface="+mn-cs"/>
+                        </a:rPr>
+                        <a:t>+ void </a:t>
+                      </a:r>
+                      <a:r>
+                        <a:rPr lang="en-US" altLang="ko-KR" sz="900" b="0" kern="1200" baseline="0" dirty="0" err="1" smtClean="0">
+                          <a:solidFill>
+                            <a:schemeClr val="tx1"/>
+                          </a:solidFill>
+                          <a:latin typeface="+mn-lt"/>
+                          <a:ea typeface="+mn-ea"/>
+                          <a:cs typeface="+mn-cs"/>
+                        </a:rPr>
+                        <a:t>NotifyObserver</a:t>
+                      </a:r>
+                      <a:r>
+                        <a:rPr lang="en-US" altLang="ko-KR" sz="900" b="0" kern="1200" baseline="0" dirty="0" smtClean="0">
+                          <a:solidFill>
+                            <a:schemeClr val="tx1"/>
+                          </a:solidFill>
+                          <a:latin typeface="+mn-lt"/>
+                          <a:ea typeface="+mn-ea"/>
+                          <a:cs typeface="+mn-cs"/>
+                        </a:rPr>
+                        <a:t>(bool </a:t>
+                      </a:r>
+                      <a:r>
+                        <a:rPr lang="en-US" altLang="ko-KR" sz="900" b="0" kern="1200" baseline="0" dirty="0" err="1" smtClean="0">
+                          <a:solidFill>
+                            <a:schemeClr val="tx1"/>
+                          </a:solidFill>
+                          <a:latin typeface="+mn-lt"/>
+                          <a:ea typeface="+mn-ea"/>
+                          <a:cs typeface="+mn-cs"/>
+                        </a:rPr>
+                        <a:t>bDraw</a:t>
+                      </a:r>
+                      <a:r>
+                        <a:rPr lang="en-US" altLang="ko-KR" sz="900" b="0" kern="1200" baseline="0" dirty="0" smtClean="0">
+                          <a:solidFill>
+                            <a:schemeClr val="tx1"/>
+                          </a:solidFill>
+                          <a:latin typeface="+mn-lt"/>
+                          <a:ea typeface="+mn-ea"/>
+                          <a:cs typeface="+mn-cs"/>
+                        </a:rPr>
+                        <a:t>=true, </a:t>
+                      </a:r>
+                      <a:r>
+                        <a:rPr lang="en-US" altLang="ko-KR" sz="900" b="0" kern="1200" baseline="0" dirty="0" err="1" smtClean="0">
+                          <a:solidFill>
+                            <a:schemeClr val="tx1"/>
+                          </a:solidFill>
+                          <a:latin typeface="+mn-lt"/>
+                          <a:ea typeface="+mn-ea"/>
+                          <a:cs typeface="+mn-cs"/>
+                        </a:rPr>
+                        <a:t>int</a:t>
+                      </a:r>
+                      <a:r>
+                        <a:rPr lang="en-US" altLang="ko-KR" sz="900" b="0" kern="1200" baseline="0" dirty="0" smtClean="0">
+                          <a:solidFill>
+                            <a:schemeClr val="tx1"/>
+                          </a:solidFill>
+                          <a:latin typeface="+mn-lt"/>
+                          <a:ea typeface="+mn-ea"/>
+                          <a:cs typeface="+mn-cs"/>
+                        </a:rPr>
+                        <a:t> </a:t>
+                      </a:r>
+                      <a:r>
+                        <a:rPr lang="en-US" altLang="ko-KR" sz="900" b="0" kern="1200" baseline="0" dirty="0" err="1" smtClean="0">
+                          <a:solidFill>
+                            <a:schemeClr val="tx1"/>
+                          </a:solidFill>
+                          <a:latin typeface="+mn-lt"/>
+                          <a:ea typeface="+mn-ea"/>
+                          <a:cs typeface="+mn-cs"/>
+                        </a:rPr>
+                        <a:t>a_nScore</a:t>
+                      </a:r>
+                      <a:r>
+                        <a:rPr lang="en-US" altLang="ko-KR" sz="900" b="0" kern="1200" baseline="0" dirty="0" smtClean="0">
+                          <a:solidFill>
+                            <a:schemeClr val="tx1"/>
+                          </a:solidFill>
+                          <a:latin typeface="+mn-lt"/>
+                          <a:ea typeface="+mn-ea"/>
+                          <a:cs typeface="+mn-cs"/>
+                        </a:rPr>
+                        <a:t>=-1);</a:t>
+                      </a:r>
+                    </a:p>
+                    <a:p>
+                      <a:pPr marL="0" algn="l" defTabSz="914400" rtl="0" eaLnBrk="1" latinLnBrk="1" hangingPunct="1"/>
+                      <a:r>
+                        <a:rPr lang="en-US" altLang="ko-KR" sz="900" b="0" kern="1200" baseline="0" dirty="0" smtClean="0">
+                          <a:solidFill>
+                            <a:schemeClr val="tx1"/>
+                          </a:solidFill>
+                          <a:latin typeface="+mn-lt"/>
+                          <a:ea typeface="+mn-ea"/>
+                          <a:cs typeface="+mn-cs"/>
+                        </a:rPr>
+                        <a:t>+ </a:t>
+                      </a:r>
+                      <a:r>
+                        <a:rPr lang="en-US" altLang="ko-KR" sz="900" b="0" i="1" kern="1200" baseline="0" dirty="0" smtClean="0">
+                          <a:solidFill>
+                            <a:schemeClr val="tx1"/>
+                          </a:solidFill>
+                          <a:latin typeface="+mn-lt"/>
+                          <a:ea typeface="+mn-ea"/>
+                          <a:cs typeface="+mn-cs"/>
+                        </a:rPr>
+                        <a:t>void </a:t>
+                      </a:r>
+                      <a:r>
+                        <a:rPr lang="en-US" altLang="ko-KR" sz="900" b="0" i="1" kern="1200" baseline="0" dirty="0" err="1" smtClean="0">
+                          <a:solidFill>
+                            <a:schemeClr val="tx1"/>
+                          </a:solidFill>
+                          <a:latin typeface="+mn-lt"/>
+                          <a:ea typeface="+mn-ea"/>
+                          <a:cs typeface="+mn-cs"/>
+                        </a:rPr>
+                        <a:t>SetObserver</a:t>
+                      </a:r>
+                      <a:r>
+                        <a:rPr lang="en-US" altLang="ko-KR" sz="900" b="0" i="1" kern="1200" baseline="0" dirty="0" smtClean="0">
+                          <a:solidFill>
+                            <a:schemeClr val="tx1"/>
+                          </a:solidFill>
+                          <a:latin typeface="+mn-lt"/>
+                          <a:ea typeface="+mn-ea"/>
+                          <a:cs typeface="+mn-cs"/>
+                        </a:rPr>
+                        <a:t>(</a:t>
+                      </a:r>
+                      <a:r>
+                        <a:rPr lang="en-US" altLang="ko-KR" sz="900" b="0" i="1" kern="1200" baseline="0" dirty="0" err="1" smtClean="0">
+                          <a:solidFill>
+                            <a:schemeClr val="tx1"/>
+                          </a:solidFill>
+                          <a:latin typeface="+mn-lt"/>
+                          <a:ea typeface="+mn-ea"/>
+                          <a:cs typeface="+mn-cs"/>
+                        </a:rPr>
+                        <a:t>CObserver</a:t>
+                      </a:r>
+                      <a:r>
+                        <a:rPr lang="en-US" altLang="ko-KR" sz="900" b="0" i="1" kern="1200" baseline="0" dirty="0" smtClean="0">
+                          <a:solidFill>
+                            <a:schemeClr val="tx1"/>
+                          </a:solidFill>
+                          <a:latin typeface="+mn-lt"/>
+                          <a:ea typeface="+mn-ea"/>
+                          <a:cs typeface="+mn-cs"/>
+                        </a:rPr>
+                        <a:t>* </a:t>
+                      </a:r>
+                      <a:r>
+                        <a:rPr lang="en-US" altLang="ko-KR" sz="900" b="0" i="1" kern="1200" baseline="0" dirty="0" err="1" smtClean="0">
+                          <a:solidFill>
+                            <a:schemeClr val="tx1"/>
+                          </a:solidFill>
+                          <a:latin typeface="+mn-lt"/>
+                          <a:ea typeface="+mn-ea"/>
+                          <a:cs typeface="+mn-cs"/>
+                        </a:rPr>
+                        <a:t>a_observer</a:t>
+                      </a:r>
+                      <a:r>
+                        <a:rPr lang="en-US" altLang="ko-KR" sz="900" b="0" i="1" kern="1200" baseline="0" dirty="0" smtClean="0">
+                          <a:solidFill>
+                            <a:schemeClr val="tx1"/>
+                          </a:solidFill>
+                          <a:latin typeface="+mn-lt"/>
+                          <a:ea typeface="+mn-ea"/>
+                          <a:cs typeface="+mn-cs"/>
+                        </a:rPr>
+                        <a:t>) = 0;</a:t>
+                      </a:r>
+                      <a:endParaRPr lang="en-US" altLang="ko-KR" sz="900" b="0" i="1" kern="1200" baseline="0" dirty="0" smtClean="0">
+                        <a:solidFill>
+                          <a:schemeClr val="tx1"/>
+                        </a:solidFill>
+                        <a:latin typeface="+mn-lt"/>
+                        <a:ea typeface="+mn-ea"/>
+                        <a:cs typeface="+mn-cs"/>
+                      </a:endParaRPr>
+                    </a:p>
+                  </a:txBody>
+                  <a:tcPr/>
+                </a:tc>
+                <a:extLst>
+                  <a:ext uri="{0D108BD9-81ED-4DB2-BD59-A6C34878D82A}">
+                    <a16:rowId xmlns:a16="http://schemas.microsoft.com/office/drawing/2014/main" val="10002"/>
+                  </a:ext>
+                </a:extLst>
+              </a:tr>
+            </a:tbl>
+          </a:graphicData>
+        </a:graphic>
+      </p:graphicFrame>
+      <p:cxnSp>
+        <p:nvCxnSpPr>
+          <p:cNvPr id="26" name="직선 화살표 연결선 25"/>
+          <p:cNvCxnSpPr/>
+          <p:nvPr/>
+        </p:nvCxnSpPr>
+        <p:spPr>
+          <a:xfrm flipH="1" flipV="1">
+            <a:off x="1687484" y="2019990"/>
+            <a:ext cx="2378" cy="413624"/>
+          </a:xfrm>
+          <a:prstGeom prst="straightConnector1">
+            <a:avLst/>
+          </a:prstGeom>
+          <a:ln w="38100">
+            <a:solidFill>
+              <a:schemeClr val="accent1"/>
+            </a:solidFill>
+            <a:tailEnd type="triangle" w="lg" len="lg"/>
+          </a:ln>
+        </p:spPr>
+        <p:style>
+          <a:lnRef idx="1">
+            <a:schemeClr val="accent1"/>
+          </a:lnRef>
+          <a:fillRef idx="0">
+            <a:schemeClr val="accent1"/>
+          </a:fillRef>
+          <a:effectRef idx="0">
+            <a:schemeClr val="accent1"/>
+          </a:effectRef>
+          <a:fontRef idx="minor">
+            <a:schemeClr val="tx1"/>
+          </a:fontRef>
+        </p:style>
+      </p:cxnSp>
+      <p:graphicFrame>
+        <p:nvGraphicFramePr>
+          <p:cNvPr id="27" name="표 26"/>
+          <p:cNvGraphicFramePr>
+            <a:graphicFrameLocks noGrp="1"/>
+          </p:cNvGraphicFramePr>
+          <p:nvPr>
+            <p:extLst>
+              <p:ext uri="{D42A27DB-BD31-4B8C-83A1-F6EECF244321}">
+                <p14:modId xmlns:p14="http://schemas.microsoft.com/office/powerpoint/2010/main" val="2934490796"/>
+              </p:ext>
+            </p:extLst>
+          </p:nvPr>
+        </p:nvGraphicFramePr>
+        <p:xfrm>
+          <a:off x="3928052" y="724018"/>
+          <a:ext cx="2647673" cy="1210734"/>
+        </p:xfrm>
+        <a:graphic>
+          <a:graphicData uri="http://schemas.openxmlformats.org/drawingml/2006/table">
+            <a:tbl>
+              <a:tblPr firstRow="1" bandRow="1">
+                <a:tableStyleId>{5C22544A-7EE6-4342-B048-85BDC9FD1C3A}</a:tableStyleId>
+              </a:tblPr>
+              <a:tblGrid>
+                <a:gridCol w="2647673">
+                  <a:extLst>
+                    <a:ext uri="{9D8B030D-6E8A-4147-A177-3AD203B41FA5}">
+                      <a16:colId xmlns:a16="http://schemas.microsoft.com/office/drawing/2014/main" val="20000"/>
+                    </a:ext>
+                  </a:extLst>
+                </a:gridCol>
+              </a:tblGrid>
+              <a:tr h="235852">
+                <a:tc>
+                  <a:txBody>
+                    <a:bodyPr/>
+                    <a:lstStyle/>
+                    <a:p>
+                      <a:pPr latinLnBrk="1"/>
+                      <a:r>
+                        <a:rPr lang="en-US" altLang="ko-KR" sz="1000" b="1" i="1" kern="1200" dirty="0" err="1" smtClean="0">
+                          <a:solidFill>
+                            <a:schemeClr val="lt1"/>
+                          </a:solidFill>
+                          <a:latin typeface="+mn-lt"/>
+                          <a:ea typeface="+mn-ea"/>
+                          <a:cs typeface="+mn-cs"/>
+                        </a:rPr>
+                        <a:t>CObserver</a:t>
+                      </a:r>
+                      <a:endParaRPr lang="ko-KR" altLang="en-US" sz="1000" b="1" i="1" kern="1200" dirty="0">
+                        <a:solidFill>
+                          <a:schemeClr val="lt1"/>
+                        </a:solidFill>
+                        <a:latin typeface="+mn-lt"/>
+                        <a:ea typeface="+mn-ea"/>
+                        <a:cs typeface="+mn-cs"/>
+                      </a:endParaRPr>
+                    </a:p>
+                  </a:txBody>
+                  <a:tcPr/>
+                </a:tc>
+                <a:extLst>
+                  <a:ext uri="{0D108BD9-81ED-4DB2-BD59-A6C34878D82A}">
+                    <a16:rowId xmlns:a16="http://schemas.microsoft.com/office/drawing/2014/main" val="10000"/>
+                  </a:ext>
+                </a:extLst>
+              </a:tr>
+              <a:tr h="326814">
+                <a:tc>
+                  <a:txBody>
+                    <a:bodyPr/>
+                    <a:lstStyle/>
+                    <a:p>
+                      <a:pPr latinLnBrk="1"/>
+                      <a:r>
+                        <a:rPr lang="en-US" altLang="ko-KR" sz="1000" kern="1200" dirty="0" smtClean="0">
+                          <a:solidFill>
+                            <a:schemeClr val="dk1"/>
+                          </a:solidFill>
+                          <a:latin typeface="+mn-lt"/>
+                          <a:ea typeface="+mn-ea"/>
+                          <a:cs typeface="+mn-cs"/>
+                        </a:rPr>
+                        <a:t># </a:t>
+                      </a:r>
+                      <a:r>
+                        <a:rPr lang="en-US" altLang="ko-KR" sz="1000" kern="1200" dirty="0" err="1" smtClean="0">
+                          <a:solidFill>
+                            <a:schemeClr val="dk1"/>
+                          </a:solidFill>
+                          <a:latin typeface="+mn-lt"/>
+                          <a:ea typeface="+mn-ea"/>
+                          <a:cs typeface="+mn-cs"/>
+                        </a:rPr>
+                        <a:t>CObserver</a:t>
+                      </a:r>
+                      <a:r>
+                        <a:rPr lang="en-US" altLang="ko-KR" sz="1000" kern="1200" dirty="0" smtClean="0">
+                          <a:solidFill>
+                            <a:schemeClr val="dk1"/>
+                          </a:solidFill>
+                          <a:latin typeface="+mn-lt"/>
+                          <a:ea typeface="+mn-ea"/>
+                          <a:cs typeface="+mn-cs"/>
+                        </a:rPr>
+                        <a:t>* </a:t>
+                      </a:r>
+                      <a:r>
+                        <a:rPr lang="en-US" altLang="ko-KR" sz="1000" kern="1200" dirty="0" err="1" smtClean="0">
+                          <a:solidFill>
+                            <a:schemeClr val="dk1"/>
+                          </a:solidFill>
+                          <a:latin typeface="+mn-lt"/>
+                          <a:ea typeface="+mn-ea"/>
+                          <a:cs typeface="+mn-cs"/>
+                        </a:rPr>
+                        <a:t>m_observer</a:t>
+                      </a:r>
+                      <a:r>
+                        <a:rPr lang="en-US" altLang="ko-KR" sz="1000" kern="1200" dirty="0" smtClean="0">
+                          <a:solidFill>
+                            <a:schemeClr val="dk1"/>
+                          </a:solidFill>
+                          <a:latin typeface="+mn-lt"/>
+                          <a:ea typeface="+mn-ea"/>
+                          <a:cs typeface="+mn-cs"/>
+                        </a:rPr>
+                        <a:t>;</a:t>
+                      </a:r>
+                      <a:endParaRPr lang="ko-KR" altLang="en-US" sz="1000" kern="1200" dirty="0">
+                        <a:solidFill>
+                          <a:schemeClr val="dk1"/>
+                        </a:solidFill>
+                        <a:latin typeface="+mn-lt"/>
+                        <a:ea typeface="+mn-ea"/>
+                        <a:cs typeface="+mn-cs"/>
+                      </a:endParaRPr>
+                    </a:p>
+                  </a:txBody>
+                  <a:tcPr/>
+                </a:tc>
+                <a:extLst>
+                  <a:ext uri="{0D108BD9-81ED-4DB2-BD59-A6C34878D82A}">
+                    <a16:rowId xmlns:a16="http://schemas.microsoft.com/office/drawing/2014/main" val="10001"/>
+                  </a:ext>
+                </a:extLst>
+              </a:tr>
+              <a:tr h="618433">
+                <a:tc>
+                  <a:txBody>
+                    <a:bodyPr/>
+                    <a:lstStyle/>
+                    <a:p>
+                      <a:pPr marL="0" algn="l" defTabSz="914400" rtl="0" eaLnBrk="1" latinLnBrk="1" hangingPunct="1"/>
+                      <a:r>
+                        <a:rPr lang="en-US" altLang="ko-KR" sz="900" b="0" kern="1200" baseline="0" dirty="0" smtClean="0">
+                          <a:solidFill>
+                            <a:schemeClr val="tx1"/>
+                          </a:solidFill>
+                          <a:latin typeface="+mn-lt"/>
+                          <a:ea typeface="+mn-ea"/>
+                          <a:cs typeface="+mn-cs"/>
+                        </a:rPr>
+                        <a:t>+ </a:t>
+                      </a:r>
+                      <a:r>
+                        <a:rPr lang="en-US" altLang="ko-KR" sz="900" b="0" kern="1200" baseline="0" dirty="0" err="1" smtClean="0">
+                          <a:solidFill>
+                            <a:schemeClr val="tx1"/>
+                          </a:solidFill>
+                          <a:latin typeface="+mn-lt"/>
+                          <a:ea typeface="+mn-ea"/>
+                          <a:cs typeface="+mn-cs"/>
+                        </a:rPr>
+                        <a:t>CObserver</a:t>
+                      </a:r>
+                      <a:r>
+                        <a:rPr lang="en-US" altLang="ko-KR" sz="900" b="0" kern="1200" baseline="0" dirty="0" smtClean="0">
+                          <a:solidFill>
+                            <a:schemeClr val="tx1"/>
+                          </a:solidFill>
+                          <a:latin typeface="+mn-lt"/>
+                          <a:ea typeface="+mn-ea"/>
+                          <a:cs typeface="+mn-cs"/>
+                        </a:rPr>
+                        <a:t>();</a:t>
+                      </a:r>
+                    </a:p>
+                    <a:p>
+                      <a:pPr marL="0" algn="l" defTabSz="914400" rtl="0" eaLnBrk="1" latinLnBrk="1" hangingPunct="1"/>
+                      <a:r>
+                        <a:rPr lang="en-US" altLang="ko-KR" sz="900" b="0" i="1" kern="1200" baseline="0" dirty="0" smtClean="0">
+                          <a:solidFill>
+                            <a:schemeClr val="tx1"/>
+                          </a:solidFill>
+                          <a:latin typeface="+mn-lt"/>
+                          <a:ea typeface="+mn-ea"/>
+                          <a:cs typeface="+mn-cs"/>
+                        </a:rPr>
+                        <a:t>+ ~</a:t>
+                      </a:r>
+                      <a:r>
+                        <a:rPr lang="en-US" altLang="ko-KR" sz="900" b="0" i="1" kern="1200" baseline="0" dirty="0" err="1" smtClean="0">
+                          <a:solidFill>
+                            <a:schemeClr val="tx1"/>
+                          </a:solidFill>
+                          <a:latin typeface="+mn-lt"/>
+                          <a:ea typeface="+mn-ea"/>
+                          <a:cs typeface="+mn-cs"/>
+                        </a:rPr>
+                        <a:t>CObserver</a:t>
+                      </a:r>
+                      <a:r>
+                        <a:rPr lang="en-US" altLang="ko-KR" sz="900" b="0" i="1" kern="1200" baseline="0" dirty="0" smtClean="0">
+                          <a:solidFill>
+                            <a:schemeClr val="tx1"/>
+                          </a:solidFill>
+                          <a:latin typeface="+mn-lt"/>
+                          <a:ea typeface="+mn-ea"/>
+                          <a:cs typeface="+mn-cs"/>
+                        </a:rPr>
+                        <a:t>();</a:t>
+                      </a:r>
+                    </a:p>
+                    <a:p>
+                      <a:pPr marL="0" algn="l" defTabSz="914400" rtl="0" eaLnBrk="1" latinLnBrk="1" hangingPunct="1"/>
+                      <a:r>
+                        <a:rPr lang="en-US" altLang="ko-KR" sz="900" b="0" i="1" kern="1200" baseline="0" dirty="0" smtClean="0">
+                          <a:solidFill>
+                            <a:schemeClr val="tx1"/>
+                          </a:solidFill>
+                          <a:latin typeface="+mn-lt"/>
+                          <a:ea typeface="+mn-ea"/>
+                          <a:cs typeface="+mn-cs"/>
+                        </a:rPr>
+                        <a:t>+ void </a:t>
+                      </a:r>
+                      <a:r>
+                        <a:rPr lang="en-US" altLang="ko-KR" sz="900" b="0" i="1" kern="1200" baseline="0" dirty="0" err="1" smtClean="0">
+                          <a:solidFill>
+                            <a:schemeClr val="tx1"/>
+                          </a:solidFill>
+                          <a:latin typeface="+mn-lt"/>
+                          <a:ea typeface="+mn-ea"/>
+                          <a:cs typeface="+mn-cs"/>
+                        </a:rPr>
+                        <a:t>UpdateUI</a:t>
+                      </a:r>
+                      <a:r>
+                        <a:rPr lang="en-US" altLang="ko-KR" sz="900" b="0" i="1" kern="1200" baseline="0" dirty="0" smtClean="0">
+                          <a:solidFill>
+                            <a:schemeClr val="tx1"/>
+                          </a:solidFill>
+                          <a:latin typeface="+mn-lt"/>
+                          <a:ea typeface="+mn-ea"/>
+                          <a:cs typeface="+mn-cs"/>
+                        </a:rPr>
+                        <a:t>()=0;</a:t>
+                      </a:r>
+                    </a:p>
+                    <a:p>
+                      <a:pPr marL="0" algn="l" defTabSz="914400" rtl="0" eaLnBrk="1" latinLnBrk="1" hangingPunct="1"/>
+                      <a:r>
+                        <a:rPr lang="en-US" altLang="ko-KR" sz="900" b="0" i="1" kern="1200" baseline="0" dirty="0" smtClean="0">
+                          <a:solidFill>
+                            <a:schemeClr val="tx1"/>
+                          </a:solidFill>
+                          <a:latin typeface="+mn-lt"/>
+                          <a:ea typeface="+mn-ea"/>
+                          <a:cs typeface="+mn-cs"/>
+                        </a:rPr>
+                        <a:t>+ void </a:t>
+                      </a:r>
+                      <a:r>
+                        <a:rPr lang="en-US" altLang="ko-KR" sz="900" b="0" i="1" kern="1200" baseline="0" dirty="0" err="1" smtClean="0">
+                          <a:solidFill>
+                            <a:schemeClr val="tx1"/>
+                          </a:solidFill>
+                          <a:latin typeface="+mn-lt"/>
+                          <a:ea typeface="+mn-ea"/>
+                          <a:cs typeface="+mn-cs"/>
+                        </a:rPr>
+                        <a:t>UpdateScore</a:t>
+                      </a:r>
+                      <a:r>
+                        <a:rPr lang="en-US" altLang="ko-KR" sz="900" b="0" i="1" kern="1200" baseline="0" dirty="0" smtClean="0">
+                          <a:solidFill>
+                            <a:schemeClr val="tx1"/>
+                          </a:solidFill>
+                          <a:latin typeface="+mn-lt"/>
+                          <a:ea typeface="+mn-ea"/>
+                          <a:cs typeface="+mn-cs"/>
+                        </a:rPr>
+                        <a:t>(</a:t>
+                      </a:r>
+                      <a:r>
+                        <a:rPr lang="en-US" altLang="ko-KR" sz="900" b="0" i="1" kern="1200" baseline="0" dirty="0" err="1" smtClean="0">
+                          <a:solidFill>
+                            <a:schemeClr val="tx1"/>
+                          </a:solidFill>
+                          <a:latin typeface="+mn-lt"/>
+                          <a:ea typeface="+mn-ea"/>
+                          <a:cs typeface="+mn-cs"/>
+                        </a:rPr>
+                        <a:t>int</a:t>
+                      </a:r>
+                      <a:r>
+                        <a:rPr lang="en-US" altLang="ko-KR" sz="900" b="0" i="1" kern="1200" baseline="0" dirty="0" smtClean="0">
+                          <a:solidFill>
+                            <a:schemeClr val="tx1"/>
+                          </a:solidFill>
+                          <a:latin typeface="+mn-lt"/>
+                          <a:ea typeface="+mn-ea"/>
+                          <a:cs typeface="+mn-cs"/>
+                        </a:rPr>
+                        <a:t> </a:t>
+                      </a:r>
+                      <a:r>
+                        <a:rPr lang="en-US" altLang="ko-KR" sz="900" b="0" i="1" kern="1200" baseline="0" dirty="0" err="1" smtClean="0">
+                          <a:solidFill>
+                            <a:schemeClr val="tx1"/>
+                          </a:solidFill>
+                          <a:latin typeface="+mn-lt"/>
+                          <a:ea typeface="+mn-ea"/>
+                          <a:cs typeface="+mn-cs"/>
+                        </a:rPr>
+                        <a:t>a_nScore</a:t>
+                      </a:r>
+                      <a:r>
+                        <a:rPr lang="en-US" altLang="ko-KR" sz="900" b="0" i="1" kern="1200" baseline="0" dirty="0" smtClean="0">
+                          <a:solidFill>
+                            <a:schemeClr val="tx1"/>
+                          </a:solidFill>
+                          <a:latin typeface="+mn-lt"/>
+                          <a:ea typeface="+mn-ea"/>
+                          <a:cs typeface="+mn-cs"/>
+                        </a:rPr>
+                        <a:t>)=0;</a:t>
+                      </a:r>
+                      <a:endParaRPr lang="en-US" altLang="ko-KR" sz="900" b="0" i="1" kern="1200" baseline="0" dirty="0" smtClean="0">
+                        <a:solidFill>
+                          <a:schemeClr val="tx1"/>
+                        </a:solidFill>
+                        <a:latin typeface="+mn-lt"/>
+                        <a:ea typeface="+mn-ea"/>
+                        <a:cs typeface="+mn-cs"/>
+                      </a:endParaRPr>
+                    </a:p>
+                  </a:txBody>
+                  <a:tcPr/>
+                </a:tc>
+                <a:extLst>
+                  <a:ext uri="{0D108BD9-81ED-4DB2-BD59-A6C34878D82A}">
+                    <a16:rowId xmlns:a16="http://schemas.microsoft.com/office/drawing/2014/main" val="10002"/>
+                  </a:ext>
+                </a:extLst>
+              </a:tr>
+            </a:tbl>
+          </a:graphicData>
+        </a:graphic>
+      </p:graphicFrame>
+      <p:cxnSp>
+        <p:nvCxnSpPr>
+          <p:cNvPr id="38" name="직선 화살표 연결선 37"/>
+          <p:cNvCxnSpPr/>
+          <p:nvPr/>
+        </p:nvCxnSpPr>
+        <p:spPr>
+          <a:xfrm>
+            <a:off x="2028305" y="856211"/>
+            <a:ext cx="1899747" cy="8314"/>
+          </a:xfrm>
+          <a:prstGeom prst="straightConnector1">
+            <a:avLst/>
+          </a:prstGeom>
+          <a:ln>
+            <a:tailEnd type="arrow" w="lg" len="lg"/>
+          </a:ln>
+        </p:spPr>
+        <p:style>
+          <a:lnRef idx="1">
+            <a:schemeClr val="accent1"/>
+          </a:lnRef>
+          <a:fillRef idx="0">
+            <a:schemeClr val="accent1"/>
+          </a:fillRef>
+          <a:effectRef idx="0">
+            <a:schemeClr val="accent1"/>
+          </a:effectRef>
+          <a:fontRef idx="minor">
+            <a:schemeClr val="tx1"/>
+          </a:fontRef>
+        </p:style>
+      </p:cxnSp>
+    </p:spTree>
+    <p:extLst>
+      <p:ext uri="{BB962C8B-B14F-4D97-AF65-F5344CB8AC3E}">
+        <p14:creationId xmlns:p14="http://schemas.microsoft.com/office/powerpoint/2010/main" val="2869492527"/>
       </p:ext>
     </p:extLst>
   </p:cSld>
